--- a/slides/Angular Slides Day 4.pptx
+++ b/slides/Angular Slides Day 4.pptx
@@ -5,16 +5,25 @@
     <p:sldMasterId id="2147483648" r:id="rId1"/>
   </p:sldMasterIdLst>
   <p:sldIdLst>
-    <p:sldId id="256" r:id="rId2"/>
-    <p:sldId id="258" r:id="rId3"/>
-    <p:sldId id="292" r:id="rId4"/>
-    <p:sldId id="283" r:id="rId5"/>
-    <p:sldId id="293" r:id="rId6"/>
-    <p:sldId id="284" r:id="rId7"/>
-    <p:sldId id="288" r:id="rId8"/>
-    <p:sldId id="289" r:id="rId9"/>
-    <p:sldId id="290" r:id="rId10"/>
-    <p:sldId id="291" r:id="rId11"/>
+    <p:sldId id="303" r:id="rId2"/>
+    <p:sldId id="304" r:id="rId3"/>
+    <p:sldId id="294" r:id="rId4"/>
+    <p:sldId id="295" r:id="rId5"/>
+    <p:sldId id="296" r:id="rId6"/>
+    <p:sldId id="297" r:id="rId7"/>
+    <p:sldId id="299" r:id="rId8"/>
+    <p:sldId id="300" r:id="rId9"/>
+    <p:sldId id="301" r:id="rId10"/>
+    <p:sldId id="302" r:id="rId11"/>
+    <p:sldId id="292" r:id="rId12"/>
+    <p:sldId id="293" r:id="rId13"/>
+    <p:sldId id="283" r:id="rId14"/>
+    <p:sldId id="284" r:id="rId15"/>
+    <p:sldId id="285" r:id="rId16"/>
+    <p:sldId id="286" r:id="rId17"/>
+    <p:sldId id="287" r:id="rId18"/>
+    <p:sldId id="288" r:id="rId19"/>
+    <p:sldId id="289" r:id="rId20"/>
   </p:sldIdLst>
   <p:sldSz cx="9144000" cy="6858000" type="screen4x3"/>
   <p:notesSz cx="6858000" cy="9144000"/>
@@ -297,7 +306,7 @@
           <a:p>
             <a:fld id="{6BFECD78-3C8E-49F2-8FAB-59489D168ABB}" type="datetimeFigureOut">
               <a:rPr lang="en-US" smtClean="0"/>
-              <a:t>6/2/16</a:t>
+              <a:t>10/8/16</a:t>
             </a:fld>
             <a:endParaRPr lang="en-US"/>
           </a:p>
@@ -467,7 +476,7 @@
           <a:p>
             <a:fld id="{6BFECD78-3C8E-49F2-8FAB-59489D168ABB}" type="datetimeFigureOut">
               <a:rPr lang="en-US" smtClean="0"/>
-              <a:t>6/2/16</a:t>
+              <a:t>10/8/16</a:t>
             </a:fld>
             <a:endParaRPr lang="en-US"/>
           </a:p>
@@ -647,7 +656,7 @@
           <a:p>
             <a:fld id="{6BFECD78-3C8E-49F2-8FAB-59489D168ABB}" type="datetimeFigureOut">
               <a:rPr lang="en-US" smtClean="0"/>
-              <a:t>6/2/16</a:t>
+              <a:t>10/8/16</a:t>
             </a:fld>
             <a:endParaRPr lang="en-US"/>
           </a:p>
@@ -817,7 +826,7 @@
           <a:p>
             <a:fld id="{6BFECD78-3C8E-49F2-8FAB-59489D168ABB}" type="datetimeFigureOut">
               <a:rPr lang="en-US" smtClean="0"/>
-              <a:t>6/2/16</a:t>
+              <a:t>10/8/16</a:t>
             </a:fld>
             <a:endParaRPr lang="en-US"/>
           </a:p>
@@ -1063,7 +1072,7 @@
           <a:p>
             <a:fld id="{6BFECD78-3C8E-49F2-8FAB-59489D168ABB}" type="datetimeFigureOut">
               <a:rPr lang="en-US" smtClean="0"/>
-              <a:t>6/2/16</a:t>
+              <a:t>10/8/16</a:t>
             </a:fld>
             <a:endParaRPr lang="en-US"/>
           </a:p>
@@ -1351,7 +1360,7 @@
           <a:p>
             <a:fld id="{6BFECD78-3C8E-49F2-8FAB-59489D168ABB}" type="datetimeFigureOut">
               <a:rPr lang="en-US" smtClean="0"/>
-              <a:t>6/2/16</a:t>
+              <a:t>10/8/16</a:t>
             </a:fld>
             <a:endParaRPr lang="en-US"/>
           </a:p>
@@ -1773,7 +1782,7 @@
           <a:p>
             <a:fld id="{6BFECD78-3C8E-49F2-8FAB-59489D168ABB}" type="datetimeFigureOut">
               <a:rPr lang="en-US" smtClean="0"/>
-              <a:t>6/2/16</a:t>
+              <a:t>10/8/16</a:t>
             </a:fld>
             <a:endParaRPr lang="en-US"/>
           </a:p>
@@ -1891,7 +1900,7 @@
           <a:p>
             <a:fld id="{6BFECD78-3C8E-49F2-8FAB-59489D168ABB}" type="datetimeFigureOut">
               <a:rPr lang="en-US" smtClean="0"/>
-              <a:t>6/2/16</a:t>
+              <a:t>10/8/16</a:t>
             </a:fld>
             <a:endParaRPr lang="en-US"/>
           </a:p>
@@ -1986,7 +1995,7 @@
           <a:p>
             <a:fld id="{6BFECD78-3C8E-49F2-8FAB-59489D168ABB}" type="datetimeFigureOut">
               <a:rPr lang="en-US" smtClean="0"/>
-              <a:t>6/2/16</a:t>
+              <a:t>10/8/16</a:t>
             </a:fld>
             <a:endParaRPr lang="en-US"/>
           </a:p>
@@ -2263,7 +2272,7 @@
           <a:p>
             <a:fld id="{6BFECD78-3C8E-49F2-8FAB-59489D168ABB}" type="datetimeFigureOut">
               <a:rPr lang="en-US" smtClean="0"/>
-              <a:t>6/2/16</a:t>
+              <a:t>10/8/16</a:t>
             </a:fld>
             <a:endParaRPr lang="en-US"/>
           </a:p>
@@ -2520,7 +2529,7 @@
           <a:p>
             <a:fld id="{6BFECD78-3C8E-49F2-8FAB-59489D168ABB}" type="datetimeFigureOut">
               <a:rPr lang="en-US" smtClean="0"/>
-              <a:t>6/2/16</a:t>
+              <a:t>10/8/16</a:t>
             </a:fld>
             <a:endParaRPr lang="en-US"/>
           </a:p>
@@ -2733,7 +2742,7 @@
           <a:p>
             <a:fld id="{6BFECD78-3C8E-49F2-8FAB-59489D168ABB}" type="datetimeFigureOut">
               <a:rPr lang="en-US" smtClean="0"/>
-              <a:t>6/2/16</a:t>
+              <a:t>10/8/16</a:t>
             </a:fld>
             <a:endParaRPr lang="en-US"/>
           </a:p>
@@ -3125,26 +3134,26 @@
           <a:p>
             <a:r>
               <a:rPr lang="en-US" dirty="0" err="1" smtClean="0"/>
-              <a:t>DevelopIntelligence</a:t>
+              <a:t>AngularJS</a:t>
             </a:r>
             <a:r>
               <a:rPr lang="en-US" dirty="0" smtClean="0"/>
+              <a:t> training</a:t>
+            </a:r>
+            <a:r>
+              <a:rPr lang="en-US" dirty="0"/>
               <a:t/>
             </a:r>
             <a:br>
+              <a:rPr lang="en-US" dirty="0"/>
+            </a:br>
+            <a:r>
               <a:rPr lang="en-US" dirty="0" smtClean="0"/>
-            </a:br>
+              <a:t>Day </a:t>
+            </a:r>
             <a:r>
               <a:rPr lang="en-US" dirty="0" smtClean="0"/>
-              <a:t>Intro To </a:t>
-            </a:r>
-            <a:r>
-              <a:rPr lang="en-US" dirty="0" err="1" smtClean="0"/>
-              <a:t>AngularJS</a:t>
-            </a:r>
-            <a:r>
-              <a:rPr lang="en-US" dirty="0" smtClean="0"/>
-              <a:t>, day 4</a:t>
+              <a:t>4</a:t>
             </a:r>
             <a:endParaRPr lang="en-US" dirty="0"/>
           </a:p>
@@ -3162,17 +3171,32 @@
         </p:nvSpPr>
         <p:spPr>
           <a:xfrm>
-            <a:off x="1371600" y="4641252"/>
-            <a:ext cx="6400800" cy="997547"/>
+            <a:off x="1371600" y="4195884"/>
+            <a:ext cx="6400800" cy="1442916"/>
           </a:xfrm>
         </p:spPr>
         <p:txBody>
-          <a:bodyPr/>
+          <a:bodyPr>
+            <a:normAutofit fontScale="92500" lnSpcReduction="20000"/>
+          </a:bodyPr>
           <a:lstStyle/>
           <a:p>
             <a:r>
               <a:rPr lang="en-US" dirty="0" smtClean="0"/>
               <a:t>Elias Carlston</a:t>
+            </a:r>
+          </a:p>
+          <a:p>
+            <a:r>
+              <a:rPr lang="en-US" dirty="0" err="1" smtClean="0"/>
+              <a:t>DevelopIntelligence</a:t>
+            </a:r>
+            <a:endParaRPr lang="en-US" dirty="0" smtClean="0"/>
+          </a:p>
+          <a:p>
+            <a:r>
+              <a:rPr lang="en-US" dirty="0" err="1" smtClean="0"/>
+              <a:t>elias@eliascarlston.com</a:t>
             </a:r>
             <a:endParaRPr lang="en-US" dirty="0"/>
           </a:p>
@@ -3181,20 +3205,13 @@
     </p:spTree>
     <p:extLst>
       <p:ext uri="{BB962C8B-B14F-4D97-AF65-F5344CB8AC3E}">
-        <p14:creationId xmlns:p14="http://schemas.microsoft.com/office/powerpoint/2010/main" val="721873315"/>
+        <p14:creationId xmlns:p14="http://schemas.microsoft.com/office/powerpoint/2010/main" val="443656791"/>
       </p:ext>
     </p:extLst>
   </p:cSld>
   <p:clrMapOvr>
     <a:masterClrMapping/>
   </p:clrMapOvr>
-  <p:timing>
-    <p:tnLst>
-      <p:par>
-        <p:cTn xmlns:p14="http://schemas.microsoft.com/office/powerpoint/2010/main" id="1" dur="indefinite" restart="never" nodeType="tmRoot"/>
-      </p:par>
-    </p:tnLst>
-  </p:timing>
 </p:sld>
 </file>
 
@@ -3237,7 +3254,7 @@
           <a:p>
             <a:r>
               <a:rPr lang="en-US" dirty="0"/>
-              <a:t>nG2 Forms Lab</a:t>
+              <a:t>Lab: Get started with Angular 2</a:t>
             </a:r>
           </a:p>
         </p:txBody>
@@ -3264,22 +3281,2378 @@
           </a:bodyPr>
           <a:lstStyle/>
           <a:p>
+            <a:pPr marL="342900" indent="-342900" algn="l">
+              <a:buFont typeface="Arial"/>
+              <a:buChar char="•"/>
+            </a:pPr>
             <a:r>
               <a:rPr lang="en-US" sz="2000" dirty="0" smtClean="0"/>
-              <a:t>Convert </a:t>
-            </a:r>
-            <a:r>
-              <a:rPr lang="en-US" sz="2000" dirty="0"/>
-              <a:t>Playlists UI to nG2 Forms</a:t>
+              <a:t>Like 1.x, valid HTML + script tag pointing to </a:t>
+            </a:r>
+            <a:r>
+              <a:rPr lang="en-US" sz="2000" dirty="0" err="1" smtClean="0"/>
+              <a:t>angular.js</a:t>
+            </a:r>
+            <a:endParaRPr lang="en-US" sz="2000" dirty="0" smtClean="0"/>
+          </a:p>
+          <a:p>
+            <a:pPr marL="342900" indent="-342900" algn="l">
+              <a:buFont typeface="Arial"/>
+              <a:buChar char="•"/>
+            </a:pPr>
+            <a:r>
+              <a:rPr lang="en-US" sz="2000" dirty="0" smtClean="0"/>
+              <a:t>Core </a:t>
+            </a:r>
+            <a:r>
+              <a:rPr lang="en-US" sz="2000" dirty="0" err="1" smtClean="0"/>
+              <a:t>angular.js</a:t>
+            </a:r>
+            <a:r>
+              <a:rPr lang="en-US" sz="2000" dirty="0" smtClean="0"/>
+              <a:t> is super stripped down</a:t>
+            </a:r>
+          </a:p>
+          <a:p>
+            <a:pPr marL="342900" indent="-342900" algn="l">
+              <a:buFont typeface="Arial"/>
+              <a:buChar char="•"/>
+            </a:pPr>
+            <a:r>
+              <a:rPr lang="en-US" sz="2000" dirty="0" smtClean="0"/>
+              <a:t>More script tags to include what you need</a:t>
+            </a:r>
+          </a:p>
+          <a:p>
+            <a:pPr marL="342900" indent="-342900" algn="l">
+              <a:buFont typeface="Arial"/>
+              <a:buChar char="•"/>
+            </a:pPr>
+            <a:r>
+              <a:rPr lang="en-US" sz="2000" dirty="0" smtClean="0"/>
+              <a:t>Notes on </a:t>
+            </a:r>
+            <a:r>
+              <a:rPr lang="en-US" sz="2000" dirty="0" err="1"/>
+              <a:t>SystemJS</a:t>
+            </a:r>
+            <a:r>
+              <a:rPr lang="en-US" sz="2000" dirty="0"/>
+              <a:t> </a:t>
+            </a:r>
+            <a:endParaRPr lang="en-US" sz="2000" dirty="0" smtClean="0"/>
+          </a:p>
+          <a:p>
+            <a:pPr marL="800100" lvl="1" indent="-342900" algn="l">
+              <a:buFont typeface="Arial"/>
+              <a:buChar char="•"/>
+            </a:pPr>
+            <a:r>
+              <a:rPr lang="en-US" sz="1600" dirty="0" smtClean="0"/>
+              <a:t>It is </a:t>
+            </a:r>
+            <a:r>
+              <a:rPr lang="en-US" sz="1600" dirty="0"/>
+              <a:t>optional - other module loaders such as </a:t>
+            </a:r>
+            <a:r>
+              <a:rPr lang="en-US" sz="1600" dirty="0" err="1"/>
+              <a:t>Webpack</a:t>
             </a:r>
             <a:endParaRPr lang="en-US" sz="1600" dirty="0"/>
+          </a:p>
+          <a:p>
+            <a:pPr marL="800100" lvl="1" indent="-342900" algn="l">
+              <a:buFont typeface="Arial"/>
+              <a:buChar char="•"/>
+            </a:pPr>
+            <a:r>
+              <a:rPr lang="en-US" sz="1600" dirty="0" err="1" smtClean="0"/>
+              <a:t>SystemJS</a:t>
+            </a:r>
+            <a:r>
+              <a:rPr lang="en-US" sz="1600" dirty="0" smtClean="0"/>
+              <a:t> </a:t>
+            </a:r>
+            <a:r>
+              <a:rPr lang="en-US" sz="1600" dirty="0"/>
+              <a:t>is capable of </a:t>
+            </a:r>
+            <a:r>
+              <a:rPr lang="en-US" sz="1600" dirty="0" err="1"/>
+              <a:t>transpiling</a:t>
+            </a:r>
+            <a:r>
+              <a:rPr lang="en-US" sz="1600" dirty="0"/>
+              <a:t> on the fly (client side)</a:t>
+            </a:r>
+          </a:p>
+          <a:p>
+            <a:pPr marL="800100" lvl="1" indent="-342900" algn="l">
+              <a:buFont typeface="Arial"/>
+              <a:buChar char="•"/>
+            </a:pPr>
+            <a:r>
+              <a:rPr lang="en-US" sz="1600" dirty="0" smtClean="0"/>
+              <a:t>Not officially recommended</a:t>
+            </a:r>
+            <a:endParaRPr lang="en-US" sz="1600" dirty="0"/>
+          </a:p>
+          <a:p>
+            <a:pPr marL="800100" lvl="1" indent="-342900" algn="l">
+              <a:buFont typeface="Arial"/>
+              <a:buChar char="•"/>
+            </a:pPr>
+            <a:r>
+              <a:rPr lang="en-US" sz="1600" dirty="0" smtClean="0"/>
+              <a:t>But it </a:t>
+            </a:r>
+            <a:r>
+              <a:rPr lang="en-US" sz="1600" dirty="0"/>
+              <a:t>is faster than waiting for a watcher to recompile</a:t>
+            </a:r>
+          </a:p>
+          <a:p>
+            <a:pPr marL="800100" lvl="1" indent="-342900" algn="l">
+              <a:buFont typeface="Arial"/>
+              <a:buChar char="•"/>
+            </a:pPr>
+            <a:r>
+              <a:rPr lang="en-US" sz="1600" dirty="0" smtClean="0"/>
+              <a:t>Also code </a:t>
+            </a:r>
+            <a:r>
+              <a:rPr lang="en-US" sz="1600" dirty="0"/>
+              <a:t>will sometimes run in browser when the TSC compiler </a:t>
+            </a:r>
+            <a:r>
+              <a:rPr lang="en-US" sz="1600" dirty="0" smtClean="0"/>
+              <a:t>errors</a:t>
+            </a:r>
+          </a:p>
+          <a:p>
+            <a:pPr marL="800100" lvl="1" indent="-342900" algn="l">
+              <a:buFont typeface="Arial"/>
+              <a:buChar char="•"/>
+            </a:pPr>
+            <a:r>
+              <a:rPr lang="en-US" sz="1600" dirty="0" err="1" smtClean="0"/>
+              <a:t>tsc</a:t>
+            </a:r>
+            <a:r>
+              <a:rPr lang="en-US" sz="1600" dirty="0" smtClean="0"/>
+              <a:t> </a:t>
+            </a:r>
+            <a:r>
+              <a:rPr lang="en-US" sz="1600" dirty="0"/>
+              <a:t>depends more on definition files to provide typing</a:t>
+            </a:r>
+            <a:endParaRPr lang="is-IS" sz="1600" dirty="0"/>
           </a:p>
         </p:txBody>
       </p:sp>
     </p:spTree>
     <p:extLst>
       <p:ext uri="{BB962C8B-B14F-4D97-AF65-F5344CB8AC3E}">
-        <p14:creationId xmlns:p14="http://schemas.microsoft.com/office/powerpoint/2010/main" val="2999542358"/>
+        <p14:creationId xmlns:p14="http://schemas.microsoft.com/office/powerpoint/2010/main" val="1922799947"/>
+      </p:ext>
+    </p:extLst>
+  </p:cSld>
+  <p:clrMapOvr>
+    <a:masterClrMapping/>
+  </p:clrMapOvr>
+  <p:timing>
+    <p:tnLst>
+      <p:par>
+        <p:cTn xmlns:p14="http://schemas.microsoft.com/office/powerpoint/2010/main" id="1" dur="indefinite" restart="never" nodeType="tmRoot"/>
+      </p:par>
+    </p:tnLst>
+  </p:timing>
+</p:sld>
+</file>
+
+<file path=ppt/slides/slide11.xml><?xml version="1.0" encoding="utf-8"?>
+<p:sld xmlns:a="http://schemas.openxmlformats.org/drawingml/2006/main" xmlns:r="http://schemas.openxmlformats.org/officeDocument/2006/relationships" xmlns:p="http://schemas.openxmlformats.org/presentationml/2006/main">
+  <p:cSld>
+    <p:spTree>
+      <p:nvGrpSpPr>
+        <p:cNvPr id="1" name=""/>
+        <p:cNvGrpSpPr/>
+        <p:nvPr/>
+      </p:nvGrpSpPr>
+      <p:grpSpPr>
+        <a:xfrm>
+          <a:off x="0" y="0"/>
+          <a:ext cx="0" cy="0"/>
+          <a:chOff x="0" y="0"/>
+          <a:chExt cx="0" cy="0"/>
+        </a:xfrm>
+      </p:grpSpPr>
+      <p:sp>
+        <p:nvSpPr>
+          <p:cNvPr id="2" name="Title 1"/>
+          <p:cNvSpPr>
+            <a:spLocks noGrp="1"/>
+          </p:cNvSpPr>
+          <p:nvPr>
+            <p:ph type="ctrTitle"/>
+          </p:nvPr>
+        </p:nvSpPr>
+        <p:spPr>
+          <a:xfrm>
+            <a:off x="685800" y="160685"/>
+            <a:ext cx="7772400" cy="1470025"/>
+          </a:xfrm>
+        </p:spPr>
+        <p:txBody>
+          <a:bodyPr/>
+          <a:lstStyle/>
+          <a:p>
+            <a:r>
+              <a:rPr lang="en-US" dirty="0"/>
+              <a:t>Built in filters</a:t>
+            </a:r>
+          </a:p>
+        </p:txBody>
+      </p:sp>
+      <p:sp>
+        <p:nvSpPr>
+          <p:cNvPr id="3" name="Subtitle 2"/>
+          <p:cNvSpPr>
+            <a:spLocks noGrp="1"/>
+          </p:cNvSpPr>
+          <p:nvPr>
+            <p:ph type="subTitle" idx="1"/>
+          </p:nvPr>
+        </p:nvSpPr>
+        <p:spPr>
+          <a:xfrm>
+            <a:off x="454651" y="1630710"/>
+            <a:ext cx="8371875" cy="4609893"/>
+          </a:xfrm>
+        </p:spPr>
+        <p:txBody>
+          <a:bodyPr>
+            <a:normAutofit/>
+          </a:bodyPr>
+          <a:lstStyle/>
+          <a:p>
+            <a:pPr marL="342900" indent="-342900" algn="l">
+              <a:buFont typeface="Arial"/>
+              <a:buChar char="•"/>
+            </a:pPr>
+            <a:r>
+              <a:rPr lang="en-US" sz="2400" dirty="0" smtClean="0"/>
+              <a:t>Filters get a </a:t>
+            </a:r>
+            <a:r>
+              <a:rPr lang="en-US" sz="2400" dirty="0"/>
+              <a:t>template </a:t>
+            </a:r>
+            <a:r>
+              <a:rPr lang="en-US" sz="2400" dirty="0" smtClean="0"/>
+              <a:t>expression</a:t>
+            </a:r>
+            <a:r>
+              <a:rPr lang="en-US" sz="2400" dirty="0"/>
+              <a:t> “piped</a:t>
+            </a:r>
+            <a:r>
+              <a:rPr lang="en-US" sz="2400" dirty="0" smtClean="0"/>
+              <a:t>” to them</a:t>
+            </a:r>
+            <a:endParaRPr lang="en-US" sz="2400" dirty="0"/>
+          </a:p>
+          <a:p>
+            <a:pPr marL="342900" indent="-342900" algn="l">
+              <a:buFont typeface="Arial"/>
+              <a:buChar char="•"/>
+            </a:pPr>
+            <a:r>
+              <a:rPr lang="en-US" sz="2400" dirty="0" smtClean="0"/>
+              <a:t>&lt;</a:t>
+            </a:r>
+            <a:r>
+              <a:rPr lang="en-US" sz="2400" dirty="0"/>
+              <a:t>p </a:t>
+            </a:r>
+            <a:r>
+              <a:rPr lang="en-US" sz="2400" dirty="0" err="1"/>
+              <a:t>ng</a:t>
+            </a:r>
+            <a:r>
+              <a:rPr lang="en-US" sz="2400" dirty="0"/>
+              <a:t>-some-directive="{{ value | </a:t>
+            </a:r>
+            <a:r>
+              <a:rPr lang="en-US" sz="2400" dirty="0" err="1"/>
+              <a:t>filtername</a:t>
+            </a:r>
+            <a:r>
+              <a:rPr lang="en-US" sz="2400" dirty="0"/>
+              <a:t> }}"&lt;/p&gt;</a:t>
+            </a:r>
+          </a:p>
+          <a:p>
+            <a:pPr marL="342900" indent="-342900" algn="l">
+              <a:buFont typeface="Arial"/>
+              <a:buChar char="•"/>
+            </a:pPr>
+            <a:r>
+              <a:rPr lang="en-US" sz="2400" dirty="0" smtClean="0"/>
+              <a:t>Chainable: </a:t>
+            </a:r>
+            <a:r>
+              <a:rPr lang="en-US" sz="2400" dirty="0"/>
+              <a:t>{{ value | </a:t>
+            </a:r>
+            <a:r>
+              <a:rPr lang="en-US" sz="2400" dirty="0" err="1"/>
+              <a:t>filtername</a:t>
+            </a:r>
+            <a:r>
+              <a:rPr lang="en-US" sz="2400" dirty="0"/>
+              <a:t> | </a:t>
+            </a:r>
+            <a:r>
+              <a:rPr lang="en-US" sz="2400" dirty="0" err="1"/>
+              <a:t>anotherfilter</a:t>
+            </a:r>
+            <a:r>
+              <a:rPr lang="en-US" sz="2400" dirty="0"/>
+              <a:t> }}</a:t>
+            </a:r>
+          </a:p>
+          <a:p>
+            <a:pPr marL="342900" indent="-342900" algn="l">
+              <a:buFont typeface="Arial"/>
+              <a:buChar char="•"/>
+            </a:pPr>
+            <a:r>
+              <a:rPr lang="en-US" sz="2400" dirty="0" smtClean="0"/>
+              <a:t>Accepts </a:t>
+            </a:r>
+            <a:r>
+              <a:rPr lang="en-US" sz="2400" dirty="0"/>
+              <a:t>parameters with colon: </a:t>
+            </a:r>
+            <a:endParaRPr lang="en-US" sz="2400" dirty="0" smtClean="0"/>
+          </a:p>
+          <a:p>
+            <a:pPr marL="800100" lvl="1" indent="-342900" algn="l">
+              <a:buFont typeface="Arial"/>
+              <a:buChar char="•"/>
+            </a:pPr>
+            <a:r>
+              <a:rPr lang="en-US" sz="2000" dirty="0" smtClean="0"/>
+              <a:t>{</a:t>
+            </a:r>
+            <a:r>
+              <a:rPr lang="en-US" sz="2000" dirty="0"/>
+              <a:t>{ value | </a:t>
+            </a:r>
+            <a:r>
+              <a:rPr lang="en-US" sz="2000" dirty="0" err="1"/>
+              <a:t>filtername:oneparameter:anotherparam</a:t>
+            </a:r>
+            <a:r>
+              <a:rPr lang="en-US" sz="2000" dirty="0"/>
+              <a:t> }}</a:t>
+            </a:r>
+          </a:p>
+          <a:p>
+            <a:pPr marL="342900" indent="-342900" algn="l">
+              <a:buFont typeface="Arial"/>
+              <a:buChar char="•"/>
+            </a:pPr>
+            <a:r>
+              <a:rPr lang="en-US" sz="2400" dirty="0" smtClean="0"/>
+              <a:t>Watch </a:t>
+            </a:r>
+            <a:r>
+              <a:rPr lang="en-US" sz="2400" dirty="0"/>
+              <a:t>out for performance penalties (filters can be expensive)</a:t>
+            </a:r>
+          </a:p>
+          <a:p>
+            <a:pPr marL="342900" indent="-342900" algn="l">
+              <a:buFont typeface="Arial"/>
+              <a:buChar char="•"/>
+            </a:pPr>
+            <a:r>
+              <a:rPr lang="en-US" sz="2400" dirty="0" smtClean="0"/>
+              <a:t>examples</a:t>
+            </a:r>
+            <a:r>
+              <a:rPr lang="en-US" sz="2400" dirty="0"/>
+              <a:t>/01-built-in-filters</a:t>
+            </a:r>
+            <a:endParaRPr lang="en-US" sz="2000" dirty="0"/>
+          </a:p>
+        </p:txBody>
+      </p:sp>
+    </p:spTree>
+    <p:extLst>
+      <p:ext uri="{BB962C8B-B14F-4D97-AF65-F5344CB8AC3E}">
+        <p14:creationId xmlns:p14="http://schemas.microsoft.com/office/powerpoint/2010/main" val="1071949074"/>
+      </p:ext>
+    </p:extLst>
+  </p:cSld>
+  <p:clrMapOvr>
+    <a:masterClrMapping/>
+  </p:clrMapOvr>
+</p:sld>
+</file>
+
+<file path=ppt/slides/slide12.xml><?xml version="1.0" encoding="utf-8"?>
+<p:sld xmlns:a="http://schemas.openxmlformats.org/drawingml/2006/main" xmlns:r="http://schemas.openxmlformats.org/officeDocument/2006/relationships" xmlns:p="http://schemas.openxmlformats.org/presentationml/2006/main">
+  <p:cSld>
+    <p:spTree>
+      <p:nvGrpSpPr>
+        <p:cNvPr id="1" name=""/>
+        <p:cNvGrpSpPr/>
+        <p:nvPr/>
+      </p:nvGrpSpPr>
+      <p:grpSpPr>
+        <a:xfrm>
+          <a:off x="0" y="0"/>
+          <a:ext cx="0" cy="0"/>
+          <a:chOff x="0" y="0"/>
+          <a:chExt cx="0" cy="0"/>
+        </a:xfrm>
+      </p:grpSpPr>
+      <p:sp>
+        <p:nvSpPr>
+          <p:cNvPr id="2" name="Title 1"/>
+          <p:cNvSpPr>
+            <a:spLocks noGrp="1"/>
+          </p:cNvSpPr>
+          <p:nvPr>
+            <p:ph type="ctrTitle"/>
+          </p:nvPr>
+        </p:nvSpPr>
+        <p:spPr>
+          <a:xfrm>
+            <a:off x="685800" y="160685"/>
+            <a:ext cx="7772400" cy="1470025"/>
+          </a:xfrm>
+        </p:spPr>
+        <p:txBody>
+          <a:bodyPr/>
+          <a:lstStyle/>
+          <a:p>
+            <a:r>
+              <a:rPr lang="en-US" dirty="0"/>
+              <a:t>Custom filters</a:t>
+            </a:r>
+          </a:p>
+        </p:txBody>
+      </p:sp>
+      <p:sp>
+        <p:nvSpPr>
+          <p:cNvPr id="3" name="Subtitle 2"/>
+          <p:cNvSpPr>
+            <a:spLocks noGrp="1"/>
+          </p:cNvSpPr>
+          <p:nvPr>
+            <p:ph type="subTitle" idx="1"/>
+          </p:nvPr>
+        </p:nvSpPr>
+        <p:spPr>
+          <a:xfrm>
+            <a:off x="454651" y="1630710"/>
+            <a:ext cx="8371875" cy="4609893"/>
+          </a:xfrm>
+        </p:spPr>
+        <p:txBody>
+          <a:bodyPr>
+            <a:normAutofit lnSpcReduction="10000"/>
+          </a:bodyPr>
+          <a:lstStyle/>
+          <a:p>
+            <a:pPr marL="342900" indent="-342900" algn="l">
+              <a:buFont typeface="Arial"/>
+              <a:buChar char="•"/>
+            </a:pPr>
+            <a:r>
+              <a:rPr lang="en-US" sz="2400" dirty="0" smtClean="0"/>
+              <a:t>Register </a:t>
+            </a:r>
+            <a:r>
+              <a:rPr lang="en-US" sz="2400" dirty="0"/>
+              <a:t>custom functions with </a:t>
+            </a:r>
+            <a:r>
+              <a:rPr lang="en-US" sz="2400" dirty="0" err="1"/>
+              <a:t>nG</a:t>
+            </a:r>
+            <a:r>
+              <a:rPr lang="en-US" sz="2400" dirty="0"/>
+              <a:t> using a '</a:t>
+            </a:r>
+            <a:r>
+              <a:rPr lang="en-US" sz="2400" dirty="0">
+                <a:solidFill>
+                  <a:srgbClr val="FF6600"/>
+                </a:solidFill>
+              </a:rPr>
+              <a:t>recipe</a:t>
+            </a:r>
+            <a:r>
+              <a:rPr lang="en-US" sz="2400" dirty="0"/>
+              <a:t>' pattern</a:t>
+            </a:r>
+          </a:p>
+          <a:p>
+            <a:pPr marL="800100" lvl="1" indent="-342900" algn="l">
+              <a:buFont typeface="Arial"/>
+              <a:buChar char="•"/>
+            </a:pPr>
+            <a:r>
+              <a:rPr lang="en-US" sz="2000" dirty="0" smtClean="0"/>
+              <a:t>Recipe </a:t>
+            </a:r>
+            <a:r>
+              <a:rPr lang="en-US" sz="2000" dirty="0"/>
+              <a:t>pattern: from a reference to a module, call a factory</a:t>
+            </a:r>
+          </a:p>
+          <a:p>
+            <a:pPr marL="800100" lvl="1" indent="-342900" algn="l">
+              <a:buFont typeface="Arial"/>
+              <a:buChar char="•"/>
+            </a:pPr>
+            <a:r>
+              <a:rPr lang="en-US" sz="2000" dirty="0" smtClean="0"/>
+              <a:t>module </a:t>
+            </a:r>
+            <a:r>
+              <a:rPr lang="en-US" sz="2000" dirty="0"/>
+              <a:t>is a standalone unit of </a:t>
+            </a:r>
+            <a:r>
+              <a:rPr lang="en-US" sz="2000" dirty="0" err="1"/>
+              <a:t>nG</a:t>
+            </a:r>
+            <a:r>
+              <a:rPr lang="en-US" sz="2000" dirty="0"/>
+              <a:t> code</a:t>
+            </a:r>
+          </a:p>
+          <a:p>
+            <a:pPr marL="800100" lvl="1" indent="-342900" algn="l">
+              <a:buFont typeface="Arial"/>
+              <a:buChar char="•"/>
+            </a:pPr>
+            <a:r>
+              <a:rPr lang="en-US" sz="2000" dirty="0" smtClean="0"/>
+              <a:t>Reference </a:t>
+            </a:r>
+            <a:r>
+              <a:rPr lang="en-US" sz="2000" dirty="0"/>
+              <a:t>to a module:</a:t>
+            </a:r>
+          </a:p>
+          <a:p>
+            <a:pPr marL="1257300" lvl="2" indent="-342900" algn="l">
+              <a:buFont typeface="Arial"/>
+              <a:buChar char="•"/>
+            </a:pPr>
+            <a:r>
+              <a:rPr lang="en-US" sz="1600" dirty="0" smtClean="0"/>
+              <a:t>new </a:t>
+            </a:r>
+            <a:r>
+              <a:rPr lang="en-US" sz="1600" dirty="0"/>
+              <a:t>module (note empty array): </a:t>
+            </a:r>
+            <a:r>
+              <a:rPr lang="en-US" sz="1600" dirty="0" err="1" smtClean="0"/>
+              <a:t>angular.module</a:t>
+            </a:r>
+            <a:r>
+              <a:rPr lang="en-US" sz="1600" dirty="0"/>
+              <a:t>('</a:t>
+            </a:r>
+            <a:r>
+              <a:rPr lang="en-US" sz="1600" dirty="0" err="1"/>
+              <a:t>someModuleName</a:t>
+            </a:r>
+            <a:r>
+              <a:rPr lang="en-US" sz="1600" dirty="0"/>
+              <a:t>', [])</a:t>
+            </a:r>
+          </a:p>
+          <a:p>
+            <a:pPr marL="1257300" lvl="2" indent="-342900" algn="l">
+              <a:buFont typeface="Arial"/>
+              <a:buChar char="•"/>
+            </a:pPr>
+            <a:r>
+              <a:rPr lang="en-US" sz="1600" dirty="0" smtClean="0"/>
+              <a:t>existing </a:t>
+            </a:r>
+            <a:r>
+              <a:rPr lang="en-US" sz="1600" dirty="0"/>
+              <a:t>module: </a:t>
+            </a:r>
+            <a:r>
+              <a:rPr lang="en-US" sz="1600" dirty="0" err="1"/>
+              <a:t>angular.module</a:t>
+            </a:r>
+            <a:r>
+              <a:rPr lang="en-US" sz="1600" dirty="0"/>
+              <a:t>('</a:t>
+            </a:r>
+            <a:r>
+              <a:rPr lang="en-US" sz="1600" dirty="0" err="1"/>
+              <a:t>someModuleName</a:t>
+            </a:r>
+            <a:r>
+              <a:rPr lang="en-US" sz="1600" dirty="0"/>
+              <a:t>')</a:t>
+            </a:r>
+          </a:p>
+          <a:p>
+            <a:pPr marL="342900" indent="-342900" algn="l">
+              <a:buFont typeface="Arial"/>
+              <a:buChar char="•"/>
+            </a:pPr>
+            <a:r>
+              <a:rPr lang="en-US" sz="2400" dirty="0" smtClean="0"/>
+              <a:t>Factory </a:t>
+            </a:r>
+            <a:r>
+              <a:rPr lang="en-US" sz="2400" dirty="0"/>
+              <a:t>call: .filter('</a:t>
+            </a:r>
+            <a:r>
+              <a:rPr lang="en-US" sz="2400" dirty="0" err="1"/>
+              <a:t>thisFilterName</a:t>
+            </a:r>
+            <a:r>
+              <a:rPr lang="en-US" sz="2400" dirty="0"/>
+              <a:t>', function (text) {...})</a:t>
+            </a:r>
+          </a:p>
+          <a:p>
+            <a:pPr marL="342900" indent="-342900" algn="l">
+              <a:buFont typeface="Arial"/>
+              <a:buChar char="•"/>
+            </a:pPr>
+            <a:r>
+              <a:rPr lang="en-US" sz="2400" dirty="0" smtClean="0"/>
+              <a:t>Factory </a:t>
+            </a:r>
+            <a:r>
+              <a:rPr lang="en-US" sz="2400" dirty="0"/>
+              <a:t>function gets passed the value from when the filter was invoked</a:t>
+            </a:r>
+          </a:p>
+          <a:p>
+            <a:pPr marL="342900" indent="-342900" algn="l">
+              <a:buFont typeface="Arial"/>
+              <a:buChar char="•"/>
+            </a:pPr>
+            <a:r>
+              <a:rPr lang="en-US" sz="2400" dirty="0" smtClean="0"/>
+              <a:t>Recipe </a:t>
+            </a:r>
+            <a:r>
+              <a:rPr lang="en-US" sz="2400" dirty="0"/>
+              <a:t>only gets invoked when the filter is used in a view</a:t>
+            </a:r>
+          </a:p>
+          <a:p>
+            <a:pPr marL="342900" indent="-342900" algn="l">
+              <a:buFont typeface="Arial"/>
+              <a:buChar char="•"/>
+            </a:pPr>
+            <a:r>
+              <a:rPr lang="en-US" sz="2400" dirty="0" smtClean="0"/>
+              <a:t>Remember</a:t>
+            </a:r>
+            <a:r>
+              <a:rPr lang="en-US" sz="2400" dirty="0"/>
+              <a:t>, custom filter should follow best practices</a:t>
+            </a:r>
+          </a:p>
+          <a:p>
+            <a:pPr marL="342900" indent="-342900" algn="l">
+              <a:buFont typeface="Arial"/>
+              <a:buChar char="•"/>
+            </a:pPr>
+            <a:r>
+              <a:rPr lang="en-US" sz="2400" dirty="0" smtClean="0"/>
+              <a:t>More </a:t>
+            </a:r>
+            <a:r>
+              <a:rPr lang="en-US" sz="2400" dirty="0"/>
+              <a:t>complicated actions are better suited to directives</a:t>
+            </a:r>
+            <a:endParaRPr lang="en-US" sz="2000" dirty="0"/>
+          </a:p>
+        </p:txBody>
+      </p:sp>
+    </p:spTree>
+    <p:extLst>
+      <p:ext uri="{BB962C8B-B14F-4D97-AF65-F5344CB8AC3E}">
+        <p14:creationId xmlns:p14="http://schemas.microsoft.com/office/powerpoint/2010/main" val="3924875010"/>
+      </p:ext>
+    </p:extLst>
+  </p:cSld>
+  <p:clrMapOvr>
+    <a:masterClrMapping/>
+  </p:clrMapOvr>
+</p:sld>
+</file>
+
+<file path=ppt/slides/slide13.xml><?xml version="1.0" encoding="utf-8"?>
+<p:sld xmlns:a="http://schemas.openxmlformats.org/drawingml/2006/main" xmlns:r="http://schemas.openxmlformats.org/officeDocument/2006/relationships" xmlns:p="http://schemas.openxmlformats.org/presentationml/2006/main">
+  <p:cSld>
+    <p:spTree>
+      <p:nvGrpSpPr>
+        <p:cNvPr id="1" name=""/>
+        <p:cNvGrpSpPr/>
+        <p:nvPr/>
+      </p:nvGrpSpPr>
+      <p:grpSpPr>
+        <a:xfrm>
+          <a:off x="0" y="0"/>
+          <a:ext cx="0" cy="0"/>
+          <a:chOff x="0" y="0"/>
+          <a:chExt cx="0" cy="0"/>
+        </a:xfrm>
+      </p:grpSpPr>
+      <p:sp>
+        <p:nvSpPr>
+          <p:cNvPr id="2" name="Title 1"/>
+          <p:cNvSpPr>
+            <a:spLocks noGrp="1"/>
+          </p:cNvSpPr>
+          <p:nvPr>
+            <p:ph type="ctrTitle"/>
+          </p:nvPr>
+        </p:nvSpPr>
+        <p:spPr>
+          <a:xfrm>
+            <a:off x="685800" y="160685"/>
+            <a:ext cx="7772400" cy="1470025"/>
+          </a:xfrm>
+        </p:spPr>
+        <p:txBody>
+          <a:bodyPr/>
+          <a:lstStyle/>
+          <a:p>
+            <a:pPr marL="342900" indent="-342900"/>
+            <a:r>
+              <a:rPr lang="en-US" dirty="0"/>
+              <a:t>Component Architecture in </a:t>
+            </a:r>
+            <a:r>
+              <a:rPr lang="en-US" dirty="0" err="1"/>
+              <a:t>nG</a:t>
+            </a:r>
+            <a:r>
+              <a:rPr lang="en-US" dirty="0"/>
+              <a:t> 2</a:t>
+            </a:r>
+          </a:p>
+        </p:txBody>
+      </p:sp>
+      <p:sp>
+        <p:nvSpPr>
+          <p:cNvPr id="3" name="Subtitle 2"/>
+          <p:cNvSpPr>
+            <a:spLocks noGrp="1"/>
+          </p:cNvSpPr>
+          <p:nvPr>
+            <p:ph type="subTitle" idx="1"/>
+          </p:nvPr>
+        </p:nvSpPr>
+        <p:spPr>
+          <a:xfrm>
+            <a:off x="454651" y="1630710"/>
+            <a:ext cx="8371875" cy="4609893"/>
+          </a:xfrm>
+        </p:spPr>
+        <p:txBody>
+          <a:bodyPr>
+            <a:normAutofit/>
+          </a:bodyPr>
+          <a:lstStyle/>
+          <a:p>
+            <a:pPr marL="342900" indent="-342900" algn="l">
+              <a:buFont typeface="Arial"/>
+              <a:buChar char="•"/>
+            </a:pPr>
+            <a:r>
+              <a:rPr lang="en-US" sz="2000" dirty="0"/>
+              <a:t>Components have everything they need to be self contained units of code</a:t>
+            </a:r>
+          </a:p>
+          <a:p>
+            <a:pPr marL="342900" indent="-342900" algn="l">
+              <a:buFont typeface="Arial"/>
+              <a:buChar char="•"/>
+            </a:pPr>
+            <a:r>
+              <a:rPr lang="en-US" sz="2000" dirty="0"/>
+              <a:t>nG2 apps should be made by composing reusable components into new features</a:t>
+            </a:r>
+            <a:endParaRPr lang="en-US" sz="1600" dirty="0"/>
+          </a:p>
+          <a:p>
+            <a:pPr marL="342900" indent="-342900" algn="l">
+              <a:buFont typeface="Arial"/>
+              <a:buChar char="•"/>
+            </a:pPr>
+            <a:r>
+              <a:rPr lang="en-US" sz="2000" dirty="0" smtClean="0"/>
+              <a:t>Components </a:t>
+            </a:r>
+            <a:r>
+              <a:rPr lang="en-US" sz="2000" dirty="0"/>
+              <a:t>consist of...</a:t>
+            </a:r>
+          </a:p>
+          <a:p>
+            <a:pPr marL="800100" lvl="1" indent="-342900" algn="l">
+              <a:buFont typeface="Arial"/>
+              <a:buChar char="•"/>
+            </a:pPr>
+            <a:r>
+              <a:rPr lang="en-US" sz="1600" dirty="0" smtClean="0"/>
+              <a:t>A component definition object (CDO)</a:t>
+            </a:r>
+          </a:p>
+          <a:p>
+            <a:pPr marL="800100" lvl="1" indent="-342900" algn="l">
+              <a:buFont typeface="Arial"/>
+              <a:buChar char="•"/>
+            </a:pPr>
+            <a:r>
+              <a:rPr lang="en-US" sz="1600" dirty="0" smtClean="0"/>
+              <a:t>Template</a:t>
+            </a:r>
+            <a:endParaRPr lang="en-US" sz="1600" dirty="0"/>
+          </a:p>
+          <a:p>
+            <a:pPr marL="800100" lvl="1" indent="-342900" algn="l">
+              <a:buFont typeface="Arial"/>
+              <a:buChar char="•"/>
+            </a:pPr>
+            <a:r>
+              <a:rPr lang="en-US" sz="1600" dirty="0" smtClean="0"/>
+              <a:t>An </a:t>
+            </a:r>
+            <a:r>
+              <a:rPr lang="en-US" sz="1600" dirty="0"/>
+              <a:t>API to communicate outside (Input and Output props</a:t>
+            </a:r>
+            <a:r>
+              <a:rPr lang="en-US" sz="1600" dirty="0" smtClean="0"/>
+              <a:t>)</a:t>
+            </a:r>
+          </a:p>
+          <a:p>
+            <a:pPr marL="342900" indent="-342900" algn="l">
+              <a:buFont typeface="Arial"/>
+              <a:buChar char="•"/>
+            </a:pPr>
+            <a:r>
+              <a:rPr lang="en-US" sz="2000" dirty="0" smtClean="0"/>
+              <a:t>Changes</a:t>
+            </a:r>
+          </a:p>
+          <a:p>
+            <a:pPr marL="800100" lvl="1" indent="-342900" algn="l">
+              <a:buFont typeface="Arial"/>
+              <a:buChar char="•"/>
+            </a:pPr>
+            <a:r>
+              <a:rPr lang="en-US" sz="1600" dirty="0" smtClean="0"/>
+              <a:t>$scope is gone. Store data directly as properties of the CDO</a:t>
+            </a:r>
+          </a:p>
+          <a:p>
+            <a:pPr marL="800100" lvl="1" indent="-342900" algn="l">
+              <a:buFont typeface="Arial"/>
+              <a:buChar char="•"/>
+            </a:pPr>
+            <a:r>
+              <a:rPr lang="en-US" sz="1600" dirty="0" smtClean="0"/>
+              <a:t>Controllers are gone. CDO coordinates bindings between View and Model</a:t>
+            </a:r>
+            <a:endParaRPr lang="en-US" sz="1600" dirty="0"/>
+          </a:p>
+        </p:txBody>
+      </p:sp>
+    </p:spTree>
+    <p:extLst>
+      <p:ext uri="{BB962C8B-B14F-4D97-AF65-F5344CB8AC3E}">
+        <p14:creationId xmlns:p14="http://schemas.microsoft.com/office/powerpoint/2010/main" val="4200027496"/>
+      </p:ext>
+    </p:extLst>
+  </p:cSld>
+  <p:clrMapOvr>
+    <a:masterClrMapping/>
+  </p:clrMapOvr>
+  <p:timing>
+    <p:tnLst>
+      <p:par>
+        <p:cTn xmlns:p14="http://schemas.microsoft.com/office/powerpoint/2010/main" id="1" dur="indefinite" restart="never" nodeType="tmRoot"/>
+      </p:par>
+    </p:tnLst>
+  </p:timing>
+</p:sld>
+</file>
+
+<file path=ppt/slides/slide14.xml><?xml version="1.0" encoding="utf-8"?>
+<p:sld xmlns:a="http://schemas.openxmlformats.org/drawingml/2006/main" xmlns:r="http://schemas.openxmlformats.org/officeDocument/2006/relationships" xmlns:p="http://schemas.openxmlformats.org/presentationml/2006/main">
+  <p:cSld>
+    <p:spTree>
+      <p:nvGrpSpPr>
+        <p:cNvPr id="1" name=""/>
+        <p:cNvGrpSpPr/>
+        <p:nvPr/>
+      </p:nvGrpSpPr>
+      <p:grpSpPr>
+        <a:xfrm>
+          <a:off x="0" y="0"/>
+          <a:ext cx="0" cy="0"/>
+          <a:chOff x="0" y="0"/>
+          <a:chExt cx="0" cy="0"/>
+        </a:xfrm>
+      </p:grpSpPr>
+      <p:sp>
+        <p:nvSpPr>
+          <p:cNvPr id="2" name="Title 1"/>
+          <p:cNvSpPr>
+            <a:spLocks noGrp="1"/>
+          </p:cNvSpPr>
+          <p:nvPr>
+            <p:ph type="ctrTitle"/>
+          </p:nvPr>
+        </p:nvSpPr>
+        <p:spPr>
+          <a:xfrm>
+            <a:off x="685800" y="160685"/>
+            <a:ext cx="7772400" cy="1470025"/>
+          </a:xfrm>
+        </p:spPr>
+        <p:txBody>
+          <a:bodyPr/>
+          <a:lstStyle/>
+          <a:p>
+            <a:r>
+              <a:rPr lang="en-US" dirty="0"/>
+              <a:t>New template syntax</a:t>
+            </a:r>
+          </a:p>
+        </p:txBody>
+      </p:sp>
+      <p:sp>
+        <p:nvSpPr>
+          <p:cNvPr id="3" name="Subtitle 2"/>
+          <p:cNvSpPr>
+            <a:spLocks noGrp="1"/>
+          </p:cNvSpPr>
+          <p:nvPr>
+            <p:ph type="subTitle" idx="1"/>
+          </p:nvPr>
+        </p:nvSpPr>
+        <p:spPr>
+          <a:xfrm>
+            <a:off x="454651" y="1630710"/>
+            <a:ext cx="8371875" cy="4609893"/>
+          </a:xfrm>
+        </p:spPr>
+        <p:txBody>
+          <a:bodyPr>
+            <a:normAutofit/>
+          </a:bodyPr>
+          <a:lstStyle/>
+          <a:p>
+            <a:pPr marL="342900" indent="-342900" algn="l">
+              <a:buFont typeface="Arial"/>
+              <a:buChar char="•"/>
+            </a:pPr>
+            <a:r>
+              <a:rPr lang="en-US" sz="2000" dirty="0" smtClean="0"/>
+              <a:t>No </a:t>
+            </a:r>
+            <a:r>
+              <a:rPr lang="en-US" sz="2000" dirty="0"/>
+              <a:t>longer markup-based</a:t>
+            </a:r>
+          </a:p>
+          <a:p>
+            <a:pPr marL="342900" indent="-342900" algn="l">
+              <a:buFont typeface="Arial"/>
+              <a:buChar char="•"/>
+            </a:pPr>
+            <a:r>
+              <a:rPr lang="en-US" sz="2000" dirty="0" smtClean="0"/>
+              <a:t>Use </a:t>
+            </a:r>
+            <a:r>
+              <a:rPr lang="en-US" sz="2000" dirty="0"/>
+              <a:t>square bracket to bind output: [</a:t>
+            </a:r>
+            <a:r>
+              <a:rPr lang="en-US" sz="2000" dirty="0" err="1"/>
+              <a:t>ngModel</a:t>
+            </a:r>
+            <a:r>
+              <a:rPr lang="en-US" sz="2000" dirty="0"/>
+              <a:t>]="</a:t>
+            </a:r>
+            <a:r>
+              <a:rPr lang="en-US" sz="2000" dirty="0" err="1"/>
+              <a:t>editingSong.title</a:t>
+            </a:r>
+            <a:r>
+              <a:rPr lang="en-US" sz="2000" dirty="0"/>
+              <a:t>"</a:t>
+            </a:r>
+          </a:p>
+          <a:p>
+            <a:pPr marL="342900" indent="-342900" algn="l">
+              <a:buFont typeface="Arial"/>
+              <a:buChar char="•"/>
+            </a:pPr>
+            <a:r>
+              <a:rPr lang="en-US" sz="2000" dirty="0" smtClean="0"/>
+              <a:t>Parenthesis </a:t>
+            </a:r>
+            <a:r>
+              <a:rPr lang="en-US" sz="2000" dirty="0"/>
+              <a:t>subscribe their target to events: (click)="</a:t>
+            </a:r>
+            <a:r>
+              <a:rPr lang="en-US" sz="2000" dirty="0" err="1"/>
+              <a:t>editSong</a:t>
+            </a:r>
+            <a:r>
+              <a:rPr lang="en-US" sz="2000" dirty="0"/>
+              <a:t>(index)"</a:t>
+            </a:r>
+          </a:p>
+          <a:p>
+            <a:pPr marL="342900" indent="-342900" algn="l">
+              <a:buFont typeface="Arial"/>
+              <a:buChar char="•"/>
+            </a:pPr>
+            <a:r>
+              <a:rPr lang="en-US" sz="2000" dirty="0" smtClean="0"/>
+              <a:t>For </a:t>
+            </a:r>
+            <a:r>
+              <a:rPr lang="en-US" sz="2000" dirty="0"/>
+              <a:t>forms, nest </a:t>
+            </a:r>
+            <a:r>
+              <a:rPr lang="en-US" sz="2000" dirty="0" err="1"/>
+              <a:t>parens</a:t>
+            </a:r>
+            <a:r>
+              <a:rPr lang="en-US" sz="2000" dirty="0"/>
+              <a:t> inside brackets to two-way bind</a:t>
+            </a:r>
+          </a:p>
+          <a:p>
+            <a:pPr marL="342900" indent="-342900" algn="l">
+              <a:buFont typeface="Arial"/>
+              <a:buChar char="•"/>
+            </a:pPr>
+            <a:r>
+              <a:rPr lang="en-US" sz="2000" dirty="0" smtClean="0"/>
+              <a:t>Previous </a:t>
+            </a:r>
+            <a:r>
+              <a:rPr lang="en-US" sz="2000" dirty="0"/>
+              <a:t>format </a:t>
+            </a:r>
+            <a:r>
+              <a:rPr lang="en-US" sz="2000" dirty="0" err="1"/>
+              <a:t>ng-dirname</a:t>
+            </a:r>
+            <a:r>
+              <a:rPr lang="en-US" sz="2000" dirty="0"/>
+              <a:t> now *</a:t>
+            </a:r>
+            <a:r>
+              <a:rPr lang="en-US" sz="2000" dirty="0" err="1"/>
+              <a:t>ngDirname</a:t>
+            </a:r>
+            <a:endParaRPr lang="en-US" sz="2000" dirty="0"/>
+          </a:p>
+          <a:p>
+            <a:pPr marL="342900" indent="-342900" algn="l">
+              <a:buFont typeface="Arial"/>
+              <a:buChar char="•"/>
+            </a:pPr>
+            <a:r>
+              <a:rPr lang="en-US" sz="2000" dirty="0" smtClean="0"/>
+              <a:t>New </a:t>
+            </a:r>
+            <a:r>
+              <a:rPr lang="en-US" sz="2000" dirty="0"/>
+              <a:t>iteration syntax "#</a:t>
+            </a:r>
+            <a:r>
+              <a:rPr lang="en-US" sz="2000" dirty="0" err="1"/>
+              <a:t>eachThing</a:t>
+            </a:r>
+            <a:r>
+              <a:rPr lang="en-US" sz="2000" dirty="0"/>
+              <a:t> of </a:t>
+            </a:r>
+            <a:r>
+              <a:rPr lang="en-US" sz="2000" dirty="0" err="1"/>
+              <a:t>thingsList</a:t>
+            </a:r>
+            <a:r>
+              <a:rPr lang="en-US" sz="2000" dirty="0"/>
+              <a:t>; #</a:t>
+            </a:r>
+            <a:r>
+              <a:rPr lang="en-US" sz="2000" dirty="0" err="1"/>
+              <a:t>i</a:t>
+            </a:r>
+            <a:r>
+              <a:rPr lang="en-US" sz="2000" dirty="0"/>
+              <a:t> = index"</a:t>
+            </a:r>
+          </a:p>
+          <a:p>
+            <a:pPr marL="342900" indent="-342900" algn="l">
+              <a:buFont typeface="Arial"/>
+              <a:buChar char="•"/>
+            </a:pPr>
+            <a:r>
+              <a:rPr lang="en-US" sz="2000" dirty="0" smtClean="0"/>
+              <a:t>Reasons </a:t>
+            </a:r>
+            <a:r>
+              <a:rPr lang="en-US" sz="2000" dirty="0"/>
+              <a:t>for the changes</a:t>
+            </a:r>
+          </a:p>
+          <a:p>
+            <a:pPr marL="800100" lvl="1" indent="-342900" algn="l">
+              <a:buFont typeface="Arial"/>
+              <a:buChar char="•"/>
+            </a:pPr>
+            <a:r>
+              <a:rPr lang="en-US" sz="1600" dirty="0" smtClean="0"/>
+              <a:t>Enables </a:t>
+            </a:r>
+            <a:r>
+              <a:rPr lang="en-US" sz="1600" dirty="0"/>
+              <a:t>tons of IDE features like autocomplete and refactor</a:t>
+            </a:r>
+          </a:p>
+          <a:p>
+            <a:pPr marL="800100" lvl="1" indent="-342900" algn="l">
+              <a:buFont typeface="Arial"/>
+              <a:buChar char="•"/>
+            </a:pPr>
+            <a:r>
+              <a:rPr lang="en-US" sz="1600" dirty="0" smtClean="0"/>
+              <a:t>Makes </a:t>
+            </a:r>
+            <a:r>
+              <a:rPr lang="en-US" sz="1600" dirty="0"/>
+              <a:t>the direction of binding obvious from the markup</a:t>
+            </a:r>
+            <a:endParaRPr lang="en-US" sz="1200" dirty="0"/>
+          </a:p>
+        </p:txBody>
+      </p:sp>
+    </p:spTree>
+    <p:extLst>
+      <p:ext uri="{BB962C8B-B14F-4D97-AF65-F5344CB8AC3E}">
+        <p14:creationId xmlns:p14="http://schemas.microsoft.com/office/powerpoint/2010/main" val="1911019148"/>
+      </p:ext>
+    </p:extLst>
+  </p:cSld>
+  <p:clrMapOvr>
+    <a:masterClrMapping/>
+  </p:clrMapOvr>
+  <p:timing>
+    <p:tnLst>
+      <p:par>
+        <p:cTn xmlns:p14="http://schemas.microsoft.com/office/powerpoint/2010/main" id="1" dur="indefinite" restart="never" nodeType="tmRoot"/>
+      </p:par>
+    </p:tnLst>
+  </p:timing>
+</p:sld>
+</file>
+
+<file path=ppt/slides/slide15.xml><?xml version="1.0" encoding="utf-8"?>
+<p:sld xmlns:a="http://schemas.openxmlformats.org/drawingml/2006/main" xmlns:r="http://schemas.openxmlformats.org/officeDocument/2006/relationships" xmlns:p="http://schemas.openxmlformats.org/presentationml/2006/main">
+  <p:cSld>
+    <p:spTree>
+      <p:nvGrpSpPr>
+        <p:cNvPr id="1" name=""/>
+        <p:cNvGrpSpPr/>
+        <p:nvPr/>
+      </p:nvGrpSpPr>
+      <p:grpSpPr>
+        <a:xfrm>
+          <a:off x="0" y="0"/>
+          <a:ext cx="0" cy="0"/>
+          <a:chOff x="0" y="0"/>
+          <a:chExt cx="0" cy="0"/>
+        </a:xfrm>
+      </p:grpSpPr>
+      <p:sp>
+        <p:nvSpPr>
+          <p:cNvPr id="2" name="Title 1"/>
+          <p:cNvSpPr>
+            <a:spLocks noGrp="1"/>
+          </p:cNvSpPr>
+          <p:nvPr>
+            <p:ph type="ctrTitle"/>
+          </p:nvPr>
+        </p:nvSpPr>
+        <p:spPr>
+          <a:xfrm>
+            <a:off x="685800" y="160685"/>
+            <a:ext cx="7772400" cy="1470025"/>
+          </a:xfrm>
+        </p:spPr>
+        <p:txBody>
+          <a:bodyPr/>
+          <a:lstStyle/>
+          <a:p>
+            <a:r>
+              <a:rPr lang="en-US" dirty="0"/>
+              <a:t>Pipes</a:t>
+            </a:r>
+          </a:p>
+        </p:txBody>
+      </p:sp>
+      <p:sp>
+        <p:nvSpPr>
+          <p:cNvPr id="3" name="Subtitle 2"/>
+          <p:cNvSpPr>
+            <a:spLocks noGrp="1"/>
+          </p:cNvSpPr>
+          <p:nvPr>
+            <p:ph type="subTitle" idx="1"/>
+          </p:nvPr>
+        </p:nvSpPr>
+        <p:spPr>
+          <a:xfrm>
+            <a:off x="454651" y="1630710"/>
+            <a:ext cx="8371875" cy="4609893"/>
+          </a:xfrm>
+        </p:spPr>
+        <p:txBody>
+          <a:bodyPr>
+            <a:normAutofit/>
+          </a:bodyPr>
+          <a:lstStyle/>
+          <a:p>
+            <a:pPr marL="342900" indent="-342900" algn="l">
+              <a:buFont typeface="Arial"/>
+              <a:buChar char="•"/>
+            </a:pPr>
+            <a:r>
+              <a:rPr lang="en-US" sz="2000" dirty="0" smtClean="0"/>
+              <a:t>Pipes aren’t </a:t>
+            </a:r>
+            <a:r>
+              <a:rPr lang="en-US" sz="2000" dirty="0"/>
+              <a:t>much more than a new name for filters</a:t>
+            </a:r>
+          </a:p>
+          <a:p>
+            <a:pPr marL="342900" indent="-342900" algn="l">
+              <a:buFont typeface="Arial"/>
+              <a:buChar char="•"/>
+            </a:pPr>
+            <a:r>
+              <a:rPr lang="en-US" sz="2000" dirty="0" err="1" smtClean="0"/>
+              <a:t>Async</a:t>
+            </a:r>
+            <a:r>
+              <a:rPr lang="en-US" sz="2000" dirty="0" smtClean="0"/>
+              <a:t> </a:t>
+            </a:r>
+            <a:r>
+              <a:rPr lang="en-US" sz="2000" dirty="0"/>
+              <a:t>is the exception</a:t>
+            </a:r>
+          </a:p>
+          <a:p>
+            <a:pPr marL="800100" lvl="1" indent="-342900" algn="l">
+              <a:buFont typeface="Arial"/>
+              <a:buChar char="•"/>
+            </a:pPr>
+            <a:r>
+              <a:rPr lang="en-US" sz="1600" dirty="0" smtClean="0"/>
+              <a:t>Binds </a:t>
+            </a:r>
+            <a:r>
+              <a:rPr lang="en-US" sz="1600" dirty="0"/>
+              <a:t>to the output of an Observable</a:t>
+            </a:r>
+          </a:p>
+          <a:p>
+            <a:pPr marL="800100" lvl="1" indent="-342900" algn="l">
+              <a:buFont typeface="Arial"/>
+              <a:buChar char="•"/>
+            </a:pPr>
+            <a:r>
+              <a:rPr lang="en-US" sz="1600" dirty="0" smtClean="0"/>
+              <a:t>More </a:t>
+            </a:r>
+            <a:r>
+              <a:rPr lang="en-US" sz="1600" dirty="0"/>
+              <a:t>on </a:t>
+            </a:r>
+            <a:r>
+              <a:rPr lang="en-US" sz="1600" dirty="0" smtClean="0"/>
+              <a:t>observables soon</a:t>
+            </a:r>
+            <a:endParaRPr lang="en-US" sz="800" dirty="0"/>
+          </a:p>
+        </p:txBody>
+      </p:sp>
+    </p:spTree>
+    <p:extLst>
+      <p:ext uri="{BB962C8B-B14F-4D97-AF65-F5344CB8AC3E}">
+        <p14:creationId xmlns:p14="http://schemas.microsoft.com/office/powerpoint/2010/main" val="1772659482"/>
+      </p:ext>
+    </p:extLst>
+  </p:cSld>
+  <p:clrMapOvr>
+    <a:masterClrMapping/>
+  </p:clrMapOvr>
+  <p:timing>
+    <p:tnLst>
+      <p:par>
+        <p:cTn xmlns:p14="http://schemas.microsoft.com/office/powerpoint/2010/main" id="1" dur="indefinite" restart="never" nodeType="tmRoot"/>
+      </p:par>
+    </p:tnLst>
+  </p:timing>
+</p:sld>
+</file>
+
+<file path=ppt/slides/slide16.xml><?xml version="1.0" encoding="utf-8"?>
+<p:sld xmlns:a="http://schemas.openxmlformats.org/drawingml/2006/main" xmlns:r="http://schemas.openxmlformats.org/officeDocument/2006/relationships" xmlns:p="http://schemas.openxmlformats.org/presentationml/2006/main">
+  <p:cSld>
+    <p:spTree>
+      <p:nvGrpSpPr>
+        <p:cNvPr id="1" name=""/>
+        <p:cNvGrpSpPr/>
+        <p:nvPr/>
+      </p:nvGrpSpPr>
+      <p:grpSpPr>
+        <a:xfrm>
+          <a:off x="0" y="0"/>
+          <a:ext cx="0" cy="0"/>
+          <a:chOff x="0" y="0"/>
+          <a:chExt cx="0" cy="0"/>
+        </a:xfrm>
+      </p:grpSpPr>
+      <p:sp>
+        <p:nvSpPr>
+          <p:cNvPr id="2" name="Title 1"/>
+          <p:cNvSpPr>
+            <a:spLocks noGrp="1"/>
+          </p:cNvSpPr>
+          <p:nvPr>
+            <p:ph type="ctrTitle"/>
+          </p:nvPr>
+        </p:nvSpPr>
+        <p:spPr>
+          <a:xfrm>
+            <a:off x="685800" y="160685"/>
+            <a:ext cx="7772400" cy="1470025"/>
+          </a:xfrm>
+        </p:spPr>
+        <p:txBody>
+          <a:bodyPr/>
+          <a:lstStyle/>
+          <a:p>
+            <a:r>
+              <a:rPr lang="en-US" dirty="0"/>
+              <a:t>nG2 Migration Strategy</a:t>
+            </a:r>
+          </a:p>
+        </p:txBody>
+      </p:sp>
+      <p:sp>
+        <p:nvSpPr>
+          <p:cNvPr id="3" name="Subtitle 2"/>
+          <p:cNvSpPr>
+            <a:spLocks noGrp="1"/>
+          </p:cNvSpPr>
+          <p:nvPr>
+            <p:ph type="subTitle" idx="1"/>
+          </p:nvPr>
+        </p:nvSpPr>
+        <p:spPr>
+          <a:xfrm>
+            <a:off x="454651" y="1630710"/>
+            <a:ext cx="8371875" cy="4609893"/>
+          </a:xfrm>
+        </p:spPr>
+        <p:txBody>
+          <a:bodyPr>
+            <a:normAutofit/>
+          </a:bodyPr>
+          <a:lstStyle/>
+          <a:p>
+            <a:pPr marL="342900" indent="-342900" algn="l">
+              <a:buFont typeface="Arial"/>
+              <a:buChar char="•"/>
+            </a:pPr>
+            <a:r>
+              <a:rPr lang="en-US" sz="2000" dirty="0" smtClean="0"/>
+              <a:t>Component</a:t>
+            </a:r>
+            <a:r>
+              <a:rPr lang="en-US" sz="2000" dirty="0"/>
+              <a:t>-based architecture can be implemented using nG1.5 Components</a:t>
+            </a:r>
+          </a:p>
+          <a:p>
+            <a:pPr marL="342900" indent="-342900" algn="l">
+              <a:buFont typeface="Arial"/>
+              <a:buChar char="•"/>
+            </a:pPr>
+            <a:r>
+              <a:rPr lang="en-US" sz="2000" dirty="0" smtClean="0"/>
+              <a:t>nG1.5 </a:t>
+            </a:r>
+            <a:r>
+              <a:rPr lang="en-US" sz="2000" dirty="0"/>
+              <a:t>app following component pattern should convert relatively easily</a:t>
+            </a:r>
+          </a:p>
+          <a:p>
+            <a:pPr marL="800100" lvl="1" indent="-342900" algn="l">
+              <a:buFont typeface="Arial"/>
+              <a:buChar char="•"/>
+            </a:pPr>
+            <a:r>
+              <a:rPr lang="en-US" sz="1600" dirty="0" smtClean="0"/>
+              <a:t>Template </a:t>
+            </a:r>
+            <a:r>
+              <a:rPr lang="en-US" sz="1600" dirty="0"/>
+              <a:t>syntax conversion is straightforward</a:t>
+            </a:r>
+          </a:p>
+          <a:p>
+            <a:pPr marL="800100" lvl="1" indent="-342900" algn="l">
+              <a:buFont typeface="Arial"/>
+              <a:buChar char="•"/>
+            </a:pPr>
+            <a:r>
+              <a:rPr lang="en-US" sz="1600" dirty="0" smtClean="0"/>
+              <a:t>Component </a:t>
+            </a:r>
+            <a:r>
+              <a:rPr lang="en-US" sz="1600" dirty="0"/>
+              <a:t>syntax cant be converted, but design pattern stays comparable</a:t>
+            </a:r>
+          </a:p>
+          <a:p>
+            <a:pPr marL="800100" lvl="1" indent="-342900" algn="l">
+              <a:buFont typeface="Arial"/>
+              <a:buChar char="•"/>
+            </a:pPr>
+            <a:r>
+              <a:rPr lang="en-US" sz="1600" dirty="0" smtClean="0"/>
+              <a:t>Many </a:t>
+            </a:r>
+            <a:r>
+              <a:rPr lang="en-US" sz="1600" dirty="0"/>
+              <a:t>functions will be </a:t>
+            </a:r>
+            <a:r>
+              <a:rPr lang="en-US" sz="1600" dirty="0" err="1"/>
+              <a:t>copypasteable</a:t>
+            </a:r>
+            <a:r>
+              <a:rPr lang="en-US" sz="1600" dirty="0"/>
+              <a:t>, or small tweaks</a:t>
+            </a:r>
+          </a:p>
+          <a:p>
+            <a:pPr marL="800100" lvl="1" indent="-342900" algn="l">
+              <a:buFont typeface="Arial"/>
+              <a:buChar char="•"/>
+            </a:pPr>
+            <a:r>
+              <a:rPr lang="en-US" sz="1600" dirty="0" smtClean="0"/>
+              <a:t>Services </a:t>
+            </a:r>
+            <a:r>
+              <a:rPr lang="en-US" sz="1600" dirty="0" err="1"/>
+              <a:t>dont</a:t>
+            </a:r>
+            <a:r>
+              <a:rPr lang="en-US" sz="1600" dirty="0"/>
+              <a:t> change much</a:t>
+            </a:r>
+          </a:p>
+          <a:p>
+            <a:pPr marL="342900" indent="-342900" algn="l">
+              <a:buFont typeface="Arial"/>
+              <a:buChar char="•"/>
+            </a:pPr>
+            <a:r>
+              <a:rPr lang="en-US" sz="2000" dirty="0" smtClean="0"/>
+              <a:t>&lt;</a:t>
+            </a:r>
+            <a:r>
+              <a:rPr lang="en-US" sz="2000" dirty="0"/>
+              <a:t>1.5 apps not following component style will </a:t>
+            </a:r>
+            <a:r>
+              <a:rPr lang="en-US" sz="2000" dirty="0" smtClean="0"/>
+              <a:t>require more rewriting</a:t>
+            </a:r>
+            <a:endParaRPr lang="en-US" sz="800" dirty="0"/>
+          </a:p>
+        </p:txBody>
+      </p:sp>
+    </p:spTree>
+    <p:extLst>
+      <p:ext uri="{BB962C8B-B14F-4D97-AF65-F5344CB8AC3E}">
+        <p14:creationId xmlns:p14="http://schemas.microsoft.com/office/powerpoint/2010/main" val="3844937598"/>
+      </p:ext>
+    </p:extLst>
+  </p:cSld>
+  <p:clrMapOvr>
+    <a:masterClrMapping/>
+  </p:clrMapOvr>
+  <p:timing>
+    <p:tnLst>
+      <p:par>
+        <p:cTn xmlns:p14="http://schemas.microsoft.com/office/powerpoint/2010/main" id="1" dur="indefinite" restart="never" nodeType="tmRoot"/>
+      </p:par>
+    </p:tnLst>
+  </p:timing>
+</p:sld>
+</file>
+
+<file path=ppt/slides/slide17.xml><?xml version="1.0" encoding="utf-8"?>
+<p:sld xmlns:a="http://schemas.openxmlformats.org/drawingml/2006/main" xmlns:r="http://schemas.openxmlformats.org/officeDocument/2006/relationships" xmlns:p="http://schemas.openxmlformats.org/presentationml/2006/main">
+  <p:cSld>
+    <p:spTree>
+      <p:nvGrpSpPr>
+        <p:cNvPr id="1" name=""/>
+        <p:cNvGrpSpPr/>
+        <p:nvPr/>
+      </p:nvGrpSpPr>
+      <p:grpSpPr>
+        <a:xfrm>
+          <a:off x="0" y="0"/>
+          <a:ext cx="0" cy="0"/>
+          <a:chOff x="0" y="0"/>
+          <a:chExt cx="0" cy="0"/>
+        </a:xfrm>
+      </p:grpSpPr>
+      <p:sp>
+        <p:nvSpPr>
+          <p:cNvPr id="2" name="Title 1"/>
+          <p:cNvSpPr>
+            <a:spLocks noGrp="1"/>
+          </p:cNvSpPr>
+          <p:nvPr>
+            <p:ph type="ctrTitle"/>
+          </p:nvPr>
+        </p:nvSpPr>
+        <p:spPr>
+          <a:xfrm>
+            <a:off x="685800" y="160685"/>
+            <a:ext cx="7772400" cy="1470025"/>
+          </a:xfrm>
+        </p:spPr>
+        <p:txBody>
+          <a:bodyPr/>
+          <a:lstStyle/>
+          <a:p>
+            <a:r>
+              <a:rPr lang="en-US" dirty="0"/>
+              <a:t>nG2 Migration Lab</a:t>
+            </a:r>
+          </a:p>
+        </p:txBody>
+      </p:sp>
+      <p:sp>
+        <p:nvSpPr>
+          <p:cNvPr id="3" name="Subtitle 2"/>
+          <p:cNvSpPr>
+            <a:spLocks noGrp="1"/>
+          </p:cNvSpPr>
+          <p:nvPr>
+            <p:ph type="subTitle" idx="1"/>
+          </p:nvPr>
+        </p:nvSpPr>
+        <p:spPr>
+          <a:xfrm>
+            <a:off x="454651" y="1630710"/>
+            <a:ext cx="8371875" cy="4609893"/>
+          </a:xfrm>
+        </p:spPr>
+        <p:txBody>
+          <a:bodyPr>
+            <a:normAutofit/>
+          </a:bodyPr>
+          <a:lstStyle/>
+          <a:p>
+            <a:r>
+              <a:rPr lang="en-US" sz="2000" dirty="0" smtClean="0"/>
+              <a:t>Convert </a:t>
+            </a:r>
+            <a:r>
+              <a:rPr lang="en-US" sz="2000" dirty="0"/>
+              <a:t>our Jukebox UI to nG2</a:t>
+            </a:r>
+            <a:endParaRPr lang="en-US" sz="800" dirty="0"/>
+          </a:p>
+        </p:txBody>
+      </p:sp>
+    </p:spTree>
+    <p:extLst>
+      <p:ext uri="{BB962C8B-B14F-4D97-AF65-F5344CB8AC3E}">
+        <p14:creationId xmlns:p14="http://schemas.microsoft.com/office/powerpoint/2010/main" val="1900653321"/>
+      </p:ext>
+    </p:extLst>
+  </p:cSld>
+  <p:clrMapOvr>
+    <a:masterClrMapping/>
+  </p:clrMapOvr>
+  <p:timing>
+    <p:tnLst>
+      <p:par>
+        <p:cTn xmlns:p14="http://schemas.microsoft.com/office/powerpoint/2010/main" id="1" dur="indefinite" restart="never" nodeType="tmRoot"/>
+      </p:par>
+    </p:tnLst>
+  </p:timing>
+</p:sld>
+</file>
+
+<file path=ppt/slides/slide18.xml><?xml version="1.0" encoding="utf-8"?>
+<p:sld xmlns:a="http://schemas.openxmlformats.org/drawingml/2006/main" xmlns:r="http://schemas.openxmlformats.org/officeDocument/2006/relationships" xmlns:p="http://schemas.openxmlformats.org/presentationml/2006/main">
+  <p:cSld>
+    <p:spTree>
+      <p:nvGrpSpPr>
+        <p:cNvPr id="1" name=""/>
+        <p:cNvGrpSpPr/>
+        <p:nvPr/>
+      </p:nvGrpSpPr>
+      <p:grpSpPr>
+        <a:xfrm>
+          <a:off x="0" y="0"/>
+          <a:ext cx="0" cy="0"/>
+          <a:chOff x="0" y="0"/>
+          <a:chExt cx="0" cy="0"/>
+        </a:xfrm>
+      </p:grpSpPr>
+      <p:sp>
+        <p:nvSpPr>
+          <p:cNvPr id="2" name="Title 1"/>
+          <p:cNvSpPr>
+            <a:spLocks noGrp="1"/>
+          </p:cNvSpPr>
+          <p:nvPr>
+            <p:ph type="ctrTitle"/>
+          </p:nvPr>
+        </p:nvSpPr>
+        <p:spPr>
+          <a:xfrm>
+            <a:off x="685800" y="160685"/>
+            <a:ext cx="7772400" cy="1470025"/>
+          </a:xfrm>
+        </p:spPr>
+        <p:txBody>
+          <a:bodyPr/>
+          <a:lstStyle/>
+          <a:p>
+            <a:r>
+              <a:rPr lang="en-US" dirty="0"/>
+              <a:t>Forms and validation</a:t>
+            </a:r>
+          </a:p>
+        </p:txBody>
+      </p:sp>
+      <p:sp>
+        <p:nvSpPr>
+          <p:cNvPr id="3" name="Subtitle 2"/>
+          <p:cNvSpPr>
+            <a:spLocks noGrp="1"/>
+          </p:cNvSpPr>
+          <p:nvPr>
+            <p:ph type="subTitle" idx="1"/>
+          </p:nvPr>
+        </p:nvSpPr>
+        <p:spPr>
+          <a:xfrm>
+            <a:off x="454651" y="1630710"/>
+            <a:ext cx="8371875" cy="4609893"/>
+          </a:xfrm>
+        </p:spPr>
+        <p:txBody>
+          <a:bodyPr>
+            <a:normAutofit fontScale="92500" lnSpcReduction="10000"/>
+          </a:bodyPr>
+          <a:lstStyle/>
+          <a:p>
+            <a:pPr marL="342900" indent="-342900" algn="l">
+              <a:buFont typeface="Arial"/>
+              <a:buChar char="•"/>
+            </a:pPr>
+            <a:r>
+              <a:rPr lang="en-US" sz="2000" dirty="0" err="1" smtClean="0"/>
+              <a:t>ngModel</a:t>
+            </a:r>
+            <a:r>
+              <a:rPr lang="en-US" sz="2000" dirty="0" smtClean="0"/>
+              <a:t> </a:t>
+            </a:r>
+            <a:r>
+              <a:rPr lang="en-US" sz="2000" dirty="0"/>
+              <a:t>is still available, but forms get a new non-DOM syntax</a:t>
+            </a:r>
+          </a:p>
+          <a:p>
+            <a:pPr marL="800100" lvl="1" indent="-342900" algn="l">
+              <a:buFont typeface="Arial"/>
+              <a:buChar char="•"/>
+            </a:pPr>
+            <a:r>
+              <a:rPr lang="en-US" sz="1600" dirty="0" smtClean="0"/>
+              <a:t>Controls </a:t>
+            </a:r>
+            <a:r>
+              <a:rPr lang="en-US" sz="1600" dirty="0"/>
+              <a:t>are built from Validators</a:t>
+            </a:r>
+          </a:p>
+          <a:p>
+            <a:pPr marL="800100" lvl="1" indent="-342900" algn="l">
+              <a:buFont typeface="Arial"/>
+              <a:buChar char="•"/>
+            </a:pPr>
+            <a:r>
+              <a:rPr lang="en-US" sz="1600" dirty="0" smtClean="0"/>
+              <a:t>email</a:t>
+            </a:r>
+            <a:r>
+              <a:rPr lang="en-US" sz="1600" dirty="0"/>
+              <a:t>: new Control("email", </a:t>
+            </a:r>
+            <a:r>
+              <a:rPr lang="en-US" sz="1600" dirty="0" err="1"/>
+              <a:t>Validators.required</a:t>
+            </a:r>
+            <a:r>
+              <a:rPr lang="en-US" sz="1600" dirty="0"/>
+              <a:t>)</a:t>
+            </a:r>
+          </a:p>
+          <a:p>
+            <a:pPr marL="800100" lvl="1" indent="-342900" algn="l">
+              <a:buFont typeface="Arial"/>
+              <a:buChar char="•"/>
+            </a:pPr>
+            <a:r>
+              <a:rPr lang="en-US" sz="1600" dirty="0" err="1" smtClean="0"/>
+              <a:t>ControlGroup</a:t>
+            </a:r>
+            <a:r>
+              <a:rPr lang="en-US" sz="1600" dirty="0" smtClean="0"/>
+              <a:t> </a:t>
+            </a:r>
+            <a:r>
+              <a:rPr lang="en-US" sz="1600" dirty="0"/>
+              <a:t>built from controls</a:t>
+            </a:r>
+          </a:p>
+          <a:p>
+            <a:pPr marL="800100" lvl="1" indent="-342900" algn="l">
+              <a:buFont typeface="Arial"/>
+              <a:buChar char="•"/>
+            </a:pPr>
+            <a:r>
+              <a:rPr lang="en-US" sz="1600" dirty="0" err="1" smtClean="0"/>
+              <a:t>FormBuilder</a:t>
+            </a:r>
+            <a:r>
+              <a:rPr lang="en-US" sz="1600" dirty="0" smtClean="0"/>
+              <a:t> </a:t>
+            </a:r>
+            <a:r>
+              <a:rPr lang="en-US" sz="1600" dirty="0"/>
+              <a:t>available as sugar for creating the whole </a:t>
+            </a:r>
+            <a:r>
+              <a:rPr lang="en-US" sz="1600" dirty="0" err="1"/>
+              <a:t>kaboodle</a:t>
+            </a:r>
+            <a:endParaRPr lang="en-US" sz="1600" dirty="0"/>
+          </a:p>
+          <a:p>
+            <a:pPr marL="342900" indent="-342900" algn="l">
+              <a:buFont typeface="Arial"/>
+              <a:buChar char="•"/>
+            </a:pPr>
+            <a:r>
+              <a:rPr lang="en-US" sz="2000" dirty="0" err="1" smtClean="0"/>
+              <a:t>ngControl</a:t>
+            </a:r>
+            <a:endParaRPr lang="en-US" sz="2000" dirty="0"/>
+          </a:p>
+          <a:p>
+            <a:pPr marL="800100" lvl="1" indent="-342900" algn="l">
+              <a:buFont typeface="Arial"/>
+              <a:buChar char="•"/>
+            </a:pPr>
+            <a:r>
+              <a:rPr lang="en-US" sz="1600" dirty="0" smtClean="0"/>
+              <a:t>Tracks </a:t>
+            </a:r>
+            <a:r>
+              <a:rPr lang="en-US" sz="1600" dirty="0"/>
+              <a:t>state and validity by creating Control object</a:t>
+            </a:r>
+          </a:p>
+          <a:p>
+            <a:pPr marL="800100" lvl="1" indent="-342900" algn="l">
+              <a:buFont typeface="Arial"/>
+              <a:buChar char="•"/>
+            </a:pPr>
+            <a:r>
+              <a:rPr lang="en-US" sz="1600" dirty="0" smtClean="0"/>
+              <a:t>Applies </a:t>
+            </a:r>
+            <a:r>
+              <a:rPr lang="en-US" sz="1600" dirty="0"/>
+              <a:t>classes to element based on UI actions:</a:t>
+            </a:r>
+          </a:p>
+          <a:p>
+            <a:pPr marL="800100" lvl="1" indent="-342900" algn="l">
+              <a:buFont typeface="Arial"/>
+              <a:buChar char="•"/>
+            </a:pPr>
+            <a:r>
+              <a:rPr lang="en-US" sz="1600" dirty="0" smtClean="0"/>
+              <a:t>Control </a:t>
+            </a:r>
+            <a:r>
+              <a:rPr lang="en-US" sz="1600" dirty="0"/>
+              <a:t>visited: </a:t>
+            </a:r>
+            <a:r>
+              <a:rPr lang="en-US" sz="1600" dirty="0" err="1"/>
+              <a:t>ng</a:t>
+            </a:r>
+            <a:r>
+              <a:rPr lang="en-US" sz="1600" dirty="0"/>
+              <a:t>-touched/</a:t>
+            </a:r>
+            <a:r>
+              <a:rPr lang="en-US" sz="1600" dirty="0" err="1"/>
+              <a:t>ng</a:t>
+            </a:r>
+            <a:r>
+              <a:rPr lang="en-US" sz="1600" dirty="0"/>
+              <a:t>-untouched</a:t>
+            </a:r>
+          </a:p>
+          <a:p>
+            <a:pPr marL="800100" lvl="1" indent="-342900" algn="l">
+              <a:buFont typeface="Arial"/>
+              <a:buChar char="•"/>
+            </a:pPr>
+            <a:r>
+              <a:rPr lang="en-US" sz="1600" dirty="0" smtClean="0"/>
+              <a:t>Controls </a:t>
+            </a:r>
+            <a:r>
+              <a:rPr lang="en-US" sz="1600" dirty="0"/>
+              <a:t>value changed: </a:t>
+            </a:r>
+            <a:r>
+              <a:rPr lang="en-US" sz="1600" dirty="0" err="1"/>
+              <a:t>ng</a:t>
+            </a:r>
+            <a:r>
+              <a:rPr lang="en-US" sz="1600" dirty="0"/>
+              <a:t>-dirty/</a:t>
+            </a:r>
+            <a:r>
+              <a:rPr lang="en-US" sz="1600" dirty="0" err="1"/>
+              <a:t>ng</a:t>
+            </a:r>
+            <a:r>
+              <a:rPr lang="en-US" sz="1600" dirty="0"/>
+              <a:t>-pristine</a:t>
+            </a:r>
+          </a:p>
+          <a:p>
+            <a:pPr marL="800100" lvl="1" indent="-342900" algn="l">
+              <a:buFont typeface="Arial"/>
+              <a:buChar char="•"/>
+            </a:pPr>
+            <a:r>
+              <a:rPr lang="en-US" sz="1600" dirty="0" smtClean="0"/>
+              <a:t>Controls </a:t>
+            </a:r>
+            <a:r>
+              <a:rPr lang="en-US" sz="1600" dirty="0"/>
+              <a:t>value valid:  </a:t>
+            </a:r>
+            <a:r>
+              <a:rPr lang="en-US" sz="1600" dirty="0" err="1"/>
+              <a:t>ng</a:t>
+            </a:r>
+            <a:r>
+              <a:rPr lang="en-US" sz="1600" dirty="0"/>
+              <a:t>-valid/</a:t>
+            </a:r>
+            <a:r>
+              <a:rPr lang="en-US" sz="1600" dirty="0" err="1"/>
+              <a:t>ng</a:t>
+            </a:r>
+            <a:r>
+              <a:rPr lang="en-US" sz="1600" dirty="0"/>
+              <a:t>-</a:t>
+            </a:r>
+            <a:r>
+              <a:rPr lang="en-US" sz="1600" dirty="0" smtClean="0"/>
+              <a:t>invalid</a:t>
+            </a:r>
+            <a:endParaRPr lang="en-US" sz="1600" dirty="0"/>
+          </a:p>
+          <a:p>
+            <a:pPr marL="457200" indent="-457200" algn="l">
+              <a:buFont typeface="Arial"/>
+              <a:buChar char="•"/>
+            </a:pPr>
+            <a:r>
+              <a:rPr lang="en-US" sz="2100" dirty="0"/>
+              <a:t> </a:t>
+            </a:r>
+            <a:r>
+              <a:rPr lang="en-US" sz="2100" dirty="0" smtClean="0"/>
+              <a:t>Form </a:t>
+            </a:r>
+            <a:r>
+              <a:rPr lang="en-US" sz="2100" dirty="0"/>
+              <a:t>gotchas</a:t>
+            </a:r>
+          </a:p>
+          <a:p>
+            <a:pPr marL="914400" lvl="1" indent="-457200" algn="l">
+              <a:buFont typeface="Arial"/>
+              <a:buChar char="•"/>
+            </a:pPr>
+            <a:r>
+              <a:rPr lang="en-US" sz="1600" dirty="0" err="1" smtClean="0"/>
+              <a:t>nG</a:t>
+            </a:r>
+            <a:r>
+              <a:rPr lang="en-US" sz="1600" dirty="0" smtClean="0"/>
+              <a:t> </a:t>
+            </a:r>
+            <a:r>
+              <a:rPr lang="en-US" sz="1600" dirty="0"/>
+              <a:t>adds </a:t>
+            </a:r>
+            <a:r>
+              <a:rPr lang="en-US" sz="1600" dirty="0" err="1"/>
+              <a:t>ngForm</a:t>
+            </a:r>
+            <a:r>
+              <a:rPr lang="en-US" sz="1600" dirty="0"/>
+              <a:t> directive to &lt;form&gt; automatically</a:t>
+            </a:r>
+          </a:p>
+          <a:p>
+            <a:pPr marL="914400" lvl="1" indent="-457200" algn="l">
+              <a:buFont typeface="Arial"/>
+              <a:buChar char="•"/>
+            </a:pPr>
+            <a:r>
+              <a:rPr lang="en-US" sz="1600" dirty="0" err="1" smtClean="0"/>
+              <a:t>NgForm</a:t>
+            </a:r>
+            <a:r>
+              <a:rPr lang="en-US" sz="1600" dirty="0"/>
+              <a:t>, </a:t>
+            </a:r>
+            <a:r>
+              <a:rPr lang="en-US" sz="1600" dirty="0" err="1"/>
+              <a:t>NgModel</a:t>
+            </a:r>
+            <a:r>
+              <a:rPr lang="en-US" sz="1600" dirty="0"/>
+              <a:t>, </a:t>
+            </a:r>
+            <a:r>
+              <a:rPr lang="en-US" sz="1600" dirty="0" err="1"/>
+              <a:t>NgControlName</a:t>
+            </a:r>
+            <a:r>
+              <a:rPr lang="en-US" sz="1600" dirty="0"/>
+              <a:t> and </a:t>
+            </a:r>
+            <a:r>
+              <a:rPr lang="en-US" sz="1600" dirty="0" err="1"/>
+              <a:t>NgControlGroup</a:t>
+            </a:r>
+            <a:r>
+              <a:rPr lang="en-US" sz="1600" dirty="0"/>
+              <a:t> all </a:t>
+            </a:r>
+            <a:r>
+              <a:rPr lang="en-US" sz="1600" dirty="0" err="1"/>
+              <a:t>exportAs</a:t>
+            </a:r>
+            <a:r>
+              <a:rPr lang="en-US" sz="1600" dirty="0"/>
+              <a:t> "</a:t>
+            </a:r>
+            <a:r>
+              <a:rPr lang="en-US" sz="1600" dirty="0" err="1" smtClean="0"/>
+              <a:t>ngForm</a:t>
+            </a:r>
+            <a:r>
+              <a:rPr lang="en-US" sz="1600" dirty="0" smtClean="0"/>
+              <a:t>”</a:t>
+            </a:r>
+          </a:p>
+          <a:p>
+            <a:pPr marL="914400" lvl="1" indent="-457200" algn="l">
+              <a:buFont typeface="Arial"/>
+              <a:buChar char="•"/>
+            </a:pPr>
+            <a:r>
+              <a:rPr lang="en-US" sz="1600" dirty="0" err="1" smtClean="0"/>
+              <a:t>ngModel</a:t>
+            </a:r>
+            <a:r>
+              <a:rPr lang="en-US" sz="1600" dirty="0" smtClean="0"/>
+              <a:t> overridden when any other applied to same element</a:t>
+            </a:r>
+          </a:p>
+          <a:p>
+            <a:pPr marL="914400" lvl="1" indent="-457200" algn="l">
+              <a:buFont typeface="Arial"/>
+              <a:buChar char="•"/>
+            </a:pPr>
+            <a:r>
+              <a:rPr lang="en-US" sz="1900" dirty="0" err="1" smtClean="0"/>
+              <a:t>ngControl</a:t>
+            </a:r>
+            <a:r>
+              <a:rPr lang="en-US" sz="1900" dirty="0" smtClean="0"/>
+              <a:t> </a:t>
+            </a:r>
+            <a:r>
+              <a:rPr lang="en-US" sz="1900" dirty="0"/>
+              <a:t>attribute =&gt; directive </a:t>
+            </a:r>
+            <a:r>
+              <a:rPr lang="en-US" sz="1900" dirty="0" err="1"/>
+              <a:t>ngControlName</a:t>
+            </a:r>
+            <a:r>
+              <a:rPr lang="en-US" sz="1900" dirty="0"/>
+              <a:t> (</a:t>
+            </a:r>
+            <a:r>
+              <a:rPr lang="en-US" sz="1900" dirty="0" err="1"/>
+              <a:t>ngControl</a:t>
+            </a:r>
+            <a:r>
+              <a:rPr lang="en-US" sz="1900" dirty="0"/>
+              <a:t> is abstract)</a:t>
+            </a:r>
+          </a:p>
+        </p:txBody>
+      </p:sp>
+    </p:spTree>
+    <p:extLst>
+      <p:ext uri="{BB962C8B-B14F-4D97-AF65-F5344CB8AC3E}">
+        <p14:creationId xmlns:p14="http://schemas.microsoft.com/office/powerpoint/2010/main" val="1484393367"/>
+      </p:ext>
+    </p:extLst>
+  </p:cSld>
+  <p:clrMapOvr>
+    <a:masterClrMapping/>
+  </p:clrMapOvr>
+  <p:timing>
+    <p:tnLst>
+      <p:par>
+        <p:cTn xmlns:p14="http://schemas.microsoft.com/office/powerpoint/2010/main" id="1" dur="indefinite" restart="never" nodeType="tmRoot"/>
+      </p:par>
+    </p:tnLst>
+  </p:timing>
+</p:sld>
+</file>
+
+<file path=ppt/slides/slide19.xml><?xml version="1.0" encoding="utf-8"?>
+<p:sld xmlns:a="http://schemas.openxmlformats.org/drawingml/2006/main" xmlns:r="http://schemas.openxmlformats.org/officeDocument/2006/relationships" xmlns:p="http://schemas.openxmlformats.org/presentationml/2006/main">
+  <p:cSld>
+    <p:spTree>
+      <p:nvGrpSpPr>
+        <p:cNvPr id="1" name=""/>
+        <p:cNvGrpSpPr/>
+        <p:nvPr/>
+      </p:nvGrpSpPr>
+      <p:grpSpPr>
+        <a:xfrm>
+          <a:off x="0" y="0"/>
+          <a:ext cx="0" cy="0"/>
+          <a:chOff x="0" y="0"/>
+          <a:chExt cx="0" cy="0"/>
+        </a:xfrm>
+      </p:grpSpPr>
+      <p:sp>
+        <p:nvSpPr>
+          <p:cNvPr id="2" name="Title 1"/>
+          <p:cNvSpPr>
+            <a:spLocks noGrp="1"/>
+          </p:cNvSpPr>
+          <p:nvPr>
+            <p:ph type="ctrTitle"/>
+          </p:nvPr>
+        </p:nvSpPr>
+        <p:spPr>
+          <a:xfrm>
+            <a:off x="685800" y="160685"/>
+            <a:ext cx="7772400" cy="1470025"/>
+          </a:xfrm>
+        </p:spPr>
+        <p:txBody>
+          <a:bodyPr/>
+          <a:lstStyle/>
+          <a:p>
+            <a:pPr marL="342900" indent="-342900"/>
+            <a:r>
+              <a:rPr lang="en-US" dirty="0"/>
+              <a:t>Template reference variables</a:t>
+            </a:r>
+          </a:p>
+        </p:txBody>
+      </p:sp>
+      <p:sp>
+        <p:nvSpPr>
+          <p:cNvPr id="3" name="Subtitle 2"/>
+          <p:cNvSpPr>
+            <a:spLocks noGrp="1"/>
+          </p:cNvSpPr>
+          <p:nvPr>
+            <p:ph type="subTitle" idx="1"/>
+          </p:nvPr>
+        </p:nvSpPr>
+        <p:spPr>
+          <a:xfrm>
+            <a:off x="454651" y="1630710"/>
+            <a:ext cx="8371875" cy="4609893"/>
+          </a:xfrm>
+        </p:spPr>
+        <p:txBody>
+          <a:bodyPr>
+            <a:normAutofit/>
+          </a:bodyPr>
+          <a:lstStyle/>
+          <a:p>
+            <a:pPr marL="342900" indent="-342900" algn="l">
+              <a:buFont typeface="Arial"/>
+              <a:buChar char="•"/>
+            </a:pPr>
+            <a:r>
+              <a:rPr lang="en-US" sz="2000" dirty="0" smtClean="0"/>
+              <a:t>Add </a:t>
+            </a:r>
+            <a:r>
+              <a:rPr lang="en-US" sz="2000" dirty="0"/>
+              <a:t>#</a:t>
+            </a:r>
+            <a:r>
+              <a:rPr lang="en-US" sz="2000" dirty="0" err="1"/>
+              <a:t>varname</a:t>
+            </a:r>
+            <a:r>
+              <a:rPr lang="en-US" sz="2000" dirty="0"/>
+              <a:t> as an </a:t>
+            </a:r>
+            <a:r>
+              <a:rPr lang="en-US" sz="2000" dirty="0" smtClean="0"/>
+              <a:t>attribute</a:t>
+            </a:r>
+            <a:endParaRPr lang="en-US" sz="2000" dirty="0"/>
+          </a:p>
+          <a:p>
+            <a:pPr marL="342900" indent="-342900" algn="l">
+              <a:buFont typeface="Arial"/>
+              <a:buChar char="•"/>
+            </a:pPr>
+            <a:r>
+              <a:rPr lang="en-US" sz="2000" dirty="0" smtClean="0"/>
+              <a:t>References </a:t>
+            </a:r>
+            <a:r>
+              <a:rPr lang="en-US" sz="2000" dirty="0"/>
+              <a:t>element by default</a:t>
+            </a:r>
+          </a:p>
+          <a:p>
+            <a:pPr marL="800100" lvl="1" indent="-342900" algn="l">
+              <a:buFont typeface="Arial"/>
+              <a:buChar char="•"/>
+            </a:pPr>
+            <a:r>
+              <a:rPr lang="en-US" sz="1600" dirty="0" smtClean="0"/>
+              <a:t>&lt;</a:t>
+            </a:r>
+            <a:r>
+              <a:rPr lang="en-US" sz="1600" dirty="0"/>
+              <a:t>input #phone placeholder="phone number"&gt;</a:t>
+            </a:r>
+          </a:p>
+          <a:p>
+            <a:pPr marL="800100" lvl="1" indent="-342900" algn="l">
+              <a:buFont typeface="Arial"/>
+              <a:buChar char="•"/>
+            </a:pPr>
+            <a:r>
+              <a:rPr lang="en-US" sz="1600" dirty="0" smtClean="0"/>
+              <a:t>&lt;</a:t>
+            </a:r>
+            <a:r>
+              <a:rPr lang="en-US" sz="1600" dirty="0"/>
+              <a:t>button (click)="</a:t>
+            </a:r>
+            <a:r>
+              <a:rPr lang="en-US" sz="1600" dirty="0" err="1"/>
+              <a:t>callPhone</a:t>
+            </a:r>
+            <a:r>
+              <a:rPr lang="en-US" sz="1600" dirty="0"/>
+              <a:t>(</a:t>
+            </a:r>
+            <a:r>
+              <a:rPr lang="en-US" sz="1600" dirty="0" err="1"/>
+              <a:t>phone.value</a:t>
+            </a:r>
+            <a:r>
+              <a:rPr lang="en-US" sz="1600" dirty="0"/>
+              <a:t>)"&gt;Call&lt;/button&gt;</a:t>
+            </a:r>
+          </a:p>
+          <a:p>
+            <a:pPr marL="342900" indent="-342900" algn="l">
+              <a:buFont typeface="Arial"/>
+              <a:buChar char="•"/>
+            </a:pPr>
+            <a:r>
+              <a:rPr lang="en-US" sz="2000" dirty="0"/>
+              <a:t>  </a:t>
+            </a:r>
+            <a:r>
+              <a:rPr lang="en-US" sz="2000" dirty="0" smtClean="0"/>
+              <a:t>Or</a:t>
+            </a:r>
+            <a:r>
+              <a:rPr lang="en-US" sz="2000" dirty="0"/>
+              <a:t>, assign </a:t>
+            </a:r>
+            <a:r>
+              <a:rPr lang="en-US" sz="2000" dirty="0" err="1"/>
+              <a:t>var</a:t>
+            </a:r>
+            <a:r>
+              <a:rPr lang="en-US" sz="2000" dirty="0"/>
+              <a:t> to form data</a:t>
+            </a:r>
+          </a:p>
+          <a:p>
+            <a:pPr marL="800100" lvl="1" indent="-342900" algn="l">
+              <a:buFont typeface="Arial"/>
+              <a:buChar char="•"/>
+            </a:pPr>
+            <a:r>
+              <a:rPr lang="en-US" sz="1600" dirty="0" smtClean="0"/>
+              <a:t>&lt;</a:t>
+            </a:r>
+            <a:r>
+              <a:rPr lang="en-US" sz="1600" dirty="0"/>
+              <a:t>input </a:t>
+            </a:r>
+            <a:r>
+              <a:rPr lang="en-US" sz="1600" dirty="0" err="1"/>
+              <a:t>ngControl</a:t>
+            </a:r>
+            <a:r>
+              <a:rPr lang="en-US" sz="1600" dirty="0"/>
+              <a:t>="username"  #name="</a:t>
+            </a:r>
+            <a:r>
+              <a:rPr lang="en-US" sz="1600" dirty="0" err="1"/>
+              <a:t>ngForm</a:t>
+            </a:r>
+            <a:r>
+              <a:rPr lang="en-US" sz="1600" dirty="0"/>
+              <a:t>" &gt;</a:t>
+            </a:r>
+          </a:p>
+          <a:p>
+            <a:pPr marL="800100" lvl="1" indent="-342900" algn="l">
+              <a:buFont typeface="Arial"/>
+              <a:buChar char="•"/>
+            </a:pPr>
+            <a:r>
+              <a:rPr lang="en-US" sz="1600" dirty="0" smtClean="0"/>
+              <a:t>&lt;</a:t>
+            </a:r>
+            <a:r>
+              <a:rPr lang="en-US" sz="1600" dirty="0"/>
+              <a:t>div [hidden]="</a:t>
+            </a:r>
+            <a:r>
+              <a:rPr lang="en-US" sz="1600" dirty="0" err="1"/>
+              <a:t>name.valid</a:t>
+            </a:r>
+            <a:r>
+              <a:rPr lang="en-US" sz="1600" dirty="0"/>
+              <a:t> || </a:t>
+            </a:r>
+            <a:r>
+              <a:rPr lang="en-US" sz="1600" dirty="0" err="1"/>
+              <a:t>name.pristine</a:t>
+            </a:r>
+            <a:r>
+              <a:rPr lang="en-US" sz="1600" dirty="0"/>
+              <a:t>" class="alert alert-</a:t>
+            </a:r>
+            <a:r>
+              <a:rPr lang="en-US" sz="1600" dirty="0" smtClean="0"/>
+              <a:t>danger”&gt;</a:t>
+            </a:r>
+            <a:endParaRPr lang="en-US" sz="1600" dirty="0"/>
+          </a:p>
+        </p:txBody>
+      </p:sp>
+    </p:spTree>
+    <p:extLst>
+      <p:ext uri="{BB962C8B-B14F-4D97-AF65-F5344CB8AC3E}">
+        <p14:creationId xmlns:p14="http://schemas.microsoft.com/office/powerpoint/2010/main" val="3880746114"/>
       </p:ext>
     </p:extLst>
   </p:cSld>
@@ -3335,6 +5708,14 @@
           <a:p>
             <a:r>
               <a:rPr lang="en-US" dirty="0" smtClean="0"/>
+              <a:t>Day </a:t>
+            </a:r>
+            <a:r>
+              <a:rPr lang="en-US" dirty="0" smtClean="0"/>
+              <a:t>4 </a:t>
+            </a:r>
+            <a:r>
+              <a:rPr lang="en-US" dirty="0" smtClean="0"/>
               <a:t>Schedule</a:t>
             </a:r>
             <a:endParaRPr lang="en-US" dirty="0"/>
@@ -3353,8 +5734,8 @@
         </p:nvSpPr>
         <p:spPr>
           <a:xfrm>
-            <a:off x="454651" y="1630710"/>
-            <a:ext cx="8371875" cy="4609893"/>
+            <a:off x="1371600" y="1630710"/>
+            <a:ext cx="6400800" cy="4609893"/>
           </a:xfrm>
         </p:spPr>
         <p:txBody>
@@ -3363,85 +5744,71 @@
           </a:bodyPr>
           <a:lstStyle/>
           <a:p>
-            <a:pPr marL="342900" indent="-342900" algn="l">
-              <a:buFont typeface="Arial"/>
-              <a:buChar char="•"/>
-            </a:pPr>
-            <a:r>
-              <a:rPr lang="en-US" sz="1600" dirty="0" smtClean="0"/>
-              <a:t>Review</a:t>
-            </a:r>
-          </a:p>
-          <a:p>
-            <a:pPr marL="342900" indent="-342900" algn="l">
-              <a:buFont typeface="Arial"/>
-              <a:buChar char="•"/>
-            </a:pPr>
-            <a:r>
-              <a:rPr lang="en-US" sz="1600" dirty="0" smtClean="0"/>
-              <a:t>Data flow and Observables</a:t>
-            </a:r>
-          </a:p>
-          <a:p>
-            <a:pPr marL="342900" indent="-342900" algn="l">
-              <a:buFont typeface="Arial"/>
-              <a:buChar char="•"/>
-            </a:pPr>
-            <a:r>
-              <a:rPr lang="en-US" sz="1600" dirty="0" smtClean="0"/>
-              <a:t>Observables Lab</a:t>
-            </a:r>
-          </a:p>
-          <a:p>
-            <a:pPr marL="342900" indent="-342900" algn="l">
-              <a:buFont typeface="Arial"/>
-              <a:buChar char="•"/>
-            </a:pPr>
-            <a:r>
-              <a:rPr lang="en-US" sz="1600" dirty="0" smtClean="0"/>
-              <a:t>Lunch </a:t>
-            </a:r>
-          </a:p>
-          <a:p>
-            <a:pPr marL="342900" indent="-342900" algn="l">
-              <a:buFont typeface="Arial"/>
-              <a:buChar char="•"/>
-            </a:pPr>
-            <a:r>
-              <a:rPr lang="en-US" sz="1600" dirty="0" smtClean="0"/>
-              <a:t>Ionic</a:t>
-            </a:r>
-          </a:p>
-          <a:p>
-            <a:pPr marL="342900" indent="-342900" algn="l">
-              <a:buFont typeface="Arial"/>
-              <a:buChar char="•"/>
-            </a:pPr>
-            <a:r>
-              <a:rPr lang="en-US" sz="1600" dirty="0" smtClean="0"/>
-              <a:t>Ionic Lab</a:t>
-            </a:r>
-            <a:endParaRPr lang="en-US" sz="1600" dirty="0" smtClean="0"/>
+            <a:pPr marL="457200" indent="-457200" algn="l">
+              <a:buFont typeface="Arial"/>
+              <a:buChar char="•"/>
+            </a:pPr>
+            <a:r>
+              <a:rPr lang="en-US" dirty="0"/>
+              <a:t>What’s new in 1.3 and 1.4</a:t>
+            </a:r>
+          </a:p>
+          <a:p>
+            <a:pPr marL="457200" indent="-457200" algn="l">
+              <a:buFont typeface="Arial"/>
+              <a:buChar char="•"/>
+            </a:pPr>
+            <a:r>
+              <a:rPr lang="en-US" dirty="0"/>
+              <a:t>Components in Angular 1.5</a:t>
+            </a:r>
+          </a:p>
+          <a:p>
+            <a:pPr marL="457200" indent="-457200" algn="l">
+              <a:buFont typeface="Arial"/>
+              <a:buChar char="•"/>
+            </a:pPr>
+            <a:r>
+              <a:rPr lang="en-US" dirty="0"/>
+              <a:t>Angular 2 Introduction</a:t>
+            </a:r>
+          </a:p>
+          <a:p>
+            <a:pPr marL="457200" indent="-457200" algn="l">
+              <a:buFont typeface="Arial"/>
+              <a:buChar char="•"/>
+            </a:pPr>
+            <a:r>
+              <a:rPr lang="en-US" dirty="0" err="1"/>
+              <a:t>TypeScript</a:t>
+            </a:r>
+            <a:r>
+              <a:rPr lang="en-US" dirty="0"/>
+              <a:t> and ES6 </a:t>
+            </a:r>
+          </a:p>
+          <a:p>
+            <a:pPr marL="457200" indent="-457200" algn="l">
+              <a:buFont typeface="Arial"/>
+              <a:buChar char="•"/>
+            </a:pPr>
+            <a:r>
+              <a:rPr lang="en-US" dirty="0"/>
+              <a:t>Components in Angular 2</a:t>
+            </a:r>
           </a:p>
         </p:txBody>
       </p:sp>
     </p:spTree>
     <p:extLst>
       <p:ext uri="{BB962C8B-B14F-4D97-AF65-F5344CB8AC3E}">
-        <p14:creationId xmlns:p14="http://schemas.microsoft.com/office/powerpoint/2010/main" val="1184490946"/>
+        <p14:creationId xmlns:p14="http://schemas.microsoft.com/office/powerpoint/2010/main" val="3400681737"/>
       </p:ext>
     </p:extLst>
   </p:cSld>
   <p:clrMapOvr>
     <a:masterClrMapping/>
   </p:clrMapOvr>
-  <p:timing>
-    <p:tnLst>
-      <p:par>
-        <p:cTn xmlns:p14="http://schemas.microsoft.com/office/powerpoint/2010/main" id="1" dur="indefinite" restart="never" nodeType="tmRoot"/>
-      </p:par>
-    </p:tnLst>
-  </p:timing>
 </p:sld>
 </file>
 
@@ -3484,13 +5851,20 @@
           <a:p>
             <a:r>
               <a:rPr lang="en-US" dirty="0"/>
-              <a:t> </a:t>
+              <a:t>Components </a:t>
+            </a:r>
+            <a:r>
+              <a:rPr lang="en-US" dirty="0"/>
+              <a:t>(</a:t>
             </a:r>
             <a:r>
               <a:rPr lang="en-US" dirty="0" smtClean="0"/>
-              <a:t>Observables</a:t>
-            </a:r>
-            <a:endParaRPr lang="en-US" dirty="0"/>
+              <a:t>1.5</a:t>
+            </a:r>
+            <a:r>
+              <a:rPr lang="en-US" dirty="0"/>
+              <a:t>)</a:t>
+            </a:r>
           </a:p>
         </p:txBody>
       </p:sp>
@@ -3512,243 +5886,455 @@
         </p:spPr>
         <p:txBody>
           <a:bodyPr>
-            <a:normAutofit lnSpcReduction="10000"/>
+            <a:normAutofit/>
           </a:bodyPr>
           <a:lstStyle/>
           <a:p>
-            <a:pPr algn="l"/>
+            <a:pPr marL="342900" indent="-342900" algn="l">
+              <a:buFont typeface="Arial"/>
+              <a:buChar char="•"/>
+            </a:pPr>
             <a:r>
               <a:rPr lang="en-US" sz="2000" dirty="0" smtClean="0"/>
-              <a:t>* </a:t>
-            </a:r>
-            <a:r>
-              <a:rPr lang="en-US" sz="2000" dirty="0"/>
-              <a:t>The observer pattern is a design pattern</a:t>
-            </a:r>
-          </a:p>
-          <a:p>
-            <a:pPr algn="l"/>
-            <a:r>
-              <a:rPr lang="en-US" sz="2000" dirty="0"/>
-              <a:t>    </a:t>
-            </a:r>
+              <a:t>Transitional </a:t>
+            </a:r>
+            <a:r>
+              <a:rPr lang="en-US" sz="2000" dirty="0"/>
+              <a:t>step towards </a:t>
+            </a:r>
+            <a:r>
+              <a:rPr lang="en-US" sz="2000" dirty="0" err="1"/>
+              <a:t>nG</a:t>
+            </a:r>
+            <a:r>
+              <a:rPr lang="en-US" sz="2000" dirty="0"/>
+              <a:t> 2</a:t>
+            </a:r>
+          </a:p>
+          <a:p>
+            <a:pPr marL="342900" indent="-342900" algn="l">
+              <a:buFont typeface="Arial"/>
+              <a:buChar char="•"/>
+            </a:pPr>
             <a:r>
               <a:rPr lang="en-US" sz="2000" dirty="0" smtClean="0"/>
-              <a:t>  * </a:t>
-            </a:r>
-            <a:r>
-              <a:rPr lang="en-US" sz="2000" dirty="0"/>
-              <a:t>Similar to pub-sub events or </a:t>
-            </a:r>
-            <a:r>
-              <a:rPr lang="en-US" sz="2000" dirty="0" smtClean="0"/>
-              <a:t>streams</a:t>
-            </a:r>
-            <a:endParaRPr lang="en-US" sz="2000" dirty="0"/>
-          </a:p>
-          <a:p>
-            <a:pPr algn="l"/>
-            <a:r>
-              <a:rPr lang="en-US" sz="2000" dirty="0"/>
-              <a:t>      </a:t>
-            </a:r>
-            <a:r>
-              <a:rPr lang="en-US" sz="2000" dirty="0" smtClean="0"/>
-              <a:t>  * </a:t>
-            </a:r>
-            <a:r>
-              <a:rPr lang="en-US" sz="2000" dirty="0"/>
-              <a:t>A series of events such as user input</a:t>
-            </a:r>
-          </a:p>
-          <a:p>
-            <a:pPr algn="l"/>
-            <a:r>
-              <a:rPr lang="en-US" sz="2000" dirty="0"/>
-              <a:t>      </a:t>
-            </a:r>
-            <a:r>
-              <a:rPr lang="en-US" sz="2000" dirty="0" smtClean="0"/>
-              <a:t>  * </a:t>
-            </a:r>
-            <a:r>
-              <a:rPr lang="en-US" sz="2000" dirty="0"/>
-              <a:t>A stream of data from a file or web service</a:t>
-            </a:r>
-          </a:p>
-          <a:p>
-            <a:pPr algn="l"/>
-            <a:r>
-              <a:rPr lang="en-US" sz="2000" dirty="0"/>
-              <a:t>      </a:t>
-            </a:r>
-            <a:r>
-              <a:rPr lang="en-US" sz="2000" dirty="0" smtClean="0"/>
-              <a:t>  * </a:t>
-            </a:r>
-            <a:r>
-              <a:rPr lang="en-US" sz="2000" dirty="0"/>
-              <a:t>Web services requests</a:t>
-            </a:r>
-          </a:p>
-          <a:p>
-            <a:pPr algn="l"/>
-            <a:r>
-              <a:rPr lang="en-US" sz="2000" dirty="0"/>
-              <a:t>      </a:t>
-            </a:r>
-            <a:r>
-              <a:rPr lang="en-US" sz="2000" dirty="0" smtClean="0"/>
-              <a:t>  * </a:t>
-            </a:r>
-            <a:r>
-              <a:rPr lang="en-US" sz="2000" dirty="0"/>
-              <a:t>System notifications</a:t>
-            </a:r>
-          </a:p>
-          <a:p>
-            <a:pPr algn="l"/>
-            <a:r>
-              <a:rPr lang="en-US" sz="2000" dirty="0"/>
-              <a:t>    </a:t>
-            </a:r>
-            <a:r>
-              <a:rPr lang="en-US" sz="2000" dirty="0" smtClean="0"/>
-              <a:t>  * </a:t>
-            </a:r>
-            <a:r>
-              <a:rPr lang="en-US" sz="2000" dirty="0"/>
-              <a:t>The "</a:t>
-            </a:r>
-            <a:r>
-              <a:rPr lang="en-US" sz="2000" dirty="0" smtClean="0"/>
-              <a:t>observable</a:t>
-            </a:r>
-            <a:r>
-              <a:rPr lang="en-US" sz="2000" dirty="0"/>
-              <a:t>" or "subject" </a:t>
-            </a:r>
-            <a:endParaRPr lang="en-US" sz="2000" dirty="0" smtClean="0"/>
-          </a:p>
-          <a:p>
-            <a:pPr algn="l"/>
-            <a:r>
-              <a:rPr lang="en-US" sz="2000" dirty="0"/>
+              <a:t>Components </a:t>
+            </a:r>
+            <a:r>
+              <a:rPr lang="en-US" sz="2000" dirty="0"/>
+              <a:t>are a subtype of directive representing a complete UI element</a:t>
+            </a:r>
+          </a:p>
+          <a:p>
+            <a:pPr marL="800100" lvl="1" indent="-342900" algn="l">
+              <a:buFont typeface="Arial"/>
+              <a:buChar char="•"/>
+            </a:pPr>
+            <a:r>
+              <a:rPr lang="en-US" sz="1600" dirty="0" smtClean="0"/>
+              <a:t>Bundles </a:t>
+            </a:r>
+            <a:r>
+              <a:rPr lang="en-US" sz="1600" dirty="0" smtClean="0"/>
+              <a:t>a </a:t>
+            </a:r>
+            <a:r>
+              <a:rPr lang="en-US" sz="1600" dirty="0"/>
+              <a:t>view, a controller, and bindings in simpler recipe</a:t>
+            </a:r>
+          </a:p>
+          <a:p>
+            <a:pPr marL="800100" lvl="1" indent="-342900" algn="l">
+              <a:buFont typeface="Arial"/>
+              <a:buChar char="•"/>
+            </a:pPr>
+            <a:r>
+              <a:rPr lang="en-US" sz="1600" dirty="0" smtClean="0"/>
+              <a:t>Default Component options:</a:t>
+            </a:r>
+            <a:endParaRPr lang="en-US" sz="1600" dirty="0"/>
+          </a:p>
+          <a:p>
+            <a:pPr marL="1257300" lvl="2" indent="-342900" algn="l">
+              <a:buFont typeface="Arial"/>
+              <a:buChar char="•"/>
+            </a:pPr>
+            <a:r>
+              <a:rPr lang="en-US" sz="1500" dirty="0" smtClean="0"/>
+              <a:t>restricted </a:t>
+            </a:r>
+            <a:r>
+              <a:rPr lang="en-US" sz="1500" dirty="0"/>
+              <a:t>to elements</a:t>
+            </a:r>
+          </a:p>
+          <a:p>
+            <a:pPr marL="1257300" lvl="2" indent="-342900" algn="l">
+              <a:buFont typeface="Arial"/>
+              <a:buChar char="•"/>
+            </a:pPr>
+            <a:r>
+              <a:rPr lang="en-US" sz="1500" dirty="0" err="1" smtClean="0"/>
+              <a:t>transclude</a:t>
+            </a:r>
+            <a:r>
+              <a:rPr lang="en-US" sz="1500" dirty="0" smtClean="0"/>
               <a:t> </a:t>
             </a:r>
             <a:r>
-              <a:rPr lang="en-US" sz="2000" dirty="0" smtClean="0"/>
-              <a:t>       * Maintains </a:t>
-            </a:r>
-            <a:r>
-              <a:rPr lang="en-US" sz="2000" dirty="0"/>
-              <a:t>some state and a list of dependents</a:t>
-            </a:r>
-          </a:p>
-          <a:p>
-            <a:pPr algn="l"/>
-            <a:r>
-              <a:rPr lang="en-US" sz="2000" dirty="0" smtClean="0"/>
-              <a:t>        </a:t>
-            </a:r>
-            <a:r>
-              <a:rPr lang="en-US" sz="2000" dirty="0"/>
-              <a:t>* When state changes, the subject notifies the dependents - "observers"</a:t>
-            </a:r>
-          </a:p>
-          <a:p>
-            <a:pPr algn="l"/>
-            <a:r>
-              <a:rPr lang="en-US" sz="2000" dirty="0"/>
-              <a:t>    </a:t>
-            </a:r>
-            <a:r>
-              <a:rPr lang="en-US" sz="2000" dirty="0" smtClean="0"/>
-              <a:t>  * </a:t>
-            </a:r>
-            <a:r>
-              <a:rPr lang="en-US" sz="2000" dirty="0"/>
-              <a:t>Observers execute </a:t>
-            </a:r>
-            <a:r>
-              <a:rPr lang="en-US" sz="2000" dirty="0" smtClean="0"/>
-              <a:t>based </a:t>
-            </a:r>
-            <a:r>
-              <a:rPr lang="en-US" sz="2000" dirty="0"/>
-              <a:t>on the </a:t>
-            </a:r>
-            <a:r>
-              <a:rPr lang="en-US" sz="2000" dirty="0" smtClean="0"/>
-              <a:t>change message</a:t>
-            </a:r>
-            <a:endParaRPr lang="en-US" sz="2000" dirty="0"/>
-          </a:p>
-          <a:p>
-            <a:pPr algn="l"/>
-            <a:r>
-              <a:rPr lang="en-US" sz="2000" dirty="0"/>
-              <a:t>    </a:t>
-            </a:r>
-            <a:r>
-              <a:rPr lang="en-US" sz="2000" dirty="0" smtClean="0"/>
-              <a:t>    * </a:t>
-            </a:r>
-            <a:r>
-              <a:rPr lang="en-US" sz="2000" dirty="0"/>
-              <a:t>This is excellent for decoupling the event from the code it triggers</a:t>
-            </a:r>
-          </a:p>
-          <a:p>
-            <a:pPr algn="l"/>
-            <a:r>
-              <a:rPr lang="en-US" sz="2000" dirty="0"/>
-              <a:t>    </a:t>
-            </a:r>
-            <a:r>
-              <a:rPr lang="en-US" sz="2000" dirty="0" smtClean="0"/>
-              <a:t>    * </a:t>
-            </a:r>
-            <a:r>
-              <a:rPr lang="en-US" sz="2000" dirty="0"/>
-              <a:t>But it does introduce potential for memory leaks</a:t>
-            </a:r>
-          </a:p>
-          <a:p>
-            <a:pPr algn="l"/>
-            <a:r>
-              <a:rPr lang="en-US" sz="2000" dirty="0"/>
-              <a:t>    </a:t>
-            </a:r>
-            <a:r>
-              <a:rPr lang="en-US" sz="2000" dirty="0" smtClean="0"/>
-              <a:t>    * </a:t>
-            </a:r>
-            <a:r>
-              <a:rPr lang="en-US" sz="2000" dirty="0"/>
-              <a:t>Observer holds a reference to subject, and must be explicitly disposed</a:t>
-            </a:r>
-            <a:endParaRPr lang="en-US" sz="800" dirty="0"/>
+              <a:rPr lang="en-US" sz="1500" dirty="0"/>
+              <a:t>false</a:t>
+            </a:r>
+          </a:p>
+          <a:p>
+            <a:pPr marL="1257300" lvl="2" indent="-342900" algn="l">
+              <a:buFont typeface="Arial"/>
+              <a:buChar char="•"/>
+            </a:pPr>
+            <a:r>
+              <a:rPr lang="en-US" sz="1500" dirty="0" smtClean="0"/>
+              <a:t>I</a:t>
+            </a:r>
+            <a:r>
+              <a:rPr lang="it-IT" sz="1500" dirty="0"/>
+              <a:t>solate </a:t>
+            </a:r>
+            <a:r>
+              <a:rPr lang="it-IT" sz="1500" dirty="0" smtClean="0"/>
+              <a:t>scope</a:t>
+            </a:r>
+            <a:endParaRPr lang="it-IT" sz="1500" dirty="0"/>
+          </a:p>
+          <a:p>
+            <a:pPr marL="1257300" lvl="2" indent="-342900" algn="l">
+              <a:buFont typeface="Arial"/>
+              <a:buChar char="•"/>
+            </a:pPr>
+            <a:r>
+              <a:rPr lang="it-IT" sz="1500" dirty="0" err="1" smtClean="0"/>
+              <a:t>controllerAs</a:t>
+            </a:r>
+            <a:r>
+              <a:rPr lang="it-IT" sz="1500" dirty="0" smtClean="0"/>
+              <a:t> </a:t>
+            </a:r>
+            <a:r>
+              <a:rPr lang="it-IT" sz="1500" dirty="0"/>
+              <a:t>$</a:t>
+            </a:r>
+            <a:r>
+              <a:rPr lang="it-IT" sz="1500" dirty="0" err="1"/>
+              <a:t>ctrl</a:t>
+            </a:r>
+            <a:endParaRPr lang="it-IT" sz="1500" dirty="0"/>
+          </a:p>
+          <a:p>
+            <a:pPr marL="800100" lvl="1" indent="-342900" algn="l">
+              <a:buFont typeface="Arial"/>
+              <a:buChar char="•"/>
+            </a:pPr>
+            <a:r>
+              <a:rPr lang="it-IT" sz="1600" dirty="0" smtClean="0"/>
+              <a:t>Continue </a:t>
+            </a:r>
+            <a:r>
+              <a:rPr lang="it-IT" sz="1600" dirty="0"/>
+              <a:t>to use </a:t>
+            </a:r>
+            <a:r>
+              <a:rPr lang="it-IT" sz="1600" dirty="0" err="1"/>
+              <a:t>Directives</a:t>
+            </a:r>
+            <a:r>
+              <a:rPr lang="it-IT" sz="1600" dirty="0"/>
+              <a:t> to </a:t>
+            </a:r>
+            <a:r>
+              <a:rPr lang="it-IT" sz="1600" dirty="0" err="1"/>
+              <a:t>add</a:t>
+            </a:r>
+            <a:r>
+              <a:rPr lang="it-IT" sz="1600" dirty="0"/>
+              <a:t> custom </a:t>
+            </a:r>
+            <a:r>
+              <a:rPr lang="it-IT" sz="1600" dirty="0" err="1" smtClean="0"/>
+              <a:t>behavior</a:t>
+            </a:r>
+            <a:r>
+              <a:rPr lang="it-IT" sz="1600" dirty="0" smtClean="0"/>
+              <a:t> </a:t>
+            </a:r>
+            <a:r>
+              <a:rPr lang="it-IT" sz="1600" dirty="0"/>
+              <a:t>to </a:t>
+            </a:r>
+            <a:r>
+              <a:rPr lang="it-IT" sz="1600" dirty="0" err="1"/>
+              <a:t>existing</a:t>
+            </a:r>
+            <a:r>
+              <a:rPr lang="it-IT" sz="1600" dirty="0"/>
+              <a:t> </a:t>
+            </a:r>
+            <a:r>
+              <a:rPr lang="it-IT" sz="1600" dirty="0" err="1"/>
+              <a:t>elements</a:t>
+            </a:r>
+            <a:endParaRPr lang="it-IT" sz="1600" dirty="0"/>
+          </a:p>
+          <a:p>
+            <a:pPr marL="342900" indent="-342900" algn="l">
+              <a:buFont typeface="Arial"/>
+              <a:buChar char="•"/>
+            </a:pPr>
+            <a:r>
+              <a:rPr lang="it-IT" sz="2000" dirty="0" err="1" smtClean="0"/>
+              <a:t>Two</a:t>
+            </a:r>
+            <a:r>
+              <a:rPr lang="it-IT" sz="2000" dirty="0" smtClean="0"/>
+              <a:t> </a:t>
+            </a:r>
+            <a:r>
+              <a:rPr lang="it-IT" sz="2000" dirty="0"/>
+              <a:t>way </a:t>
+            </a:r>
+            <a:r>
+              <a:rPr lang="it-IT" sz="2000" dirty="0" err="1"/>
+              <a:t>bindings</a:t>
+            </a:r>
+            <a:r>
+              <a:rPr lang="it-IT" sz="2000" dirty="0"/>
+              <a:t> are </a:t>
+            </a:r>
+            <a:r>
+              <a:rPr lang="it-IT" sz="2000" dirty="0" err="1"/>
+              <a:t>deprecated</a:t>
+            </a:r>
+            <a:r>
+              <a:rPr lang="it-IT" sz="2000" dirty="0"/>
+              <a:t> in 1.5 Components</a:t>
+            </a:r>
+          </a:p>
+          <a:p>
+            <a:pPr marL="800100" lvl="1" indent="-342900" algn="l">
+              <a:buFont typeface="Arial"/>
+              <a:buChar char="•"/>
+            </a:pPr>
+            <a:r>
+              <a:rPr lang="it-IT" sz="1600" dirty="0" err="1" smtClean="0"/>
+              <a:t>nG</a:t>
+            </a:r>
+            <a:r>
+              <a:rPr lang="it-IT" sz="1600" dirty="0" smtClean="0"/>
+              <a:t> </a:t>
+            </a:r>
+            <a:r>
+              <a:rPr lang="it-IT" sz="1600" dirty="0"/>
+              <a:t>2 </a:t>
+            </a:r>
+            <a:r>
+              <a:rPr lang="it-IT" sz="1600" dirty="0" err="1"/>
+              <a:t>moves</a:t>
+            </a:r>
+            <a:r>
+              <a:rPr lang="it-IT" sz="1600" dirty="0"/>
+              <a:t> </a:t>
+            </a:r>
+            <a:r>
+              <a:rPr lang="it-IT" sz="1600" dirty="0" err="1"/>
+              <a:t>away</a:t>
+            </a:r>
+            <a:r>
+              <a:rPr lang="it-IT" sz="1600" dirty="0"/>
+              <a:t> from </a:t>
+            </a:r>
+            <a:r>
+              <a:rPr lang="it-IT" sz="1600" dirty="0" err="1"/>
+              <a:t>two</a:t>
+            </a:r>
+            <a:r>
+              <a:rPr lang="it-IT" sz="1600" dirty="0"/>
+              <a:t> way </a:t>
+            </a:r>
+            <a:r>
+              <a:rPr lang="it-IT" sz="1600" dirty="0" err="1"/>
+              <a:t>binding</a:t>
+            </a:r>
+            <a:endParaRPr lang="it-IT" sz="1600" dirty="0"/>
+          </a:p>
+          <a:p>
+            <a:pPr marL="800100" lvl="1" indent="-342900" algn="l">
+              <a:buFont typeface="Arial"/>
+              <a:buChar char="•"/>
+            </a:pPr>
+            <a:r>
+              <a:rPr lang="it-IT" sz="1600" dirty="0" err="1" smtClean="0"/>
+              <a:t>They</a:t>
+            </a:r>
+            <a:r>
+              <a:rPr lang="it-IT" sz="1600" dirty="0" smtClean="0"/>
+              <a:t> </a:t>
+            </a:r>
+            <a:r>
+              <a:rPr lang="it-IT" sz="1600" dirty="0"/>
+              <a:t>cause </a:t>
+            </a:r>
+            <a:r>
+              <a:rPr lang="it-IT" sz="1600" dirty="0" err="1"/>
+              <a:t>too</a:t>
+            </a:r>
+            <a:r>
+              <a:rPr lang="it-IT" sz="1600" dirty="0"/>
+              <a:t> </a:t>
+            </a:r>
+            <a:r>
+              <a:rPr lang="it-IT" sz="1600" dirty="0" err="1"/>
+              <a:t>many</a:t>
+            </a:r>
+            <a:r>
+              <a:rPr lang="it-IT" sz="1600" dirty="0"/>
+              <a:t> </a:t>
+            </a:r>
+            <a:r>
+              <a:rPr lang="it-IT" sz="1600" dirty="0" err="1"/>
+              <a:t>issues</a:t>
+            </a:r>
+            <a:r>
+              <a:rPr lang="it-IT" sz="1600" dirty="0"/>
+              <a:t> with </a:t>
+            </a:r>
+            <a:r>
+              <a:rPr lang="it-IT" sz="1600" dirty="0" err="1"/>
+              <a:t>parent</a:t>
+            </a:r>
+            <a:r>
+              <a:rPr lang="it-IT" sz="1600" dirty="0"/>
+              <a:t> scope and </a:t>
+            </a:r>
+            <a:r>
+              <a:rPr lang="it-IT" sz="1600" dirty="0" err="1"/>
+              <a:t>prevent</a:t>
+            </a:r>
+            <a:r>
+              <a:rPr lang="it-IT" sz="1600" dirty="0"/>
+              <a:t> full </a:t>
+            </a:r>
+            <a:r>
+              <a:rPr lang="it-IT" sz="1600" dirty="0" err="1"/>
+              <a:t>separation</a:t>
+            </a:r>
+            <a:r>
+              <a:rPr lang="it-IT" sz="1600" dirty="0"/>
+              <a:t> from DOM</a:t>
+            </a:r>
+          </a:p>
+          <a:p>
+            <a:pPr marL="800100" lvl="1" indent="-342900" algn="l">
+              <a:buFont typeface="Arial"/>
+              <a:buChar char="•"/>
+            </a:pPr>
+            <a:r>
+              <a:rPr lang="it-IT" sz="1600" dirty="0" err="1" smtClean="0"/>
+              <a:t>Instead</a:t>
+            </a:r>
+            <a:r>
+              <a:rPr lang="it-IT" sz="1600" dirty="0"/>
+              <a:t>, </a:t>
+            </a:r>
+            <a:r>
+              <a:rPr lang="it-IT" sz="1600" dirty="0" err="1"/>
+              <a:t>specify</a:t>
+            </a:r>
+            <a:r>
+              <a:rPr lang="it-IT" sz="1600" dirty="0"/>
+              <a:t> </a:t>
+            </a:r>
+            <a:r>
+              <a:rPr lang="it-IT" sz="1600" dirty="0" err="1"/>
+              <a:t>one</a:t>
+            </a:r>
+            <a:r>
+              <a:rPr lang="it-IT" sz="1600" dirty="0"/>
+              <a:t>-way </a:t>
+            </a:r>
+            <a:r>
+              <a:rPr lang="it-IT" sz="1600" dirty="0" err="1"/>
+              <a:t>bind</a:t>
+            </a:r>
+            <a:r>
+              <a:rPr lang="it-IT" sz="1600" dirty="0"/>
+              <a:t> for display info</a:t>
+            </a:r>
+          </a:p>
+          <a:p>
+            <a:pPr marL="800100" lvl="1" indent="-342900" algn="l">
+              <a:buFont typeface="Arial"/>
+              <a:buChar char="•"/>
+            </a:pPr>
+            <a:r>
+              <a:rPr lang="it-IT" sz="1600" dirty="0" err="1" smtClean="0"/>
+              <a:t>Then</a:t>
+            </a:r>
+            <a:r>
+              <a:rPr lang="it-IT" sz="1600" dirty="0" smtClean="0"/>
+              <a:t> </a:t>
+            </a:r>
+            <a:r>
+              <a:rPr lang="it-IT" sz="1600" dirty="0" err="1"/>
+              <a:t>register</a:t>
+            </a:r>
+            <a:r>
+              <a:rPr lang="it-IT" sz="1600" dirty="0"/>
+              <a:t> an </a:t>
+            </a:r>
+            <a:r>
+              <a:rPr lang="it-IT" sz="1600" dirty="0" err="1"/>
+              <a:t>event</a:t>
+            </a:r>
+            <a:r>
+              <a:rPr lang="it-IT" sz="1600" dirty="0"/>
+              <a:t> </a:t>
+            </a:r>
+            <a:r>
+              <a:rPr lang="it-IT" sz="1600" dirty="0" err="1"/>
+              <a:t>handler</a:t>
+            </a:r>
+            <a:r>
+              <a:rPr lang="it-IT" sz="1600" dirty="0"/>
+              <a:t> (</a:t>
+            </a:r>
+            <a:r>
+              <a:rPr lang="it-IT" sz="1600" dirty="0" err="1"/>
+              <a:t>onChange</a:t>
+            </a:r>
+            <a:r>
+              <a:rPr lang="it-IT" sz="1600" dirty="0"/>
+              <a:t>, </a:t>
+            </a:r>
+            <a:r>
+              <a:rPr lang="it-IT" sz="1600" dirty="0" err="1"/>
+              <a:t>onDelete</a:t>
+            </a:r>
+            <a:r>
+              <a:rPr lang="it-IT" sz="1600" dirty="0"/>
+              <a:t>)</a:t>
+            </a:r>
+            <a:endParaRPr lang="en-US" sz="500" dirty="0"/>
           </a:p>
         </p:txBody>
       </p:sp>
     </p:spTree>
     <p:extLst>
       <p:ext uri="{BB962C8B-B14F-4D97-AF65-F5344CB8AC3E}">
-        <p14:creationId xmlns:p14="http://schemas.microsoft.com/office/powerpoint/2010/main" val="649032363"/>
+        <p14:creationId xmlns:p14="http://schemas.microsoft.com/office/powerpoint/2010/main" val="2762821877"/>
       </p:ext>
     </p:extLst>
   </p:cSld>
   <p:clrMapOvr>
     <a:masterClrMapping/>
   </p:clrMapOvr>
-  <p:timing>
-    <p:tnLst>
-      <p:par>
-        <p:cTn xmlns:p14="http://schemas.microsoft.com/office/powerpoint/2010/main" id="1" dur="indefinite" restart="never" nodeType="tmRoot"/>
-      </p:par>
-    </p:tnLst>
-  </p:timing>
 </p:sld>
 </file>
 
@@ -3791,11 +6377,11 @@
           <a:p>
             <a:r>
               <a:rPr lang="en-US" dirty="0" smtClean="0"/>
-              <a:t>Data </a:t>
+              <a:t>Angular </a:t>
             </a:r>
             <a:r>
               <a:rPr lang="en-US" dirty="0"/>
-              <a:t>Flows</a:t>
+              <a:t>2</a:t>
             </a:r>
           </a:p>
         </p:txBody>
@@ -3822,100 +6408,160 @@
           </a:bodyPr>
           <a:lstStyle/>
           <a:p>
-            <a:pPr algn="l"/>
+            <a:pPr marL="342900" indent="-342900" algn="l">
+              <a:buFont typeface="Arial"/>
+              <a:buChar char="•"/>
+            </a:pPr>
             <a:r>
               <a:rPr lang="en-US" sz="2000" dirty="0" smtClean="0"/>
-              <a:t>    * </a:t>
-            </a:r>
-            <a:r>
-              <a:rPr lang="en-US" sz="2000" dirty="0"/>
-              <a:t>SPAs biggest problem is usually dealing with state</a:t>
-            </a:r>
-          </a:p>
-          <a:p>
-            <a:pPr algn="l"/>
-            <a:r>
-              <a:rPr lang="en-US" sz="2000" dirty="0"/>
-              <a:t>    * Example: app setting which many components read and write directly</a:t>
-            </a:r>
-          </a:p>
-          <a:p>
-            <a:pPr algn="l"/>
-            <a:r>
-              <a:rPr lang="en-US" sz="2000" dirty="0"/>
-              <a:t>    * Conflicts arise and reasoning about the parts is painful, maybe impossible</a:t>
-            </a:r>
-          </a:p>
-          <a:p>
-            <a:pPr algn="l"/>
-            <a:r>
-              <a:rPr lang="en-US" sz="2000" dirty="0"/>
-              <a:t>    * One way data flow is critical</a:t>
-            </a:r>
-          </a:p>
-          <a:p>
-            <a:pPr algn="l"/>
-            <a:r>
-              <a:rPr lang="en-US" sz="2000" dirty="0"/>
-              <a:t>      * Component publishes a data update request event</a:t>
-            </a:r>
-          </a:p>
-          <a:p>
-            <a:pPr algn="l"/>
-            <a:r>
-              <a:rPr lang="en-US" sz="2000" dirty="0"/>
-              <a:t>      * Manager hears the event, notifies subscriber(s)</a:t>
-            </a:r>
-          </a:p>
-          <a:p>
-            <a:pPr algn="l"/>
-            <a:r>
-              <a:rPr lang="en-US" sz="2000" dirty="0"/>
-              <a:t>      * Subscribers to update requests (stores/models) react independently</a:t>
-            </a:r>
-          </a:p>
-          <a:p>
-            <a:pPr algn="l"/>
-            <a:r>
-              <a:rPr lang="en-US" sz="2000" dirty="0"/>
-              <a:t>        * Update the data</a:t>
-            </a:r>
-          </a:p>
-          <a:p>
-            <a:pPr algn="l"/>
-            <a:r>
-              <a:rPr lang="en-US" sz="2000" dirty="0"/>
-              <a:t>        * Publish a data updated notification event</a:t>
-            </a:r>
-          </a:p>
-          <a:p>
-            <a:pPr algn="l"/>
-            <a:r>
-              <a:rPr lang="en-US" sz="2000" dirty="0"/>
-              <a:t>      * Manager hears the event, notifies subscriber(s)</a:t>
-            </a:r>
-          </a:p>
-          <a:p>
-            <a:pPr algn="l"/>
-            <a:r>
-              <a:rPr lang="en-US" sz="2000" dirty="0"/>
-              <a:t>      * Subscribers (probably views) react independently</a:t>
-            </a:r>
-          </a:p>
-          <a:p>
-            <a:pPr algn="l"/>
-            <a:r>
-              <a:rPr lang="en-US" sz="2000" dirty="0"/>
-              <a:t>        * Update DOM</a:t>
-            </a:r>
-            <a:endParaRPr lang="en-US" sz="1600" dirty="0"/>
+              <a:t>Emphasis </a:t>
+            </a:r>
+          </a:p>
+          <a:p>
+            <a:pPr marL="800100" lvl="1" indent="-342900" algn="l">
+              <a:buFont typeface="Arial"/>
+              <a:buChar char="•"/>
+            </a:pPr>
+            <a:r>
+              <a:rPr lang="en-US" sz="2000" dirty="0" smtClean="0"/>
+              <a:t>Aligning with </a:t>
+            </a:r>
+            <a:r>
+              <a:rPr lang="en-US" sz="2000" dirty="0"/>
+              <a:t>HTML5 web </a:t>
+            </a:r>
+            <a:r>
+              <a:rPr lang="en-US" sz="2000" dirty="0" smtClean="0"/>
+              <a:t>components</a:t>
+            </a:r>
+          </a:p>
+          <a:p>
+            <a:pPr marL="800100" lvl="1" indent="-342900" algn="l">
+              <a:buFont typeface="Arial"/>
+              <a:buChar char="•"/>
+            </a:pPr>
+            <a:r>
+              <a:rPr lang="en-US" sz="2000" dirty="0" err="1" smtClean="0"/>
+              <a:t>Simplifyling</a:t>
+            </a:r>
+            <a:r>
+              <a:rPr lang="en-US" sz="2000" dirty="0" smtClean="0"/>
+              <a:t> API – many removals</a:t>
+            </a:r>
+            <a:endParaRPr lang="en-US" sz="2000" dirty="0" smtClean="0"/>
+          </a:p>
+          <a:p>
+            <a:pPr marL="342900" indent="-342900" algn="l">
+              <a:buFont typeface="Arial"/>
+              <a:buChar char="•"/>
+            </a:pPr>
+            <a:r>
+              <a:rPr lang="en-US" sz="2000" dirty="0" smtClean="0"/>
+              <a:t>Browser support</a:t>
+            </a:r>
+            <a:endParaRPr lang="en-US" sz="2000" dirty="0" smtClean="0"/>
+          </a:p>
+          <a:p>
+            <a:pPr marL="800100" lvl="1" indent="-342900" algn="l">
+              <a:buFont typeface="Arial"/>
+              <a:buChar char="•"/>
+            </a:pPr>
+            <a:r>
+              <a:rPr lang="en-US" sz="2000" dirty="0"/>
+              <a:t>Targets "evergreen" </a:t>
+            </a:r>
+            <a:r>
+              <a:rPr lang="en-US" sz="2000" dirty="0" smtClean="0"/>
+              <a:t>browsers</a:t>
+            </a:r>
+          </a:p>
+          <a:p>
+            <a:pPr marL="800100" lvl="1" indent="-342900" algn="l">
+              <a:buFont typeface="Arial"/>
+              <a:buChar char="•"/>
+            </a:pPr>
+            <a:r>
+              <a:rPr lang="en-US" sz="2000" dirty="0" smtClean="0"/>
+              <a:t>Some conflicting info online, but looks like support goes back as far as IE9</a:t>
+            </a:r>
+          </a:p>
+          <a:p>
+            <a:pPr marL="800100" lvl="1" indent="-342900" algn="l">
+              <a:buFont typeface="Arial"/>
+              <a:buChar char="•"/>
+            </a:pPr>
+            <a:r>
+              <a:rPr lang="en-US" sz="2000" dirty="0"/>
+              <a:t>https://</a:t>
+            </a:r>
+            <a:r>
+              <a:rPr lang="en-US" sz="2000" dirty="0" err="1"/>
+              <a:t>angular.io</a:t>
+            </a:r>
+            <a:r>
+              <a:rPr lang="en-US" sz="2000" dirty="0"/>
+              <a:t>/docs/</a:t>
+            </a:r>
+            <a:r>
+              <a:rPr lang="en-US" sz="2000" dirty="0" err="1"/>
+              <a:t>ts</a:t>
+            </a:r>
+            <a:r>
+              <a:rPr lang="en-US" sz="2000" dirty="0"/>
+              <a:t>/latest/guide/browser-</a:t>
+            </a:r>
+            <a:r>
+              <a:rPr lang="en-US" sz="2000" dirty="0" err="1"/>
+              <a:t>support.html</a:t>
+            </a:r>
+            <a:endParaRPr lang="en-US" sz="2000" dirty="0"/>
+          </a:p>
+          <a:p>
+            <a:pPr marL="342900" indent="-342900" algn="l">
+              <a:buFont typeface="Arial"/>
+              <a:buChar char="•"/>
+            </a:pPr>
+            <a:r>
+              <a:rPr lang="en-US" sz="2000" dirty="0" err="1" smtClean="0"/>
+              <a:t>TypeScript</a:t>
+            </a:r>
+            <a:r>
+              <a:rPr lang="en-US" sz="2000" dirty="0" smtClean="0"/>
+              <a:t> </a:t>
+            </a:r>
+            <a:endParaRPr lang="en-US" sz="2000" dirty="0" smtClean="0"/>
+          </a:p>
+          <a:p>
+            <a:pPr marL="800100" lvl="1" indent="-342900" algn="l">
+              <a:buFont typeface="Arial"/>
+              <a:buChar char="•"/>
+            </a:pPr>
+            <a:r>
+              <a:rPr lang="en-US" sz="2000" dirty="0" smtClean="0"/>
+              <a:t>Officially </a:t>
+            </a:r>
+            <a:r>
+              <a:rPr lang="en-US" sz="2000" dirty="0" smtClean="0"/>
+              <a:t>recommended</a:t>
+            </a:r>
+          </a:p>
+          <a:p>
+            <a:pPr marL="800100" lvl="1" indent="-342900" algn="l">
+              <a:buFont typeface="Arial"/>
+              <a:buChar char="•"/>
+            </a:pPr>
+            <a:r>
+              <a:rPr lang="en-US" sz="2000" dirty="0" smtClean="0"/>
+              <a:t>Documentation is written in TS</a:t>
+            </a:r>
+            <a:endParaRPr lang="is-IS" sz="2000" dirty="0"/>
           </a:p>
         </p:txBody>
       </p:sp>
     </p:spTree>
     <p:extLst>
       <p:ext uri="{BB962C8B-B14F-4D97-AF65-F5344CB8AC3E}">
-        <p14:creationId xmlns:p14="http://schemas.microsoft.com/office/powerpoint/2010/main" val="4200027496"/>
+        <p14:creationId xmlns:p14="http://schemas.microsoft.com/office/powerpoint/2010/main" val="2614652572"/>
       </p:ext>
     </p:extLst>
   </p:cSld>
@@ -3970,25 +6616,14 @@
           <a:lstStyle/>
           <a:p>
             <a:r>
-              <a:rPr lang="en-US" dirty="0" err="1" smtClean="0"/>
-              <a:t>RxJs</a:t>
+              <a:rPr lang="en-US" dirty="0"/>
+              <a:t>Angular </a:t>
             </a:r>
             <a:r>
               <a:rPr lang="en-US" dirty="0" smtClean="0"/>
-              <a:t> </a:t>
-            </a:r>
-            <a:r>
-              <a:rPr lang="en-US" dirty="0"/>
-              <a:t>Observables in </a:t>
-            </a:r>
-            <a:r>
-              <a:rPr lang="en-US" dirty="0" err="1"/>
-              <a:t>nG</a:t>
-            </a:r>
-            <a:r>
-              <a:rPr lang="en-US" dirty="0"/>
-              <a:t> 2</a:t>
-            </a:r>
+              <a:t>2</a:t>
+            </a:r>
+            <a:endParaRPr lang="en-US" dirty="0"/>
           </a:p>
         </p:txBody>
       </p:sp>
@@ -4016,175 +6651,168 @@
           <a:p>
             <a:pPr algn="l"/>
             <a:r>
+              <a:rPr lang="en-US" sz="2400" dirty="0"/>
+              <a:t>Major changes</a:t>
+            </a:r>
+          </a:p>
+          <a:p>
+            <a:pPr marL="342900" indent="-342900" algn="l">
+              <a:buFont typeface="Arial"/>
+              <a:buChar char="•"/>
+            </a:pPr>
+            <a:r>
               <a:rPr lang="en-US" sz="2000" dirty="0" smtClean="0"/>
-              <a:t>    * </a:t>
-            </a:r>
-            <a:r>
-              <a:rPr lang="en-US" sz="2000" dirty="0" err="1"/>
-              <a:t>Rx.Observable.from</a:t>
-            </a:r>
-            <a:r>
-              <a:rPr lang="en-US" sz="2000" dirty="0"/>
-              <a:t>(...</a:t>
+              <a:t>The </a:t>
+            </a:r>
+            <a:r>
+              <a:rPr lang="en-US" sz="2000" dirty="0"/>
+              <a:t>central API is now Components</a:t>
+            </a:r>
+          </a:p>
+          <a:p>
+            <a:pPr marL="342900" indent="-342900" algn="l">
+              <a:buFont typeface="Arial"/>
+              <a:buChar char="•"/>
+            </a:pPr>
+            <a:r>
+              <a:rPr lang="en-US" sz="2000" dirty="0" smtClean="0"/>
+              <a:t>Components are a type of Directive, those are still around</a:t>
+            </a:r>
+          </a:p>
+          <a:p>
+            <a:pPr marL="342900" indent="-342900" algn="l">
+              <a:buFont typeface="Arial"/>
+              <a:buChar char="•"/>
+            </a:pPr>
+            <a:r>
+              <a:rPr lang="en-US" sz="2000" dirty="0" smtClean="0"/>
+              <a:t>Providers are still around, but their sugar/subtypes have been removed</a:t>
+            </a:r>
+          </a:p>
+          <a:p>
+            <a:pPr marL="342900" indent="-342900" algn="l">
+              <a:buFont typeface="Arial"/>
+              <a:buChar char="•"/>
+            </a:pPr>
+            <a:r>
+              <a:rPr lang="en-US" sz="2000" dirty="0" smtClean="0"/>
+              <a:t>Large </a:t>
+            </a:r>
+            <a:r>
+              <a:rPr lang="en-US" sz="2000" dirty="0"/>
+              <a:t>portions of the API have been removed:</a:t>
+            </a:r>
+          </a:p>
+          <a:p>
+            <a:pPr marL="800100" lvl="1" indent="-342900" algn="l">
+              <a:buFont typeface="Arial"/>
+              <a:buChar char="•"/>
+            </a:pPr>
+            <a:r>
+              <a:rPr lang="en-US" sz="1600" dirty="0" err="1" smtClean="0"/>
+              <a:t>angular.module</a:t>
+            </a:r>
+            <a:r>
+              <a:rPr lang="en-US" sz="1600" dirty="0"/>
+              <a:t>, scope, controllers, filters, </a:t>
+            </a:r>
+            <a:r>
+              <a:rPr lang="en-US" sz="1600" dirty="0" err="1"/>
+              <a:t>ng</a:t>
+            </a:r>
+            <a:r>
+              <a:rPr lang="en-US" sz="1600" dirty="0"/>
+              <a:t>-app</a:t>
+            </a:r>
+          </a:p>
+          <a:p>
+            <a:pPr marL="342900" indent="-342900" algn="l">
+              <a:buFont typeface="Arial"/>
+              <a:buChar char="•"/>
+            </a:pPr>
+            <a:r>
+              <a:rPr lang="en-US" sz="2000" dirty="0" smtClean="0"/>
+              <a:t>Greater </a:t>
+            </a:r>
+            <a:r>
+              <a:rPr lang="en-US" sz="2000" dirty="0"/>
+              <a:t>reliance on dependency injection</a:t>
+            </a:r>
+          </a:p>
+          <a:p>
+            <a:pPr marL="800100" lvl="1" indent="-342900" algn="l">
+              <a:buFont typeface="Arial"/>
+              <a:buChar char="•"/>
+            </a:pPr>
+            <a:r>
+              <a:rPr lang="en-US" sz="1600" dirty="0" smtClean="0"/>
+              <a:t>nG2 </a:t>
+            </a:r>
+            <a:r>
+              <a:rPr lang="en-US" sz="1600" dirty="0"/>
+              <a:t>only includes minimum functionality by default</a:t>
+            </a:r>
+          </a:p>
+          <a:p>
+            <a:pPr marL="800100" lvl="1" indent="-342900" algn="l">
+              <a:buFont typeface="Arial"/>
+              <a:buChar char="•"/>
+            </a:pPr>
+            <a:r>
+              <a:rPr lang="en-US" sz="1600" dirty="0" smtClean="0"/>
+              <a:t>Gotcha</a:t>
+            </a:r>
+            <a:r>
+              <a:rPr lang="en-US" sz="1600" dirty="0"/>
+              <a:t>: common "undefined" or "not a function" errors when you forget an </a:t>
+            </a:r>
+            <a:r>
+              <a:rPr lang="en-US" sz="1600" dirty="0" smtClean="0"/>
+              <a:t>import</a:t>
             </a:r>
           </a:p>
           <a:p>
             <a:pPr algn="l"/>
             <a:r>
-              <a:rPr lang="en-US" sz="2000" dirty="0"/>
-              <a:t>      </a:t>
-            </a:r>
+              <a:rPr lang="en-US" sz="2400" dirty="0" smtClean="0"/>
+              <a:t>Relatively unchanged</a:t>
+            </a:r>
+            <a:endParaRPr lang="en-US" sz="2400" dirty="0"/>
+          </a:p>
+          <a:p>
+            <a:pPr marL="342900" indent="-342900" algn="l">
+              <a:buFont typeface="Arial"/>
+              <a:buChar char="•"/>
+            </a:pPr>
             <a:r>
               <a:rPr lang="en-US" sz="2000" dirty="0" smtClean="0"/>
-              <a:t>  * </a:t>
-            </a:r>
-            <a:r>
-              <a:rPr lang="en-US" sz="2000" dirty="0"/>
-              <a:t>array-like, ES6 map, set, generator</a:t>
-            </a:r>
-          </a:p>
-          <a:p>
-            <a:pPr algn="l"/>
-            <a:r>
-              <a:rPr lang="en-US" sz="2000" dirty="0"/>
-              <a:t>    * filter, map, aggregate, compose</a:t>
-            </a:r>
-          </a:p>
-          <a:p>
-            <a:pPr algn="l"/>
-            <a:r>
-              <a:rPr lang="en-US" sz="2000" dirty="0"/>
-              <a:t>    * Once the stream contains the desired elements, then subscribe</a:t>
-            </a:r>
-          </a:p>
-          <a:p>
-            <a:pPr algn="l"/>
-            <a:r>
-              <a:rPr lang="en-US" sz="2000" dirty="0"/>
-              <a:t>    * Use .subscribe to bind our functions to the stream</a:t>
-            </a:r>
-          </a:p>
-          <a:p>
-            <a:pPr algn="l"/>
-            <a:r>
-              <a:rPr lang="en-US" sz="2000" dirty="0"/>
-              <a:t>    * Hot and Cold observables</a:t>
-            </a:r>
-          </a:p>
-          <a:p>
-            <a:pPr algn="l"/>
-            <a:r>
-              <a:rPr lang="pt-BR" sz="2000" dirty="0"/>
-              <a:t>      * </a:t>
-            </a:r>
-            <a:r>
-              <a:rPr lang="pt-BR" sz="2000" dirty="0" err="1"/>
-              <a:t>Cold</a:t>
-            </a:r>
-            <a:r>
-              <a:rPr lang="pt-BR" sz="2000" dirty="0"/>
-              <a:t> :: </a:t>
-            </a:r>
-            <a:r>
-              <a:rPr lang="pt-BR" sz="2000" dirty="0" err="1"/>
-              <a:t>movies</a:t>
-            </a:r>
-            <a:endParaRPr lang="pt-BR" sz="2000" dirty="0"/>
-          </a:p>
-          <a:p>
-            <a:pPr algn="l"/>
-            <a:r>
-              <a:rPr lang="pt-BR" sz="2000" dirty="0"/>
-              <a:t>      * Hot :: </a:t>
-            </a:r>
-            <a:r>
-              <a:rPr lang="pt-BR" sz="2000" dirty="0" err="1"/>
-              <a:t>live</a:t>
-            </a:r>
-            <a:r>
-              <a:rPr lang="pt-BR" sz="2000" dirty="0"/>
-              <a:t> </a:t>
-            </a:r>
-            <a:r>
-              <a:rPr lang="pt-BR" sz="2000" dirty="0" smtClean="0"/>
-              <a:t>performances</a:t>
-            </a:r>
-            <a:endParaRPr lang="pt-BR" sz="2000" dirty="0"/>
-          </a:p>
-          <a:p>
-            <a:pPr algn="l"/>
-            <a:r>
-              <a:rPr lang="pt-BR" sz="2000" dirty="0"/>
-              <a:t>      * Hot </a:t>
-            </a:r>
-            <a:r>
-              <a:rPr lang="pt-BR" sz="2000" dirty="0" err="1"/>
-              <a:t>replayed</a:t>
-            </a:r>
-            <a:r>
-              <a:rPr lang="pt-BR" sz="2000" dirty="0"/>
-              <a:t> :: </a:t>
-            </a:r>
-            <a:r>
-              <a:rPr lang="pt-BR" sz="2000" dirty="0" err="1"/>
-              <a:t>live</a:t>
-            </a:r>
-            <a:r>
-              <a:rPr lang="pt-BR" sz="2000" dirty="0"/>
-              <a:t> performances </a:t>
-            </a:r>
-            <a:r>
-              <a:rPr lang="pt-BR" sz="2000" dirty="0" err="1"/>
-              <a:t>recorded</a:t>
-            </a:r>
-            <a:r>
-              <a:rPr lang="pt-BR" sz="2000" dirty="0"/>
-              <a:t> </a:t>
-            </a:r>
-            <a:r>
-              <a:rPr lang="pt-BR" sz="2000" dirty="0" err="1"/>
-              <a:t>on</a:t>
-            </a:r>
-            <a:r>
-              <a:rPr lang="pt-BR" sz="2000" dirty="0"/>
-              <a:t> </a:t>
-            </a:r>
-            <a:r>
-              <a:rPr lang="pt-BR" sz="2000" dirty="0" err="1" smtClean="0"/>
-              <a:t>video</a:t>
-            </a:r>
-            <a:endParaRPr lang="pt-BR" sz="2000" dirty="0" smtClean="0"/>
-          </a:p>
-          <a:p>
-            <a:pPr algn="l"/>
-            <a:r>
-              <a:rPr lang="en-US" sz="2000" dirty="0" smtClean="0"/>
-              <a:t>    * </a:t>
-            </a:r>
-            <a:r>
-              <a:rPr lang="en-US" sz="2000" dirty="0"/>
-              <a:t>https://</a:t>
-            </a:r>
-            <a:r>
-              <a:rPr lang="en-US" sz="2000" dirty="0" err="1"/>
-              <a:t>github.com</a:t>
-            </a:r>
-            <a:r>
-              <a:rPr lang="en-US" sz="2000" dirty="0"/>
-              <a:t>/Reactive-Extensions/</a:t>
-            </a:r>
-            <a:r>
-              <a:rPr lang="en-US" sz="2000" dirty="0" err="1" smtClean="0"/>
-              <a:t>RxJS</a:t>
+              <a:t>Directives</a:t>
             </a:r>
             <a:endParaRPr lang="en-US" sz="2000" dirty="0"/>
+          </a:p>
+          <a:p>
+            <a:pPr marL="342900" indent="-342900" algn="l">
+              <a:buFont typeface="Arial"/>
+              <a:buChar char="•"/>
+            </a:pPr>
+            <a:r>
+              <a:rPr lang="en-US" sz="2000" dirty="0"/>
+              <a:t>Providers are still around, but their sugar/subtypes have been removed</a:t>
+            </a:r>
+          </a:p>
+          <a:p>
+            <a:pPr marL="800100" lvl="1" indent="-342900" algn="l">
+              <a:buFont typeface="Arial"/>
+              <a:buChar char="•"/>
+            </a:pPr>
+            <a:endParaRPr lang="is-IS" sz="800" dirty="0"/>
           </a:p>
         </p:txBody>
       </p:sp>
     </p:spTree>
     <p:extLst>
       <p:ext uri="{BB962C8B-B14F-4D97-AF65-F5344CB8AC3E}">
-        <p14:creationId xmlns:p14="http://schemas.microsoft.com/office/powerpoint/2010/main" val="622910729"/>
+        <p14:creationId xmlns:p14="http://schemas.microsoft.com/office/powerpoint/2010/main" val="2565676434"/>
       </p:ext>
     </p:extLst>
   </p:cSld>
@@ -4239,21 +6867,14 @@
           <a:lstStyle/>
           <a:p>
             <a:r>
+              <a:rPr lang="en-US" dirty="0"/>
+              <a:t>Angular </a:t>
+            </a:r>
+            <a:r>
               <a:rPr lang="en-US" dirty="0" smtClean="0"/>
-              <a:t>HTTP </a:t>
-            </a:r>
-            <a:r>
-              <a:rPr lang="en-US" dirty="0"/>
-              <a:t>in </a:t>
-            </a:r>
-            <a:r>
-              <a:rPr lang="en-US" dirty="0" err="1"/>
-              <a:t>nG</a:t>
-            </a:r>
-            <a:r>
-              <a:rPr lang="en-US" dirty="0"/>
-              <a:t> 2</a:t>
-            </a:r>
+              <a:t>2</a:t>
+            </a:r>
+            <a:endParaRPr lang="en-US" dirty="0"/>
           </a:p>
         </p:txBody>
       </p:sp>
@@ -4281,99 +6902,87 @@
           <a:p>
             <a:pPr algn="l"/>
             <a:r>
+              <a:rPr lang="en-US" sz="2400" dirty="0"/>
+              <a:t>Advantages gained</a:t>
+            </a:r>
+          </a:p>
+          <a:p>
+            <a:pPr marL="342900" indent="-342900" algn="l">
+              <a:buFont typeface="Arial"/>
+              <a:buChar char="•"/>
+            </a:pPr>
+            <a:r>
               <a:rPr lang="en-US" sz="2000" dirty="0" smtClean="0"/>
-              <a:t>    * </a:t>
-            </a:r>
-            <a:r>
-              <a:rPr lang="en-US" sz="2000" dirty="0"/>
-              <a:t>Http is a built in service</a:t>
-            </a:r>
-          </a:p>
-          <a:p>
-            <a:pPr algn="l"/>
-            <a:r>
-              <a:rPr lang="en-US" sz="2000" dirty="0"/>
-              <a:t>    * Methods: get, post, put, </a:t>
-            </a:r>
-            <a:r>
-              <a:rPr lang="en-US" sz="2000" dirty="0" err="1"/>
-              <a:t>etc</a:t>
-            </a:r>
-            <a:endParaRPr lang="en-US" sz="2000" dirty="0"/>
-          </a:p>
-          <a:p>
-            <a:pPr algn="l"/>
-            <a:r>
-              <a:rPr lang="en-US" sz="2000" dirty="0"/>
-              <a:t>    * Returns an observable containing the </a:t>
-            </a:r>
+              <a:t>Smaller</a:t>
+            </a:r>
+            <a:r>
+              <a:rPr lang="en-US" sz="2000" dirty="0"/>
+              <a:t>, more consistent API</a:t>
+            </a:r>
+          </a:p>
+          <a:p>
+            <a:pPr marL="342900" indent="-342900" algn="l">
+              <a:buFont typeface="Arial"/>
+              <a:buChar char="•"/>
+            </a:pPr>
             <a:r>
               <a:rPr lang="en-US" sz="2000" dirty="0" smtClean="0"/>
-              <a:t>response</a:t>
-            </a:r>
-          </a:p>
-          <a:p>
-            <a:pPr algn="l"/>
+              <a:t>Greater </a:t>
+            </a:r>
+            <a:r>
+              <a:rPr lang="en-US" sz="2000" dirty="0"/>
+              <a:t>modularity/DI - import only what you need means smaller downloads</a:t>
+            </a:r>
+          </a:p>
+          <a:p>
+            <a:pPr marL="342900" indent="-342900" algn="l">
+              <a:buFont typeface="Arial"/>
+              <a:buChar char="•"/>
+            </a:pPr>
             <a:r>
               <a:rPr lang="en-US" sz="2000" dirty="0" smtClean="0"/>
-              <a:t>      * Observable stream then ends</a:t>
-            </a:r>
-            <a:endParaRPr lang="en-US" sz="2000" dirty="0"/>
-          </a:p>
-          <a:p>
-            <a:pPr algn="l"/>
+              <a:t>Greater </a:t>
+            </a:r>
+            <a:r>
+              <a:rPr lang="en-US" sz="2000" dirty="0"/>
+              <a:t>separation from DOM - testing, IDE support</a:t>
+            </a:r>
+          </a:p>
+          <a:p>
+            <a:pPr marL="342900" indent="-342900" algn="l">
+              <a:buFont typeface="Arial"/>
+              <a:buChar char="•"/>
+            </a:pPr>
             <a:r>
               <a:rPr lang="en-US" sz="2000" dirty="0" smtClean="0"/>
-              <a:t>    </a:t>
-            </a:r>
-            <a:r>
-              <a:rPr lang="en-US" sz="2000" dirty="0"/>
-              <a:t>* Subscribe to the observable like you would resolve a promise</a:t>
-            </a:r>
-          </a:p>
-          <a:p>
-            <a:pPr algn="l"/>
-            <a:r>
-              <a:rPr lang="en-US" sz="2000" dirty="0"/>
-              <a:t>    * Why not a promise like </a:t>
-            </a:r>
-            <a:r>
-              <a:rPr lang="en-US" sz="2000" dirty="0" err="1"/>
-              <a:t>nG</a:t>
-            </a:r>
-            <a:r>
-              <a:rPr lang="en-US" sz="2000" dirty="0"/>
-              <a:t> 1?</a:t>
-            </a:r>
-          </a:p>
-          <a:p>
-            <a:pPr algn="l"/>
-            <a:r>
-              <a:rPr lang="en-US" sz="2000" dirty="0"/>
-              <a:t>      * Observable is a better pattern for services like Web Workers</a:t>
-            </a:r>
-          </a:p>
-          <a:p>
-            <a:pPr algn="l"/>
-            <a:r>
-              <a:rPr lang="en-US" sz="2000" dirty="0"/>
-              <a:t>      * Standardizing on observable decouples consumers from knowing data mechanism</a:t>
-            </a:r>
-          </a:p>
-          <a:p>
-            <a:pPr algn="l"/>
-            <a:r>
-              <a:rPr lang="en-US" sz="2000" dirty="0"/>
-              <a:t>      * Eventually allows useful features like .retry(5)</a:t>
-            </a:r>
-            <a:endParaRPr lang="en-US" sz="1200" dirty="0"/>
+              <a:t>Performance </a:t>
+            </a:r>
+            <a:r>
+              <a:rPr lang="en-US" sz="2000" dirty="0"/>
+              <a:t>speedups primarily due to jettisoning digest checking</a:t>
+            </a:r>
+          </a:p>
+          <a:p>
+            <a:pPr marL="342900" indent="-342900" algn="l">
+              <a:buFont typeface="Arial"/>
+              <a:buChar char="•"/>
+            </a:pPr>
+            <a:r>
+              <a:rPr lang="en-US" sz="2000" dirty="0" smtClean="0"/>
+              <a:t>Aligns </a:t>
+            </a:r>
+            <a:r>
+              <a:rPr lang="en-US" sz="2000" dirty="0"/>
+              <a:t>closer with the future of web components</a:t>
+            </a:r>
+            <a:endParaRPr lang="is-IS" sz="800" dirty="0"/>
           </a:p>
         </p:txBody>
       </p:sp>
     </p:spTree>
     <p:extLst>
       <p:ext uri="{BB962C8B-B14F-4D97-AF65-F5344CB8AC3E}">
-        <p14:creationId xmlns:p14="http://schemas.microsoft.com/office/powerpoint/2010/main" val="1911019148"/>
+        <p14:creationId xmlns:p14="http://schemas.microsoft.com/office/powerpoint/2010/main" val="2035884072"/>
       </p:ext>
     </p:extLst>
   </p:cSld>
@@ -4428,8 +7037,12 @@
           <a:lstStyle/>
           <a:p>
             <a:r>
+              <a:rPr lang="en-US" dirty="0"/>
+              <a:t>Angular </a:t>
+            </a:r>
+            <a:r>
               <a:rPr lang="en-US" dirty="0" smtClean="0"/>
-              <a:t>Ionic</a:t>
+              <a:t>2</a:t>
             </a:r>
             <a:endParaRPr lang="en-US" dirty="0"/>
           </a:p>
@@ -4453,184 +7066,216 @@
         </p:spPr>
         <p:txBody>
           <a:bodyPr>
-            <a:normAutofit fontScale="77500" lnSpcReduction="20000"/>
+            <a:normAutofit lnSpcReduction="10000"/>
           </a:bodyPr>
           <a:lstStyle/>
           <a:p>
             <a:pPr algn="l"/>
             <a:r>
-              <a:rPr lang="en-US" sz="2000" dirty="0"/>
-              <a:t> * Ionic does two things</a:t>
-            </a:r>
-          </a:p>
-          <a:p>
-            <a:pPr algn="l"/>
+              <a:rPr lang="en-US" sz="2400" dirty="0"/>
+              <a:t>A word of caution</a:t>
+            </a:r>
+          </a:p>
+          <a:p>
+            <a:pPr marL="342900" indent="-342900" algn="l">
+              <a:buFont typeface="Arial"/>
+              <a:buChar char="•"/>
+            </a:pPr>
+            <a:r>
+              <a:rPr lang="en-US" sz="2000" dirty="0" err="1" smtClean="0"/>
+              <a:t>nG</a:t>
+            </a:r>
             <a:r>
               <a:rPr lang="en-US" sz="2000" dirty="0" smtClean="0"/>
-              <a:t>    * </a:t>
-            </a:r>
-            <a:r>
-              <a:rPr lang="en-US" sz="2000" dirty="0"/>
-              <a:t>Provides an Angular API to a library of mobile-optimized UI widgets</a:t>
-            </a:r>
-          </a:p>
-          <a:p>
-            <a:pPr algn="l"/>
+              <a:t> </a:t>
+            </a:r>
+            <a:r>
+              <a:rPr lang="en-US" sz="2000" dirty="0"/>
+              <a:t>2 </a:t>
+            </a:r>
             <a:r>
               <a:rPr lang="en-US" sz="2000" dirty="0" smtClean="0"/>
-              <a:t>    * </a:t>
-            </a:r>
-            <a:r>
-              <a:rPr lang="en-US" sz="2000" dirty="0"/>
-              <a:t>Compiles app using Cordova</a:t>
-            </a:r>
-          </a:p>
-          <a:p>
-            <a:pPr algn="l"/>
-            <a:r>
-              <a:rPr lang="en-US" sz="2000" dirty="0"/>
-              <a:t>    * Apache Cordova</a:t>
-            </a:r>
-          </a:p>
-          <a:p>
-            <a:pPr algn="l"/>
-            <a:r>
-              <a:rPr lang="en-US" sz="2000" dirty="0"/>
-              <a:t>      * Cordova is the open-source version of Adobe </a:t>
-            </a:r>
-            <a:r>
-              <a:rPr lang="en-US" sz="2000" dirty="0" err="1"/>
-              <a:t>PhoneGap</a:t>
+              <a:t>is officially in beta. </a:t>
+            </a:r>
+            <a:r>
+              <a:rPr lang="en-US" sz="2000" dirty="0"/>
+              <a:t>What does beta mean?</a:t>
+            </a:r>
+          </a:p>
+          <a:p>
+            <a:pPr marL="342900" indent="-342900" algn="l">
+              <a:buFont typeface="Arial"/>
+              <a:buChar char="•"/>
+            </a:pPr>
+            <a:r>
+              <a:rPr lang="en-US" sz="2000" dirty="0" smtClean="0"/>
+              <a:t>"</a:t>
+            </a:r>
+            <a:r>
+              <a:rPr lang="en-US" sz="2000" dirty="0"/>
+              <a:t>we're now confident that most developers can be successful building large applications"</a:t>
+            </a:r>
+          </a:p>
+          <a:p>
+            <a:pPr marL="342900" indent="-342900" algn="l">
+              <a:buFont typeface="Arial"/>
+              <a:buChar char="•"/>
+            </a:pPr>
+            <a:r>
+              <a:rPr lang="en-US" sz="2000" dirty="0" smtClean="0"/>
+              <a:t>A </a:t>
+            </a:r>
+            <a:r>
+              <a:rPr lang="en-US" sz="2000" dirty="0"/>
+              <a:t>platform is not just its code though, also its ecosystem</a:t>
+            </a:r>
+          </a:p>
+          <a:p>
+            <a:pPr marL="342900" indent="-342900" algn="l">
+              <a:buFont typeface="Arial"/>
+              <a:buChar char="•"/>
+            </a:pPr>
+            <a:r>
+              <a:rPr lang="en-US" sz="2000" dirty="0"/>
+              <a:t>  </a:t>
+            </a:r>
+            <a:r>
+              <a:rPr lang="en-US" sz="2000" dirty="0" smtClean="0"/>
+              <a:t>Tooling </a:t>
+            </a:r>
+            <a:r>
+              <a:rPr lang="en-US" sz="2000" dirty="0"/>
+              <a:t>&amp; 3rd party library support</a:t>
+            </a:r>
+          </a:p>
+          <a:p>
+            <a:pPr marL="342900" indent="-342900" algn="l">
+              <a:buFont typeface="Arial"/>
+              <a:buChar char="•"/>
+            </a:pPr>
+            <a:r>
+              <a:rPr lang="en-US" sz="2000" dirty="0"/>
+              <a:t>  </a:t>
+            </a:r>
+            <a:r>
+              <a:rPr lang="en-US" sz="2000" dirty="0" smtClean="0"/>
+              <a:t>Documentation</a:t>
             </a:r>
             <a:endParaRPr lang="en-US" sz="2000" dirty="0"/>
           </a:p>
           <a:p>
-            <a:pPr algn="l"/>
-            <a:r>
-              <a:rPr lang="en-US" sz="2000" dirty="0"/>
-              <a:t>      * Wraps HTML/JS/CSS inside a native container (</a:t>
-            </a:r>
-            <a:r>
-              <a:rPr lang="en-US" sz="2000" dirty="0" err="1"/>
-              <a:t>UIWebView</a:t>
-            </a:r>
-            <a:r>
-              <a:rPr lang="en-US" sz="2000" dirty="0"/>
-              <a:t> et al)</a:t>
-            </a:r>
-          </a:p>
-          <a:p>
-            <a:pPr algn="l"/>
-            <a:r>
-              <a:rPr lang="en-US" sz="2000" dirty="0"/>
-              <a:t>      * Provides a JS API to mobile device hardware (camera, accelerometer)</a:t>
-            </a:r>
-          </a:p>
-          <a:p>
-            <a:pPr algn="l"/>
-            <a:r>
-              <a:rPr lang="en-US" sz="2000" dirty="0"/>
-              <a:t>    * How it works</a:t>
-            </a:r>
-          </a:p>
-          <a:p>
-            <a:pPr algn="l"/>
-            <a:r>
-              <a:rPr lang="en-US" sz="2000" dirty="0"/>
-              <a:t>      * Add Ionic CSS/JS and Cordova JS tags to the page</a:t>
-            </a:r>
-          </a:p>
-          <a:p>
-            <a:pPr algn="l"/>
-            <a:r>
-              <a:rPr lang="en-US" sz="2000" dirty="0"/>
-              <a:t>      * Use Ionic directives in the page and templates</a:t>
-            </a:r>
-          </a:p>
-          <a:p>
-            <a:pPr algn="l"/>
-            <a:r>
-              <a:rPr lang="en-US" sz="2000" dirty="0"/>
-              <a:t>      * Run 'ionic serve'</a:t>
-            </a:r>
-          </a:p>
-          <a:p>
-            <a:pPr algn="l"/>
-            <a:r>
-              <a:rPr lang="en-US" sz="2000" dirty="0"/>
-              <a:t>        * may have to proxy external APIs</a:t>
-            </a:r>
-          </a:p>
-          <a:p>
-            <a:pPr algn="l"/>
-            <a:r>
-              <a:rPr lang="en-US" sz="2000" dirty="0"/>
-              <a:t>        * Restart after changes to plugins</a:t>
-            </a:r>
-          </a:p>
-          <a:p>
-            <a:pPr algn="l"/>
-            <a:r>
-              <a:rPr lang="en-US" sz="2000" dirty="0"/>
-              <a:t>      * View the page</a:t>
-            </a:r>
-          </a:p>
-          <a:p>
-            <a:pPr algn="l"/>
-            <a:r>
-              <a:rPr lang="en-US" sz="2000" dirty="0"/>
-              <a:t>        * In browser of any device connected to LAN</a:t>
-            </a:r>
-          </a:p>
-          <a:p>
-            <a:pPr algn="l"/>
-            <a:r>
-              <a:rPr lang="en-US" sz="2000" dirty="0"/>
-              <a:t>        * Compiled (</a:t>
-            </a:r>
-            <a:r>
-              <a:rPr lang="en-US" sz="2000" dirty="0" err="1"/>
-              <a:t>realtime</a:t>
-            </a:r>
-            <a:r>
-              <a:rPr lang="en-US" sz="2000" dirty="0"/>
-              <a:t>/</a:t>
-            </a:r>
-            <a:r>
-              <a:rPr lang="en-US" sz="2000" dirty="0" err="1"/>
-              <a:t>livereload</a:t>
-            </a:r>
-            <a:r>
-              <a:rPr lang="en-US" sz="2000" dirty="0"/>
-              <a:t>) to emulator </a:t>
+            <a:pPr marL="342900" indent="-342900" algn="l">
+              <a:buFont typeface="Arial"/>
+              <a:buChar char="•"/>
+            </a:pPr>
+            <a:r>
+              <a:rPr lang="en-US" sz="2000" dirty="0"/>
+              <a:t>  </a:t>
             </a:r>
             <a:r>
               <a:rPr lang="en-US" sz="2000" dirty="0" smtClean="0"/>
-              <a:t>(setup time)</a:t>
-            </a:r>
-            <a:endParaRPr lang="en-US" sz="2000" dirty="0"/>
-          </a:p>
-          <a:p>
-            <a:pPr algn="l"/>
-            <a:r>
-              <a:rPr lang="en-US" sz="2000" dirty="0"/>
-              <a:t>        * Through app store via Ionic View  (beta, requires approval)</a:t>
-            </a:r>
-          </a:p>
-          <a:p>
-            <a:pPr algn="l"/>
-            <a:r>
-              <a:rPr lang="en-US" sz="2000" dirty="0"/>
-              <a:t>      * Deploy through Ionic View or regular app store process</a:t>
-            </a:r>
-            <a:endParaRPr lang="en-US" sz="1900" dirty="0"/>
+              <a:t>Error </a:t>
+            </a:r>
+            <a:r>
+              <a:rPr lang="en-US" sz="2000" dirty="0"/>
+              <a:t>handling messages</a:t>
+            </a:r>
+          </a:p>
+          <a:p>
+            <a:pPr marL="342900" indent="-342900" algn="l">
+              <a:buFont typeface="Arial"/>
+              <a:buChar char="•"/>
+            </a:pPr>
+            <a:r>
+              <a:rPr lang="en-US" sz="2000" dirty="0"/>
+              <a:t>  </a:t>
+            </a:r>
+            <a:r>
+              <a:rPr lang="en-US" sz="2000" dirty="0" smtClean="0"/>
+              <a:t>Community </a:t>
+            </a:r>
+            <a:r>
+              <a:rPr lang="en-US" sz="2000" dirty="0"/>
+              <a:t>support</a:t>
+            </a:r>
+          </a:p>
+          <a:p>
+            <a:pPr marL="342900" indent="-342900" algn="l">
+              <a:buFont typeface="Arial"/>
+              <a:buChar char="•"/>
+            </a:pPr>
+            <a:r>
+              <a:rPr lang="en-US" sz="2000" dirty="0" smtClean="0"/>
+              <a:t>IMO, nG2 ecosystem is not mature yet</a:t>
+            </a:r>
+          </a:p>
+          <a:p>
+            <a:pPr marL="800100" lvl="1" indent="-342900" algn="l">
+              <a:buFont typeface="Arial"/>
+              <a:buChar char="•"/>
+            </a:pPr>
+            <a:r>
+              <a:rPr lang="en-US" sz="1600" dirty="0" smtClean="0"/>
+              <a:t>Official </a:t>
+            </a:r>
+            <a:r>
+              <a:rPr lang="en-US" sz="1600" dirty="0"/>
+              <a:t>documentation is </a:t>
+            </a:r>
+            <a:r>
+              <a:rPr lang="en-US" sz="1600" dirty="0" smtClean="0"/>
+              <a:t>intentionally complete</a:t>
+            </a:r>
+            <a:endParaRPr lang="is-IS" sz="400" dirty="0"/>
+          </a:p>
+          <a:p>
+            <a:pPr marL="800100" lvl="1" indent="-342900" algn="l">
+              <a:buFont typeface="Arial"/>
+              <a:buChar char="•"/>
+            </a:pPr>
+            <a:r>
+              <a:rPr lang="en-US" sz="1600" dirty="0" smtClean="0"/>
+              <a:t>Many syntax changes make older articles unreliable</a:t>
+            </a:r>
+          </a:p>
+          <a:p>
+            <a:pPr marL="800100" lvl="1" indent="-342900" algn="l">
+              <a:buFont typeface="Arial"/>
+              <a:buChar char="•"/>
+            </a:pPr>
+            <a:r>
+              <a:rPr lang="en-US" sz="1600" dirty="0" smtClean="0"/>
+              <a:t>TSC compilation issues</a:t>
+            </a:r>
+          </a:p>
+          <a:p>
+            <a:pPr marL="342900" indent="-342900" algn="l">
+              <a:buFont typeface="Arial"/>
+              <a:buChar char="•"/>
+            </a:pPr>
+            <a:r>
+              <a:rPr lang="en-US" sz="2000" dirty="0" smtClean="0"/>
+              <a:t>Proceed </a:t>
+            </a:r>
+            <a:r>
+              <a:rPr lang="en-US" sz="2000" dirty="0"/>
+              <a:t>with </a:t>
+            </a:r>
+            <a:r>
+              <a:rPr lang="en-US" sz="2000" dirty="0" smtClean="0"/>
+              <a:t>caution</a:t>
+            </a:r>
+          </a:p>
+          <a:p>
+            <a:pPr lvl="1" algn="l"/>
+            <a:endParaRPr lang="is-IS" sz="400" dirty="0"/>
           </a:p>
         </p:txBody>
       </p:sp>
     </p:spTree>
     <p:extLst>
       <p:ext uri="{BB962C8B-B14F-4D97-AF65-F5344CB8AC3E}">
-        <p14:creationId xmlns:p14="http://schemas.microsoft.com/office/powerpoint/2010/main" val="1484393367"/>
+        <p14:creationId xmlns:p14="http://schemas.microsoft.com/office/powerpoint/2010/main" val="1792213489"/>
       </p:ext>
     </p:extLst>
   </p:cSld>
@@ -4684,10 +7329,9 @@
           <a:bodyPr/>
           <a:lstStyle/>
           <a:p>
-            <a:pPr marL="342900" indent="-342900"/>
-            <a:r>
-              <a:rPr lang="en-US" dirty="0" smtClean="0"/>
-              <a:t>Mobile versus Desktop</a:t>
+            <a:r>
+              <a:rPr lang="en-US" dirty="0" err="1"/>
+              <a:t>TypeScript</a:t>
             </a:r>
             <a:endParaRPr lang="en-US" dirty="0"/>
           </a:p>
@@ -4711,180 +7355,248 @@
         </p:spPr>
         <p:txBody>
           <a:bodyPr>
-            <a:normAutofit/>
+            <a:normAutofit lnSpcReduction="10000"/>
           </a:bodyPr>
           <a:lstStyle/>
           <a:p>
-            <a:pPr algn="l"/>
+            <a:pPr marL="342900" indent="-342900" algn="l">
+              <a:buFont typeface="Arial"/>
+              <a:buChar char="•"/>
+            </a:pPr>
             <a:r>
               <a:rPr lang="en-US" sz="2000" dirty="0" smtClean="0"/>
-              <a:t>    * </a:t>
-            </a:r>
-            <a:r>
-              <a:rPr lang="en-US" sz="2000" dirty="0"/>
-              <a:t>Mobile and Desktop </a:t>
-            </a:r>
+              <a:t>From </a:t>
+            </a:r>
+            <a:r>
+              <a:rPr lang="en-US" sz="2000" dirty="0"/>
+              <a:t>Microsoft, a compiled superset of </a:t>
+            </a:r>
+            <a:r>
+              <a:rPr lang="en-US" sz="2000" dirty="0" err="1"/>
+              <a:t>Javascript</a:t>
+            </a:r>
+            <a:endParaRPr lang="en-US" sz="2000" dirty="0"/>
+          </a:p>
+          <a:p>
+            <a:pPr marL="342900" indent="-342900" algn="l">
+              <a:buFont typeface="Arial"/>
+              <a:buChar char="•"/>
+            </a:pPr>
             <a:r>
               <a:rPr lang="en-US" sz="2000" dirty="0" smtClean="0"/>
-              <a:t>have different </a:t>
-            </a:r>
-            <a:r>
-              <a:rPr lang="en-US" sz="2000" dirty="0"/>
-              <a:t>UI use </a:t>
-            </a:r>
+              <a:t>All </a:t>
+            </a:r>
+            <a:r>
+              <a:rPr lang="en-US" sz="2000" dirty="0"/>
+              <a:t>valid JS is valid TS (theoretically - in practice often requires tweaking)</a:t>
+            </a:r>
+          </a:p>
+          <a:p>
+            <a:pPr marL="342900" indent="-342900" algn="l">
+              <a:buFont typeface="Arial"/>
+              <a:buChar char="•"/>
+            </a:pPr>
             <a:r>
               <a:rPr lang="en-US" sz="2000" dirty="0" smtClean="0"/>
-              <a:t>cases:</a:t>
-            </a:r>
-            <a:endParaRPr lang="en-US" sz="2000" dirty="0"/>
-          </a:p>
-          <a:p>
-            <a:pPr algn="l"/>
-            <a:r>
-              <a:rPr lang="en-US" sz="2000" dirty="0"/>
-              <a:t> </a:t>
-            </a:r>
+              <a:t>Adds </a:t>
+            </a:r>
+            <a:r>
+              <a:rPr lang="en-US" sz="2000" dirty="0"/>
+              <a:t>support for static typing</a:t>
+            </a:r>
+          </a:p>
+          <a:p>
+            <a:pPr marL="800100" lvl="1" indent="-342900" algn="l">
+              <a:buFont typeface="Arial"/>
+              <a:buChar char="•"/>
+            </a:pPr>
+            <a:r>
+              <a:rPr lang="en-US" sz="1600" dirty="0" smtClean="0"/>
+              <a:t>Specify </a:t>
+            </a:r>
+            <a:r>
+              <a:rPr lang="en-US" sz="1600" dirty="0"/>
+              <a:t>type when declaring </a:t>
+            </a:r>
+            <a:r>
+              <a:rPr lang="en-US" sz="1600" dirty="0" err="1"/>
+              <a:t>vars</a:t>
+            </a:r>
+            <a:r>
+              <a:rPr lang="en-US" sz="1600" dirty="0"/>
+              <a:t>, function arguments and return values, </a:t>
+            </a:r>
+            <a:r>
+              <a:rPr lang="en-US" sz="1600" dirty="0" err="1"/>
+              <a:t>etc</a:t>
+            </a:r>
+            <a:endParaRPr lang="en-US" sz="1600" dirty="0"/>
+          </a:p>
+          <a:p>
+            <a:pPr marL="800100" lvl="1" indent="-342900" algn="l">
+              <a:buFont typeface="Arial"/>
+              <a:buChar char="•"/>
+            </a:pPr>
+            <a:r>
+              <a:rPr lang="en-US" sz="1600" dirty="0" smtClean="0"/>
+              <a:t>Describe </a:t>
+            </a:r>
+            <a:r>
+              <a:rPr lang="en-US" sz="1600" dirty="0"/>
+              <a:t>custom types with a "declaration" file - describe interface</a:t>
+            </a:r>
+          </a:p>
+          <a:p>
+            <a:pPr marL="342900" indent="-342900" algn="l">
+              <a:buFont typeface="Arial"/>
+              <a:buChar char="•"/>
+            </a:pPr>
             <a:r>
               <a:rPr lang="en-US" sz="2000" dirty="0" smtClean="0"/>
-              <a:t>   </a:t>
-            </a:r>
-            <a:r>
-              <a:rPr lang="en-US" sz="2000" dirty="0"/>
-              <a:t>* On Mobile, there are no mouse- or hover events</a:t>
-            </a:r>
-          </a:p>
-          <a:p>
-            <a:pPr algn="l"/>
-            <a:r>
-              <a:rPr lang="is-IS" sz="2000" dirty="0"/>
-              <a:t>   </a:t>
-            </a:r>
-            <a:r>
-              <a:rPr lang="is-IS" sz="2000" dirty="0" smtClean="0"/>
-              <a:t> </a:t>
-            </a:r>
-            <a:r>
-              <a:rPr lang="is-IS" sz="2000" dirty="0"/>
-              <a:t>* On Desktop</a:t>
-            </a:r>
-          </a:p>
-          <a:p>
-            <a:pPr algn="l"/>
-            <a:r>
-              <a:rPr lang="en-US" sz="2000" dirty="0"/>
-              <a:t>        * Gestures like swipe have no equivalent</a:t>
-            </a:r>
-          </a:p>
-          <a:p>
-            <a:pPr algn="l"/>
-            <a:r>
-              <a:rPr lang="en-US" sz="2000" dirty="0"/>
-              <a:t>        * Gestures like pull to refresh are not intuitive</a:t>
-            </a:r>
-          </a:p>
-          <a:p>
-            <a:pPr algn="l"/>
-            <a:r>
-              <a:rPr lang="en-US" sz="2000" dirty="0"/>
-              <a:t>    * Requires different JS implementation</a:t>
-            </a:r>
-          </a:p>
-          <a:p>
-            <a:pPr algn="l"/>
-            <a:r>
-              <a:rPr lang="en-US" sz="2000" dirty="0"/>
-              <a:t>      * Example: $</a:t>
+              <a:t>Adds </a:t>
+            </a:r>
+            <a:r>
+              <a:rPr lang="en-US" sz="2000" dirty="0"/>
+              <a:t>the common ES6 features</a:t>
+            </a:r>
+          </a:p>
+          <a:p>
+            <a:pPr marL="800100" lvl="1" indent="-342900" algn="l">
+              <a:buFont typeface="Arial"/>
+              <a:buChar char="•"/>
+            </a:pPr>
+            <a:r>
+              <a:rPr lang="en-US" sz="1600" dirty="0" smtClean="0"/>
+              <a:t>arrow </a:t>
+            </a:r>
+            <a:r>
+              <a:rPr lang="en-US" sz="1600" dirty="0"/>
+              <a:t>functions, classes, modules, let keyword, Map, Promise</a:t>
+            </a:r>
+          </a:p>
+          <a:p>
+            <a:pPr marL="800100" lvl="1" indent="-342900" algn="l">
+              <a:buFont typeface="Arial"/>
+              <a:buChar char="•"/>
+            </a:pPr>
+            <a:r>
+              <a:rPr lang="en-US" sz="1600" dirty="0" smtClean="0"/>
+              <a:t>Compatibility </a:t>
+            </a:r>
+            <a:r>
+              <a:rPr lang="en-US" sz="1600" dirty="0"/>
+              <a:t>table: http://</a:t>
+            </a:r>
+            <a:r>
+              <a:rPr lang="en-US" sz="1600" dirty="0" err="1"/>
+              <a:t>kangax.github.io</a:t>
+            </a:r>
+            <a:r>
+              <a:rPr lang="en-US" sz="1600" dirty="0"/>
+              <a:t>/</a:t>
+            </a:r>
+            <a:r>
+              <a:rPr lang="en-US" sz="1600" dirty="0" err="1"/>
+              <a:t>compat</a:t>
+            </a:r>
+            <a:r>
+              <a:rPr lang="en-US" sz="1600" dirty="0"/>
+              <a:t>-table/es6/</a:t>
+            </a:r>
+          </a:p>
+          <a:p>
+            <a:pPr marL="342900" indent="-342900" algn="l">
+              <a:buFont typeface="Arial"/>
+              <a:buChar char="•"/>
+            </a:pPr>
+            <a:r>
+              <a:rPr lang="en-US" sz="2000" dirty="0" smtClean="0"/>
+              <a:t>And </a:t>
+            </a:r>
+            <a:r>
+              <a:rPr lang="en-US" sz="2000" dirty="0"/>
+              <a:t>some unique features</a:t>
+            </a:r>
+          </a:p>
+          <a:p>
+            <a:pPr marL="800100" lvl="1" indent="-342900" algn="l">
+              <a:buFont typeface="Arial"/>
+              <a:buChar char="•"/>
+            </a:pPr>
+            <a:r>
+              <a:rPr lang="en-US" sz="1600" dirty="0" smtClean="0"/>
+              <a:t>@ </a:t>
+            </a:r>
+            <a:r>
+              <a:rPr lang="en-US" sz="1600" dirty="0"/>
+              <a:t>Decorator syntax (often referred to as annotation)</a:t>
+            </a:r>
+          </a:p>
+          <a:p>
+            <a:pPr marL="800100" lvl="1" indent="-342900" algn="l">
+              <a:buFont typeface="Arial"/>
+              <a:buChar char="•"/>
+            </a:pPr>
+            <a:r>
+              <a:rPr lang="en-US" sz="1600" dirty="0" smtClean="0"/>
+              <a:t>inline </a:t>
+            </a:r>
+            <a:r>
+              <a:rPr lang="en-US" sz="1600" dirty="0"/>
+              <a:t>variable type specification</a:t>
+            </a:r>
+          </a:p>
+          <a:p>
+            <a:pPr marL="342900" indent="-342900" algn="l">
+              <a:buFont typeface="Arial"/>
+              <a:buChar char="•"/>
+            </a:pPr>
+            <a:r>
+              <a:rPr lang="en-US" sz="2000" dirty="0" smtClean="0"/>
+              <a:t>Tutorial</a:t>
+            </a:r>
+            <a:r>
+              <a:rPr lang="en-US" sz="2000" dirty="0"/>
+              <a:t>: https://</a:t>
             </a:r>
             <a:r>
               <a:rPr lang="en-US" sz="2000" dirty="0" err="1"/>
-              <a:t>ionicPlatform.ready</a:t>
-            </a:r>
-            <a:endParaRPr lang="en-US" sz="2000" dirty="0"/>
-          </a:p>
-          <a:p>
-            <a:pPr algn="l"/>
-            <a:r>
-              <a:rPr lang="en-US" sz="2000" dirty="0"/>
-              <a:t>      * Like </a:t>
+              <a:t>johnpapa.net</a:t>
+            </a:r>
+            <a:r>
+              <a:rPr lang="en-US" sz="2000" dirty="0"/>
+              <a:t>/typescriptpost1/</a:t>
+            </a:r>
+          </a:p>
+          <a:p>
+            <a:pPr marL="342900" indent="-342900" algn="l">
+              <a:buFont typeface="Arial"/>
+              <a:buChar char="•"/>
+            </a:pPr>
+            <a:r>
+              <a:rPr lang="en-US" sz="2000" dirty="0" smtClean="0"/>
+              <a:t>Quick </a:t>
+            </a:r>
+            <a:r>
+              <a:rPr lang="en-US" sz="2000" dirty="0"/>
+              <a:t>syntax reference: https://</a:t>
             </a:r>
             <a:r>
               <a:rPr lang="en-US" sz="2000" dirty="0" err="1"/>
-              <a:t>document.ready</a:t>
-            </a:r>
-            <a:r>
-              <a:rPr lang="en-US" sz="2000" dirty="0"/>
-              <a:t> but for </a:t>
-            </a:r>
-            <a:r>
-              <a:rPr lang="en-US" sz="2000" dirty="0" smtClean="0"/>
-              <a:t>devices</a:t>
-            </a:r>
-            <a:r>
-              <a:rPr lang="en-US" sz="1600" dirty="0"/>
-              <a:t> </a:t>
-            </a:r>
-            <a:endParaRPr lang="en-US" sz="1600" dirty="0" smtClean="0"/>
-          </a:p>
-          <a:p>
-            <a:pPr algn="l"/>
-            <a:r>
-              <a:rPr lang="en-US" sz="2000" dirty="0"/>
-              <a:t> </a:t>
-            </a:r>
-            <a:r>
-              <a:rPr lang="en-US" sz="2000" dirty="0" smtClean="0"/>
-              <a:t>   * Depending on business </a:t>
-            </a:r>
-            <a:r>
-              <a:rPr lang="en-US" sz="2000" dirty="0" err="1" smtClean="0"/>
-              <a:t>req’s</a:t>
-            </a:r>
-            <a:r>
-              <a:rPr lang="en-US" sz="2000" dirty="0" smtClean="0"/>
-              <a:t>, you may have </a:t>
-            </a:r>
-            <a:r>
-              <a:rPr lang="en-US" sz="2000" dirty="0"/>
-              <a:t>to </a:t>
-            </a:r>
-            <a:r>
-              <a:rPr lang="en-US" sz="2000" dirty="0" smtClean="0"/>
-              <a:t>split codebases</a:t>
-            </a:r>
-          </a:p>
-          <a:p>
-            <a:pPr algn="l"/>
-            <a:r>
-              <a:rPr lang="en-US" sz="2000" dirty="0"/>
-              <a:t> </a:t>
-            </a:r>
-            <a:r>
-              <a:rPr lang="en-US" sz="2000" dirty="0" smtClean="0"/>
-              <a:t>     * Split only applies to front end</a:t>
-            </a:r>
-          </a:p>
-          <a:p>
-            <a:pPr algn="l"/>
-            <a:r>
-              <a:rPr lang="en-US" sz="2000" dirty="0"/>
-              <a:t> </a:t>
-            </a:r>
-            <a:r>
-              <a:rPr lang="en-US" sz="2000" dirty="0" smtClean="0"/>
-              <a:t>     * Think of it as separate presentation layers</a:t>
-            </a:r>
-            <a:endParaRPr lang="en-US" sz="2000" dirty="0"/>
-          </a:p>
-          <a:p>
-            <a:pPr algn="l"/>
-            <a:endParaRPr lang="en-US" sz="1600" dirty="0"/>
+              <a:t>quizlet.com</a:t>
+            </a:r>
+            <a:r>
+              <a:rPr lang="en-US" sz="2000" dirty="0"/>
+              <a:t>/134674527/typescript-syntax-flash-cards/</a:t>
+            </a:r>
+            <a:endParaRPr lang="is-IS" sz="400" dirty="0"/>
           </a:p>
         </p:txBody>
       </p:sp>
     </p:spTree>
     <p:extLst>
       <p:ext uri="{BB962C8B-B14F-4D97-AF65-F5344CB8AC3E}">
-        <p14:creationId xmlns:p14="http://schemas.microsoft.com/office/powerpoint/2010/main" val="3880746114"/>
+        <p14:creationId xmlns:p14="http://schemas.microsoft.com/office/powerpoint/2010/main" val="3428431741"/>
       </p:ext>
     </p:extLst>
   </p:cSld>
@@ -4939,12 +7651,8 @@
           <a:lstStyle/>
           <a:p>
             <a:r>
-              <a:rPr lang="en-US" dirty="0" smtClean="0"/>
-              <a:t>Supporting </a:t>
-            </a:r>
-            <a:r>
               <a:rPr lang="en-US" dirty="0"/>
-              <a:t>Ionic and a Web App</a:t>
+              <a:t>Lab: Get started with Angular 2</a:t>
             </a:r>
           </a:p>
         </p:txBody>
@@ -4971,132 +7679,160 @@
           </a:bodyPr>
           <a:lstStyle/>
           <a:p>
-            <a:pPr algn="l"/>
+            <a:pPr marL="342900" indent="-342900" algn="l">
+              <a:buFont typeface="Arial"/>
+              <a:buChar char="•"/>
+            </a:pPr>
             <a:r>
               <a:rPr lang="en-US" sz="2000" dirty="0" smtClean="0"/>
-              <a:t>    * </a:t>
-            </a:r>
-            <a:r>
-              <a:rPr lang="en-US" sz="2000" dirty="0"/>
-              <a:t>Ionic </a:t>
+              <a:t>Component </a:t>
+            </a:r>
+            <a:r>
+              <a:rPr lang="en-US" sz="2000" dirty="0"/>
+              <a:t>always specifies at least one template (</a:t>
+            </a:r>
+            <a:r>
+              <a:rPr lang="en-US" sz="2000" dirty="0" err="1"/>
+              <a:t>mulitple</a:t>
+            </a:r>
+            <a:r>
+              <a:rPr lang="en-US" sz="2000" dirty="0"/>
+              <a:t> based on media query)</a:t>
+            </a:r>
+          </a:p>
+          <a:p>
+            <a:pPr marL="342900" indent="-342900" algn="l">
+              <a:buFont typeface="Arial"/>
+              <a:buChar char="•"/>
+            </a:pPr>
+            <a:r>
+              <a:rPr lang="en-US" sz="2000" dirty="0"/>
+              <a:t>  </a:t>
             </a:r>
             <a:r>
               <a:rPr lang="en-US" sz="2000" dirty="0" smtClean="0"/>
-              <a:t>as </a:t>
-            </a:r>
-            <a:r>
-              <a:rPr lang="en-US" sz="2000" dirty="0"/>
-              <a:t>another presentation layer for your Angular logic</a:t>
-            </a:r>
-          </a:p>
-          <a:p>
-            <a:pPr algn="l"/>
-            <a:r>
-              <a:rPr lang="en-US" sz="2000" dirty="0"/>
-              <a:t>      * </a:t>
+              <a:t>New </a:t>
+            </a:r>
+            <a:r>
+              <a:rPr lang="en-US" sz="2000" dirty="0"/>
+              <a:t>template syntax</a:t>
+            </a:r>
+          </a:p>
+          <a:p>
+            <a:pPr marL="342900" indent="-342900" algn="l">
+              <a:buFont typeface="Arial"/>
+              <a:buChar char="•"/>
+            </a:pPr>
+            <a:r>
+              <a:rPr lang="en-US" sz="2000" dirty="0"/>
+              <a:t>  </a:t>
             </a:r>
             <a:r>
               <a:rPr lang="en-US" sz="2000" dirty="0" smtClean="0"/>
-              <a:t>Components and Services are unaffected</a:t>
-            </a:r>
-          </a:p>
-          <a:p>
-            <a:pPr algn="l"/>
+              <a:t>ES6 </a:t>
+            </a:r>
+            <a:r>
+              <a:rPr lang="en-US" sz="2000" dirty="0"/>
+              <a:t>Class with constructor replaces Controller</a:t>
+            </a:r>
+          </a:p>
+          <a:p>
+            <a:pPr marL="342900" indent="-342900" algn="l">
+              <a:buFont typeface="Arial"/>
+              <a:buChar char="•"/>
+            </a:pPr>
+            <a:r>
+              <a:rPr lang="en-US" sz="2000" dirty="0"/>
+              <a:t>  </a:t>
+            </a:r>
             <a:r>
               <a:rPr lang="en-US" sz="2000" dirty="0" smtClean="0"/>
-              <a:t>      * You can probably follow similar file patterns in both</a:t>
-            </a:r>
-          </a:p>
-          <a:p>
-            <a:pPr algn="l"/>
+              <a:t>Scope </a:t>
+            </a:r>
+            <a:r>
+              <a:rPr lang="en-US" sz="2000" dirty="0"/>
+              <a:t>is gone - properties of the ES6 Class now represent Component data</a:t>
+            </a:r>
+          </a:p>
+          <a:p>
+            <a:pPr marL="342900" indent="-342900" algn="l">
+              <a:buFont typeface="Arial"/>
+              <a:buChar char="•"/>
+            </a:pPr>
+            <a:r>
+              <a:rPr lang="en-US" sz="2000" dirty="0"/>
+              <a:t>  </a:t>
+            </a:r>
             <a:r>
               <a:rPr lang="en-US" sz="2000" dirty="0" smtClean="0"/>
+              <a:t>Input </a:t>
+            </a:r>
+            <a:r>
+              <a:rPr lang="en-US" sz="2000" dirty="0"/>
+              <a:t>and Output properties</a:t>
+            </a:r>
+          </a:p>
+          <a:p>
+            <a:pPr marL="342900" indent="-342900" algn="l">
+              <a:buFont typeface="Arial"/>
+              <a:buChar char="•"/>
+            </a:pPr>
+            <a:r>
+              <a:rPr lang="en-US" sz="2000" dirty="0"/>
               <a:t>    </a:t>
             </a:r>
             <a:r>
-              <a:rPr lang="en-US" sz="2000" dirty="0"/>
-              <a:t>* Have different entry points for different presentation layers</a:t>
-            </a:r>
-          </a:p>
-          <a:p>
-            <a:pPr algn="l"/>
-            <a:r>
-              <a:rPr lang="en-US" sz="2000" dirty="0"/>
-              <a:t>      * index-</a:t>
-            </a:r>
-            <a:r>
-              <a:rPr lang="en-US" sz="2000" dirty="0" err="1"/>
-              <a:t>ionic.html</a:t>
-            </a:r>
-            <a:r>
-              <a:rPr lang="en-US" sz="2000" dirty="0"/>
-              <a:t> and index-</a:t>
-            </a:r>
-            <a:r>
-              <a:rPr lang="en-US" sz="2000" dirty="0" err="1"/>
-              <a:t>webapp.html</a:t>
-            </a:r>
-            <a:r>
-              <a:rPr lang="en-US" sz="2000" dirty="0"/>
-              <a:t> or similar</a:t>
-            </a:r>
-          </a:p>
-          <a:p>
-            <a:pPr algn="l"/>
-            <a:r>
-              <a:rPr lang="en-US" sz="2000" dirty="0"/>
-              <a:t>      * Link to different bootstraps, use different directives, </a:t>
-            </a:r>
-            <a:r>
-              <a:rPr lang="en-US" sz="2000" dirty="0" err="1"/>
-              <a:t>etc</a:t>
-            </a:r>
-            <a:endParaRPr lang="en-US" sz="2000" dirty="0" smtClean="0"/>
-          </a:p>
-          <a:p>
-            <a:pPr algn="l"/>
-            <a:r>
               <a:rPr lang="en-US" sz="2000" dirty="0" smtClean="0"/>
-              <a:t>    * Reason</a:t>
-            </a:r>
-          </a:p>
-          <a:p>
-            <a:pPr algn="l"/>
-            <a:r>
-              <a:rPr lang="en-US" sz="2000" dirty="0"/>
-              <a:t> </a:t>
+              <a:t>Public </a:t>
+            </a:r>
+            <a:r>
+              <a:rPr lang="en-US" sz="2000" dirty="0"/>
+              <a:t>API of the Component</a:t>
+            </a:r>
+          </a:p>
+          <a:p>
+            <a:pPr marL="342900" indent="-342900" algn="l">
+              <a:buFont typeface="Arial"/>
+              <a:buChar char="•"/>
+            </a:pPr>
+            <a:r>
+              <a:rPr lang="en-US" sz="2000" dirty="0"/>
+              <a:t>    </a:t>
             </a:r>
             <a:r>
               <a:rPr lang="en-US" sz="2000" dirty="0" smtClean="0"/>
-              <a:t>     * Controls have native look and feel </a:t>
-            </a:r>
-          </a:p>
-          <a:p>
-            <a:pPr algn="l"/>
-            <a:r>
-              <a:rPr lang="en-US" sz="2000" dirty="0"/>
-              <a:t> </a:t>
+              <a:t>Binding </a:t>
+            </a:r>
+            <a:r>
+              <a:rPr lang="en-US" sz="2000" dirty="0"/>
+              <a:t>to Inputs remains familiar</a:t>
+            </a:r>
+          </a:p>
+          <a:p>
+            <a:pPr marL="342900" indent="-342900" algn="l">
+              <a:buFont typeface="Arial"/>
+              <a:buChar char="•"/>
+            </a:pPr>
+            <a:r>
+              <a:rPr lang="en-US" sz="2000" dirty="0"/>
+              <a:t>    </a:t>
             </a:r>
             <a:r>
               <a:rPr lang="en-US" sz="2000" dirty="0" smtClean="0"/>
-              <a:t>     * </a:t>
-            </a:r>
-            <a:r>
-              <a:rPr lang="en-US" sz="2000" dirty="0"/>
-              <a:t>Decoupling becomes critical for automated testing of mobile </a:t>
-            </a:r>
-            <a:r>
-              <a:rPr lang="en-US" sz="2000" dirty="0" smtClean="0"/>
-              <a:t>apps</a:t>
-            </a:r>
-            <a:endParaRPr lang="en-US" sz="2000" dirty="0"/>
+              <a:t>Subscribe </a:t>
+            </a:r>
+            <a:r>
+              <a:rPr lang="en-US" sz="2000" dirty="0"/>
+              <a:t>to events for Output</a:t>
+            </a:r>
+            <a:endParaRPr lang="is-IS" sz="1600" dirty="0"/>
           </a:p>
         </p:txBody>
       </p:sp>
     </p:spTree>
     <p:extLst>
       <p:ext uri="{BB962C8B-B14F-4D97-AF65-F5344CB8AC3E}">
-        <p14:creationId xmlns:p14="http://schemas.microsoft.com/office/powerpoint/2010/main" val="2999542358"/>
+        <p14:creationId xmlns:p14="http://schemas.microsoft.com/office/powerpoint/2010/main" val="627062176"/>
       </p:ext>
     </p:extLst>
   </p:cSld>

--- a/slides/Angular Slides Day 4.pptx
+++ b/slides/Angular Slides Day 4.pptx
@@ -7,23 +7,30 @@
   <p:sldIdLst>
     <p:sldId id="303" r:id="rId2"/>
     <p:sldId id="304" r:id="rId3"/>
-    <p:sldId id="294" r:id="rId4"/>
-    <p:sldId id="295" r:id="rId5"/>
-    <p:sldId id="296" r:id="rId6"/>
-    <p:sldId id="297" r:id="rId7"/>
-    <p:sldId id="299" r:id="rId8"/>
-    <p:sldId id="300" r:id="rId9"/>
-    <p:sldId id="301" r:id="rId10"/>
-    <p:sldId id="302" r:id="rId11"/>
-    <p:sldId id="292" r:id="rId12"/>
-    <p:sldId id="293" r:id="rId13"/>
-    <p:sldId id="283" r:id="rId14"/>
-    <p:sldId id="284" r:id="rId15"/>
-    <p:sldId id="285" r:id="rId16"/>
+    <p:sldId id="305" r:id="rId4"/>
+    <p:sldId id="306" r:id="rId5"/>
+    <p:sldId id="307" r:id="rId6"/>
+    <p:sldId id="308" r:id="rId7"/>
+    <p:sldId id="309" r:id="rId8"/>
+    <p:sldId id="310" r:id="rId9"/>
+    <p:sldId id="316" r:id="rId10"/>
+    <p:sldId id="311" r:id="rId11"/>
+    <p:sldId id="312" r:id="rId12"/>
+    <p:sldId id="313" r:id="rId13"/>
+    <p:sldId id="315" r:id="rId14"/>
+    <p:sldId id="314" r:id="rId15"/>
+    <p:sldId id="294" r:id="rId16"/>
     <p:sldId id="286" r:id="rId17"/>
-    <p:sldId id="287" r:id="rId18"/>
-    <p:sldId id="288" r:id="rId19"/>
-    <p:sldId id="289" r:id="rId20"/>
+    <p:sldId id="283" r:id="rId18"/>
+    <p:sldId id="295" r:id="rId19"/>
+    <p:sldId id="296" r:id="rId20"/>
+    <p:sldId id="297" r:id="rId21"/>
+    <p:sldId id="299" r:id="rId22"/>
+    <p:sldId id="300" r:id="rId23"/>
+    <p:sldId id="284" r:id="rId24"/>
+    <p:sldId id="285" r:id="rId25"/>
+    <p:sldId id="288" r:id="rId26"/>
+    <p:sldId id="289" r:id="rId27"/>
   </p:sldIdLst>
   <p:sldSz cx="9144000" cy="6858000" type="screen4x3"/>
   <p:notesSz cx="6858000" cy="9144000"/>
@@ -306,7 +313,7 @@
           <a:p>
             <a:fld id="{6BFECD78-3C8E-49F2-8FAB-59489D168ABB}" type="datetimeFigureOut">
               <a:rPr lang="en-US" smtClean="0"/>
-              <a:t>10/8/16</a:t>
+              <a:t>10/10/16</a:t>
             </a:fld>
             <a:endParaRPr lang="en-US"/>
           </a:p>
@@ -476,7 +483,7 @@
           <a:p>
             <a:fld id="{6BFECD78-3C8E-49F2-8FAB-59489D168ABB}" type="datetimeFigureOut">
               <a:rPr lang="en-US" smtClean="0"/>
-              <a:t>10/8/16</a:t>
+              <a:t>10/10/16</a:t>
             </a:fld>
             <a:endParaRPr lang="en-US"/>
           </a:p>
@@ -656,7 +663,7 @@
           <a:p>
             <a:fld id="{6BFECD78-3C8E-49F2-8FAB-59489D168ABB}" type="datetimeFigureOut">
               <a:rPr lang="en-US" smtClean="0"/>
-              <a:t>10/8/16</a:t>
+              <a:t>10/10/16</a:t>
             </a:fld>
             <a:endParaRPr lang="en-US"/>
           </a:p>
@@ -826,7 +833,7 @@
           <a:p>
             <a:fld id="{6BFECD78-3C8E-49F2-8FAB-59489D168ABB}" type="datetimeFigureOut">
               <a:rPr lang="en-US" smtClean="0"/>
-              <a:t>10/8/16</a:t>
+              <a:t>10/10/16</a:t>
             </a:fld>
             <a:endParaRPr lang="en-US"/>
           </a:p>
@@ -1072,7 +1079,7 @@
           <a:p>
             <a:fld id="{6BFECD78-3C8E-49F2-8FAB-59489D168ABB}" type="datetimeFigureOut">
               <a:rPr lang="en-US" smtClean="0"/>
-              <a:t>10/8/16</a:t>
+              <a:t>10/10/16</a:t>
             </a:fld>
             <a:endParaRPr lang="en-US"/>
           </a:p>
@@ -1360,7 +1367,7 @@
           <a:p>
             <a:fld id="{6BFECD78-3C8E-49F2-8FAB-59489D168ABB}" type="datetimeFigureOut">
               <a:rPr lang="en-US" smtClean="0"/>
-              <a:t>10/8/16</a:t>
+              <a:t>10/10/16</a:t>
             </a:fld>
             <a:endParaRPr lang="en-US"/>
           </a:p>
@@ -1782,7 +1789,7 @@
           <a:p>
             <a:fld id="{6BFECD78-3C8E-49F2-8FAB-59489D168ABB}" type="datetimeFigureOut">
               <a:rPr lang="en-US" smtClean="0"/>
-              <a:t>10/8/16</a:t>
+              <a:t>10/10/16</a:t>
             </a:fld>
             <a:endParaRPr lang="en-US"/>
           </a:p>
@@ -1900,7 +1907,7 @@
           <a:p>
             <a:fld id="{6BFECD78-3C8E-49F2-8FAB-59489D168ABB}" type="datetimeFigureOut">
               <a:rPr lang="en-US" smtClean="0"/>
-              <a:t>10/8/16</a:t>
+              <a:t>10/10/16</a:t>
             </a:fld>
             <a:endParaRPr lang="en-US"/>
           </a:p>
@@ -1995,7 +2002,7 @@
           <a:p>
             <a:fld id="{6BFECD78-3C8E-49F2-8FAB-59489D168ABB}" type="datetimeFigureOut">
               <a:rPr lang="en-US" smtClean="0"/>
-              <a:t>10/8/16</a:t>
+              <a:t>10/10/16</a:t>
             </a:fld>
             <a:endParaRPr lang="en-US"/>
           </a:p>
@@ -2272,7 +2279,7 @@
           <a:p>
             <a:fld id="{6BFECD78-3C8E-49F2-8FAB-59489D168ABB}" type="datetimeFigureOut">
               <a:rPr lang="en-US" smtClean="0"/>
-              <a:t>10/8/16</a:t>
+              <a:t>10/10/16</a:t>
             </a:fld>
             <a:endParaRPr lang="en-US"/>
           </a:p>
@@ -2529,7 +2536,7 @@
           <a:p>
             <a:fld id="{6BFECD78-3C8E-49F2-8FAB-59489D168ABB}" type="datetimeFigureOut">
               <a:rPr lang="en-US" smtClean="0"/>
-              <a:t>10/8/16</a:t>
+              <a:t>10/10/16</a:t>
             </a:fld>
             <a:endParaRPr lang="en-US"/>
           </a:p>
@@ -2742,7 +2749,7 @@
           <a:p>
             <a:fld id="{6BFECD78-3C8E-49F2-8FAB-59489D168ABB}" type="datetimeFigureOut">
               <a:rPr lang="en-US" smtClean="0"/>
-              <a:t>10/8/16</a:t>
+              <a:t>10/10/16</a:t>
             </a:fld>
             <a:endParaRPr lang="en-US"/>
           </a:p>
@@ -3149,11 +3156,7 @@
             </a:br>
             <a:r>
               <a:rPr lang="en-US" dirty="0" smtClean="0"/>
-              <a:t>Day </a:t>
-            </a:r>
-            <a:r>
-              <a:rPr lang="en-US" dirty="0" smtClean="0"/>
-              <a:t>4</a:t>
+              <a:t>Day 4</a:t>
             </a:r>
             <a:endParaRPr lang="en-US" dirty="0"/>
           </a:p>
@@ -3253,9 +3256,10 @@
           <a:lstStyle/>
           <a:p>
             <a:r>
-              <a:rPr lang="en-US" dirty="0"/>
-              <a:t>Lab: Get started with Angular 2</a:t>
-            </a:r>
+              <a:rPr lang="en-US" dirty="0" smtClean="0"/>
+              <a:t>New in 1.4</a:t>
+            </a:r>
+            <a:endParaRPr lang="en-US" dirty="0"/>
           </a:p>
         </p:txBody>
       </p:sp>
@@ -3271,8 +3275,8 @@
         </p:nvSpPr>
         <p:spPr>
           <a:xfrm>
-            <a:off x="454651" y="1630710"/>
-            <a:ext cx="8371875" cy="4609893"/>
+            <a:off x="1371600" y="1630710"/>
+            <a:ext cx="6400800" cy="4609893"/>
           </a:xfrm>
         </p:spPr>
         <p:txBody>
@@ -3281,193 +3285,68 @@
           </a:bodyPr>
           <a:lstStyle/>
           <a:p>
-            <a:pPr marL="342900" indent="-342900" algn="l">
-              <a:buFont typeface="Arial"/>
-              <a:buChar char="•"/>
-            </a:pPr>
-            <a:r>
-              <a:rPr lang="en-US" sz="2000" dirty="0" smtClean="0"/>
-              <a:t>Like 1.x, valid HTML + script tag pointing to </a:t>
-            </a:r>
-            <a:r>
-              <a:rPr lang="en-US" sz="2000" dirty="0" err="1" smtClean="0"/>
-              <a:t>angular.js</a:t>
-            </a:r>
-            <a:endParaRPr lang="en-US" sz="2000" dirty="0" smtClean="0"/>
-          </a:p>
-          <a:p>
-            <a:pPr marL="342900" indent="-342900" algn="l">
-              <a:buFont typeface="Arial"/>
-              <a:buChar char="•"/>
-            </a:pPr>
-            <a:r>
-              <a:rPr lang="en-US" sz="2000" dirty="0" smtClean="0"/>
-              <a:t>Core </a:t>
-            </a:r>
-            <a:r>
-              <a:rPr lang="en-US" sz="2000" dirty="0" err="1" smtClean="0"/>
-              <a:t>angular.js</a:t>
-            </a:r>
-            <a:r>
-              <a:rPr lang="en-US" sz="2000" dirty="0" smtClean="0"/>
-              <a:t> is super stripped down</a:t>
-            </a:r>
-          </a:p>
-          <a:p>
-            <a:pPr marL="342900" indent="-342900" algn="l">
-              <a:buFont typeface="Arial"/>
-              <a:buChar char="•"/>
-            </a:pPr>
-            <a:r>
-              <a:rPr lang="en-US" sz="2000" dirty="0" smtClean="0"/>
-              <a:t>More script tags to include what you need</a:t>
-            </a:r>
-          </a:p>
-          <a:p>
-            <a:pPr marL="342900" indent="-342900" algn="l">
-              <a:buFont typeface="Arial"/>
-              <a:buChar char="•"/>
-            </a:pPr>
-            <a:r>
-              <a:rPr lang="en-US" sz="2000" dirty="0" smtClean="0"/>
-              <a:t>Notes on </a:t>
-            </a:r>
-            <a:r>
-              <a:rPr lang="en-US" sz="2000" dirty="0" err="1"/>
-              <a:t>SystemJS</a:t>
-            </a:r>
-            <a:r>
-              <a:rPr lang="en-US" sz="2000" dirty="0"/>
-              <a:t> </a:t>
-            </a:r>
-            <a:endParaRPr lang="en-US" sz="2000" dirty="0" smtClean="0"/>
-          </a:p>
-          <a:p>
-            <a:pPr marL="800100" lvl="1" indent="-342900" algn="l">
-              <a:buFont typeface="Arial"/>
-              <a:buChar char="•"/>
-            </a:pPr>
-            <a:r>
-              <a:rPr lang="en-US" sz="1600" dirty="0" smtClean="0"/>
-              <a:t>It is </a:t>
-            </a:r>
-            <a:r>
-              <a:rPr lang="en-US" sz="1600" dirty="0"/>
-              <a:t>optional - other module loaders such as </a:t>
-            </a:r>
-            <a:r>
-              <a:rPr lang="en-US" sz="1600" dirty="0" err="1"/>
-              <a:t>Webpack</a:t>
-            </a:r>
-            <a:endParaRPr lang="en-US" sz="1600" dirty="0"/>
-          </a:p>
-          <a:p>
-            <a:pPr marL="800100" lvl="1" indent="-342900" algn="l">
-              <a:buFont typeface="Arial"/>
-              <a:buChar char="•"/>
-            </a:pPr>
-            <a:r>
-              <a:rPr lang="en-US" sz="1600" dirty="0" err="1" smtClean="0"/>
-              <a:t>SystemJS</a:t>
-            </a:r>
-            <a:r>
-              <a:rPr lang="en-US" sz="1600" dirty="0" smtClean="0"/>
-              <a:t> </a:t>
-            </a:r>
-            <a:r>
-              <a:rPr lang="en-US" sz="1600" dirty="0"/>
-              <a:t>is capable of </a:t>
-            </a:r>
-            <a:r>
-              <a:rPr lang="en-US" sz="1600" dirty="0" err="1"/>
-              <a:t>transpiling</a:t>
-            </a:r>
-            <a:r>
-              <a:rPr lang="en-US" sz="1600" dirty="0"/>
-              <a:t> on the fly (client side)</a:t>
-            </a:r>
-          </a:p>
-          <a:p>
-            <a:pPr marL="800100" lvl="1" indent="-342900" algn="l">
-              <a:buFont typeface="Arial"/>
-              <a:buChar char="•"/>
-            </a:pPr>
-            <a:r>
-              <a:rPr lang="en-US" sz="1600" dirty="0" smtClean="0"/>
-              <a:t>Not officially recommended</a:t>
-            </a:r>
-            <a:endParaRPr lang="en-US" sz="1600" dirty="0"/>
-          </a:p>
-          <a:p>
-            <a:pPr marL="800100" lvl="1" indent="-342900" algn="l">
-              <a:buFont typeface="Arial"/>
-              <a:buChar char="•"/>
-            </a:pPr>
-            <a:r>
-              <a:rPr lang="en-US" sz="1600" dirty="0" smtClean="0"/>
-              <a:t>But it </a:t>
-            </a:r>
-            <a:r>
-              <a:rPr lang="en-US" sz="1600" dirty="0"/>
-              <a:t>is faster than waiting for a watcher to recompile</a:t>
-            </a:r>
-          </a:p>
-          <a:p>
-            <a:pPr marL="800100" lvl="1" indent="-342900" algn="l">
-              <a:buFont typeface="Arial"/>
-              <a:buChar char="•"/>
-            </a:pPr>
-            <a:r>
-              <a:rPr lang="en-US" sz="1600" dirty="0" smtClean="0"/>
-              <a:t>Also code </a:t>
-            </a:r>
-            <a:r>
-              <a:rPr lang="en-US" sz="1600" dirty="0"/>
-              <a:t>will sometimes run in browser when the TSC compiler </a:t>
-            </a:r>
-            <a:r>
-              <a:rPr lang="en-US" sz="1600" dirty="0" smtClean="0"/>
-              <a:t>errors</a:t>
-            </a:r>
-          </a:p>
-          <a:p>
-            <a:pPr marL="800100" lvl="1" indent="-342900" algn="l">
-              <a:buFont typeface="Arial"/>
-              <a:buChar char="•"/>
-            </a:pPr>
-            <a:r>
-              <a:rPr lang="en-US" sz="1600" dirty="0" err="1" smtClean="0"/>
-              <a:t>tsc</a:t>
-            </a:r>
-            <a:r>
-              <a:rPr lang="en-US" sz="1600" dirty="0" smtClean="0"/>
-              <a:t> </a:t>
-            </a:r>
-            <a:r>
-              <a:rPr lang="en-US" sz="1600" dirty="0"/>
-              <a:t>depends more on definition files to provide typing</a:t>
-            </a:r>
-            <a:endParaRPr lang="is-IS" sz="1600" dirty="0"/>
+            <a:pPr marL="457200" indent="-457200" algn="l">
+              <a:buFont typeface="Arial"/>
+              <a:buChar char="•"/>
+            </a:pPr>
+            <a:r>
+              <a:rPr lang="en-US" dirty="0" err="1" smtClean="0"/>
+              <a:t>ngAnimate</a:t>
+            </a:r>
+            <a:r>
+              <a:rPr lang="en-US" dirty="0" smtClean="0"/>
+              <a:t> overhaul</a:t>
+            </a:r>
+            <a:endParaRPr lang="en-US" dirty="0"/>
+          </a:p>
+          <a:p>
+            <a:pPr marL="457200" indent="-457200" algn="l">
+              <a:buFont typeface="Arial"/>
+              <a:buChar char="•"/>
+            </a:pPr>
+            <a:r>
+              <a:rPr lang="en-US" dirty="0"/>
+              <a:t>New $cookies service</a:t>
+            </a:r>
+          </a:p>
+          <a:p>
+            <a:pPr marL="457200" indent="-457200" algn="l">
+              <a:buFont typeface="Arial"/>
+              <a:buChar char="•"/>
+            </a:pPr>
+            <a:r>
+              <a:rPr lang="en-US" dirty="0" smtClean="0"/>
+              <a:t>Dynamic </a:t>
+            </a:r>
+            <a:r>
+              <a:rPr lang="en-US" dirty="0" err="1" smtClean="0"/>
+              <a:t>ngMessages</a:t>
+            </a:r>
+            <a:endParaRPr lang="en-US" dirty="0"/>
+          </a:p>
+          <a:p>
+            <a:pPr marL="457200" indent="-457200" algn="l">
+              <a:buFont typeface="Arial"/>
+              <a:buChar char="•"/>
+            </a:pPr>
+            <a:r>
+              <a:rPr lang="en-US" dirty="0" smtClean="0"/>
+              <a:t>Miscellaneous</a:t>
+            </a:r>
+            <a:endParaRPr lang="en-US" dirty="0"/>
           </a:p>
         </p:txBody>
       </p:sp>
     </p:spTree>
     <p:extLst>
       <p:ext uri="{BB962C8B-B14F-4D97-AF65-F5344CB8AC3E}">
-        <p14:creationId xmlns:p14="http://schemas.microsoft.com/office/powerpoint/2010/main" val="1922799947"/>
+        <p14:creationId xmlns:p14="http://schemas.microsoft.com/office/powerpoint/2010/main" val="384990565"/>
       </p:ext>
     </p:extLst>
   </p:cSld>
   <p:clrMapOvr>
     <a:masterClrMapping/>
   </p:clrMapOvr>
-  <p:timing>
-    <p:tnLst>
-      <p:par>
-        <p:cTn xmlns:p14="http://schemas.microsoft.com/office/powerpoint/2010/main" id="1" dur="indefinite" restart="never" nodeType="tmRoot"/>
-      </p:par>
-    </p:tnLst>
-  </p:timing>
 </p:sld>
 </file>
 
@@ -3509,9 +3388,10 @@
           <a:lstStyle/>
           <a:p>
             <a:r>
-              <a:rPr lang="en-US" dirty="0"/>
-              <a:t>Built in filters</a:t>
-            </a:r>
+              <a:rPr lang="en-US" dirty="0" smtClean="0"/>
+              <a:t>New in 1.4</a:t>
+            </a:r>
+            <a:endParaRPr lang="en-US" dirty="0"/>
           </a:p>
         </p:txBody>
       </p:sp>
@@ -3527,8 +3407,8 @@
         </p:nvSpPr>
         <p:spPr>
           <a:xfrm>
-            <a:off x="454651" y="1630710"/>
-            <a:ext cx="8371875" cy="4609893"/>
+            <a:off x="1371600" y="1630710"/>
+            <a:ext cx="6400800" cy="4609893"/>
           </a:xfrm>
         </p:spPr>
         <p:txBody>
@@ -3537,164 +3417,102 @@
           </a:bodyPr>
           <a:lstStyle/>
           <a:p>
-            <a:pPr marL="342900" indent="-342900" algn="l">
-              <a:buFont typeface="Arial"/>
-              <a:buChar char="•"/>
-            </a:pPr>
+            <a:pPr algn="l"/>
+            <a:r>
+              <a:rPr lang="en-US" dirty="0" err="1" smtClean="0"/>
+              <a:t>ngAnimate</a:t>
+            </a:r>
+            <a:r>
+              <a:rPr lang="en-US" dirty="0" smtClean="0"/>
+              <a:t> overhaul</a:t>
+            </a:r>
+            <a:endParaRPr lang="en-US" dirty="0"/>
+          </a:p>
+          <a:p>
+            <a:pPr marL="457200" indent="-457200" algn="l">
+              <a:buFont typeface="Arial"/>
+              <a:buChar char="•"/>
+            </a:pPr>
+            <a:r>
+              <a:rPr lang="en-US" sz="2400" dirty="0"/>
+              <a:t>imperative CSS-based </a:t>
+            </a:r>
             <a:r>
               <a:rPr lang="en-US" sz="2400" dirty="0" smtClean="0"/>
-              <a:t>Filters get a </a:t>
+              <a:t>animations</a:t>
+            </a:r>
+          </a:p>
+          <a:p>
+            <a:pPr marL="457200" indent="-457200" algn="l">
+              <a:buFont typeface="Arial"/>
+              <a:buChar char="•"/>
+            </a:pPr>
+            <a:r>
+              <a:rPr lang="en-US" sz="2400" dirty="0" smtClean="0"/>
+              <a:t>anchoring </a:t>
             </a:r>
             <a:r>
               <a:rPr lang="en-US" sz="2400" dirty="0"/>
-              <a:t>template </a:t>
+              <a:t>(cross-</a:t>
             </a:r>
             <a:r>
               <a:rPr lang="en-US" sz="2400" dirty="0" smtClean="0"/>
-              <a:t>expression</a:t>
+              <a:t>animate between views)</a:t>
+            </a:r>
+            <a:endParaRPr lang="en-US" sz="2400" dirty="0"/>
+          </a:p>
+          <a:p>
+            <a:pPr marL="457200" indent="-457200" algn="l">
+              <a:buFont typeface="Arial"/>
+              <a:buChar char="•"/>
+            </a:pPr>
+            <a:r>
+              <a:rPr lang="en-US" sz="2400" dirty="0" smtClean="0"/>
+              <a:t>use </a:t>
             </a:r>
             <a:r>
               <a:rPr lang="en-US" sz="2400" dirty="0"/>
-              <a:t> “piped</a:t>
+              <a:t>animation callbacks from </a:t>
             </a:r>
             <a:r>
               <a:rPr lang="en-US" sz="2400" dirty="0" smtClean="0"/>
-              <a:t>” to them</a:t>
+              <a:t>controllers</a:t>
+            </a:r>
+          </a:p>
+          <a:p>
+            <a:pPr marL="457200" indent="-457200" algn="l">
+              <a:buFont typeface="Arial"/>
+              <a:buChar char="•"/>
+            </a:pPr>
+            <a:r>
+              <a:rPr lang="en-US" sz="2400" dirty="0" smtClean="0"/>
+              <a:t>promises support</a:t>
+            </a:r>
+          </a:p>
+          <a:p>
+            <a:pPr marL="457200" indent="-457200" algn="l">
+              <a:buFont typeface="Arial"/>
+              <a:buChar char="•"/>
+            </a:pPr>
+            <a:r>
+              <a:rPr lang="en-US" sz="2400" dirty="0" smtClean="0"/>
+              <a:t>performance enhancements</a:t>
             </a:r>
             <a:endParaRPr lang="en-US" sz="2400" dirty="0"/>
           </a:p>
           <a:p>
-            <a:pPr marL="342900" indent="-342900" algn="l">
-              <a:buFont typeface="Arial"/>
-              <a:buChar char="•"/>
-            </a:pPr>
-            <a:r>
-              <a:rPr lang="en-US" sz="2400" dirty="0" smtClean="0"/>
-              <a:t>&lt;</a:t>
-            </a:r>
-            <a:r>
-              <a:rPr lang="en-US" sz="2400" dirty="0"/>
-              <a:t>p </a:t>
-            </a:r>
-            <a:r>
-              <a:rPr lang="en-US" sz="2400" dirty="0" err="1"/>
-              <a:t>ng</a:t>
-            </a:r>
-            <a:r>
-              <a:rPr lang="en-US" sz="2400" dirty="0"/>
-              <a:t>-some-directive="{{ value | </a:t>
-            </a:r>
-            <a:r>
-              <a:rPr lang="en-US" sz="2400" dirty="0" err="1"/>
-              <a:t>filtername</a:t>
-            </a:r>
-            <a:r>
-              <a:rPr lang="en-US" sz="2400" dirty="0"/>
-              <a:t> }}"&lt;/p&gt;</a:t>
-            </a:r>
-          </a:p>
-          <a:p>
-            <a:pPr marL="342900" indent="-342900" algn="l">
-              <a:buFont typeface="Arial"/>
-              <a:buChar char="•"/>
-            </a:pPr>
-            <a:r>
-              <a:rPr lang="en-US" sz="2400" dirty="0" smtClean="0"/>
-              <a:t>Chainable: </a:t>
-            </a:r>
-            <a:r>
-              <a:rPr lang="en-US" sz="2400" dirty="0"/>
-              <a:t>{{ value | </a:t>
-            </a:r>
-            <a:r>
-              <a:rPr lang="en-US" sz="2400" dirty="0" err="1"/>
-              <a:t>filtername</a:t>
-            </a:r>
-            <a:r>
-              <a:rPr lang="en-US" sz="2400" dirty="0"/>
-              <a:t> | </a:t>
-            </a:r>
-            <a:r>
-              <a:rPr lang="en-US" sz="2400" dirty="0" err="1"/>
-              <a:t>anotherfilter</a:t>
-            </a:r>
-            <a:r>
-              <a:rPr lang="en-US" sz="2400" dirty="0"/>
-              <a:t> }}</a:t>
-            </a:r>
-          </a:p>
-          <a:p>
-            <a:pPr marL="342900" indent="-342900" algn="l">
-              <a:buFont typeface="Arial"/>
-              <a:buChar char="•"/>
-            </a:pPr>
-            <a:r>
-              <a:rPr lang="en-US" sz="2400" dirty="0" smtClean="0"/>
-              <a:t>Accepts </a:t>
-            </a:r>
-            <a:r>
-              <a:rPr lang="en-US" sz="2400" dirty="0"/>
-              <a:t>parameters with colon: </a:t>
-            </a:r>
-            <a:endParaRPr lang="en-US" sz="2400" dirty="0" smtClean="0"/>
-          </a:p>
-          <a:p>
-            <a:pPr marL="800100" lvl="1" indent="-342900" algn="l">
-              <a:buFont typeface="Arial"/>
-              <a:buChar char="•"/>
-            </a:pPr>
-            <a:r>
-              <a:rPr lang="en-US" sz="2000" dirty="0" smtClean="0"/>
-              <a:t>{</a:t>
-            </a:r>
-            <a:r>
-              <a:rPr lang="en-US" sz="2000" dirty="0"/>
-              <a:t>{ value | </a:t>
-            </a:r>
-            <a:r>
-              <a:rPr lang="en-US" sz="2000" dirty="0" err="1"/>
-              <a:t>filtername:oneparameter:anotherparam</a:t>
-            </a:r>
-            <a:r>
-              <a:rPr lang="en-US" sz="2000" dirty="0"/>
-              <a:t> }}</a:t>
-            </a:r>
-          </a:p>
-          <a:p>
-            <a:pPr marL="342900" indent="-342900" algn="l">
-              <a:buFont typeface="Arial"/>
-              <a:buChar char="•"/>
-            </a:pPr>
-            <a:r>
-              <a:rPr lang="en-US" sz="2400" dirty="0" smtClean="0"/>
-              <a:t>Watch </a:t>
-            </a:r>
-            <a:r>
-              <a:rPr lang="en-US" sz="2400" dirty="0"/>
-              <a:t>out for performance penalties (filters can be expensive)</a:t>
-            </a:r>
-          </a:p>
-          <a:p>
-            <a:pPr marL="342900" indent="-342900" algn="l">
-              <a:buFont typeface="Arial"/>
-              <a:buChar char="•"/>
-            </a:pPr>
-            <a:r>
-              <a:rPr lang="en-US" sz="2400" dirty="0" smtClean="0"/>
-              <a:t>examples</a:t>
-            </a:r>
-            <a:r>
-              <a:rPr lang="en-US" sz="2400" dirty="0"/>
-              <a:t>/01-built-in-filters</a:t>
-            </a:r>
-            <a:endParaRPr lang="en-US" sz="2000" dirty="0"/>
+            <a:pPr marL="457200" indent="-457200" algn="l">
+              <a:buFont typeface="Arial"/>
+              <a:buChar char="•"/>
+            </a:pPr>
+            <a:endParaRPr lang="en-US" sz="2400" dirty="0"/>
           </a:p>
         </p:txBody>
       </p:sp>
     </p:spTree>
     <p:extLst>
       <p:ext uri="{BB962C8B-B14F-4D97-AF65-F5344CB8AC3E}">
-        <p14:creationId xmlns:p14="http://schemas.microsoft.com/office/powerpoint/2010/main" val="1071949074"/>
+        <p14:creationId xmlns:p14="http://schemas.microsoft.com/office/powerpoint/2010/main" val="4212078254"/>
       </p:ext>
     </p:extLst>
   </p:cSld>
@@ -3742,9 +3560,10 @@
           <a:lstStyle/>
           <a:p>
             <a:r>
-              <a:rPr lang="en-US" dirty="0"/>
-              <a:t>Custom filters</a:t>
-            </a:r>
+              <a:rPr lang="en-US" dirty="0" smtClean="0"/>
+              <a:t>New in 1.4</a:t>
+            </a:r>
+            <a:endParaRPr lang="en-US" dirty="0"/>
           </a:p>
         </p:txBody>
       </p:sp>
@@ -3760,244 +3579,196 @@
         </p:nvSpPr>
         <p:spPr>
           <a:xfrm>
-            <a:off x="454651" y="1630710"/>
-            <a:ext cx="8371875" cy="4609893"/>
+            <a:off x="1371600" y="1630710"/>
+            <a:ext cx="6400800" cy="4609893"/>
           </a:xfrm>
         </p:spPr>
         <p:txBody>
           <a:bodyPr>
-            <a:normAutofit lnSpcReduction="10000"/>
+            <a:normAutofit fontScale="92500" lnSpcReduction="10000"/>
           </a:bodyPr>
           <a:lstStyle/>
           <a:p>
-            <a:pPr marL="342900" indent="-342900" algn="l">
+            <a:pPr algn="l"/>
+            <a:r>
+              <a:rPr lang="en-US" dirty="0"/>
+              <a:t>New $cookies </a:t>
+            </a:r>
+            <a:r>
+              <a:rPr lang="en-US" dirty="0" smtClean="0"/>
+              <a:t>service</a:t>
+            </a:r>
+          </a:p>
+          <a:p>
+            <a:pPr marL="457200" indent="-457200" algn="l">
+              <a:buFont typeface="Arial"/>
+              <a:buChar char="•"/>
+            </a:pPr>
+            <a:r>
+              <a:rPr lang="en-US" sz="2400" dirty="0" err="1"/>
+              <a:t>ngCookies</a:t>
+            </a:r>
+            <a:r>
+              <a:rPr lang="en-US" sz="2400" dirty="0"/>
+              <a:t> module replaces $</a:t>
+            </a:r>
+            <a:r>
+              <a:rPr lang="en-US" sz="2400" dirty="0" err="1" smtClean="0"/>
+              <a:t>cookieStore</a:t>
+            </a:r>
+            <a:endParaRPr lang="en-US" sz="2400" dirty="0" smtClean="0"/>
+          </a:p>
+          <a:p>
+            <a:pPr marL="457200" indent="-457200" algn="l">
               <a:buFont typeface="Arial"/>
               <a:buChar char="•"/>
             </a:pPr>
             <a:r>
               <a:rPr lang="en-US" sz="2400" dirty="0" smtClean="0"/>
-              <a:t>Register </a:t>
+              <a:t>Configure </a:t>
             </a:r>
             <a:r>
               <a:rPr lang="en-US" sz="2400" dirty="0"/>
-              <a:t>custom functions with </a:t>
+              <a:t>defaults via </a:t>
+            </a:r>
+            <a:r>
+              <a:rPr lang="en-US" sz="2400" dirty="0" smtClean="0"/>
+              <a:t>$</a:t>
+            </a:r>
+            <a:r>
+              <a:rPr lang="en-US" sz="2400" dirty="0" err="1" smtClean="0"/>
+              <a:t>cookiesProvider</a:t>
+            </a:r>
+            <a:endParaRPr lang="en-US" sz="2400" dirty="0" smtClean="0"/>
+          </a:p>
+          <a:p>
+            <a:pPr algn="l"/>
+            <a:endParaRPr lang="en-US" sz="2400" dirty="0"/>
+          </a:p>
+          <a:p>
+            <a:pPr algn="l"/>
+            <a:r>
+              <a:rPr lang="en-US" sz="2400" dirty="0"/>
+              <a:t>$</a:t>
             </a:r>
             <a:r>
               <a:rPr lang="en-US" sz="2400" dirty="0" err="1"/>
-              <a:t>nG</a:t>
+              <a:t>cookies.put</a:t>
             </a:r>
             <a:r>
               <a:rPr lang="en-US" sz="2400" dirty="0"/>
-              <a:t> using a '</a:t>
-            </a:r>
-            <a:r>
-              <a:rPr lang="en-US" sz="2400" dirty="0">
-                <a:solidFill>
-                  <a:srgbClr val="FF6600"/>
-                </a:solidFill>
-              </a:rPr>
-              <a:t>recipe</a:t>
+              <a:t>('name', 'value', </a:t>
+            </a:r>
+            <a:r>
+              <a:rPr lang="en-US" sz="2400" dirty="0" err="1"/>
+              <a:t>config</a:t>
             </a:r>
             <a:r>
               <a:rPr lang="en-US" sz="2400" dirty="0"/>
-              <a:t>' pattern</a:t>
-            </a:r>
-          </a:p>
-          <a:p>
-            <a:pPr marL="800100" lvl="1" indent="-342900" algn="l">
-              <a:buFont typeface="Arial"/>
-              <a:buChar char="•"/>
-            </a:pPr>
-            <a:r>
-              <a:rPr lang="en-US" sz="2000" dirty="0" smtClean="0"/>
-              <a:t>Recipe </a:t>
-            </a:r>
-            <a:r>
-              <a:rPr lang="en-US" sz="2000" dirty="0"/>
-              <a:t>pattern: from a reference to a module, call a factory</a:t>
-            </a:r>
-          </a:p>
-          <a:p>
-            <a:pPr marL="800100" lvl="1" indent="-342900" algn="l">
-              <a:buFont typeface="Arial"/>
-              <a:buChar char="•"/>
-            </a:pPr>
-            <a:r>
-              <a:rPr lang="en-US" sz="2000" dirty="0" smtClean="0"/>
-              <a:t>module </a:t>
-            </a:r>
-            <a:r>
-              <a:rPr lang="en-US" sz="2000" dirty="0"/>
-              <a:t>is a standalone unit of </a:t>
-            </a:r>
-            <a:r>
-              <a:rPr lang="en-US" sz="2000" dirty="0" err="1"/>
-              <a:t>nG</a:t>
-            </a:r>
-            <a:r>
-              <a:rPr lang="en-US" sz="2000" dirty="0"/>
-              <a:t> code</a:t>
-            </a:r>
-          </a:p>
-          <a:p>
-            <a:pPr marL="800100" lvl="1" indent="-342900" algn="l">
-              <a:buFont typeface="Arial"/>
-              <a:buChar char="•"/>
-            </a:pPr>
-            <a:r>
-              <a:rPr lang="en-US" sz="2000" dirty="0" smtClean="0"/>
-              <a:t>Reference </a:t>
-            </a:r>
-            <a:r>
-              <a:rPr lang="en-US" sz="2000" dirty="0"/>
-              <a:t>to a module:</a:t>
-            </a:r>
-          </a:p>
-          <a:p>
-            <a:pPr marL="1257300" lvl="2" indent="-342900" algn="l">
-              <a:buFont typeface="Arial"/>
-              <a:buChar char="•"/>
-            </a:pPr>
-            <a:r>
-              <a:rPr lang="en-US" sz="1600" dirty="0" smtClean="0"/>
-              <a:t>new </a:t>
-            </a:r>
-            <a:r>
-              <a:rPr lang="en-US" sz="1600" dirty="0"/>
-              <a:t>module (note empty array): </a:t>
-            </a:r>
-            <a:r>
-              <a:rPr lang="en-US" sz="1600" dirty="0" err="1" smtClean="0"/>
-              <a:t>angular.module</a:t>
-            </a:r>
-            <a:r>
-              <a:rPr lang="en-US" sz="1600" dirty="0"/>
-              <a:t>('</a:t>
-            </a:r>
-            <a:r>
-              <a:rPr lang="en-US" sz="1600" dirty="0" err="1"/>
-              <a:t>someModuleName</a:t>
-            </a:r>
-            <a:r>
-              <a:rPr lang="en-US" sz="1600" dirty="0"/>
-              <a:t>', [])</a:t>
-            </a:r>
-          </a:p>
-          <a:p>
-            <a:pPr marL="1257300" lvl="2" indent="-342900" algn="l">
-              <a:buFont typeface="Arial"/>
-              <a:buChar char="•"/>
-            </a:pPr>
-            <a:r>
-              <a:rPr lang="en-US" sz="1600" dirty="0" smtClean="0"/>
-              <a:t>existing </a:t>
-            </a:r>
-            <a:r>
-              <a:rPr lang="en-US" sz="1600" dirty="0"/>
-              <a:t>module: </a:t>
-            </a:r>
-            <a:r>
-              <a:rPr lang="en-US" sz="1600" dirty="0" err="1"/>
-              <a:t>angular.module</a:t>
-            </a:r>
-            <a:r>
-              <a:rPr lang="en-US" sz="1600" dirty="0"/>
-              <a:t>('</a:t>
-            </a:r>
-            <a:r>
-              <a:rPr lang="en-US" sz="1600" dirty="0" err="1"/>
-              <a:t>someModuleName</a:t>
-            </a:r>
-            <a:r>
-              <a:rPr lang="en-US" sz="1600" dirty="0"/>
-              <a:t>')</a:t>
-            </a:r>
-          </a:p>
-          <a:p>
-            <a:pPr marL="342900" indent="-342900" algn="l">
-              <a:buFont typeface="Arial"/>
-              <a:buChar char="•"/>
-            </a:pPr>
+              <a:t>);</a:t>
+            </a:r>
+          </a:p>
+          <a:p>
+            <a:pPr algn="l"/>
+            <a:r>
+              <a:rPr lang="en-US" sz="2400" dirty="0"/>
+              <a:t>$</a:t>
+            </a:r>
+            <a:r>
+              <a:rPr lang="en-US" sz="2400" dirty="0" err="1"/>
+              <a:t>cookies.putObject</a:t>
+            </a:r>
+            <a:r>
+              <a:rPr lang="en-US" sz="2400" dirty="0"/>
+              <a:t>('name', 'value', </a:t>
+            </a:r>
+            <a:r>
+              <a:rPr lang="en-US" sz="2400" dirty="0" err="1"/>
+              <a:t>config</a:t>
+            </a:r>
+            <a:r>
+              <a:rPr lang="en-US" sz="2400" dirty="0"/>
+              <a:t>);</a:t>
+            </a:r>
+          </a:p>
+          <a:p>
+            <a:pPr algn="l"/>
+            <a:r>
+              <a:rPr lang="en-US" sz="2400" dirty="0"/>
+              <a:t>$</a:t>
+            </a:r>
+            <a:r>
+              <a:rPr lang="en-US" sz="2400" dirty="0" err="1"/>
+              <a:t>cookies.remove</a:t>
+            </a:r>
+            <a:r>
+              <a:rPr lang="en-US" sz="2400" dirty="0"/>
+              <a:t>('name', {path: '/a/b'})</a:t>
+            </a:r>
             <a:r>
               <a:rPr lang="en-US" sz="2400" dirty="0" smtClean="0"/>
-              <a:t>Factory </a:t>
+              <a:t>;</a:t>
+            </a:r>
+          </a:p>
+          <a:p>
+            <a:pPr algn="l"/>
+            <a:endParaRPr lang="en-US" sz="2400" dirty="0"/>
+          </a:p>
+          <a:p>
+            <a:pPr algn="l"/>
+            <a:r>
+              <a:rPr lang="en-US" sz="2400" dirty="0" smtClean="0"/>
+              <a:t>$</a:t>
+            </a:r>
+            <a:r>
+              <a:rPr lang="en-US" sz="2400" dirty="0" err="1"/>
+              <a:t>cookiesProvider.defaults</a:t>
             </a:r>
             <a:r>
               <a:rPr lang="en-US" sz="2400" dirty="0"/>
-              <a:t>call: .filter('</a:t>
+              <a:t> = {</a:t>
+            </a:r>
+          </a:p>
+          <a:p>
+            <a:pPr algn="l"/>
+            <a:r>
+              <a:rPr lang="en-US" sz="2400" dirty="0"/>
+              <a:t>   domain: ‘</a:t>
             </a:r>
             <a:r>
               <a:rPr lang="en-US" sz="2400" dirty="0" err="1"/>
-              <a:t>thisFilterName</a:t>
+              <a:t>www.mydomain.com</a:t>
             </a:r>
             <a:r>
               <a:rPr lang="en-US" sz="2400" dirty="0"/>
-              <a:t>', function (text) {...})</a:t>
-            </a:r>
-          </a:p>
-          <a:p>
-            <a:pPr marL="342900" indent="-342900" algn="l">
-              <a:buFont typeface="Arial"/>
-              <a:buChar char="•"/>
-            </a:pPr>
+              <a:t>’,</a:t>
+            </a:r>
+          </a:p>
+          <a:p>
+            <a:pPr algn="l"/>
+            <a:r>
+              <a:rPr lang="en-US" sz="2400" dirty="0"/>
+              <a:t>   secure: </a:t>
+            </a:r>
             <a:r>
               <a:rPr lang="en-US" sz="2400" dirty="0" smtClean="0"/>
-              <a:t>Factory </a:t>
-            </a:r>
-            <a:r>
-              <a:rPr lang="en-US" sz="2400" dirty="0"/>
-              <a:t>function gets passed the value from when the filter was invoked</a:t>
-            </a:r>
-          </a:p>
-          <a:p>
-            <a:pPr marL="342900" indent="-342900" algn="l">
-              <a:buFont typeface="Arial"/>
-              <a:buChar char="•"/>
-            </a:pPr>
+              <a:t>true</a:t>
+            </a:r>
+          </a:p>
+          <a:p>
+            <a:pPr algn="l"/>
             <a:r>
               <a:rPr lang="en-US" sz="2400" dirty="0" smtClean="0"/>
-              <a:t>Recipe </a:t>
-            </a:r>
-            <a:r>
-              <a:rPr lang="en-US" sz="2400" dirty="0"/>
-              <a:t>only gets invoked when the filter is used in a view</a:t>
-            </a:r>
-          </a:p>
-          <a:p>
-            <a:pPr marL="342900" indent="-342900" algn="l">
-              <a:buFont typeface="Arial"/>
-              <a:buChar char="•"/>
-            </a:pPr>
-            <a:r>
-              <a:rPr lang="en-US" sz="2400" dirty="0" smtClean="0"/>
-              <a:t>Remember</a:t>
-            </a:r>
-            <a:r>
-              <a:rPr lang="en-US" sz="2400" dirty="0"/>
-              <a:t>, custom filter should follow best practices</a:t>
-            </a:r>
-          </a:p>
-          <a:p>
-            <a:pPr marL="342900" indent="-342900" algn="l">
-              <a:buFont typeface="Arial"/>
-              <a:buChar char="•"/>
-            </a:pPr>
-            <a:r>
-              <a:rPr lang="en-US" sz="2400" dirty="0" smtClean="0"/>
-              <a:t>More </a:t>
-            </a:r>
-            <a:r>
-              <a:rPr lang="en-US" sz="2400" dirty="0"/>
-              <a:t>complicated actions are better suited to directives</a:t>
-            </a:r>
-            <a:endParaRPr lang="en-US" sz="2000" dirty="0"/>
+              <a:t>};</a:t>
+            </a:r>
+            <a:endParaRPr lang="en-US" sz="2400" dirty="0"/>
           </a:p>
         </p:txBody>
       </p:sp>
     </p:spTree>
     <p:extLst>
       <p:ext uri="{BB962C8B-B14F-4D97-AF65-F5344CB8AC3E}">
-        <p14:creationId xmlns:p14="http://schemas.microsoft.com/office/powerpoint/2010/main" val="3924875010"/>
+        <p14:creationId xmlns:p14="http://schemas.microsoft.com/office/powerpoint/2010/main" val="3023293433"/>
       </p:ext>
     </p:extLst>
   </p:cSld>
@@ -4044,19 +3815,11 @@
           <a:bodyPr/>
           <a:lstStyle/>
           <a:p>
-            <a:pPr marL="342900" indent="-342900"/>
-            <a:r>
-              <a:rPr lang="en-US" dirty="0"/>
-              <a:t>Component Architecture in </a:t>
-            </a:r>
-            <a:r>
-              <a:rPr lang="en-US" dirty="0" err="1"/>
-              <a:t>nG</a:t>
-            </a:r>
-            <a:r>
-              <a:rPr lang="en-US" dirty="0"/>
-              <a:t> 2</a:t>
-            </a:r>
+            <a:r>
+              <a:rPr lang="en-US" dirty="0" smtClean="0"/>
+              <a:t>New in 1.4</a:t>
+            </a:r>
+            <a:endParaRPr lang="en-US" dirty="0"/>
           </a:p>
         </p:txBody>
       </p:sp>
@@ -4072,8 +3835,8 @@
         </p:nvSpPr>
         <p:spPr>
           <a:xfrm>
-            <a:off x="454651" y="1630710"/>
-            <a:ext cx="8371875" cy="4609893"/>
+            <a:off x="1371600" y="1630710"/>
+            <a:ext cx="6400800" cy="4609893"/>
           </a:xfrm>
         </p:spPr>
         <p:txBody>
@@ -4082,129 +3845,141 @@
           </a:bodyPr>
           <a:lstStyle/>
           <a:p>
-            <a:pPr marL="342900" indent="-342900" algn="l">
-              <a:buFont typeface="Arial"/>
-              <a:buChar char="•"/>
-            </a:pPr>
-            <a:r>
-              <a:rPr lang="en-US" sz="2000" dirty="0"/>
-              <a:t>Components have everything they need to be self contained units of code</a:t>
-            </a:r>
-          </a:p>
-          <a:p>
-            <a:pPr marL="342900" indent="-342900" algn="l">
-              <a:buFont typeface="Arial"/>
-              <a:buChar char="•"/>
-            </a:pPr>
-            <a:r>
-              <a:rPr lang="en-US" sz="2000" dirty="0"/>
-              <a:t>nG2 apps should be made by composing reusable components into new features</a:t>
-            </a:r>
-            <a:endParaRPr lang="en-US" sz="1600" dirty="0"/>
-          </a:p>
-          <a:p>
-            <a:pPr marL="342900" indent="-342900" algn="l">
-              <a:buFont typeface="Arial"/>
-              <a:buChar char="•"/>
-            </a:pPr>
-            <a:r>
-              <a:rPr lang="en-US" sz="2000" dirty="0" smtClean="0"/>
-              <a:t>Components </a:t>
-            </a:r>
-            <a:r>
-              <a:rPr lang="en-US" sz="2000" dirty="0"/>
-              <a:t>consist of...</a:t>
-            </a:r>
-          </a:p>
-          <a:p>
-            <a:pPr marL="800100" lvl="1" indent="-342900" algn="l">
-              <a:buFont typeface="Arial"/>
-              <a:buChar char="•"/>
-            </a:pPr>
-            <a:r>
-              <a:rPr lang="en-US" sz="1600" dirty="0" smtClean="0"/>
-              <a:t>A component definition object (CDO)</a:t>
-            </a:r>
-          </a:p>
-          <a:p>
-            <a:pPr marL="800100" lvl="1" indent="-342900" algn="l">
-              <a:buFont typeface="Arial"/>
-              <a:buChar char="•"/>
-            </a:pPr>
-            <a:r>
-              <a:rPr lang="en-US" sz="1600" dirty="0" smtClean="0"/>
-              <a:t>Template</a:t>
-            </a:r>
-            <a:endParaRPr lang="en-US" sz="1600" dirty="0"/>
-          </a:p>
-          <a:p>
-            <a:pPr marL="800100" lvl="1" indent="-342900" algn="l">
-              <a:buFont typeface="Arial"/>
-              <a:buChar char="•"/>
-            </a:pPr>
-            <a:r>
-              <a:rPr lang="en-US" sz="1600" dirty="0" smtClean="0"/>
-              <a:t>An </a:t>
-            </a:r>
-            <a:r>
-              <a:rPr lang="en-US" sz="1600" dirty="0"/>
-              <a:t>API to communicate outside (Input and Output props</a:t>
-            </a:r>
-            <a:r>
-              <a:rPr lang="en-US" sz="1600" dirty="0" smtClean="0"/>
-              <a:t>)</a:t>
-            </a:r>
-          </a:p>
-          <a:p>
-            <a:pPr marL="342900" indent="-342900" algn="l">
-              <a:buFont typeface="Arial"/>
-              <a:buChar char="•"/>
-            </a:pPr>
-            <a:r>
-              <a:rPr lang="en-US" sz="2000" dirty="0" smtClean="0"/>
-              <a:t>Changes</a:t>
-            </a:r>
-          </a:p>
-          <a:p>
-            <a:pPr marL="800100" lvl="1" indent="-342900" algn="l">
-              <a:buFont typeface="Arial"/>
-              <a:buChar char="•"/>
-            </a:pPr>
-            <a:r>
-              <a:rPr lang="en-US" sz="1600" dirty="0" smtClean="0"/>
-              <a:t>$scope is gone. Store data directly as properties of the CDO</a:t>
-            </a:r>
-          </a:p>
-          <a:p>
-            <a:pPr marL="800100" lvl="1" indent="-342900" algn="l">
-              <a:buFont typeface="Arial"/>
-              <a:buChar char="•"/>
-            </a:pPr>
-            <a:r>
-              <a:rPr lang="en-US" sz="1600" dirty="0" smtClean="0"/>
-              <a:t>Controllers are gone. CDO coordinates bindings between View and Model</a:t>
-            </a:r>
-            <a:endParaRPr lang="en-US" sz="1600" dirty="0"/>
+            <a:pPr algn="l"/>
+            <a:r>
+              <a:rPr lang="en-US" dirty="0"/>
+              <a:t>Dynamic </a:t>
+            </a:r>
+            <a:r>
+              <a:rPr lang="en-US" dirty="0" err="1" smtClean="0"/>
+              <a:t>ngMessages</a:t>
+            </a:r>
+            <a:endParaRPr lang="en-US" dirty="0" smtClean="0"/>
+          </a:p>
+          <a:p>
+            <a:pPr algn="l"/>
+            <a:endParaRPr lang="en-US" sz="2400" dirty="0"/>
+          </a:p>
+          <a:p>
+            <a:pPr algn="l"/>
+            <a:r>
+              <a:rPr lang="en-US" sz="2400" dirty="0"/>
+              <a:t> &lt;div </a:t>
+            </a:r>
+            <a:r>
+              <a:rPr lang="en-US" sz="2400" dirty="0" err="1"/>
+              <a:t>ng</a:t>
+            </a:r>
+            <a:r>
+              <a:rPr lang="en-US" sz="2400" dirty="0"/>
+              <a:t>-repeat="m in messages"&gt;</a:t>
+            </a:r>
+          </a:p>
+          <a:p>
+            <a:pPr algn="l"/>
+            <a:r>
+              <a:rPr lang="en-US" sz="2400" dirty="0"/>
+              <a:t>     &lt;div </a:t>
+            </a:r>
+            <a:r>
+              <a:rPr lang="en-US" sz="2400" dirty="0" err="1"/>
+              <a:t>ng</a:t>
+            </a:r>
+            <a:r>
+              <a:rPr lang="en-US" sz="2400" dirty="0"/>
+              <a:t>-message-</a:t>
+            </a:r>
+            <a:r>
+              <a:rPr lang="en-US" sz="2400" dirty="0" err="1"/>
+              <a:t>exp</a:t>
+            </a:r>
+            <a:r>
+              <a:rPr lang="en-US" sz="2400" dirty="0"/>
+              <a:t>="</a:t>
+            </a:r>
+            <a:r>
+              <a:rPr lang="en-US" sz="2400" dirty="0" err="1"/>
+              <a:t>m.expression</a:t>
+            </a:r>
+            <a:r>
+              <a:rPr lang="en-US" sz="2400" dirty="0"/>
+              <a:t>"</a:t>
+            </a:r>
+            <a:r>
+              <a:rPr lang="en-US" sz="2400" dirty="0" smtClean="0"/>
+              <a:t>&gt;</a:t>
+            </a:r>
+          </a:p>
+          <a:p>
+            <a:pPr algn="l"/>
+            <a:r>
+              <a:rPr lang="en-US" sz="2400" dirty="0"/>
+              <a:t> </a:t>
+            </a:r>
+            <a:r>
+              <a:rPr lang="en-US" sz="2400" dirty="0" smtClean="0"/>
+              <a:t>      {</a:t>
+            </a:r>
+            <a:r>
+              <a:rPr lang="en-US" sz="2400" dirty="0"/>
+              <a:t>{</a:t>
+            </a:r>
+            <a:r>
+              <a:rPr lang="en-US" sz="2400" dirty="0" err="1"/>
+              <a:t>m.description</a:t>
+            </a:r>
+            <a:r>
+              <a:rPr lang="en-US" sz="2400" dirty="0"/>
+              <a:t>}</a:t>
+            </a:r>
+            <a:r>
+              <a:rPr lang="en-US" sz="2400" dirty="0" smtClean="0"/>
+              <a:t>}</a:t>
+            </a:r>
+          </a:p>
+          <a:p>
+            <a:pPr algn="l"/>
+            <a:r>
+              <a:rPr lang="en-US" sz="2400" dirty="0"/>
+              <a:t> </a:t>
+            </a:r>
+            <a:r>
+              <a:rPr lang="en-US" sz="2400" dirty="0" smtClean="0"/>
+              <a:t>    &lt;</a:t>
+            </a:r>
+            <a:r>
+              <a:rPr lang="en-US" sz="2400" dirty="0"/>
+              <a:t>/div&gt;</a:t>
+            </a:r>
+          </a:p>
+          <a:p>
+            <a:pPr algn="l"/>
+            <a:r>
+              <a:rPr lang="en-US" sz="2400" dirty="0"/>
+              <a:t> </a:t>
+            </a:r>
+            <a:r>
+              <a:rPr lang="en-US" sz="2400" dirty="0" smtClean="0"/>
+              <a:t>&lt;</a:t>
+            </a:r>
+            <a:r>
+              <a:rPr lang="en-US" sz="2400" dirty="0"/>
+              <a:t>/div&gt;</a:t>
+            </a:r>
+            <a:endParaRPr lang="en-US" sz="2400" dirty="0" smtClean="0"/>
           </a:p>
         </p:txBody>
       </p:sp>
     </p:spTree>
     <p:extLst>
       <p:ext uri="{BB962C8B-B14F-4D97-AF65-F5344CB8AC3E}">
-        <p14:creationId xmlns:p14="http://schemas.microsoft.com/office/powerpoint/2010/main" val="4200027496"/>
+        <p14:creationId xmlns:p14="http://schemas.microsoft.com/office/powerpoint/2010/main" val="2862929217"/>
       </p:ext>
     </p:extLst>
   </p:cSld>
   <p:clrMapOvr>
     <a:masterClrMapping/>
   </p:clrMapOvr>
-  <p:timing>
-    <p:tnLst>
-      <p:par>
-        <p:cTn xmlns:p14="http://schemas.microsoft.com/office/powerpoint/2010/main" id="1" dur="indefinite" restart="never" nodeType="tmRoot"/>
-      </p:par>
-    </p:tnLst>
-  </p:timing>
 </p:sld>
 </file>
 
@@ -4246,9 +4021,10 @@
           <a:lstStyle/>
           <a:p>
             <a:r>
-              <a:rPr lang="en-US" dirty="0"/>
-              <a:t>New template syntax</a:t>
-            </a:r>
+              <a:rPr lang="en-US" dirty="0" smtClean="0"/>
+              <a:t>New in 1.4</a:t>
+            </a:r>
+            <a:endParaRPr lang="en-US" dirty="0"/>
           </a:p>
         </p:txBody>
       </p:sp>
@@ -4264,8 +4040,8 @@
         </p:nvSpPr>
         <p:spPr>
           <a:xfrm>
-            <a:off x="454651" y="1630710"/>
-            <a:ext cx="8371875" cy="4609893"/>
+            <a:off x="1371600" y="1630710"/>
+            <a:ext cx="6400800" cy="4609893"/>
           </a:xfrm>
         </p:spPr>
         <p:txBody>
@@ -4274,17 +4050,105 @@
           </a:bodyPr>
           <a:lstStyle/>
           <a:p>
+            <a:pPr algn="l"/>
+            <a:r>
+              <a:rPr lang="en-US" dirty="0" smtClean="0"/>
+              <a:t>Miscellaneous</a:t>
+            </a:r>
+          </a:p>
+          <a:p>
             <a:pPr marL="342900" indent="-342900" algn="l">
               <a:buFont typeface="Arial"/>
               <a:buChar char="•"/>
             </a:pPr>
             <a:r>
+              <a:rPr lang="en-US" sz="2400" dirty="0" err="1"/>
+              <a:t>ngModelOptions</a:t>
+            </a:r>
+            <a:r>
+              <a:rPr lang="en-US" sz="2400" dirty="0"/>
+              <a:t> </a:t>
+            </a:r>
+            <a:r>
+              <a:rPr lang="en-US" sz="2400" dirty="0" err="1"/>
+              <a:t>timezone</a:t>
+            </a:r>
+            <a:r>
+              <a:rPr lang="en-US" sz="2400" dirty="0"/>
+              <a:t> </a:t>
+            </a:r>
+            <a:r>
+              <a:rPr lang="en-US" sz="2400" dirty="0" smtClean="0"/>
+              <a:t>support</a:t>
+            </a:r>
+          </a:p>
+          <a:p>
+            <a:pPr marL="342900" indent="-342900" algn="l">
+              <a:buFont typeface="Arial"/>
+              <a:buChar char="•"/>
+            </a:pPr>
+            <a:r>
+              <a:rPr lang="en-US" sz="2400" dirty="0" err="1" smtClean="0"/>
+              <a:t>angular.merge</a:t>
+            </a:r>
+            <a:r>
+              <a:rPr lang="en-US" sz="2400" dirty="0" smtClean="0"/>
+              <a:t> </a:t>
+            </a:r>
+          </a:p>
+          <a:p>
+            <a:pPr marL="342900" indent="-342900" algn="l">
+              <a:buFont typeface="Arial"/>
+              <a:buChar char="•"/>
+            </a:pPr>
+            <a:r>
+              <a:rPr lang="en-US" sz="2400" dirty="0" err="1" smtClean="0"/>
+              <a:t>bindToController</a:t>
+            </a:r>
+            <a:endParaRPr lang="en-US" sz="2400" dirty="0" smtClean="0"/>
+          </a:p>
+          <a:p>
+            <a:pPr marL="800100" lvl="1" indent="-342900" algn="l">
+              <a:buFont typeface="Arial"/>
+              <a:buChar char="•"/>
+            </a:pPr>
+            <a:r>
               <a:rPr lang="en-US" sz="2000" dirty="0" smtClean="0"/>
+              <a:t>Changes from </a:t>
+            </a:r>
+            <a:r>
+              <a:rPr lang="en-US" sz="2000" dirty="0" err="1" smtClean="0"/>
+              <a:t>boolean</a:t>
+            </a:r>
+            <a:r>
+              <a:rPr lang="en-US" sz="2000" dirty="0" smtClean="0"/>
+              <a:t> to </a:t>
+            </a:r>
+            <a:r>
+              <a:rPr lang="en-US" sz="2000" dirty="0" err="1" smtClean="0"/>
+              <a:t>config</a:t>
+            </a:r>
+            <a:r>
+              <a:rPr lang="en-US" sz="2000" dirty="0" smtClean="0"/>
+              <a:t> object</a:t>
+            </a:r>
+          </a:p>
+          <a:p>
+            <a:pPr marL="800100" lvl="1" indent="-342900" algn="l">
+              <a:buFont typeface="Arial"/>
+              <a:buChar char="•"/>
+            </a:pPr>
+            <a:r>
+              <a:rPr lang="en-US" sz="2000" dirty="0"/>
               <a:t>No </a:t>
             </a:r>
             <a:r>
+              <a:rPr lang="en-US" sz="2000" dirty="0" smtClean="0"/>
+              <a:t>longer </a:t>
+            </a:r>
+            <a:r>
               <a:rPr lang="en-US" sz="2000" dirty="0"/>
-              <a:t>longer markup-based</a:t>
+              <a:t>exclusive to isolated scope</a:t>
             </a:r>
           </a:p>
           <a:p>
@@ -4292,202 +4156,20 @@
               <a:buFont typeface="Arial"/>
               <a:buChar char="•"/>
             </a:pPr>
-            <a:r>
-              <a:rPr lang="en-US" sz="2000" dirty="0" smtClean="0"/>
-              <a:t>Use </a:t>
-            </a:r>
-            <a:r>
-              <a:rPr lang="en-US" sz="2000" dirty="0"/>
-              <a:t>square bracket to bind output: [</a:t>
-            </a:r>
-            <a:r>
-              <a:rPr lang="en-US" sz="2000" dirty="0" err="1"/>
-              <a:t>ngModel</a:t>
-            </a:r>
-            <a:r>
-              <a:rPr lang="en-US" sz="2000" dirty="0"/>
-              <a:t>]="</a:t>
-            </a:r>
-            <a:r>
-              <a:rPr lang="en-US" sz="2000" dirty="0" err="1"/>
-              <a:t>editingSong.title</a:t>
-            </a:r>
-            <a:r>
-              <a:rPr lang="en-US" sz="2000" dirty="0"/>
-              <a:t>"</a:t>
-            </a:r>
-          </a:p>
-          <a:p>
-            <a:pPr marL="342900" indent="-342900" algn="l">
-              <a:buFont typeface="Arial"/>
-              <a:buChar char="•"/>
-            </a:pPr>
-            <a:r>
-              <a:rPr lang="en-US" sz="2000" dirty="0" smtClean="0"/>
-              <a:t>Parenthesis </a:t>
-            </a:r>
-            <a:r>
-              <a:rPr lang="en-US" sz="2000" dirty="0"/>
-              <a:t>subscribe their target to events: (click)="</a:t>
-            </a:r>
-            <a:r>
-              <a:rPr lang="en-US" sz="2000" dirty="0" err="1"/>
-              <a:t>editSong</a:t>
-            </a:r>
-            <a:r>
-              <a:rPr lang="en-US" sz="2000" dirty="0"/>
-              <a:t>(index)"</a:t>
-            </a:r>
-          </a:p>
-          <a:p>
-            <a:pPr marL="342900" indent="-342900" algn="l">
-              <a:buFont typeface="Arial"/>
-              <a:buChar char="•"/>
-            </a:pPr>
-            <a:r>
-              <a:rPr lang="en-US" sz="2000" dirty="0" smtClean="0"/>
-              <a:t>For </a:t>
-            </a:r>
-            <a:r>
-              <a:rPr lang="en-US" sz="2000" dirty="0"/>
-              <a:t>forms, nest </a:t>
-            </a:r>
-            <a:r>
-              <a:rPr lang="en-US" sz="2000" dirty="0" err="1"/>
-              <a:t>parens</a:t>
-            </a:r>
-            <a:r>
-              <a:rPr lang="en-US" sz="2000" dirty="0"/>
-              <a:t> inside brackets to two-way bind</a:t>
-            </a:r>
-          </a:p>
-          <a:p>
-            <a:pPr marL="342900" indent="-342900" algn="l">
-              <a:buFont typeface="Arial"/>
-              <a:buChar char="•"/>
-            </a:pPr>
-            <a:r>
-              <a:rPr lang="en-US" sz="2000" dirty="0" smtClean="0"/>
-              <a:t>Previous </a:t>
-            </a:r>
-            <a:r>
-              <a:rPr lang="en-US" sz="2000" dirty="0"/>
-              <a:t>format </a:t>
-            </a:r>
-            <a:r>
-              <a:rPr lang="en-US" sz="2000" dirty="0" err="1"/>
-              <a:t>ng-dirname</a:t>
-            </a:r>
-            <a:r>
-              <a:rPr lang="en-US" sz="2000" dirty="0"/>
-              <a:t> now *</a:t>
-            </a:r>
-            <a:r>
-              <a:rPr lang="en-US" sz="2000" dirty="0" err="1"/>
-              <a:t>ngDirname</a:t>
-            </a:r>
-            <a:endParaRPr lang="en-US" sz="2000" dirty="0"/>
-          </a:p>
-          <a:p>
-            <a:pPr marL="342900" indent="-342900" algn="l">
-              <a:buFont typeface="Arial"/>
-              <a:buChar char="•"/>
-            </a:pPr>
-            <a:r>
-              <a:rPr lang="en-US" sz="2000" dirty="0" smtClean="0"/>
-              <a:t>New </a:t>
-            </a:r>
-            <a:r>
-              <a:rPr lang="en-US" sz="2000" dirty="0"/>
-              <a:t>iteration syntax "#</a:t>
-            </a:r>
-            <a:r>
-              <a:rPr lang="en-US" sz="2000" dirty="0" err="1"/>
-              <a:t>eachThing</a:t>
-            </a:r>
-            <a:r>
-              <a:rPr lang="en-US" sz="2000" dirty="0"/>
-              <a:t> of </a:t>
-            </a:r>
-            <a:r>
-              <a:rPr lang="en-US" sz="2000" dirty="0" err="1"/>
-              <a:t>thingsList</a:t>
-            </a:r>
-            <a:r>
-              <a:rPr lang="en-US" sz="2000" dirty="0"/>
-              <a:t>; #</a:t>
-            </a:r>
-            <a:r>
-              <a:rPr lang="en-US" sz="2000" dirty="0" err="1"/>
-              <a:t>i</a:t>
-            </a:r>
-            <a:r>
-              <a:rPr lang="en-US" sz="2000" dirty="0"/>
-              <a:t> = index"</a:t>
-            </a:r>
-          </a:p>
-          <a:p>
-            <a:pPr marL="342900" indent="-342900" algn="l">
-              <a:buFont typeface="Arial"/>
-              <a:buChar char="•"/>
-            </a:pPr>
-            <a:r>
-              <a:rPr lang="en-US" sz="2000" dirty="0" smtClean="0"/>
-              <a:t>Reasons </a:t>
-            </a:r>
-            <a:r>
-              <a:rPr lang="en-US" sz="2000" dirty="0"/>
-              <a:t>for the changes</a:t>
-            </a:r>
-          </a:p>
-          <a:p>
-            <a:pPr marL="800100" lvl="1" indent="-342900" algn="l">
-              <a:buFont typeface="Arial"/>
-              <a:buChar char="•"/>
-            </a:pPr>
-            <a:r>
-              <a:rPr lang="en-US" sz="1600" dirty="0" smtClean="0"/>
-              <a:t>Enables </a:t>
-            </a:r>
-            <a:r>
-              <a:rPr lang="en-US" sz="1600" dirty="0"/>
-              <a:t>tons of IDE features like autocomplete and refactor</a:t>
-            </a:r>
-          </a:p>
-          <a:p>
-            <a:pPr marL="800100" lvl="1" indent="-342900" algn="l">
-              <a:buFont typeface="Arial"/>
-              <a:buChar char="•"/>
-            </a:pPr>
-            <a:r>
-              <a:rPr lang="en-US" sz="1600" dirty="0" smtClean="0"/>
-              <a:t>Makes </a:t>
-            </a:r>
-            <a:r>
-              <a:rPr lang="en-US" sz="1600" dirty="0"/>
-              <a:t>the direction of binding obvious from the markup</a:t>
-            </a:r>
-            <a:endParaRPr lang="en-US" sz="1200" dirty="0"/>
+            <a:endParaRPr lang="en-US" sz="2400" dirty="0" smtClean="0"/>
           </a:p>
         </p:txBody>
       </p:sp>
     </p:spTree>
     <p:extLst>
       <p:ext uri="{BB962C8B-B14F-4D97-AF65-F5344CB8AC3E}">
-        <p14:creationId xmlns:p14="http://schemas.microsoft.com/office/powerpoint/2010/main" val="1911019148"/>
+        <p14:creationId xmlns:p14="http://schemas.microsoft.com/office/powerpoint/2010/main" val="1653526932"/>
       </p:ext>
     </p:extLst>
   </p:cSld>
   <p:clrMapOvr>
     <a:masterClrMapping/>
   </p:clrMapOvr>
-  <p:timing>
-    <p:tnLst>
-      <p:par>
-        <p:cTn xmlns:p14="http://schemas.microsoft.com/office/powerpoint/2010/main" id="1" dur="indefinite" restart="never" nodeType="tmRoot"/>
-      </p:par>
-    </p:tnLst>
-  </p:timing>
 </p:sld>
 </file>
 
@@ -4530,7 +4212,15 @@
           <a:p>
             <a:r>
               <a:rPr lang="en-US" dirty="0"/>
-              <a:t>Pipes</a:t>
+              <a:t>Components (</a:t>
+            </a:r>
+            <a:r>
+              <a:rPr lang="en-US" dirty="0" smtClean="0"/>
+              <a:t>1.5</a:t>
+            </a:r>
+            <a:r>
+              <a:rPr lang="en-US" dirty="0"/>
+              <a:t>)</a:t>
             </a:r>
           </a:p>
         </p:txBody>
@@ -4563,11 +4253,19 @@
             </a:pPr>
             <a:r>
               <a:rPr lang="en-US" sz="2000" dirty="0" smtClean="0"/>
-              <a:t>Pipes aren’t </a:t>
+              <a:t>Transitional </a:t>
             </a:r>
             <a:r>
               <a:rPr lang="en-US" sz="2000" dirty="0"/>
-              <a:t>much more than a new name for filters</a:t>
+              <a:t>step towards </a:t>
+            </a:r>
+            <a:r>
+              <a:rPr lang="en-US" sz="2000" dirty="0" err="1"/>
+              <a:t>nG</a:t>
+            </a:r>
+            <a:r>
+              <a:rPr lang="en-US" sz="2000" dirty="0"/>
+              <a:t> 2</a:t>
             </a:r>
           </a:p>
           <a:p>
@@ -4576,17 +4274,112 @@
               <a:buChar char="•"/>
             </a:pPr>
             <a:r>
-              <a:rPr lang="en-US" sz="2000" dirty="0" err="1" smtClean="0"/>
-              <a:t>Async</a:t>
-            </a:r>
-            <a:r>
               <a:rPr lang="en-US" sz="2000" dirty="0" smtClean="0"/>
+              <a:t>Components </a:t>
+            </a:r>
+            <a:r>
+              <a:rPr lang="en-US" sz="2000" dirty="0"/>
+              <a:t>are a subtype of directive representing a complete UI element</a:t>
+            </a:r>
+          </a:p>
+          <a:p>
+            <a:pPr marL="800100" lvl="1" indent="-342900" algn="l">
+              <a:buFont typeface="Arial"/>
+              <a:buChar char="•"/>
+            </a:pPr>
+            <a:r>
+              <a:rPr lang="en-US" sz="1600" dirty="0" smtClean="0"/>
+              <a:t>Bundles a </a:t>
+            </a:r>
+            <a:r>
+              <a:rPr lang="en-US" sz="1600" dirty="0"/>
+              <a:t>view, a controller, and bindings in simpler recipe</a:t>
+            </a:r>
+          </a:p>
+          <a:p>
+            <a:pPr marL="800100" lvl="1" indent="-342900" algn="l">
+              <a:buFont typeface="Arial"/>
+              <a:buChar char="•"/>
+            </a:pPr>
+            <a:r>
+              <a:rPr lang="en-US" sz="1600" dirty="0" smtClean="0"/>
+              <a:t>Default Component options:</a:t>
+            </a:r>
+            <a:endParaRPr lang="en-US" sz="1600" dirty="0"/>
+          </a:p>
+          <a:p>
+            <a:pPr marL="1257300" lvl="2" indent="-342900" algn="l">
+              <a:buFont typeface="Arial"/>
+              <a:buChar char="•"/>
+            </a:pPr>
+            <a:r>
+              <a:rPr lang="en-US" sz="1500" dirty="0" smtClean="0"/>
+              <a:t>restricted </a:t>
+            </a:r>
+            <a:r>
+              <a:rPr lang="en-US" sz="1500" dirty="0"/>
+              <a:t>to elements</a:t>
+            </a:r>
+          </a:p>
+          <a:p>
+            <a:pPr marL="1257300" lvl="2" indent="-342900" algn="l">
+              <a:buFont typeface="Arial"/>
+              <a:buChar char="•"/>
+            </a:pPr>
+            <a:r>
+              <a:rPr lang="en-US" sz="1500" dirty="0" err="1" smtClean="0"/>
+              <a:t>transclude</a:t>
+            </a:r>
+            <a:r>
+              <a:rPr lang="en-US" sz="1500" dirty="0" smtClean="0"/>
               <a:t> </a:t>
             </a:r>
             <a:r>
-              <a:rPr lang="en-US" sz="2000" dirty="0"/>
-              <a:t>is the exception</a:t>
-            </a:r>
+              <a:rPr lang="en-US" sz="1500" dirty="0"/>
+              <a:t>false</a:t>
+            </a:r>
+          </a:p>
+          <a:p>
+            <a:pPr marL="1257300" lvl="2" indent="-342900" algn="l">
+              <a:buFont typeface="Arial"/>
+              <a:buChar char="•"/>
+            </a:pPr>
+            <a:r>
+              <a:rPr lang="en-US" sz="1500" dirty="0" smtClean="0"/>
+              <a:t>I</a:t>
+            </a:r>
+            <a:r>
+              <a:rPr lang="it-IT" sz="1500" dirty="0"/>
+              <a:t>solate </a:t>
+            </a:r>
+            <a:r>
+              <a:rPr lang="it-IT" sz="1500" dirty="0" smtClean="0"/>
+              <a:t>scope</a:t>
+            </a:r>
+            <a:endParaRPr lang="it-IT" sz="1500" dirty="0"/>
+          </a:p>
+          <a:p>
+            <a:pPr marL="1257300" lvl="2" indent="-342900" algn="l">
+              <a:buFont typeface="Arial"/>
+              <a:buChar char="•"/>
+            </a:pPr>
+            <a:r>
+              <a:rPr lang="it-IT" sz="1500" dirty="0" err="1" smtClean="0"/>
+              <a:t>controllerAs</a:t>
+            </a:r>
+            <a:r>
+              <a:rPr lang="it-IT" sz="1500" dirty="0" smtClean="0"/>
+              <a:t> </a:t>
+            </a:r>
+            <a:r>
+              <a:rPr lang="it-IT" sz="1500" dirty="0"/>
+              <a:t>$</a:t>
+            </a:r>
+            <a:r>
+              <a:rPr lang="it-IT" sz="1500" dirty="0" err="1"/>
+              <a:t>ctrl</a:t>
+            </a:r>
+            <a:endParaRPr lang="it-IT" sz="1500" dirty="0"/>
           </a:p>
           <a:p>
             <a:pPr marL="800100" lvl="1" indent="-342900" algn="l">
@@ -4594,12 +4387,87 @@
               <a:buChar char="•"/>
             </a:pPr>
             <a:r>
-              <a:rPr lang="en-US" sz="1600" dirty="0" smtClean="0"/>
-              <a:t>Binds </a:t>
-            </a:r>
-            <a:r>
-              <a:rPr lang="en-US" sz="1600" dirty="0"/>
-              <a:t>to the output of an Observable</a:t>
+              <a:rPr lang="it-IT" sz="1600" dirty="0" smtClean="0"/>
+              <a:t>Continue </a:t>
+            </a:r>
+            <a:r>
+              <a:rPr lang="it-IT" sz="1600" dirty="0"/>
+              <a:t>to use </a:t>
+            </a:r>
+            <a:r>
+              <a:rPr lang="it-IT" sz="1600" dirty="0" err="1"/>
+              <a:t>Directives</a:t>
+            </a:r>
+            <a:r>
+              <a:rPr lang="it-IT" sz="1600" dirty="0"/>
+              <a:t> to </a:t>
+            </a:r>
+            <a:r>
+              <a:rPr lang="it-IT" sz="1600" dirty="0" err="1"/>
+              <a:t>add</a:t>
+            </a:r>
+            <a:r>
+              <a:rPr lang="it-IT" sz="1600" dirty="0"/>
+              <a:t> custom </a:t>
+            </a:r>
+            <a:r>
+              <a:rPr lang="it-IT" sz="1600" dirty="0" err="1" smtClean="0"/>
+              <a:t>behavior</a:t>
+            </a:r>
+            <a:r>
+              <a:rPr lang="it-IT" sz="1600" dirty="0" smtClean="0"/>
+              <a:t> </a:t>
+            </a:r>
+            <a:r>
+              <a:rPr lang="it-IT" sz="1600" dirty="0"/>
+              <a:t>to </a:t>
+            </a:r>
+            <a:r>
+              <a:rPr lang="it-IT" sz="1600" dirty="0" err="1"/>
+              <a:t>existing</a:t>
+            </a:r>
+            <a:r>
+              <a:rPr lang="it-IT" sz="1600" dirty="0"/>
+              <a:t> </a:t>
+            </a:r>
+            <a:r>
+              <a:rPr lang="it-IT" sz="1600" dirty="0" err="1"/>
+              <a:t>elements</a:t>
+            </a:r>
+            <a:endParaRPr lang="it-IT" sz="1600" dirty="0"/>
+          </a:p>
+          <a:p>
+            <a:pPr marL="342900" indent="-342900" algn="l">
+              <a:buFont typeface="Arial"/>
+              <a:buChar char="•"/>
+            </a:pPr>
+            <a:r>
+              <a:rPr lang="it-IT" sz="2000" dirty="0" err="1" smtClean="0"/>
+              <a:t>Two</a:t>
+            </a:r>
+            <a:r>
+              <a:rPr lang="it-IT" sz="2000" dirty="0" smtClean="0"/>
+              <a:t> </a:t>
+            </a:r>
+            <a:r>
+              <a:rPr lang="it-IT" sz="2000" dirty="0"/>
+              <a:t>way </a:t>
+            </a:r>
+            <a:r>
+              <a:rPr lang="it-IT" sz="2000" dirty="0" err="1"/>
+              <a:t>bindings</a:t>
+            </a:r>
+            <a:r>
+              <a:rPr lang="it-IT" sz="2000" dirty="0"/>
+              <a:t> are </a:t>
+            </a:r>
+            <a:r>
+              <a:rPr lang="it-IT" sz="2000" dirty="0" err="1"/>
+              <a:t>deprecated</a:t>
+            </a:r>
+            <a:r>
+              <a:rPr lang="it-IT" sz="2000" dirty="0"/>
+              <a:t> in 1.5 Components</a:t>
             </a:r>
           </a:p>
           <a:p>
@@ -4608,38 +4476,218 @@
               <a:buChar char="•"/>
             </a:pPr>
             <a:r>
-              <a:rPr lang="en-US" sz="1600" dirty="0" smtClean="0"/>
-              <a:t>More </a:t>
-            </a:r>
-            <a:r>
-              <a:rPr lang="en-US" sz="1600" dirty="0"/>
-              <a:t>on </a:t>
-            </a:r>
-            <a:r>
-              <a:rPr lang="en-US" sz="1600" dirty="0" smtClean="0"/>
-              <a:t>observables soon</a:t>
-            </a:r>
-            <a:endParaRPr lang="en-US" sz="800" dirty="0"/>
+              <a:rPr lang="it-IT" sz="1600" dirty="0" err="1" smtClean="0"/>
+              <a:t>nG</a:t>
+            </a:r>
+            <a:r>
+              <a:rPr lang="it-IT" sz="1600" dirty="0" smtClean="0"/>
+              <a:t> </a:t>
+            </a:r>
+            <a:r>
+              <a:rPr lang="it-IT" sz="1600" dirty="0"/>
+              <a:t>2 </a:t>
+            </a:r>
+            <a:r>
+              <a:rPr lang="it-IT" sz="1600" dirty="0" err="1"/>
+              <a:t>moves</a:t>
+            </a:r>
+            <a:r>
+              <a:rPr lang="it-IT" sz="1600" dirty="0"/>
+              <a:t> </a:t>
+            </a:r>
+            <a:r>
+              <a:rPr lang="it-IT" sz="1600" dirty="0" err="1"/>
+              <a:t>away</a:t>
+            </a:r>
+            <a:r>
+              <a:rPr lang="it-IT" sz="1600" dirty="0"/>
+              <a:t> from </a:t>
+            </a:r>
+            <a:r>
+              <a:rPr lang="it-IT" sz="1600" dirty="0" err="1"/>
+              <a:t>two</a:t>
+            </a:r>
+            <a:r>
+              <a:rPr lang="it-IT" sz="1600" dirty="0"/>
+              <a:t> way </a:t>
+            </a:r>
+            <a:r>
+              <a:rPr lang="it-IT" sz="1600" dirty="0" err="1"/>
+              <a:t>binding</a:t>
+            </a:r>
+            <a:endParaRPr lang="it-IT" sz="1600" dirty="0"/>
+          </a:p>
+          <a:p>
+            <a:pPr marL="800100" lvl="1" indent="-342900" algn="l">
+              <a:buFont typeface="Arial"/>
+              <a:buChar char="•"/>
+            </a:pPr>
+            <a:r>
+              <a:rPr lang="it-IT" sz="1600" dirty="0" err="1" smtClean="0"/>
+              <a:t>They</a:t>
+            </a:r>
+            <a:r>
+              <a:rPr lang="it-IT" sz="1600" dirty="0" smtClean="0"/>
+              <a:t> </a:t>
+            </a:r>
+            <a:r>
+              <a:rPr lang="it-IT" sz="1600" dirty="0"/>
+              <a:t>cause </a:t>
+            </a:r>
+            <a:r>
+              <a:rPr lang="it-IT" sz="1600" dirty="0" err="1"/>
+              <a:t>too</a:t>
+            </a:r>
+            <a:r>
+              <a:rPr lang="it-IT" sz="1600" dirty="0"/>
+              <a:t> </a:t>
+            </a:r>
+            <a:r>
+              <a:rPr lang="it-IT" sz="1600" dirty="0" err="1"/>
+              <a:t>many</a:t>
+            </a:r>
+            <a:r>
+              <a:rPr lang="it-IT" sz="1600" dirty="0"/>
+              <a:t> </a:t>
+            </a:r>
+            <a:r>
+              <a:rPr lang="it-IT" sz="1600" dirty="0" err="1"/>
+              <a:t>issues</a:t>
+            </a:r>
+            <a:r>
+              <a:rPr lang="it-IT" sz="1600" dirty="0"/>
+              <a:t> with </a:t>
+            </a:r>
+            <a:r>
+              <a:rPr lang="it-IT" sz="1600" dirty="0" err="1"/>
+              <a:t>parent</a:t>
+            </a:r>
+            <a:r>
+              <a:rPr lang="it-IT" sz="1600" dirty="0"/>
+              <a:t> scope and </a:t>
+            </a:r>
+            <a:r>
+              <a:rPr lang="it-IT" sz="1600" dirty="0" err="1"/>
+              <a:t>prevent</a:t>
+            </a:r>
+            <a:r>
+              <a:rPr lang="it-IT" sz="1600" dirty="0"/>
+              <a:t> full </a:t>
+            </a:r>
+            <a:r>
+              <a:rPr lang="it-IT" sz="1600" dirty="0" err="1"/>
+              <a:t>separation</a:t>
+            </a:r>
+            <a:r>
+              <a:rPr lang="it-IT" sz="1600" dirty="0"/>
+              <a:t> from DOM</a:t>
+            </a:r>
+          </a:p>
+          <a:p>
+            <a:pPr marL="800100" lvl="1" indent="-342900" algn="l">
+              <a:buFont typeface="Arial"/>
+              <a:buChar char="•"/>
+            </a:pPr>
+            <a:r>
+              <a:rPr lang="it-IT" sz="1600" dirty="0" err="1" smtClean="0"/>
+              <a:t>Instead</a:t>
+            </a:r>
+            <a:r>
+              <a:rPr lang="it-IT" sz="1600" dirty="0"/>
+              <a:t>, </a:t>
+            </a:r>
+            <a:r>
+              <a:rPr lang="it-IT" sz="1600" dirty="0" err="1"/>
+              <a:t>specify</a:t>
+            </a:r>
+            <a:r>
+              <a:rPr lang="it-IT" sz="1600" dirty="0"/>
+              <a:t> </a:t>
+            </a:r>
+            <a:r>
+              <a:rPr lang="it-IT" sz="1600" dirty="0" err="1"/>
+              <a:t>one</a:t>
+            </a:r>
+            <a:r>
+              <a:rPr lang="it-IT" sz="1600" dirty="0"/>
+              <a:t>-way </a:t>
+            </a:r>
+            <a:r>
+              <a:rPr lang="it-IT" sz="1600" dirty="0" err="1"/>
+              <a:t>bind</a:t>
+            </a:r>
+            <a:r>
+              <a:rPr lang="it-IT" sz="1600" dirty="0"/>
+              <a:t> for display info</a:t>
+            </a:r>
+          </a:p>
+          <a:p>
+            <a:pPr marL="800100" lvl="1" indent="-342900" algn="l">
+              <a:buFont typeface="Arial"/>
+              <a:buChar char="•"/>
+            </a:pPr>
+            <a:r>
+              <a:rPr lang="it-IT" sz="1600" dirty="0" err="1" smtClean="0"/>
+              <a:t>Then</a:t>
+            </a:r>
+            <a:r>
+              <a:rPr lang="it-IT" sz="1600" dirty="0" smtClean="0"/>
+              <a:t> </a:t>
+            </a:r>
+            <a:r>
+              <a:rPr lang="it-IT" sz="1600" dirty="0" err="1"/>
+              <a:t>register</a:t>
+            </a:r>
+            <a:r>
+              <a:rPr lang="it-IT" sz="1600" dirty="0"/>
+              <a:t> an </a:t>
+            </a:r>
+            <a:r>
+              <a:rPr lang="it-IT" sz="1600" dirty="0" err="1"/>
+              <a:t>event</a:t>
+            </a:r>
+            <a:r>
+              <a:rPr lang="it-IT" sz="1600" dirty="0"/>
+              <a:t> </a:t>
+            </a:r>
+            <a:r>
+              <a:rPr lang="it-IT" sz="1600" dirty="0" err="1"/>
+              <a:t>handler</a:t>
+            </a:r>
+            <a:r>
+              <a:rPr lang="it-IT" sz="1600" dirty="0"/>
+              <a:t> (</a:t>
+            </a:r>
+            <a:r>
+              <a:rPr lang="it-IT" sz="1600" dirty="0" err="1"/>
+              <a:t>onChange</a:t>
+            </a:r>
+            <a:r>
+              <a:rPr lang="it-IT" sz="1600" dirty="0"/>
+              <a:t>, </a:t>
+            </a:r>
+            <a:r>
+              <a:rPr lang="it-IT" sz="1600" dirty="0" err="1"/>
+              <a:t>onDelete</a:t>
+            </a:r>
+            <a:r>
+              <a:rPr lang="it-IT" sz="1600" dirty="0"/>
+              <a:t>)</a:t>
+            </a:r>
+            <a:endParaRPr lang="en-US" sz="500" dirty="0"/>
           </a:p>
         </p:txBody>
       </p:sp>
     </p:spTree>
     <p:extLst>
       <p:ext uri="{BB962C8B-B14F-4D97-AF65-F5344CB8AC3E}">
-        <p14:creationId xmlns:p14="http://schemas.microsoft.com/office/powerpoint/2010/main" val="1772659482"/>
+        <p14:creationId xmlns:p14="http://schemas.microsoft.com/office/powerpoint/2010/main" val="2762821877"/>
       </p:ext>
     </p:extLst>
   </p:cSld>
   <p:clrMapOvr>
     <a:masterClrMapping/>
   </p:clrMapOvr>
-  <p:timing>
-    <p:tnLst>
-      <p:par>
-        <p:cTn xmlns:p14="http://schemas.microsoft.com/office/powerpoint/2010/main" id="1" dur="indefinite" restart="never" nodeType="tmRoot"/>
-      </p:par>
-    </p:tnLst>
-  </p:timing>
 </p:sld>
 </file>
 
@@ -4681,8 +4729,16 @@
           <a:lstStyle/>
           <a:p>
             <a:r>
+              <a:rPr lang="en-US" dirty="0" smtClean="0"/>
+              <a:t>1.5 -&gt; </a:t>
+            </a:r>
+            <a:r>
+              <a:rPr lang="en-US" dirty="0" smtClean="0"/>
+              <a:t>2 </a:t>
+            </a:r>
+            <a:r>
               <a:rPr lang="en-US" dirty="0"/>
-              <a:t>nG2 Migration Strategy</a:t>
+              <a:t>Migration Strategy</a:t>
             </a:r>
           </a:p>
         </p:txBody>
@@ -4882,9 +4938,18 @@
           <a:bodyPr/>
           <a:lstStyle/>
           <a:p>
+            <a:pPr marL="342900" indent="-342900"/>
             <a:r>
               <a:rPr lang="en-US" dirty="0"/>
-              <a:t>nG2 Migration Lab</a:t>
+              <a:t>Component Architecture in </a:t>
+            </a:r>
+            <a:r>
+              <a:rPr lang="en-US" dirty="0" err="1"/>
+              <a:t>nG</a:t>
+            </a:r>
+            <a:r>
+              <a:rPr lang="en-US" dirty="0"/>
+              <a:t> 2</a:t>
             </a:r>
           </a:p>
         </p:txBody>
@@ -4911,22 +4976,116 @@
           </a:bodyPr>
           <a:lstStyle/>
           <a:p>
+            <a:pPr marL="342900" indent="-342900" algn="l">
+              <a:buFont typeface="Arial"/>
+              <a:buChar char="•"/>
+            </a:pPr>
+            <a:r>
+              <a:rPr lang="en-US" sz="2000" dirty="0"/>
+              <a:t>Components have everything they need to be self contained units of code</a:t>
+            </a:r>
+          </a:p>
+          <a:p>
+            <a:pPr marL="342900" indent="-342900" algn="l">
+              <a:buFont typeface="Arial"/>
+              <a:buChar char="•"/>
+            </a:pPr>
+            <a:r>
+              <a:rPr lang="en-US" sz="2000" dirty="0"/>
+              <a:t>nG2 apps should be made by composing reusable components into new features</a:t>
+            </a:r>
+            <a:endParaRPr lang="en-US" sz="1600" dirty="0"/>
+          </a:p>
+          <a:p>
+            <a:pPr marL="342900" indent="-342900" algn="l">
+              <a:buFont typeface="Arial"/>
+              <a:buChar char="•"/>
+            </a:pPr>
             <a:r>
               <a:rPr lang="en-US" sz="2000" dirty="0" smtClean="0"/>
-              <a:t>Convert </a:t>
+              <a:t>Components </a:t>
             </a:r>
             <a:r>
               <a:rPr lang="en-US" sz="2000" dirty="0"/>
-              <a:t>our Jukebox UI to nG2</a:t>
-            </a:r>
-            <a:endParaRPr lang="en-US" sz="800" dirty="0"/>
+              <a:t>consist of...</a:t>
+            </a:r>
+          </a:p>
+          <a:p>
+            <a:pPr marL="800100" lvl="1" indent="-342900" algn="l">
+              <a:buFont typeface="Arial"/>
+              <a:buChar char="•"/>
+            </a:pPr>
+            <a:r>
+              <a:rPr lang="en-US" sz="1600" dirty="0" smtClean="0"/>
+              <a:t>A component definition object (CDO)</a:t>
+            </a:r>
+          </a:p>
+          <a:p>
+            <a:pPr marL="800100" lvl="1" indent="-342900" algn="l">
+              <a:buFont typeface="Arial"/>
+              <a:buChar char="•"/>
+            </a:pPr>
+            <a:r>
+              <a:rPr lang="en-US" sz="1600" dirty="0" smtClean="0"/>
+              <a:t>Template</a:t>
+            </a:r>
+            <a:endParaRPr lang="en-US" sz="1600" dirty="0"/>
+          </a:p>
+          <a:p>
+            <a:pPr marL="800100" lvl="1" indent="-342900" algn="l">
+              <a:buFont typeface="Arial"/>
+              <a:buChar char="•"/>
+            </a:pPr>
+            <a:r>
+              <a:rPr lang="en-US" sz="1600" dirty="0" smtClean="0"/>
+              <a:t>An </a:t>
+            </a:r>
+            <a:r>
+              <a:rPr lang="en-US" sz="1600" dirty="0"/>
+              <a:t>API to communicate outside (Input and Output props</a:t>
+            </a:r>
+            <a:r>
+              <a:rPr lang="en-US" sz="1600" dirty="0" smtClean="0"/>
+              <a:t>)</a:t>
+            </a:r>
+          </a:p>
+          <a:p>
+            <a:pPr marL="342900" indent="-342900" algn="l">
+              <a:buFont typeface="Arial"/>
+              <a:buChar char="•"/>
+            </a:pPr>
+            <a:r>
+              <a:rPr lang="en-US" sz="2000" dirty="0" smtClean="0"/>
+              <a:t>Changes</a:t>
+            </a:r>
+          </a:p>
+          <a:p>
+            <a:pPr marL="800100" lvl="1" indent="-342900" algn="l">
+              <a:buFont typeface="Arial"/>
+              <a:buChar char="•"/>
+            </a:pPr>
+            <a:r>
+              <a:rPr lang="en-US" sz="1600" dirty="0" smtClean="0"/>
+              <a:t>$scope is gone. Store data directly as properties of the CDO</a:t>
+            </a:r>
+          </a:p>
+          <a:p>
+            <a:pPr marL="800100" lvl="1" indent="-342900" algn="l">
+              <a:buFont typeface="Arial"/>
+              <a:buChar char="•"/>
+            </a:pPr>
+            <a:r>
+              <a:rPr lang="en-US" sz="1600" dirty="0" smtClean="0"/>
+              <a:t>Controllers are gone. CDO coordinates bindings between View and Model</a:t>
+            </a:r>
+            <a:endParaRPr lang="en-US" sz="1600" dirty="0"/>
           </a:p>
         </p:txBody>
       </p:sp>
     </p:spTree>
     <p:extLst>
       <p:ext uri="{BB962C8B-B14F-4D97-AF65-F5344CB8AC3E}">
-        <p14:creationId xmlns:p14="http://schemas.microsoft.com/office/powerpoint/2010/main" val="1900653321"/>
+        <p14:creationId xmlns:p14="http://schemas.microsoft.com/office/powerpoint/2010/main" val="4200027496"/>
       </p:ext>
     </p:extLst>
   </p:cSld>
@@ -4981,8 +5140,12 @@
           <a:lstStyle/>
           <a:p>
             <a:r>
+              <a:rPr lang="en-US" dirty="0" smtClean="0"/>
+              <a:t>Angular </a:t>
+            </a:r>
+            <a:r>
               <a:rPr lang="en-US" dirty="0"/>
-              <a:t>Forms and validation</a:t>
+              <a:t>2</a:t>
             </a:r>
           </a:p>
         </p:txBody>
@@ -5005,7 +5168,7 @@
         </p:spPr>
         <p:txBody>
           <a:bodyPr>
-            <a:normAutofit fontScale="92500" lnSpcReduction="10000"/>
+            <a:normAutofit/>
           </a:bodyPr>
           <a:lstStyle/>
           <a:p>
@@ -5014,17 +5177,120 @@
               <a:buChar char="•"/>
             </a:pPr>
             <a:r>
+              <a:rPr lang="en-US" sz="2000" dirty="0" smtClean="0"/>
+              <a:t>Emphasis </a:t>
+            </a:r>
+          </a:p>
+          <a:p>
+            <a:pPr marL="800100" lvl="1" indent="-342900" algn="l">
+              <a:buFont typeface="Arial"/>
+              <a:buChar char="•"/>
+            </a:pPr>
+            <a:r>
+              <a:rPr lang="en-US" sz="2000" dirty="0" smtClean="0"/>
+              <a:t>Aligning with </a:t>
+            </a:r>
+            <a:r>
+              <a:rPr lang="en-US" sz="2000" dirty="0"/>
+              <a:t>HTML5 web </a:t>
+            </a:r>
+            <a:r>
+              <a:rPr lang="en-US" sz="2000" dirty="0" smtClean="0"/>
+              <a:t>components</a:t>
+            </a:r>
+          </a:p>
+          <a:p>
+            <a:pPr marL="800100" lvl="1" indent="-342900" algn="l">
+              <a:buFont typeface="Arial"/>
+              <a:buChar char="•"/>
+            </a:pPr>
+            <a:r>
               <a:rPr lang="en-US" sz="2000" dirty="0" err="1" smtClean="0"/>
-              <a:t>ngModel</a:t>
+              <a:t>Simplifyling</a:t>
+            </a:r>
+            <a:r>
+              <a:rPr lang="en-US" sz="2000" dirty="0" smtClean="0"/>
+              <a:t> API – many removals</a:t>
+            </a:r>
+          </a:p>
+          <a:p>
+            <a:pPr marL="342900" indent="-342900" algn="l">
+              <a:buFont typeface="Arial"/>
+              <a:buChar char="•"/>
+            </a:pPr>
+            <a:r>
+              <a:rPr lang="en-US" sz="2000" dirty="0" smtClean="0"/>
+              <a:t>Browser support</a:t>
+            </a:r>
+          </a:p>
+          <a:p>
+            <a:pPr marL="800100" lvl="1" indent="-342900" algn="l">
+              <a:buFont typeface="Arial"/>
+              <a:buChar char="•"/>
+            </a:pPr>
+            <a:r>
+              <a:rPr lang="en-US" sz="2000" dirty="0"/>
+              <a:t>Targets "evergreen" </a:t>
+            </a:r>
+            <a:r>
+              <a:rPr lang="en-US" sz="2000" dirty="0" smtClean="0"/>
+              <a:t>browsers</a:t>
+            </a:r>
+          </a:p>
+          <a:p>
+            <a:pPr marL="800100" lvl="1" indent="-342900" algn="l">
+              <a:buFont typeface="Arial"/>
+              <a:buChar char="•"/>
+            </a:pPr>
+            <a:r>
+              <a:rPr lang="en-US" sz="2000" dirty="0" smtClean="0"/>
+              <a:t>Some conflicting info online, but looks like support goes back as far as IE9</a:t>
+            </a:r>
+          </a:p>
+          <a:p>
+            <a:pPr marL="800100" lvl="1" indent="-342900" algn="l">
+              <a:buFont typeface="Arial"/>
+              <a:buChar char="•"/>
+            </a:pPr>
+            <a:r>
+              <a:rPr lang="en-US" sz="2000" dirty="0"/>
+              <a:t>https://</a:t>
+            </a:r>
+            <a:r>
+              <a:rPr lang="en-US" sz="2000" dirty="0" err="1"/>
+              <a:t>angular.io</a:t>
+            </a:r>
+            <a:r>
+              <a:rPr lang="en-US" sz="2000" dirty="0"/>
+              <a:t>/docs/</a:t>
+            </a:r>
+            <a:r>
+              <a:rPr lang="en-US" sz="2000" dirty="0" err="1"/>
+              <a:t>ts</a:t>
+            </a:r>
+            <a:r>
+              <a:rPr lang="en-US" sz="2000" dirty="0"/>
+              <a:t>/latest/guide/browser-</a:t>
+            </a:r>
+            <a:r>
+              <a:rPr lang="en-US" sz="2000" dirty="0" err="1"/>
+              <a:t>support.html</a:t>
+            </a:r>
+            <a:endParaRPr lang="en-US" sz="2000" dirty="0"/>
+          </a:p>
+          <a:p>
+            <a:pPr marL="342900" indent="-342900" algn="l">
+              <a:buFont typeface="Arial"/>
+              <a:buChar char="•"/>
+            </a:pPr>
+            <a:r>
+              <a:rPr lang="en-US" sz="2000" dirty="0" err="1" smtClean="0"/>
+              <a:t>TypeScript</a:t>
             </a:r>
             <a:r>
               <a:rPr lang="en-US" sz="2000" dirty="0" smtClean="0"/>
               <a:t> </a:t>
             </a:r>
-            <a:r>
-              <a:rPr lang="en-US" sz="2000" dirty="0"/>
-              <a:t>is still available, but forms get a new non-DOM syntax</a:t>
-            </a:r>
           </a:p>
           <a:p>
             <a:pPr marL="800100" lvl="1" indent="-342900" algn="l">
@@ -5032,12 +5298,8 @@
               <a:buChar char="•"/>
             </a:pPr>
             <a:r>
-              <a:rPr lang="en-US" sz="1600" dirty="0" smtClean="0"/>
-              <a:t>Controls </a:t>
-            </a:r>
-            <a:r>
-              <a:rPr lang="en-US" sz="1600" dirty="0"/>
-              <a:t>are built from Validators</a:t>
+              <a:rPr lang="en-US" sz="2000" dirty="0" smtClean="0"/>
+              <a:t>Officially recommended</a:t>
             </a:r>
           </a:p>
           <a:p>
@@ -5046,349 +5308,17 @@
               <a:buChar char="•"/>
             </a:pPr>
             <a:r>
-              <a:rPr lang="en-US" sz="1600" dirty="0" smtClean="0"/>
-              <a:t>email</a:t>
-            </a:r>
-            <a:r>
-              <a:rPr lang="en-US" sz="1600" dirty="0"/>
-              <a:t>: new Control("email", </a:t>
-            </a:r>
-            <a:r>
-              <a:rPr lang="en-US" sz="1600" dirty="0" err="1"/>
-              <a:t>Validators.required</a:t>
-            </a:r>
-            <a:r>
-              <a:rPr lang="en-US" sz="1600" dirty="0"/>
-              <a:t>)</a:t>
-            </a:r>
-          </a:p>
-          <a:p>
-            <a:pPr marL="800100" lvl="1" indent="-342900" algn="l">
-              <a:buFont typeface="Arial"/>
-              <a:buChar char="•"/>
-            </a:pPr>
-            <a:r>
-              <a:rPr lang="en-US" sz="1600" dirty="0" err="1" smtClean="0"/>
-              <a:t>ControlGroup</a:t>
-            </a:r>
-            <a:r>
-              <a:rPr lang="en-US" sz="1600" dirty="0" smtClean="0"/>
-              <a:t> </a:t>
-            </a:r>
-            <a:r>
-              <a:rPr lang="en-US" sz="1600" dirty="0"/>
-              <a:t>built from controls</a:t>
-            </a:r>
-          </a:p>
-          <a:p>
-            <a:pPr marL="800100" lvl="1" indent="-342900" algn="l">
-              <a:buFont typeface="Arial"/>
-              <a:buChar char="•"/>
-            </a:pPr>
-            <a:r>
-              <a:rPr lang="en-US" sz="1600" dirty="0" err="1" smtClean="0"/>
-              <a:t>FormBuilder</a:t>
-            </a:r>
-            <a:r>
-              <a:rPr lang="en-US" sz="1600" dirty="0" smtClean="0"/>
-              <a:t> </a:t>
-            </a:r>
-            <a:r>
-              <a:rPr lang="en-US" sz="1600" dirty="0"/>
-              <a:t>available as sugar for creating the whole </a:t>
-            </a:r>
-            <a:r>
-              <a:rPr lang="en-US" sz="1600" dirty="0" err="1"/>
-              <a:t>kaboodle</a:t>
-            </a:r>
-            <a:endParaRPr lang="en-US" sz="1600" dirty="0"/>
-          </a:p>
-          <a:p>
-            <a:pPr marL="342900" indent="-342900" algn="l">
-              <a:buFont typeface="Arial"/>
-              <a:buChar char="•"/>
-            </a:pPr>
-            <a:r>
-              <a:rPr lang="en-US" sz="2000" dirty="0" err="1" smtClean="0"/>
-              <a:t>ngControl</a:t>
-            </a:r>
-            <a:endParaRPr lang="en-US" sz="2000" dirty="0"/>
-          </a:p>
-          <a:p>
-            <a:pPr marL="800100" lvl="1" indent="-342900" algn="l">
-              <a:buFont typeface="Arial"/>
-              <a:buChar char="•"/>
-            </a:pPr>
-            <a:r>
-              <a:rPr lang="en-US" sz="1600" dirty="0" smtClean="0"/>
-              <a:t>Tracks </a:t>
-            </a:r>
-            <a:r>
-              <a:rPr lang="en-US" sz="1600" dirty="0"/>
-              <a:t>state and validity by creating Control object</a:t>
-            </a:r>
-          </a:p>
-          <a:p>
-            <a:pPr marL="800100" lvl="1" indent="-342900" algn="l">
-              <a:buFont typeface="Arial"/>
-              <a:buChar char="•"/>
-            </a:pPr>
-            <a:r>
-              <a:rPr lang="en-US" sz="1600" dirty="0" smtClean="0"/>
-              <a:t>Applies </a:t>
-            </a:r>
-            <a:r>
-              <a:rPr lang="en-US" sz="1600" dirty="0"/>
-              <a:t>classes to element based on UI actions:</a:t>
-            </a:r>
-          </a:p>
-          <a:p>
-            <a:pPr marL="800100" lvl="1" indent="-342900" algn="l">
-              <a:buFont typeface="Arial"/>
-              <a:buChar char="•"/>
-            </a:pPr>
-            <a:r>
-              <a:rPr lang="en-US" sz="1600" dirty="0" smtClean="0"/>
-              <a:t>Control </a:t>
-            </a:r>
-            <a:r>
-              <a:rPr lang="en-US" sz="1600" dirty="0"/>
-              <a:t>visited: </a:t>
-            </a:r>
-            <a:r>
-              <a:rPr lang="en-US" sz="1600" dirty="0" err="1"/>
-              <a:t>ng</a:t>
-            </a:r>
-            <a:r>
-              <a:rPr lang="en-US" sz="1600" dirty="0"/>
-              <a:t>-touched/</a:t>
-            </a:r>
-            <a:r>
-              <a:rPr lang="en-US" sz="1600" dirty="0" err="1"/>
-              <a:t>ng</a:t>
-            </a:r>
-            <a:r>
-              <a:rPr lang="en-US" sz="1600" dirty="0"/>
-              <a:t>-untouched</a:t>
-            </a:r>
-          </a:p>
-          <a:p>
-            <a:pPr marL="800100" lvl="1" indent="-342900" algn="l">
-              <a:buFont typeface="Arial"/>
-              <a:buChar char="•"/>
-            </a:pPr>
-            <a:r>
-              <a:rPr lang="en-US" sz="1600" dirty="0" smtClean="0"/>
-              <a:t>Controls </a:t>
-            </a:r>
-            <a:r>
-              <a:rPr lang="en-US" sz="1600" dirty="0"/>
-              <a:t>value changed: </a:t>
-            </a:r>
-            <a:r>
-              <a:rPr lang="en-US" sz="1600" dirty="0" err="1"/>
-              <a:t>ng</a:t>
-            </a:r>
-            <a:r>
-              <a:rPr lang="en-US" sz="1600" dirty="0"/>
-              <a:t>-dirty/</a:t>
-            </a:r>
-            <a:r>
-              <a:rPr lang="en-US" sz="1600" dirty="0" err="1"/>
-              <a:t>ng</a:t>
-            </a:r>
-            <a:r>
-              <a:rPr lang="en-US" sz="1600" dirty="0"/>
-              <a:t>-pristine</a:t>
-            </a:r>
-          </a:p>
-          <a:p>
-            <a:pPr marL="800100" lvl="1" indent="-342900" algn="l">
-              <a:buFont typeface="Arial"/>
-              <a:buChar char="•"/>
-            </a:pPr>
-            <a:r>
-              <a:rPr lang="en-US" sz="1600" dirty="0" smtClean="0"/>
-              <a:t>Controls </a:t>
-            </a:r>
-            <a:r>
-              <a:rPr lang="en-US" sz="1600" dirty="0"/>
-              <a:t>value valid:  </a:t>
-            </a:r>
-            <a:r>
-              <a:rPr lang="en-US" sz="1600" dirty="0" err="1"/>
-              <a:t>ng</a:t>
-            </a:r>
-            <a:r>
-              <a:rPr lang="en-US" sz="1600" dirty="0"/>
-              <a:t>-valid/</a:t>
-            </a:r>
-            <a:r>
-              <a:rPr lang="en-US" sz="1600" dirty="0" err="1"/>
-              <a:t>ng</a:t>
-            </a:r>
-            <a:r>
-              <a:rPr lang="en-US" sz="1600" dirty="0"/>
-              <a:t>-</a:t>
-            </a:r>
-            <a:r>
-              <a:rPr lang="en-US" sz="1600" dirty="0" smtClean="0"/>
-              <a:t>invalid</a:t>
-            </a:r>
-            <a:endParaRPr lang="en-US" sz="1600" dirty="0"/>
-          </a:p>
-          <a:p>
-            <a:pPr marL="457200" indent="-457200" algn="l">
-              <a:buFont typeface="Arial"/>
-              <a:buChar char="•"/>
-            </a:pPr>
-            <a:r>
-              <a:rPr lang="en-US" sz="2100" dirty="0"/>
-              <a:t> </a:t>
-            </a:r>
-            <a:r>
-              <a:rPr lang="en-US" sz="2100" dirty="0" smtClean="0"/>
-              <a:t>Form </a:t>
-            </a:r>
-            <a:r>
-              <a:rPr lang="en-US" sz="2100" dirty="0"/>
-              <a:t>gotchas</a:t>
-            </a:r>
-          </a:p>
-          <a:p>
-            <a:pPr marL="914400" lvl="1" indent="-457200" algn="l">
-              <a:buFont typeface="Arial"/>
-              <a:buChar char="•"/>
-            </a:pPr>
-            <a:r>
-              <a:rPr lang="en-US" sz="1600" dirty="0" err="1" smtClean="0"/>
-              <a:t>nG</a:t>
-            </a:r>
-            <a:r>
-              <a:rPr lang="en-US" sz="1600" dirty="0" smtClean="0"/>
-              <a:t> </a:t>
-            </a:r>
-            <a:r>
-              <a:rPr lang="en-US" sz="1600" dirty="0"/>
-              <a:t>adds </a:t>
-            </a:r>
-            <a:r>
-              <a:rPr lang="en-US" sz="1600" dirty="0" err="1"/>
-              <a:t>ngForm</a:t>
-            </a:r>
-            <a:r>
-              <a:rPr lang="en-US" sz="1600" dirty="0"/>
-              <a:t> directive to &lt;form&gt; automatically</a:t>
-            </a:r>
-          </a:p>
-          <a:p>
-            <a:pPr marL="914400" lvl="1" indent="-457200" algn="l">
-              <a:buFont typeface="Arial"/>
-              <a:buChar char="•"/>
-            </a:pPr>
-            <a:r>
-              <a:rPr lang="en-US" sz="1600" dirty="0" err="1" smtClean="0"/>
-              <a:t>NgForm</a:t>
-            </a:r>
-            <a:r>
-              <a:rPr lang="en-US" sz="1600" dirty="0"/>
-              <a:t>, </a:t>
-            </a:r>
-            <a:r>
-              <a:rPr lang="en-US" sz="1600" dirty="0" err="1"/>
-              <a:t>NgModel</a:t>
-            </a:r>
-            <a:r>
-              <a:rPr lang="en-US" sz="1600" dirty="0"/>
-              <a:t>, </a:t>
-            </a:r>
-            <a:r>
-              <a:rPr lang="en-US" sz="1600" dirty="0" err="1"/>
-              <a:t>NgControlName</a:t>
-            </a:r>
-            <a:r>
-              <a:rPr lang="en-US" sz="1600" dirty="0"/>
-              <a:t> and </a:t>
-            </a:r>
-            <a:r>
-              <a:rPr lang="en-US" sz="1600" dirty="0" err="1"/>
-              <a:t>NgControlGroup</a:t>
-            </a:r>
-            <a:r>
-              <a:rPr lang="en-US" sz="1600" dirty="0"/>
-              <a:t> all </a:t>
-            </a:r>
-            <a:r>
-              <a:rPr lang="en-US" sz="1600" dirty="0" err="1"/>
-              <a:t>exportAs</a:t>
-            </a:r>
-            <a:r>
-              <a:rPr lang="en-US" sz="1600" dirty="0"/>
-              <a:t> "</a:t>
-            </a:r>
-            <a:r>
-              <a:rPr lang="en-US" sz="1600" dirty="0" err="1" smtClean="0"/>
-              <a:t>ngForm</a:t>
-            </a:r>
-            <a:r>
-              <a:rPr lang="en-US" sz="1600" dirty="0" smtClean="0"/>
-              <a:t>”</a:t>
-            </a:r>
-          </a:p>
-          <a:p>
-            <a:pPr marL="914400" lvl="1" indent="-457200" algn="l">
-              <a:buFont typeface="Arial"/>
-              <a:buChar char="•"/>
-            </a:pPr>
-            <a:r>
-              <a:rPr lang="en-US" sz="1600" dirty="0" err="1" smtClean="0"/>
-              <a:t>ngModel</a:t>
-            </a:r>
-            <a:r>
-              <a:rPr lang="en-US" sz="1600" dirty="0" smtClean="0"/>
-              <a:t> overridden when any other applied to same element</a:t>
-            </a:r>
-          </a:p>
-          <a:p>
-            <a:pPr marL="914400" lvl="1" indent="-457200" algn="l">
-              <a:buFont typeface="Arial"/>
-              <a:buChar char="•"/>
-            </a:pPr>
-            <a:r>
-              <a:rPr lang="en-US" sz="1900" dirty="0" err="1" smtClean="0"/>
-              <a:t>ngControl</a:t>
-            </a:r>
-            <a:r>
-              <a:rPr lang="en-US" sz="1900" dirty="0" smtClean="0"/>
-              <a:t> </a:t>
-            </a:r>
-            <a:r>
-              <a:rPr lang="en-US" sz="1900" dirty="0"/>
-              <a:t>attribute =&gt; directive </a:t>
-            </a:r>
-            <a:r>
-              <a:rPr lang="en-US" sz="1900" dirty="0" err="1"/>
-              <a:t>ngControlName</a:t>
-            </a:r>
-            <a:r>
-              <a:rPr lang="en-US" sz="1900" dirty="0"/>
-              <a:t> (</a:t>
-            </a:r>
-            <a:r>
-              <a:rPr lang="en-US" sz="1900" dirty="0" err="1"/>
-              <a:t>ngControl</a:t>
-            </a:r>
-            <a:r>
-              <a:rPr lang="en-US" sz="1900" dirty="0"/>
-              <a:t> is abstract)</a:t>
-            </a:r>
+              <a:rPr lang="en-US" sz="2000" dirty="0" smtClean="0"/>
+              <a:t>Documentation is written in TS</a:t>
+            </a:r>
+            <a:endParaRPr lang="is-IS" sz="2000" dirty="0"/>
           </a:p>
         </p:txBody>
       </p:sp>
     </p:spTree>
     <p:extLst>
       <p:ext uri="{BB962C8B-B14F-4D97-AF65-F5344CB8AC3E}">
-        <p14:creationId xmlns:p14="http://schemas.microsoft.com/office/powerpoint/2010/main" val="1484393367"/>
+        <p14:creationId xmlns:p14="http://schemas.microsoft.com/office/powerpoint/2010/main" val="2614652572"/>
       </p:ext>
     </p:extLst>
   </p:cSld>
@@ -5442,11 +5372,15 @@
           <a:bodyPr/>
           <a:lstStyle/>
           <a:p>
-            <a:pPr marL="342900" indent="-342900"/>
             <a:r>
               <a:rPr lang="en-US" dirty="0"/>
-              <a:t>Template reference variables</a:t>
-            </a:r>
+              <a:t>Angular </a:t>
+            </a:r>
+            <a:r>
+              <a:rPr lang="en-US" dirty="0" smtClean="0"/>
+              <a:t>2</a:t>
+            </a:r>
+            <a:endParaRPr lang="en-US" dirty="0"/>
           </a:p>
         </p:txBody>
       </p:sp>
@@ -5472,29 +5406,144 @@
           </a:bodyPr>
           <a:lstStyle/>
           <a:p>
+            <a:pPr algn="l"/>
+            <a:r>
+              <a:rPr lang="en-US" sz="2400" dirty="0"/>
+              <a:t>Major changes</a:t>
+            </a:r>
+          </a:p>
+          <a:p>
             <a:pPr marL="342900" indent="-342900" algn="l">
               <a:buFont typeface="Arial"/>
               <a:buChar char="•"/>
             </a:pPr>
             <a:r>
               <a:rPr lang="en-US" sz="2000" dirty="0" smtClean="0"/>
-              <a:t>Add </a:t>
+              <a:t>The </a:t>
             </a:r>
             <a:r>
               <a:rPr lang="en-US" sz="2000" dirty="0"/>
-              <a:t>#</a:t>
-            </a:r>
-            <a:r>
-              <a:rPr lang="en-US" sz="2000" dirty="0" err="1"/>
-              <a:t>varname</a:t>
+              <a:t>central API is now Components</a:t>
+            </a:r>
+          </a:p>
+          <a:p>
+            <a:pPr marL="342900" indent="-342900" algn="l">
+              <a:buFont typeface="Arial"/>
+              <a:buChar char="•"/>
+            </a:pPr>
+            <a:r>
+              <a:rPr lang="en-US" sz="2000" dirty="0" smtClean="0"/>
+              <a:t>Components are a type of Directive, those are still around</a:t>
+            </a:r>
+          </a:p>
+          <a:p>
+            <a:pPr marL="342900" indent="-342900" algn="l">
+              <a:buFont typeface="Arial"/>
+              <a:buChar char="•"/>
+            </a:pPr>
+            <a:r>
+              <a:rPr lang="en-US" sz="2000" dirty="0" smtClean="0"/>
+              <a:t>Providers are still around, but their sugar/subtypes have been removed</a:t>
+            </a:r>
+          </a:p>
+          <a:p>
+            <a:pPr marL="342900" indent="-342900" algn="l">
+              <a:buFont typeface="Arial"/>
+              <a:buChar char="•"/>
+            </a:pPr>
+            <a:r>
+              <a:rPr lang="en-US" sz="2000" dirty="0" smtClean="0"/>
+              <a:t>Large </a:t>
             </a:r>
             <a:r>
               <a:rPr lang="en-US" sz="2000" dirty="0"/>
-              <a:t> as an </a:t>
-            </a:r>
+              <a:t>portions of the API have been removed:</a:t>
+            </a:r>
+          </a:p>
+          <a:p>
+            <a:pPr marL="800100" lvl="1" indent="-342900" algn="l">
+              <a:buFont typeface="Arial"/>
+              <a:buChar char="•"/>
+            </a:pPr>
+            <a:r>
+              <a:rPr lang="en-US" sz="1600" dirty="0" err="1" smtClean="0"/>
+              <a:t>angular.module</a:t>
+            </a:r>
+            <a:r>
+              <a:rPr lang="en-US" sz="1600" dirty="0"/>
+              <a:t>, scope, controllers, filters, </a:t>
+            </a:r>
+            <a:r>
+              <a:rPr lang="en-US" sz="1600" dirty="0" err="1"/>
+              <a:t>ng</a:t>
+            </a:r>
+            <a:r>
+              <a:rPr lang="en-US" sz="1600" dirty="0"/>
+              <a:t>-app</a:t>
+            </a:r>
+          </a:p>
+          <a:p>
+            <a:pPr marL="342900" indent="-342900" algn="l">
+              <a:buFont typeface="Arial"/>
+              <a:buChar char="•"/>
+            </a:pPr>
             <a:r>
               <a:rPr lang="en-US" sz="2000" dirty="0" smtClean="0"/>
-              <a:t>attribute</a:t>
+              <a:t>Greater </a:t>
+            </a:r>
+            <a:r>
+              <a:rPr lang="en-US" sz="2000" dirty="0"/>
+              <a:t>reliance on dependency injection</a:t>
+            </a:r>
+          </a:p>
+          <a:p>
+            <a:pPr marL="800100" lvl="1" indent="-342900" algn="l">
+              <a:buFont typeface="Arial"/>
+              <a:buChar char="•"/>
+            </a:pPr>
+            <a:r>
+              <a:rPr lang="en-US" sz="1600" dirty="0" smtClean="0"/>
+              <a:t>nG2 </a:t>
+            </a:r>
+            <a:r>
+              <a:rPr lang="en-US" sz="1600" dirty="0"/>
+              <a:t>only includes minimum functionality by default</a:t>
+            </a:r>
+          </a:p>
+          <a:p>
+            <a:pPr marL="800100" lvl="1" indent="-342900" algn="l">
+              <a:buFont typeface="Arial"/>
+              <a:buChar char="•"/>
+            </a:pPr>
+            <a:r>
+              <a:rPr lang="en-US" sz="1600" dirty="0" smtClean="0"/>
+              <a:t>Gotcha</a:t>
+            </a:r>
+            <a:r>
+              <a:rPr lang="en-US" sz="1600" dirty="0"/>
+              <a:t>: common "undefined" or "not a function" errors when you forget an </a:t>
+            </a:r>
+            <a:r>
+              <a:rPr lang="en-US" sz="1600" dirty="0" smtClean="0"/>
+              <a:t>import</a:t>
+            </a:r>
+          </a:p>
+          <a:p>
+            <a:pPr algn="l"/>
+            <a:r>
+              <a:rPr lang="en-US" sz="2400" dirty="0" smtClean="0"/>
+              <a:t>Relatively unchanged</a:t>
+            </a:r>
+            <a:endParaRPr lang="en-US" sz="2400" dirty="0"/>
+          </a:p>
+          <a:p>
+            <a:pPr marL="342900" indent="-342900" algn="l">
+              <a:buFont typeface="Arial"/>
+              <a:buChar char="•"/>
+            </a:pPr>
+            <a:r>
+              <a:rPr lang="en-US" sz="2000" dirty="0" smtClean="0"/>
+              <a:t>Directives</a:t>
             </a:r>
             <a:endParaRPr lang="en-US" sz="2000" dirty="0"/>
           </a:p>
@@ -5504,12 +5553,8 @@
               <a:buChar char="•"/>
             </a:pPr>
             <a:r>
-              <a:rPr lang="en-US" sz="2000" dirty="0" smtClean="0"/>
-              <a:t>References </a:t>
-            </a:r>
-            <a:r>
               <a:rPr lang="en-US" sz="2000" dirty="0"/>
-              <a:t>element by default</a:t>
+              <a:t>Providers are still around, but their sugar/subtypes have been removed</a:t>
             </a:r>
           </a:p>
           <a:p>
@@ -5517,142 +5562,14 @@
               <a:buFont typeface="Arial"/>
               <a:buChar char="•"/>
             </a:pPr>
-            <a:r>
-              <a:rPr lang="en-US" sz="1600" dirty="0" smtClean="0"/>
-              <a:t>&lt;</a:t>
-            </a:r>
-            <a:r>
-              <a:rPr lang="en-US" sz="1600" dirty="0"/>
-              <a:t>input #phone placeholder="phone number"&gt;</a:t>
-            </a:r>
-          </a:p>
-          <a:p>
-            <a:pPr marL="800100" lvl="1" indent="-342900" algn="l">
-              <a:buFont typeface="Arial"/>
-              <a:buChar char="•"/>
-            </a:pPr>
-            <a:r>
-              <a:rPr lang="en-US" sz="1600" dirty="0" smtClean="0"/>
-              <a:t>&lt;</a:t>
-            </a:r>
-            <a:r>
-              <a:rPr lang="en-US" sz="1600" dirty="0"/>
-              <a:t>button (click)="</a:t>
-            </a:r>
-            <a:r>
-              <a:rPr lang="en-US" sz="1600" dirty="0" err="1"/>
-              <a:t>callPhone</a:t>
-            </a:r>
-            <a:r>
-              <a:rPr lang="en-US" sz="1600" dirty="0"/>
-              <a:t>(</a:t>
-            </a:r>
-            <a:r>
-              <a:rPr lang="en-US" sz="1600" dirty="0" err="1"/>
-              <a:t>phone.value</a:t>
-            </a:r>
-            <a:r>
-              <a:rPr lang="en-US" sz="1600" dirty="0"/>
-              <a:t>)"&gt;Call&lt;/button&gt;</a:t>
-            </a:r>
-          </a:p>
-          <a:p>
-            <a:pPr marL="342900" indent="-342900" algn="l">
-              <a:buFont typeface="Arial"/>
-              <a:buChar char="•"/>
-            </a:pPr>
-            <a:r>
-              <a:rPr lang="en-US" sz="2000" dirty="0"/>
-              <a:t>  </a:t>
-            </a:r>
-            <a:r>
-              <a:rPr lang="en-US" sz="2000" dirty="0" smtClean="0"/>
-              <a:t>Or</a:t>
-            </a:r>
-            <a:r>
-              <a:rPr lang="en-US" sz="2000" dirty="0"/>
-              <a:t>, assign </a:t>
-            </a:r>
-            <a:r>
-              <a:rPr lang="en-US" sz="2000" dirty="0" err="1"/>
-              <a:t>var</a:t>
-            </a:r>
-            <a:r>
-              <a:rPr lang="en-US" sz="2000" dirty="0"/>
-              <a:t> to form data</a:t>
-            </a:r>
-          </a:p>
-          <a:p>
-            <a:pPr marL="800100" lvl="1" indent="-342900" algn="l">
-              <a:buFont typeface="Arial"/>
-              <a:buChar char="•"/>
-            </a:pPr>
-            <a:r>
-              <a:rPr lang="en-US" sz="1600" dirty="0" smtClean="0"/>
-              <a:t>&lt;</a:t>
-            </a:r>
-            <a:r>
-              <a:rPr lang="en-US" sz="1600" dirty="0"/>
-              <a:t>input </a:t>
-            </a:r>
-            <a:r>
-              <a:rPr lang="en-US" sz="1600" dirty="0" err="1"/>
-              <a:t>ngControl</a:t>
-            </a:r>
-            <a:r>
-              <a:rPr lang="en-US" sz="1600" dirty="0"/>
-              <a:t>="username"  #name="</a:t>
-            </a:r>
-            <a:r>
-              <a:rPr lang="en-US" sz="1600" dirty="0" err="1"/>
-              <a:t>ngForm</a:t>
-            </a:r>
-            <a:r>
-              <a:rPr lang="en-US" sz="1600" dirty="0"/>
-              <a:t>" &gt;</a:t>
-            </a:r>
-          </a:p>
-          <a:p>
-            <a:pPr marL="800100" lvl="1" indent="-342900" algn="l">
-              <a:buFont typeface="Arial"/>
-              <a:buChar char="•"/>
-            </a:pPr>
-            <a:r>
-              <a:rPr lang="en-US" sz="1600" dirty="0" smtClean="0"/>
-              <a:t>&lt;</a:t>
-            </a:r>
-            <a:r>
-              <a:rPr lang="en-US" sz="1600" dirty="0"/>
-              <a:t>div [hidden]="</a:t>
-            </a:r>
-            <a:r>
-              <a:rPr lang="en-US" sz="1600" dirty="0" err="1"/>
-              <a:t>name.valid</a:t>
-            </a:r>
-            <a:r>
-              <a:rPr lang="en-US" sz="1600" dirty="0"/>
-              <a:t> || </a:t>
-            </a:r>
-            <a:r>
-              <a:rPr lang="en-US" sz="1600" dirty="0" err="1"/>
-              <a:t>name.pristine</a:t>
-            </a:r>
-            <a:r>
-              <a:rPr lang="en-US" sz="1600" dirty="0"/>
-              <a:t>" class="alert alert-</a:t>
-            </a:r>
-            <a:r>
-              <a:rPr lang="en-US" sz="1600" dirty="0" smtClean="0"/>
-              <a:t>danger”&gt;</a:t>
-            </a:r>
-            <a:endParaRPr lang="en-US" sz="1600" dirty="0"/>
+            <a:endParaRPr lang="is-IS" sz="800" dirty="0"/>
           </a:p>
         </p:txBody>
       </p:sp>
     </p:spTree>
     <p:extLst>
       <p:ext uri="{BB962C8B-B14F-4D97-AF65-F5344CB8AC3E}">
-        <p14:creationId xmlns:p14="http://schemas.microsoft.com/office/powerpoint/2010/main" val="3880746114"/>
+        <p14:creationId xmlns:p14="http://schemas.microsoft.com/office/powerpoint/2010/main" val="2565676434"/>
       </p:ext>
     </p:extLst>
   </p:cSld>
@@ -5708,15 +5625,7 @@
           <a:p>
             <a:r>
               <a:rPr lang="en-US" dirty="0" smtClean="0"/>
-              <a:t>Day </a:t>
-            </a:r>
-            <a:r>
-              <a:rPr lang="en-US" dirty="0" smtClean="0"/>
-              <a:t>4 </a:t>
-            </a:r>
-            <a:r>
-              <a:rPr lang="en-US" dirty="0" smtClean="0"/>
-              <a:t>Schedule</a:t>
+              <a:t>Day 4 Schedule</a:t>
             </a:r>
             <a:endParaRPr lang="en-US" dirty="0"/>
           </a:p>
@@ -5809,6 +5718,1951 @@
   <p:clrMapOvr>
     <a:masterClrMapping/>
   </p:clrMapOvr>
+</p:sld>
+</file>
+
+<file path=ppt/slides/slide20.xml><?xml version="1.0" encoding="utf-8"?>
+<p:sld xmlns:a="http://schemas.openxmlformats.org/drawingml/2006/main" xmlns:r="http://schemas.openxmlformats.org/officeDocument/2006/relationships" xmlns:p="http://schemas.openxmlformats.org/presentationml/2006/main">
+  <p:cSld>
+    <p:spTree>
+      <p:nvGrpSpPr>
+        <p:cNvPr id="1" name=""/>
+        <p:cNvGrpSpPr/>
+        <p:nvPr/>
+      </p:nvGrpSpPr>
+      <p:grpSpPr>
+        <a:xfrm>
+          <a:off x="0" y="0"/>
+          <a:ext cx="0" cy="0"/>
+          <a:chOff x="0" y="0"/>
+          <a:chExt cx="0" cy="0"/>
+        </a:xfrm>
+      </p:grpSpPr>
+      <p:sp>
+        <p:nvSpPr>
+          <p:cNvPr id="2" name="Title 1"/>
+          <p:cNvSpPr>
+            <a:spLocks noGrp="1"/>
+          </p:cNvSpPr>
+          <p:nvPr>
+            <p:ph type="ctrTitle"/>
+          </p:nvPr>
+        </p:nvSpPr>
+        <p:spPr>
+          <a:xfrm>
+            <a:off x="685800" y="160685"/>
+            <a:ext cx="7772400" cy="1470025"/>
+          </a:xfrm>
+        </p:spPr>
+        <p:txBody>
+          <a:bodyPr/>
+          <a:lstStyle/>
+          <a:p>
+            <a:r>
+              <a:rPr lang="en-US" dirty="0"/>
+              <a:t>Angular </a:t>
+            </a:r>
+            <a:r>
+              <a:rPr lang="en-US" dirty="0" smtClean="0"/>
+              <a:t>2</a:t>
+            </a:r>
+            <a:endParaRPr lang="en-US" dirty="0"/>
+          </a:p>
+        </p:txBody>
+      </p:sp>
+      <p:sp>
+        <p:nvSpPr>
+          <p:cNvPr id="3" name="Subtitle 2"/>
+          <p:cNvSpPr>
+            <a:spLocks noGrp="1"/>
+          </p:cNvSpPr>
+          <p:nvPr>
+            <p:ph type="subTitle" idx="1"/>
+          </p:nvPr>
+        </p:nvSpPr>
+        <p:spPr>
+          <a:xfrm>
+            <a:off x="454651" y="1630710"/>
+            <a:ext cx="8371875" cy="4609893"/>
+          </a:xfrm>
+        </p:spPr>
+        <p:txBody>
+          <a:bodyPr>
+            <a:normAutofit/>
+          </a:bodyPr>
+          <a:lstStyle/>
+          <a:p>
+            <a:pPr algn="l"/>
+            <a:r>
+              <a:rPr lang="en-US" sz="2400" dirty="0"/>
+              <a:t>Advantages gained</a:t>
+            </a:r>
+          </a:p>
+          <a:p>
+            <a:pPr marL="342900" indent="-342900" algn="l">
+              <a:buFont typeface="Arial"/>
+              <a:buChar char="•"/>
+            </a:pPr>
+            <a:r>
+              <a:rPr lang="en-US" sz="2000" dirty="0" smtClean="0"/>
+              <a:t>Smaller</a:t>
+            </a:r>
+            <a:r>
+              <a:rPr lang="en-US" sz="2000" dirty="0"/>
+              <a:t>, more consistent API</a:t>
+            </a:r>
+          </a:p>
+          <a:p>
+            <a:pPr marL="342900" indent="-342900" algn="l">
+              <a:buFont typeface="Arial"/>
+              <a:buChar char="•"/>
+            </a:pPr>
+            <a:r>
+              <a:rPr lang="en-US" sz="2000" dirty="0" smtClean="0"/>
+              <a:t>Greater </a:t>
+            </a:r>
+            <a:r>
+              <a:rPr lang="en-US" sz="2000" dirty="0"/>
+              <a:t>modularity/DI - import only what you need means smaller downloads</a:t>
+            </a:r>
+          </a:p>
+          <a:p>
+            <a:pPr marL="342900" indent="-342900" algn="l">
+              <a:buFont typeface="Arial"/>
+              <a:buChar char="•"/>
+            </a:pPr>
+            <a:r>
+              <a:rPr lang="en-US" sz="2000" dirty="0" smtClean="0"/>
+              <a:t>Greater </a:t>
+            </a:r>
+            <a:r>
+              <a:rPr lang="en-US" sz="2000" dirty="0"/>
+              <a:t>separation from DOM - testing, IDE support</a:t>
+            </a:r>
+          </a:p>
+          <a:p>
+            <a:pPr marL="342900" indent="-342900" algn="l">
+              <a:buFont typeface="Arial"/>
+              <a:buChar char="•"/>
+            </a:pPr>
+            <a:r>
+              <a:rPr lang="en-US" sz="2000" dirty="0" smtClean="0"/>
+              <a:t>Performance </a:t>
+            </a:r>
+            <a:r>
+              <a:rPr lang="en-US" sz="2000" dirty="0"/>
+              <a:t>speedups primarily due to jettisoning digest checking</a:t>
+            </a:r>
+          </a:p>
+          <a:p>
+            <a:pPr marL="342900" indent="-342900" algn="l">
+              <a:buFont typeface="Arial"/>
+              <a:buChar char="•"/>
+            </a:pPr>
+            <a:r>
+              <a:rPr lang="en-US" sz="2000" dirty="0" smtClean="0"/>
+              <a:t>Aligns </a:t>
+            </a:r>
+            <a:r>
+              <a:rPr lang="en-US" sz="2000" dirty="0"/>
+              <a:t>closer with the future of web components</a:t>
+            </a:r>
+            <a:endParaRPr lang="is-IS" sz="800" dirty="0"/>
+          </a:p>
+        </p:txBody>
+      </p:sp>
+    </p:spTree>
+    <p:extLst>
+      <p:ext uri="{BB962C8B-B14F-4D97-AF65-F5344CB8AC3E}">
+        <p14:creationId xmlns:p14="http://schemas.microsoft.com/office/powerpoint/2010/main" val="2035884072"/>
+      </p:ext>
+    </p:extLst>
+  </p:cSld>
+  <p:clrMapOvr>
+    <a:masterClrMapping/>
+  </p:clrMapOvr>
+  <p:timing>
+    <p:tnLst>
+      <p:par>
+        <p:cTn xmlns:p14="http://schemas.microsoft.com/office/powerpoint/2010/main" id="1" dur="indefinite" restart="never" nodeType="tmRoot"/>
+      </p:par>
+    </p:tnLst>
+  </p:timing>
+</p:sld>
+</file>
+
+<file path=ppt/slides/slide21.xml><?xml version="1.0" encoding="utf-8"?>
+<p:sld xmlns:a="http://schemas.openxmlformats.org/drawingml/2006/main" xmlns:r="http://schemas.openxmlformats.org/officeDocument/2006/relationships" xmlns:p="http://schemas.openxmlformats.org/presentationml/2006/main">
+  <p:cSld>
+    <p:spTree>
+      <p:nvGrpSpPr>
+        <p:cNvPr id="1" name=""/>
+        <p:cNvGrpSpPr/>
+        <p:nvPr/>
+      </p:nvGrpSpPr>
+      <p:grpSpPr>
+        <a:xfrm>
+          <a:off x="0" y="0"/>
+          <a:ext cx="0" cy="0"/>
+          <a:chOff x="0" y="0"/>
+          <a:chExt cx="0" cy="0"/>
+        </a:xfrm>
+      </p:grpSpPr>
+      <p:sp>
+        <p:nvSpPr>
+          <p:cNvPr id="2" name="Title 1"/>
+          <p:cNvSpPr>
+            <a:spLocks noGrp="1"/>
+          </p:cNvSpPr>
+          <p:nvPr>
+            <p:ph type="ctrTitle"/>
+          </p:nvPr>
+        </p:nvSpPr>
+        <p:spPr>
+          <a:xfrm>
+            <a:off x="685800" y="160685"/>
+            <a:ext cx="7772400" cy="1470025"/>
+          </a:xfrm>
+        </p:spPr>
+        <p:txBody>
+          <a:bodyPr/>
+          <a:lstStyle/>
+          <a:p>
+            <a:r>
+              <a:rPr lang="en-US" dirty="0"/>
+              <a:t>Angular </a:t>
+            </a:r>
+            <a:r>
+              <a:rPr lang="en-US" dirty="0" smtClean="0"/>
+              <a:t>2</a:t>
+            </a:r>
+            <a:endParaRPr lang="en-US" dirty="0"/>
+          </a:p>
+        </p:txBody>
+      </p:sp>
+      <p:sp>
+        <p:nvSpPr>
+          <p:cNvPr id="3" name="Subtitle 2"/>
+          <p:cNvSpPr>
+            <a:spLocks noGrp="1"/>
+          </p:cNvSpPr>
+          <p:nvPr>
+            <p:ph type="subTitle" idx="1"/>
+          </p:nvPr>
+        </p:nvSpPr>
+        <p:spPr>
+          <a:xfrm>
+            <a:off x="454651" y="1630710"/>
+            <a:ext cx="8371875" cy="4609893"/>
+          </a:xfrm>
+        </p:spPr>
+        <p:txBody>
+          <a:bodyPr>
+            <a:normAutofit lnSpcReduction="10000"/>
+          </a:bodyPr>
+          <a:lstStyle/>
+          <a:p>
+            <a:pPr algn="l"/>
+            <a:r>
+              <a:rPr lang="en-US" sz="2400" dirty="0"/>
+              <a:t>A word of caution</a:t>
+            </a:r>
+          </a:p>
+          <a:p>
+            <a:pPr marL="342900" indent="-342900" algn="l">
+              <a:buFont typeface="Arial"/>
+              <a:buChar char="•"/>
+            </a:pPr>
+            <a:r>
+              <a:rPr lang="en-US" sz="2000" dirty="0" err="1" smtClean="0"/>
+              <a:t>nG</a:t>
+            </a:r>
+            <a:r>
+              <a:rPr lang="en-US" sz="2000" dirty="0" smtClean="0"/>
+              <a:t> </a:t>
+            </a:r>
+            <a:r>
+              <a:rPr lang="en-US" sz="2000" dirty="0"/>
+              <a:t>2 </a:t>
+            </a:r>
+            <a:r>
+              <a:rPr lang="en-US" sz="2000" dirty="0" smtClean="0"/>
+              <a:t>is officially in beta. </a:t>
+            </a:r>
+            <a:r>
+              <a:rPr lang="en-US" sz="2000" dirty="0"/>
+              <a:t>What does beta mean?</a:t>
+            </a:r>
+          </a:p>
+          <a:p>
+            <a:pPr marL="342900" indent="-342900" algn="l">
+              <a:buFont typeface="Arial"/>
+              <a:buChar char="•"/>
+            </a:pPr>
+            <a:r>
+              <a:rPr lang="en-US" sz="2000" dirty="0" smtClean="0"/>
+              <a:t>"</a:t>
+            </a:r>
+            <a:r>
+              <a:rPr lang="en-US" sz="2000" dirty="0"/>
+              <a:t>we're now confident that most developers can be successful building large applications"</a:t>
+            </a:r>
+          </a:p>
+          <a:p>
+            <a:pPr marL="342900" indent="-342900" algn="l">
+              <a:buFont typeface="Arial"/>
+              <a:buChar char="•"/>
+            </a:pPr>
+            <a:r>
+              <a:rPr lang="en-US" sz="2000" dirty="0" smtClean="0"/>
+              <a:t>A </a:t>
+            </a:r>
+            <a:r>
+              <a:rPr lang="en-US" sz="2000" dirty="0"/>
+              <a:t>platform is not just its code though, also its ecosystem</a:t>
+            </a:r>
+          </a:p>
+          <a:p>
+            <a:pPr marL="342900" indent="-342900" algn="l">
+              <a:buFont typeface="Arial"/>
+              <a:buChar char="•"/>
+            </a:pPr>
+            <a:r>
+              <a:rPr lang="en-US" sz="2000" dirty="0"/>
+              <a:t>  </a:t>
+            </a:r>
+            <a:r>
+              <a:rPr lang="en-US" sz="2000" dirty="0" smtClean="0"/>
+              <a:t>Tooling </a:t>
+            </a:r>
+            <a:r>
+              <a:rPr lang="en-US" sz="2000" dirty="0"/>
+              <a:t>&amp; 3rd party library support</a:t>
+            </a:r>
+          </a:p>
+          <a:p>
+            <a:pPr marL="342900" indent="-342900" algn="l">
+              <a:buFont typeface="Arial"/>
+              <a:buChar char="•"/>
+            </a:pPr>
+            <a:r>
+              <a:rPr lang="en-US" sz="2000" dirty="0"/>
+              <a:t>  </a:t>
+            </a:r>
+            <a:r>
+              <a:rPr lang="en-US" sz="2000" dirty="0" smtClean="0"/>
+              <a:t>Documentation</a:t>
+            </a:r>
+            <a:endParaRPr lang="en-US" sz="2000" dirty="0"/>
+          </a:p>
+          <a:p>
+            <a:pPr marL="342900" indent="-342900" algn="l">
+              <a:buFont typeface="Arial"/>
+              <a:buChar char="•"/>
+            </a:pPr>
+            <a:r>
+              <a:rPr lang="en-US" sz="2000" dirty="0"/>
+              <a:t>  </a:t>
+            </a:r>
+            <a:r>
+              <a:rPr lang="en-US" sz="2000" dirty="0" smtClean="0"/>
+              <a:t>Error </a:t>
+            </a:r>
+            <a:r>
+              <a:rPr lang="en-US" sz="2000" dirty="0"/>
+              <a:t>handling messages</a:t>
+            </a:r>
+          </a:p>
+          <a:p>
+            <a:pPr marL="342900" indent="-342900" algn="l">
+              <a:buFont typeface="Arial"/>
+              <a:buChar char="•"/>
+            </a:pPr>
+            <a:r>
+              <a:rPr lang="en-US" sz="2000" dirty="0"/>
+              <a:t>  </a:t>
+            </a:r>
+            <a:r>
+              <a:rPr lang="en-US" sz="2000" dirty="0" smtClean="0"/>
+              <a:t>Community </a:t>
+            </a:r>
+            <a:r>
+              <a:rPr lang="en-US" sz="2000" dirty="0"/>
+              <a:t>support</a:t>
+            </a:r>
+          </a:p>
+          <a:p>
+            <a:pPr marL="342900" indent="-342900" algn="l">
+              <a:buFont typeface="Arial"/>
+              <a:buChar char="•"/>
+            </a:pPr>
+            <a:r>
+              <a:rPr lang="en-US" sz="2000" dirty="0" smtClean="0"/>
+              <a:t>IMO, nG2 ecosystem is not mature yet</a:t>
+            </a:r>
+          </a:p>
+          <a:p>
+            <a:pPr marL="800100" lvl="1" indent="-342900" algn="l">
+              <a:buFont typeface="Arial"/>
+              <a:buChar char="•"/>
+            </a:pPr>
+            <a:r>
+              <a:rPr lang="en-US" sz="1600" dirty="0" smtClean="0"/>
+              <a:t>Official </a:t>
+            </a:r>
+            <a:r>
+              <a:rPr lang="en-US" sz="1600" dirty="0"/>
+              <a:t>documentation is </a:t>
+            </a:r>
+            <a:r>
+              <a:rPr lang="en-US" sz="1600" dirty="0" smtClean="0"/>
+              <a:t>intentionally complete</a:t>
+            </a:r>
+            <a:endParaRPr lang="is-IS" sz="400" dirty="0"/>
+          </a:p>
+          <a:p>
+            <a:pPr marL="800100" lvl="1" indent="-342900" algn="l">
+              <a:buFont typeface="Arial"/>
+              <a:buChar char="•"/>
+            </a:pPr>
+            <a:r>
+              <a:rPr lang="en-US" sz="1600" dirty="0" smtClean="0"/>
+              <a:t>Many syntax changes make older articles unreliable</a:t>
+            </a:r>
+          </a:p>
+          <a:p>
+            <a:pPr marL="800100" lvl="1" indent="-342900" algn="l">
+              <a:buFont typeface="Arial"/>
+              <a:buChar char="•"/>
+            </a:pPr>
+            <a:r>
+              <a:rPr lang="en-US" sz="1600" dirty="0" smtClean="0"/>
+              <a:t>TSC compilation issues</a:t>
+            </a:r>
+          </a:p>
+          <a:p>
+            <a:pPr marL="342900" indent="-342900" algn="l">
+              <a:buFont typeface="Arial"/>
+              <a:buChar char="•"/>
+            </a:pPr>
+            <a:r>
+              <a:rPr lang="en-US" sz="2000" dirty="0" smtClean="0"/>
+              <a:t>Proceed </a:t>
+            </a:r>
+            <a:r>
+              <a:rPr lang="en-US" sz="2000" dirty="0"/>
+              <a:t>with </a:t>
+            </a:r>
+            <a:r>
+              <a:rPr lang="en-US" sz="2000" dirty="0" smtClean="0"/>
+              <a:t>caution</a:t>
+            </a:r>
+          </a:p>
+          <a:p>
+            <a:pPr lvl="1" algn="l"/>
+            <a:endParaRPr lang="is-IS" sz="400" dirty="0"/>
+          </a:p>
+        </p:txBody>
+      </p:sp>
+    </p:spTree>
+    <p:extLst>
+      <p:ext uri="{BB962C8B-B14F-4D97-AF65-F5344CB8AC3E}">
+        <p14:creationId xmlns:p14="http://schemas.microsoft.com/office/powerpoint/2010/main" val="1792213489"/>
+      </p:ext>
+    </p:extLst>
+  </p:cSld>
+  <p:clrMapOvr>
+    <a:masterClrMapping/>
+  </p:clrMapOvr>
+  <p:timing>
+    <p:tnLst>
+      <p:par>
+        <p:cTn xmlns:p14="http://schemas.microsoft.com/office/powerpoint/2010/main" id="1" dur="indefinite" restart="never" nodeType="tmRoot"/>
+      </p:par>
+    </p:tnLst>
+  </p:timing>
+</p:sld>
+</file>
+
+<file path=ppt/slides/slide22.xml><?xml version="1.0" encoding="utf-8"?>
+<p:sld xmlns:a="http://schemas.openxmlformats.org/drawingml/2006/main" xmlns:r="http://schemas.openxmlformats.org/officeDocument/2006/relationships" xmlns:p="http://schemas.openxmlformats.org/presentationml/2006/main">
+  <p:cSld>
+    <p:spTree>
+      <p:nvGrpSpPr>
+        <p:cNvPr id="1" name=""/>
+        <p:cNvGrpSpPr/>
+        <p:nvPr/>
+      </p:nvGrpSpPr>
+      <p:grpSpPr>
+        <a:xfrm>
+          <a:off x="0" y="0"/>
+          <a:ext cx="0" cy="0"/>
+          <a:chOff x="0" y="0"/>
+          <a:chExt cx="0" cy="0"/>
+        </a:xfrm>
+      </p:grpSpPr>
+      <p:sp>
+        <p:nvSpPr>
+          <p:cNvPr id="2" name="Title 1"/>
+          <p:cNvSpPr>
+            <a:spLocks noGrp="1"/>
+          </p:cNvSpPr>
+          <p:nvPr>
+            <p:ph type="ctrTitle"/>
+          </p:nvPr>
+        </p:nvSpPr>
+        <p:spPr>
+          <a:xfrm>
+            <a:off x="685800" y="160685"/>
+            <a:ext cx="7772400" cy="1470025"/>
+          </a:xfrm>
+        </p:spPr>
+        <p:txBody>
+          <a:bodyPr/>
+          <a:lstStyle/>
+          <a:p>
+            <a:r>
+              <a:rPr lang="en-US" dirty="0" err="1"/>
+              <a:t>TypeScript</a:t>
+            </a:r>
+            <a:endParaRPr lang="en-US" dirty="0"/>
+          </a:p>
+        </p:txBody>
+      </p:sp>
+      <p:sp>
+        <p:nvSpPr>
+          <p:cNvPr id="3" name="Subtitle 2"/>
+          <p:cNvSpPr>
+            <a:spLocks noGrp="1"/>
+          </p:cNvSpPr>
+          <p:nvPr>
+            <p:ph type="subTitle" idx="1"/>
+          </p:nvPr>
+        </p:nvSpPr>
+        <p:spPr>
+          <a:xfrm>
+            <a:off x="454651" y="1630710"/>
+            <a:ext cx="8371875" cy="4609893"/>
+          </a:xfrm>
+        </p:spPr>
+        <p:txBody>
+          <a:bodyPr>
+            <a:normAutofit lnSpcReduction="10000"/>
+          </a:bodyPr>
+          <a:lstStyle/>
+          <a:p>
+            <a:pPr marL="342900" indent="-342900" algn="l">
+              <a:buFont typeface="Arial"/>
+              <a:buChar char="•"/>
+            </a:pPr>
+            <a:r>
+              <a:rPr lang="en-US" sz="2000" dirty="0" smtClean="0"/>
+              <a:t>From </a:t>
+            </a:r>
+            <a:r>
+              <a:rPr lang="en-US" sz="2000" dirty="0"/>
+              <a:t>Microsoft, a compiled superset of </a:t>
+            </a:r>
+            <a:r>
+              <a:rPr lang="en-US" sz="2000" dirty="0" err="1"/>
+              <a:t>Javascript</a:t>
+            </a:r>
+            <a:endParaRPr lang="en-US" sz="2000" dirty="0"/>
+          </a:p>
+          <a:p>
+            <a:pPr marL="342900" indent="-342900" algn="l">
+              <a:buFont typeface="Arial"/>
+              <a:buChar char="•"/>
+            </a:pPr>
+            <a:r>
+              <a:rPr lang="en-US" sz="2000" dirty="0" smtClean="0"/>
+              <a:t>All </a:t>
+            </a:r>
+            <a:r>
+              <a:rPr lang="en-US" sz="2000" dirty="0"/>
+              <a:t>valid JS is valid TS (theoretically - in practice often requires tweaking)</a:t>
+            </a:r>
+          </a:p>
+          <a:p>
+            <a:pPr marL="342900" indent="-342900" algn="l">
+              <a:buFont typeface="Arial"/>
+              <a:buChar char="•"/>
+            </a:pPr>
+            <a:r>
+              <a:rPr lang="en-US" sz="2000" dirty="0" smtClean="0"/>
+              <a:t>Adds </a:t>
+            </a:r>
+            <a:r>
+              <a:rPr lang="en-US" sz="2000" dirty="0"/>
+              <a:t>support for static typing</a:t>
+            </a:r>
+          </a:p>
+          <a:p>
+            <a:pPr marL="800100" lvl="1" indent="-342900" algn="l">
+              <a:buFont typeface="Arial"/>
+              <a:buChar char="•"/>
+            </a:pPr>
+            <a:r>
+              <a:rPr lang="en-US" sz="1600" dirty="0" smtClean="0"/>
+              <a:t>Specify </a:t>
+            </a:r>
+            <a:r>
+              <a:rPr lang="en-US" sz="1600" dirty="0"/>
+              <a:t>type when declaring </a:t>
+            </a:r>
+            <a:r>
+              <a:rPr lang="en-US" sz="1600" dirty="0" err="1"/>
+              <a:t>vars</a:t>
+            </a:r>
+            <a:r>
+              <a:rPr lang="en-US" sz="1600" dirty="0"/>
+              <a:t>, function arguments and return values, </a:t>
+            </a:r>
+            <a:r>
+              <a:rPr lang="en-US" sz="1600" dirty="0" err="1"/>
+              <a:t>etc</a:t>
+            </a:r>
+            <a:endParaRPr lang="en-US" sz="1600" dirty="0"/>
+          </a:p>
+          <a:p>
+            <a:pPr marL="800100" lvl="1" indent="-342900" algn="l">
+              <a:buFont typeface="Arial"/>
+              <a:buChar char="•"/>
+            </a:pPr>
+            <a:r>
+              <a:rPr lang="en-US" sz="1600" dirty="0" smtClean="0"/>
+              <a:t>Describe </a:t>
+            </a:r>
+            <a:r>
+              <a:rPr lang="en-US" sz="1600" dirty="0"/>
+              <a:t>custom types with a "declaration" file - describe interface</a:t>
+            </a:r>
+          </a:p>
+          <a:p>
+            <a:pPr marL="342900" indent="-342900" algn="l">
+              <a:buFont typeface="Arial"/>
+              <a:buChar char="•"/>
+            </a:pPr>
+            <a:r>
+              <a:rPr lang="en-US" sz="2000" dirty="0" smtClean="0"/>
+              <a:t>Adds </a:t>
+            </a:r>
+            <a:r>
+              <a:rPr lang="en-US" sz="2000" dirty="0"/>
+              <a:t>the common ES6 features</a:t>
+            </a:r>
+          </a:p>
+          <a:p>
+            <a:pPr marL="800100" lvl="1" indent="-342900" algn="l">
+              <a:buFont typeface="Arial"/>
+              <a:buChar char="•"/>
+            </a:pPr>
+            <a:r>
+              <a:rPr lang="en-US" sz="1600" dirty="0" smtClean="0"/>
+              <a:t>arrow </a:t>
+            </a:r>
+            <a:r>
+              <a:rPr lang="en-US" sz="1600" dirty="0"/>
+              <a:t>functions, classes, modules, let keyword, Map, Promise</a:t>
+            </a:r>
+          </a:p>
+          <a:p>
+            <a:pPr marL="800100" lvl="1" indent="-342900" algn="l">
+              <a:buFont typeface="Arial"/>
+              <a:buChar char="•"/>
+            </a:pPr>
+            <a:r>
+              <a:rPr lang="en-US" sz="1600" dirty="0" smtClean="0"/>
+              <a:t>Compatibility </a:t>
+            </a:r>
+            <a:r>
+              <a:rPr lang="en-US" sz="1600" dirty="0"/>
+              <a:t>table: http://</a:t>
+            </a:r>
+            <a:r>
+              <a:rPr lang="en-US" sz="1600" dirty="0" err="1"/>
+              <a:t>kangax.github.io</a:t>
+            </a:r>
+            <a:r>
+              <a:rPr lang="en-US" sz="1600" dirty="0"/>
+              <a:t>/</a:t>
+            </a:r>
+            <a:r>
+              <a:rPr lang="en-US" sz="1600" dirty="0" err="1"/>
+              <a:t>compat</a:t>
+            </a:r>
+            <a:r>
+              <a:rPr lang="en-US" sz="1600" dirty="0"/>
+              <a:t>-table/es6/</a:t>
+            </a:r>
+          </a:p>
+          <a:p>
+            <a:pPr marL="342900" indent="-342900" algn="l">
+              <a:buFont typeface="Arial"/>
+              <a:buChar char="•"/>
+            </a:pPr>
+            <a:r>
+              <a:rPr lang="en-US" sz="2000" dirty="0" smtClean="0"/>
+              <a:t>And </a:t>
+            </a:r>
+            <a:r>
+              <a:rPr lang="en-US" sz="2000" dirty="0"/>
+              <a:t>some unique features</a:t>
+            </a:r>
+          </a:p>
+          <a:p>
+            <a:pPr marL="800100" lvl="1" indent="-342900" algn="l">
+              <a:buFont typeface="Arial"/>
+              <a:buChar char="•"/>
+            </a:pPr>
+            <a:r>
+              <a:rPr lang="en-US" sz="1600" dirty="0" smtClean="0"/>
+              <a:t>@ </a:t>
+            </a:r>
+            <a:r>
+              <a:rPr lang="en-US" sz="1600" dirty="0"/>
+              <a:t>Decorator syntax (often referred to as annotation)</a:t>
+            </a:r>
+          </a:p>
+          <a:p>
+            <a:pPr marL="800100" lvl="1" indent="-342900" algn="l">
+              <a:buFont typeface="Arial"/>
+              <a:buChar char="•"/>
+            </a:pPr>
+            <a:r>
+              <a:rPr lang="en-US" sz="1600" dirty="0" smtClean="0"/>
+              <a:t>inline </a:t>
+            </a:r>
+            <a:r>
+              <a:rPr lang="en-US" sz="1600" dirty="0"/>
+              <a:t>variable type specification</a:t>
+            </a:r>
+          </a:p>
+          <a:p>
+            <a:pPr marL="342900" indent="-342900" algn="l">
+              <a:buFont typeface="Arial"/>
+              <a:buChar char="•"/>
+            </a:pPr>
+            <a:r>
+              <a:rPr lang="en-US" sz="2000" dirty="0" smtClean="0"/>
+              <a:t>Tutorial</a:t>
+            </a:r>
+            <a:r>
+              <a:rPr lang="en-US" sz="2000" dirty="0"/>
+              <a:t>: https://</a:t>
+            </a:r>
+            <a:r>
+              <a:rPr lang="en-US" sz="2000" dirty="0" err="1"/>
+              <a:t>johnpapa.net</a:t>
+            </a:r>
+            <a:r>
+              <a:rPr lang="en-US" sz="2000" dirty="0"/>
+              <a:t>/typescriptpost1/</a:t>
+            </a:r>
+          </a:p>
+          <a:p>
+            <a:pPr marL="342900" indent="-342900" algn="l">
+              <a:buFont typeface="Arial"/>
+              <a:buChar char="•"/>
+            </a:pPr>
+            <a:r>
+              <a:rPr lang="en-US" sz="2000" dirty="0" smtClean="0"/>
+              <a:t>Quick </a:t>
+            </a:r>
+            <a:r>
+              <a:rPr lang="en-US" sz="2000" dirty="0"/>
+              <a:t>syntax reference: https://</a:t>
+            </a:r>
+            <a:r>
+              <a:rPr lang="en-US" sz="2000" dirty="0" err="1"/>
+              <a:t>quizlet.com</a:t>
+            </a:r>
+            <a:r>
+              <a:rPr lang="en-US" sz="2000" dirty="0"/>
+              <a:t>/134674527/typescript-syntax-flash-cards/</a:t>
+            </a:r>
+            <a:endParaRPr lang="is-IS" sz="400" dirty="0"/>
+          </a:p>
+        </p:txBody>
+      </p:sp>
+    </p:spTree>
+    <p:extLst>
+      <p:ext uri="{BB962C8B-B14F-4D97-AF65-F5344CB8AC3E}">
+        <p14:creationId xmlns:p14="http://schemas.microsoft.com/office/powerpoint/2010/main" val="3428431741"/>
+      </p:ext>
+    </p:extLst>
+  </p:cSld>
+  <p:clrMapOvr>
+    <a:masterClrMapping/>
+  </p:clrMapOvr>
+  <p:timing>
+    <p:tnLst>
+      <p:par>
+        <p:cTn xmlns:p14="http://schemas.microsoft.com/office/powerpoint/2010/main" id="1" dur="indefinite" restart="never" nodeType="tmRoot"/>
+      </p:par>
+    </p:tnLst>
+  </p:timing>
+</p:sld>
+</file>
+
+<file path=ppt/slides/slide23.xml><?xml version="1.0" encoding="utf-8"?>
+<p:sld xmlns:a="http://schemas.openxmlformats.org/drawingml/2006/main" xmlns:r="http://schemas.openxmlformats.org/officeDocument/2006/relationships" xmlns:p="http://schemas.openxmlformats.org/presentationml/2006/main">
+  <p:cSld>
+    <p:spTree>
+      <p:nvGrpSpPr>
+        <p:cNvPr id="1" name=""/>
+        <p:cNvGrpSpPr/>
+        <p:nvPr/>
+      </p:nvGrpSpPr>
+      <p:grpSpPr>
+        <a:xfrm>
+          <a:off x="0" y="0"/>
+          <a:ext cx="0" cy="0"/>
+          <a:chOff x="0" y="0"/>
+          <a:chExt cx="0" cy="0"/>
+        </a:xfrm>
+      </p:grpSpPr>
+      <p:sp>
+        <p:nvSpPr>
+          <p:cNvPr id="2" name="Title 1"/>
+          <p:cNvSpPr>
+            <a:spLocks noGrp="1"/>
+          </p:cNvSpPr>
+          <p:nvPr>
+            <p:ph type="ctrTitle"/>
+          </p:nvPr>
+        </p:nvSpPr>
+        <p:spPr>
+          <a:xfrm>
+            <a:off x="685800" y="160685"/>
+            <a:ext cx="7772400" cy="1470025"/>
+          </a:xfrm>
+        </p:spPr>
+        <p:txBody>
+          <a:bodyPr/>
+          <a:lstStyle/>
+          <a:p>
+            <a:r>
+              <a:rPr lang="en-US" dirty="0"/>
+              <a:t>New template syntax</a:t>
+            </a:r>
+          </a:p>
+        </p:txBody>
+      </p:sp>
+      <p:sp>
+        <p:nvSpPr>
+          <p:cNvPr id="3" name="Subtitle 2"/>
+          <p:cNvSpPr>
+            <a:spLocks noGrp="1"/>
+          </p:cNvSpPr>
+          <p:nvPr>
+            <p:ph type="subTitle" idx="1"/>
+          </p:nvPr>
+        </p:nvSpPr>
+        <p:spPr>
+          <a:xfrm>
+            <a:off x="454651" y="1630710"/>
+            <a:ext cx="8371875" cy="4609893"/>
+          </a:xfrm>
+        </p:spPr>
+        <p:txBody>
+          <a:bodyPr>
+            <a:normAutofit/>
+          </a:bodyPr>
+          <a:lstStyle/>
+          <a:p>
+            <a:pPr marL="342900" indent="-342900" algn="l">
+              <a:buFont typeface="Arial"/>
+              <a:buChar char="•"/>
+            </a:pPr>
+            <a:r>
+              <a:rPr lang="en-US" sz="2000" dirty="0" smtClean="0"/>
+              <a:t>No </a:t>
+            </a:r>
+            <a:r>
+              <a:rPr lang="en-US" sz="2000" dirty="0"/>
+              <a:t>longer markup-based</a:t>
+            </a:r>
+          </a:p>
+          <a:p>
+            <a:pPr marL="342900" indent="-342900" algn="l">
+              <a:buFont typeface="Arial"/>
+              <a:buChar char="•"/>
+            </a:pPr>
+            <a:r>
+              <a:rPr lang="en-US" sz="2000" dirty="0" smtClean="0"/>
+              <a:t>Use </a:t>
+            </a:r>
+            <a:r>
+              <a:rPr lang="en-US" sz="2000" dirty="0"/>
+              <a:t>square bracket to bind output: [</a:t>
+            </a:r>
+            <a:r>
+              <a:rPr lang="en-US" sz="2000" dirty="0" err="1"/>
+              <a:t>ngModel</a:t>
+            </a:r>
+            <a:r>
+              <a:rPr lang="en-US" sz="2000" dirty="0"/>
+              <a:t>]="</a:t>
+            </a:r>
+            <a:r>
+              <a:rPr lang="en-US" sz="2000" dirty="0" err="1"/>
+              <a:t>editingSong.title</a:t>
+            </a:r>
+            <a:r>
+              <a:rPr lang="en-US" sz="2000" dirty="0"/>
+              <a:t>"</a:t>
+            </a:r>
+          </a:p>
+          <a:p>
+            <a:pPr marL="342900" indent="-342900" algn="l">
+              <a:buFont typeface="Arial"/>
+              <a:buChar char="•"/>
+            </a:pPr>
+            <a:r>
+              <a:rPr lang="en-US" sz="2000" dirty="0" smtClean="0"/>
+              <a:t>Parenthesis </a:t>
+            </a:r>
+            <a:r>
+              <a:rPr lang="en-US" sz="2000" dirty="0"/>
+              <a:t>subscribe their target to events: (click)="</a:t>
+            </a:r>
+            <a:r>
+              <a:rPr lang="en-US" sz="2000" dirty="0" err="1"/>
+              <a:t>editSong</a:t>
+            </a:r>
+            <a:r>
+              <a:rPr lang="en-US" sz="2000" dirty="0"/>
+              <a:t>(index)"</a:t>
+            </a:r>
+          </a:p>
+          <a:p>
+            <a:pPr marL="342900" indent="-342900" algn="l">
+              <a:buFont typeface="Arial"/>
+              <a:buChar char="•"/>
+            </a:pPr>
+            <a:r>
+              <a:rPr lang="en-US" sz="2000" dirty="0" smtClean="0"/>
+              <a:t>For </a:t>
+            </a:r>
+            <a:r>
+              <a:rPr lang="en-US" sz="2000" dirty="0"/>
+              <a:t>forms, nest </a:t>
+            </a:r>
+            <a:r>
+              <a:rPr lang="en-US" sz="2000" dirty="0" err="1"/>
+              <a:t>parens</a:t>
+            </a:r>
+            <a:r>
+              <a:rPr lang="en-US" sz="2000" dirty="0"/>
+              <a:t> inside brackets to two-way bind</a:t>
+            </a:r>
+          </a:p>
+          <a:p>
+            <a:pPr marL="342900" indent="-342900" algn="l">
+              <a:buFont typeface="Arial"/>
+              <a:buChar char="•"/>
+            </a:pPr>
+            <a:r>
+              <a:rPr lang="en-US" sz="2000" dirty="0" smtClean="0"/>
+              <a:t>Previous </a:t>
+            </a:r>
+            <a:r>
+              <a:rPr lang="en-US" sz="2000" dirty="0"/>
+              <a:t>format </a:t>
+            </a:r>
+            <a:r>
+              <a:rPr lang="en-US" sz="2000" dirty="0" err="1"/>
+              <a:t>ng-dirname</a:t>
+            </a:r>
+            <a:r>
+              <a:rPr lang="en-US" sz="2000" dirty="0"/>
+              <a:t> now *</a:t>
+            </a:r>
+            <a:r>
+              <a:rPr lang="en-US" sz="2000" dirty="0" err="1"/>
+              <a:t>ngDirname</a:t>
+            </a:r>
+            <a:endParaRPr lang="en-US" sz="2000" dirty="0"/>
+          </a:p>
+          <a:p>
+            <a:pPr marL="342900" indent="-342900" algn="l">
+              <a:buFont typeface="Arial"/>
+              <a:buChar char="•"/>
+            </a:pPr>
+            <a:r>
+              <a:rPr lang="en-US" sz="2000" dirty="0" smtClean="0"/>
+              <a:t>New </a:t>
+            </a:r>
+            <a:r>
+              <a:rPr lang="en-US" sz="2000" dirty="0"/>
+              <a:t>iteration syntax "#</a:t>
+            </a:r>
+            <a:r>
+              <a:rPr lang="en-US" sz="2000" dirty="0" err="1"/>
+              <a:t>eachThing</a:t>
+            </a:r>
+            <a:r>
+              <a:rPr lang="en-US" sz="2000" dirty="0"/>
+              <a:t> of </a:t>
+            </a:r>
+            <a:r>
+              <a:rPr lang="en-US" sz="2000" dirty="0" err="1"/>
+              <a:t>thingsList</a:t>
+            </a:r>
+            <a:r>
+              <a:rPr lang="en-US" sz="2000" dirty="0"/>
+              <a:t>; #</a:t>
+            </a:r>
+            <a:r>
+              <a:rPr lang="en-US" sz="2000" dirty="0" err="1"/>
+              <a:t>i</a:t>
+            </a:r>
+            <a:r>
+              <a:rPr lang="en-US" sz="2000" dirty="0"/>
+              <a:t> = index"</a:t>
+            </a:r>
+          </a:p>
+          <a:p>
+            <a:pPr marL="342900" indent="-342900" algn="l">
+              <a:buFont typeface="Arial"/>
+              <a:buChar char="•"/>
+            </a:pPr>
+            <a:r>
+              <a:rPr lang="en-US" sz="2000" dirty="0" smtClean="0"/>
+              <a:t>Reasons </a:t>
+            </a:r>
+            <a:r>
+              <a:rPr lang="en-US" sz="2000" dirty="0"/>
+              <a:t>for the changes</a:t>
+            </a:r>
+          </a:p>
+          <a:p>
+            <a:pPr marL="800100" lvl="1" indent="-342900" algn="l">
+              <a:buFont typeface="Arial"/>
+              <a:buChar char="•"/>
+            </a:pPr>
+            <a:r>
+              <a:rPr lang="en-US" sz="1600" dirty="0" smtClean="0"/>
+              <a:t>Enables </a:t>
+            </a:r>
+            <a:r>
+              <a:rPr lang="en-US" sz="1600" dirty="0"/>
+              <a:t>tons of IDE features like autocomplete and refactor</a:t>
+            </a:r>
+          </a:p>
+          <a:p>
+            <a:pPr marL="800100" lvl="1" indent="-342900" algn="l">
+              <a:buFont typeface="Arial"/>
+              <a:buChar char="•"/>
+            </a:pPr>
+            <a:r>
+              <a:rPr lang="en-US" sz="1600" dirty="0" smtClean="0"/>
+              <a:t>Makes </a:t>
+            </a:r>
+            <a:r>
+              <a:rPr lang="en-US" sz="1600" dirty="0"/>
+              <a:t>the direction of binding obvious from the markup</a:t>
+            </a:r>
+            <a:endParaRPr lang="en-US" sz="1200" dirty="0"/>
+          </a:p>
+        </p:txBody>
+      </p:sp>
+    </p:spTree>
+    <p:extLst>
+      <p:ext uri="{BB962C8B-B14F-4D97-AF65-F5344CB8AC3E}">
+        <p14:creationId xmlns:p14="http://schemas.microsoft.com/office/powerpoint/2010/main" val="1911019148"/>
+      </p:ext>
+    </p:extLst>
+  </p:cSld>
+  <p:clrMapOvr>
+    <a:masterClrMapping/>
+  </p:clrMapOvr>
+  <p:timing>
+    <p:tnLst>
+      <p:par>
+        <p:cTn xmlns:p14="http://schemas.microsoft.com/office/powerpoint/2010/main" id="1" dur="indefinite" restart="never" nodeType="tmRoot"/>
+      </p:par>
+    </p:tnLst>
+  </p:timing>
+</p:sld>
+</file>
+
+<file path=ppt/slides/slide24.xml><?xml version="1.0" encoding="utf-8"?>
+<p:sld xmlns:a="http://schemas.openxmlformats.org/drawingml/2006/main" xmlns:r="http://schemas.openxmlformats.org/officeDocument/2006/relationships" xmlns:p="http://schemas.openxmlformats.org/presentationml/2006/main">
+  <p:cSld>
+    <p:spTree>
+      <p:nvGrpSpPr>
+        <p:cNvPr id="1" name=""/>
+        <p:cNvGrpSpPr/>
+        <p:nvPr/>
+      </p:nvGrpSpPr>
+      <p:grpSpPr>
+        <a:xfrm>
+          <a:off x="0" y="0"/>
+          <a:ext cx="0" cy="0"/>
+          <a:chOff x="0" y="0"/>
+          <a:chExt cx="0" cy="0"/>
+        </a:xfrm>
+      </p:grpSpPr>
+      <p:sp>
+        <p:nvSpPr>
+          <p:cNvPr id="2" name="Title 1"/>
+          <p:cNvSpPr>
+            <a:spLocks noGrp="1"/>
+          </p:cNvSpPr>
+          <p:nvPr>
+            <p:ph type="ctrTitle"/>
+          </p:nvPr>
+        </p:nvSpPr>
+        <p:spPr>
+          <a:xfrm>
+            <a:off x="685800" y="160685"/>
+            <a:ext cx="7772400" cy="1470025"/>
+          </a:xfrm>
+        </p:spPr>
+        <p:txBody>
+          <a:bodyPr/>
+          <a:lstStyle/>
+          <a:p>
+            <a:r>
+              <a:rPr lang="en-US" dirty="0"/>
+              <a:t>Pipes</a:t>
+            </a:r>
+          </a:p>
+        </p:txBody>
+      </p:sp>
+      <p:sp>
+        <p:nvSpPr>
+          <p:cNvPr id="3" name="Subtitle 2"/>
+          <p:cNvSpPr>
+            <a:spLocks noGrp="1"/>
+          </p:cNvSpPr>
+          <p:nvPr>
+            <p:ph type="subTitle" idx="1"/>
+          </p:nvPr>
+        </p:nvSpPr>
+        <p:spPr>
+          <a:xfrm>
+            <a:off x="454651" y="1630710"/>
+            <a:ext cx="8371875" cy="4609893"/>
+          </a:xfrm>
+        </p:spPr>
+        <p:txBody>
+          <a:bodyPr>
+            <a:normAutofit/>
+          </a:bodyPr>
+          <a:lstStyle/>
+          <a:p>
+            <a:pPr marL="342900" indent="-342900" algn="l">
+              <a:buFont typeface="Arial"/>
+              <a:buChar char="•"/>
+            </a:pPr>
+            <a:r>
+              <a:rPr lang="en-US" sz="2000" dirty="0" smtClean="0"/>
+              <a:t>Pipes aren’t </a:t>
+            </a:r>
+            <a:r>
+              <a:rPr lang="en-US" sz="2000" dirty="0"/>
+              <a:t>much more than a new name for filters</a:t>
+            </a:r>
+          </a:p>
+          <a:p>
+            <a:pPr marL="342900" indent="-342900" algn="l">
+              <a:buFont typeface="Arial"/>
+              <a:buChar char="•"/>
+            </a:pPr>
+            <a:r>
+              <a:rPr lang="en-US" sz="2000" dirty="0" err="1" smtClean="0"/>
+              <a:t>Async</a:t>
+            </a:r>
+            <a:r>
+              <a:rPr lang="en-US" sz="2000" dirty="0" smtClean="0"/>
+              <a:t> </a:t>
+            </a:r>
+            <a:r>
+              <a:rPr lang="en-US" sz="2000" dirty="0"/>
+              <a:t>is the exception</a:t>
+            </a:r>
+          </a:p>
+          <a:p>
+            <a:pPr marL="800100" lvl="1" indent="-342900" algn="l">
+              <a:buFont typeface="Arial"/>
+              <a:buChar char="•"/>
+            </a:pPr>
+            <a:r>
+              <a:rPr lang="en-US" sz="1600" dirty="0" smtClean="0"/>
+              <a:t>Binds </a:t>
+            </a:r>
+            <a:r>
+              <a:rPr lang="en-US" sz="1600" dirty="0"/>
+              <a:t>to the output of an Observable</a:t>
+            </a:r>
+          </a:p>
+          <a:p>
+            <a:pPr marL="800100" lvl="1" indent="-342900" algn="l">
+              <a:buFont typeface="Arial"/>
+              <a:buChar char="•"/>
+            </a:pPr>
+            <a:r>
+              <a:rPr lang="en-US" sz="1600" dirty="0" smtClean="0"/>
+              <a:t>More </a:t>
+            </a:r>
+            <a:r>
+              <a:rPr lang="en-US" sz="1600" dirty="0"/>
+              <a:t>on </a:t>
+            </a:r>
+            <a:r>
+              <a:rPr lang="en-US" sz="1600" dirty="0" smtClean="0"/>
+              <a:t>observables soon</a:t>
+            </a:r>
+            <a:endParaRPr lang="en-US" sz="800" dirty="0"/>
+          </a:p>
+        </p:txBody>
+      </p:sp>
+    </p:spTree>
+    <p:extLst>
+      <p:ext uri="{BB962C8B-B14F-4D97-AF65-F5344CB8AC3E}">
+        <p14:creationId xmlns:p14="http://schemas.microsoft.com/office/powerpoint/2010/main" val="1772659482"/>
+      </p:ext>
+    </p:extLst>
+  </p:cSld>
+  <p:clrMapOvr>
+    <a:masterClrMapping/>
+  </p:clrMapOvr>
+  <p:timing>
+    <p:tnLst>
+      <p:par>
+        <p:cTn xmlns:p14="http://schemas.microsoft.com/office/powerpoint/2010/main" id="1" dur="indefinite" restart="never" nodeType="tmRoot"/>
+      </p:par>
+    </p:tnLst>
+  </p:timing>
+</p:sld>
+</file>
+
+<file path=ppt/slides/slide25.xml><?xml version="1.0" encoding="utf-8"?>
+<p:sld xmlns:a="http://schemas.openxmlformats.org/drawingml/2006/main" xmlns:r="http://schemas.openxmlformats.org/officeDocument/2006/relationships" xmlns:p="http://schemas.openxmlformats.org/presentationml/2006/main">
+  <p:cSld>
+    <p:spTree>
+      <p:nvGrpSpPr>
+        <p:cNvPr id="1" name=""/>
+        <p:cNvGrpSpPr/>
+        <p:nvPr/>
+      </p:nvGrpSpPr>
+      <p:grpSpPr>
+        <a:xfrm>
+          <a:off x="0" y="0"/>
+          <a:ext cx="0" cy="0"/>
+          <a:chOff x="0" y="0"/>
+          <a:chExt cx="0" cy="0"/>
+        </a:xfrm>
+      </p:grpSpPr>
+      <p:sp>
+        <p:nvSpPr>
+          <p:cNvPr id="2" name="Title 1"/>
+          <p:cNvSpPr>
+            <a:spLocks noGrp="1"/>
+          </p:cNvSpPr>
+          <p:nvPr>
+            <p:ph type="ctrTitle"/>
+          </p:nvPr>
+        </p:nvSpPr>
+        <p:spPr>
+          <a:xfrm>
+            <a:off x="685800" y="160685"/>
+            <a:ext cx="7772400" cy="1470025"/>
+          </a:xfrm>
+        </p:spPr>
+        <p:txBody>
+          <a:bodyPr/>
+          <a:lstStyle/>
+          <a:p>
+            <a:r>
+              <a:rPr lang="en-US" dirty="0"/>
+              <a:t>Forms and validation</a:t>
+            </a:r>
+          </a:p>
+        </p:txBody>
+      </p:sp>
+      <p:sp>
+        <p:nvSpPr>
+          <p:cNvPr id="3" name="Subtitle 2"/>
+          <p:cNvSpPr>
+            <a:spLocks noGrp="1"/>
+          </p:cNvSpPr>
+          <p:nvPr>
+            <p:ph type="subTitle" idx="1"/>
+          </p:nvPr>
+        </p:nvSpPr>
+        <p:spPr>
+          <a:xfrm>
+            <a:off x="454651" y="1630710"/>
+            <a:ext cx="8371875" cy="4609893"/>
+          </a:xfrm>
+        </p:spPr>
+        <p:txBody>
+          <a:bodyPr>
+            <a:normAutofit fontScale="92500" lnSpcReduction="10000"/>
+          </a:bodyPr>
+          <a:lstStyle/>
+          <a:p>
+            <a:pPr marL="342900" indent="-342900" algn="l">
+              <a:buFont typeface="Arial"/>
+              <a:buChar char="•"/>
+            </a:pPr>
+            <a:r>
+              <a:rPr lang="en-US" sz="2000" dirty="0" err="1" smtClean="0"/>
+              <a:t>ngModel</a:t>
+            </a:r>
+            <a:r>
+              <a:rPr lang="en-US" sz="2000" dirty="0" smtClean="0"/>
+              <a:t> </a:t>
+            </a:r>
+            <a:r>
+              <a:rPr lang="en-US" sz="2000" dirty="0"/>
+              <a:t>is still available, but forms get a new non-DOM syntax</a:t>
+            </a:r>
+          </a:p>
+          <a:p>
+            <a:pPr marL="800100" lvl="1" indent="-342900" algn="l">
+              <a:buFont typeface="Arial"/>
+              <a:buChar char="•"/>
+            </a:pPr>
+            <a:r>
+              <a:rPr lang="en-US" sz="1600" dirty="0" smtClean="0"/>
+              <a:t>Controls </a:t>
+            </a:r>
+            <a:r>
+              <a:rPr lang="en-US" sz="1600" dirty="0"/>
+              <a:t>are built from Validators</a:t>
+            </a:r>
+          </a:p>
+          <a:p>
+            <a:pPr marL="800100" lvl="1" indent="-342900" algn="l">
+              <a:buFont typeface="Arial"/>
+              <a:buChar char="•"/>
+            </a:pPr>
+            <a:r>
+              <a:rPr lang="en-US" sz="1600" dirty="0" smtClean="0"/>
+              <a:t>email</a:t>
+            </a:r>
+            <a:r>
+              <a:rPr lang="en-US" sz="1600" dirty="0"/>
+              <a:t>: new Control("email", </a:t>
+            </a:r>
+            <a:r>
+              <a:rPr lang="en-US" sz="1600" dirty="0" err="1"/>
+              <a:t>Validators.required</a:t>
+            </a:r>
+            <a:r>
+              <a:rPr lang="en-US" sz="1600" dirty="0"/>
+              <a:t>)</a:t>
+            </a:r>
+          </a:p>
+          <a:p>
+            <a:pPr marL="800100" lvl="1" indent="-342900" algn="l">
+              <a:buFont typeface="Arial"/>
+              <a:buChar char="•"/>
+            </a:pPr>
+            <a:r>
+              <a:rPr lang="en-US" sz="1600" dirty="0" err="1" smtClean="0"/>
+              <a:t>ControlGroup</a:t>
+            </a:r>
+            <a:r>
+              <a:rPr lang="en-US" sz="1600" dirty="0" smtClean="0"/>
+              <a:t> </a:t>
+            </a:r>
+            <a:r>
+              <a:rPr lang="en-US" sz="1600" dirty="0"/>
+              <a:t>built from controls</a:t>
+            </a:r>
+          </a:p>
+          <a:p>
+            <a:pPr marL="800100" lvl="1" indent="-342900" algn="l">
+              <a:buFont typeface="Arial"/>
+              <a:buChar char="•"/>
+            </a:pPr>
+            <a:r>
+              <a:rPr lang="en-US" sz="1600" dirty="0" err="1" smtClean="0"/>
+              <a:t>FormBuilder</a:t>
+            </a:r>
+            <a:r>
+              <a:rPr lang="en-US" sz="1600" dirty="0" smtClean="0"/>
+              <a:t> </a:t>
+            </a:r>
+            <a:r>
+              <a:rPr lang="en-US" sz="1600" dirty="0"/>
+              <a:t>available as sugar for creating the whole </a:t>
+            </a:r>
+            <a:r>
+              <a:rPr lang="en-US" sz="1600" dirty="0" err="1"/>
+              <a:t>kaboodle</a:t>
+            </a:r>
+            <a:endParaRPr lang="en-US" sz="1600" dirty="0"/>
+          </a:p>
+          <a:p>
+            <a:pPr marL="342900" indent="-342900" algn="l">
+              <a:buFont typeface="Arial"/>
+              <a:buChar char="•"/>
+            </a:pPr>
+            <a:r>
+              <a:rPr lang="en-US" sz="2000" dirty="0" err="1" smtClean="0"/>
+              <a:t>ngControl</a:t>
+            </a:r>
+            <a:endParaRPr lang="en-US" sz="2000" dirty="0"/>
+          </a:p>
+          <a:p>
+            <a:pPr marL="800100" lvl="1" indent="-342900" algn="l">
+              <a:buFont typeface="Arial"/>
+              <a:buChar char="•"/>
+            </a:pPr>
+            <a:r>
+              <a:rPr lang="en-US" sz="1600" dirty="0" smtClean="0"/>
+              <a:t>Tracks </a:t>
+            </a:r>
+            <a:r>
+              <a:rPr lang="en-US" sz="1600" dirty="0"/>
+              <a:t>state and validity by creating Control object</a:t>
+            </a:r>
+          </a:p>
+          <a:p>
+            <a:pPr marL="800100" lvl="1" indent="-342900" algn="l">
+              <a:buFont typeface="Arial"/>
+              <a:buChar char="•"/>
+            </a:pPr>
+            <a:r>
+              <a:rPr lang="en-US" sz="1600" dirty="0" smtClean="0"/>
+              <a:t>Applies </a:t>
+            </a:r>
+            <a:r>
+              <a:rPr lang="en-US" sz="1600" dirty="0"/>
+              <a:t>classes to element based on UI actions:</a:t>
+            </a:r>
+          </a:p>
+          <a:p>
+            <a:pPr marL="800100" lvl="1" indent="-342900" algn="l">
+              <a:buFont typeface="Arial"/>
+              <a:buChar char="•"/>
+            </a:pPr>
+            <a:r>
+              <a:rPr lang="en-US" sz="1600" dirty="0" smtClean="0"/>
+              <a:t>Control </a:t>
+            </a:r>
+            <a:r>
+              <a:rPr lang="en-US" sz="1600" dirty="0"/>
+              <a:t>visited: </a:t>
+            </a:r>
+            <a:r>
+              <a:rPr lang="en-US" sz="1600" dirty="0" err="1"/>
+              <a:t>ng</a:t>
+            </a:r>
+            <a:r>
+              <a:rPr lang="en-US" sz="1600" dirty="0"/>
+              <a:t>-touched/</a:t>
+            </a:r>
+            <a:r>
+              <a:rPr lang="en-US" sz="1600" dirty="0" err="1"/>
+              <a:t>ng</a:t>
+            </a:r>
+            <a:r>
+              <a:rPr lang="en-US" sz="1600" dirty="0"/>
+              <a:t>-untouched</a:t>
+            </a:r>
+          </a:p>
+          <a:p>
+            <a:pPr marL="800100" lvl="1" indent="-342900" algn="l">
+              <a:buFont typeface="Arial"/>
+              <a:buChar char="•"/>
+            </a:pPr>
+            <a:r>
+              <a:rPr lang="en-US" sz="1600" dirty="0" smtClean="0"/>
+              <a:t>Controls </a:t>
+            </a:r>
+            <a:r>
+              <a:rPr lang="en-US" sz="1600" dirty="0"/>
+              <a:t>value changed: </a:t>
+            </a:r>
+            <a:r>
+              <a:rPr lang="en-US" sz="1600" dirty="0" err="1"/>
+              <a:t>ng</a:t>
+            </a:r>
+            <a:r>
+              <a:rPr lang="en-US" sz="1600" dirty="0"/>
+              <a:t>-dirty/</a:t>
+            </a:r>
+            <a:r>
+              <a:rPr lang="en-US" sz="1600" dirty="0" err="1"/>
+              <a:t>ng</a:t>
+            </a:r>
+            <a:r>
+              <a:rPr lang="en-US" sz="1600" dirty="0"/>
+              <a:t>-pristine</a:t>
+            </a:r>
+          </a:p>
+          <a:p>
+            <a:pPr marL="800100" lvl="1" indent="-342900" algn="l">
+              <a:buFont typeface="Arial"/>
+              <a:buChar char="•"/>
+            </a:pPr>
+            <a:r>
+              <a:rPr lang="en-US" sz="1600" dirty="0" smtClean="0"/>
+              <a:t>Controls </a:t>
+            </a:r>
+            <a:r>
+              <a:rPr lang="en-US" sz="1600" dirty="0"/>
+              <a:t>value valid:  </a:t>
+            </a:r>
+            <a:r>
+              <a:rPr lang="en-US" sz="1600" dirty="0" err="1"/>
+              <a:t>ng</a:t>
+            </a:r>
+            <a:r>
+              <a:rPr lang="en-US" sz="1600" dirty="0"/>
+              <a:t>-valid/</a:t>
+            </a:r>
+            <a:r>
+              <a:rPr lang="en-US" sz="1600" dirty="0" err="1"/>
+              <a:t>ng</a:t>
+            </a:r>
+            <a:r>
+              <a:rPr lang="en-US" sz="1600" dirty="0"/>
+              <a:t>-</a:t>
+            </a:r>
+            <a:r>
+              <a:rPr lang="en-US" sz="1600" dirty="0" smtClean="0"/>
+              <a:t>invalid</a:t>
+            </a:r>
+            <a:endParaRPr lang="en-US" sz="1600" dirty="0"/>
+          </a:p>
+          <a:p>
+            <a:pPr marL="457200" indent="-457200" algn="l">
+              <a:buFont typeface="Arial"/>
+              <a:buChar char="•"/>
+            </a:pPr>
+            <a:r>
+              <a:rPr lang="en-US" sz="2100" dirty="0"/>
+              <a:t> </a:t>
+            </a:r>
+            <a:r>
+              <a:rPr lang="en-US" sz="2100" dirty="0" smtClean="0"/>
+              <a:t>Form </a:t>
+            </a:r>
+            <a:r>
+              <a:rPr lang="en-US" sz="2100" dirty="0"/>
+              <a:t>gotchas</a:t>
+            </a:r>
+          </a:p>
+          <a:p>
+            <a:pPr marL="914400" lvl="1" indent="-457200" algn="l">
+              <a:buFont typeface="Arial"/>
+              <a:buChar char="•"/>
+            </a:pPr>
+            <a:r>
+              <a:rPr lang="en-US" sz="1600" dirty="0" err="1" smtClean="0"/>
+              <a:t>nG</a:t>
+            </a:r>
+            <a:r>
+              <a:rPr lang="en-US" sz="1600" dirty="0" smtClean="0"/>
+              <a:t> </a:t>
+            </a:r>
+            <a:r>
+              <a:rPr lang="en-US" sz="1600" dirty="0"/>
+              <a:t>adds </a:t>
+            </a:r>
+            <a:r>
+              <a:rPr lang="en-US" sz="1600" dirty="0" err="1"/>
+              <a:t>ngForm</a:t>
+            </a:r>
+            <a:r>
+              <a:rPr lang="en-US" sz="1600" dirty="0"/>
+              <a:t> directive to &lt;form&gt; automatically</a:t>
+            </a:r>
+          </a:p>
+          <a:p>
+            <a:pPr marL="914400" lvl="1" indent="-457200" algn="l">
+              <a:buFont typeface="Arial"/>
+              <a:buChar char="•"/>
+            </a:pPr>
+            <a:r>
+              <a:rPr lang="en-US" sz="1600" dirty="0" err="1" smtClean="0"/>
+              <a:t>NgForm</a:t>
+            </a:r>
+            <a:r>
+              <a:rPr lang="en-US" sz="1600" dirty="0"/>
+              <a:t>, </a:t>
+            </a:r>
+            <a:r>
+              <a:rPr lang="en-US" sz="1600" dirty="0" err="1"/>
+              <a:t>NgModel</a:t>
+            </a:r>
+            <a:r>
+              <a:rPr lang="en-US" sz="1600" dirty="0"/>
+              <a:t>, </a:t>
+            </a:r>
+            <a:r>
+              <a:rPr lang="en-US" sz="1600" dirty="0" err="1"/>
+              <a:t>NgControlName</a:t>
+            </a:r>
+            <a:r>
+              <a:rPr lang="en-US" sz="1600" dirty="0"/>
+              <a:t> and </a:t>
+            </a:r>
+            <a:r>
+              <a:rPr lang="en-US" sz="1600" dirty="0" err="1"/>
+              <a:t>NgControlGroup</a:t>
+            </a:r>
+            <a:r>
+              <a:rPr lang="en-US" sz="1600" dirty="0"/>
+              <a:t> all </a:t>
+            </a:r>
+            <a:r>
+              <a:rPr lang="en-US" sz="1600" dirty="0" err="1"/>
+              <a:t>exportAs</a:t>
+            </a:r>
+            <a:r>
+              <a:rPr lang="en-US" sz="1600" dirty="0"/>
+              <a:t> "</a:t>
+            </a:r>
+            <a:r>
+              <a:rPr lang="en-US" sz="1600" dirty="0" err="1" smtClean="0"/>
+              <a:t>ngForm</a:t>
+            </a:r>
+            <a:r>
+              <a:rPr lang="en-US" sz="1600" dirty="0" smtClean="0"/>
+              <a:t>”</a:t>
+            </a:r>
+          </a:p>
+          <a:p>
+            <a:pPr marL="914400" lvl="1" indent="-457200" algn="l">
+              <a:buFont typeface="Arial"/>
+              <a:buChar char="•"/>
+            </a:pPr>
+            <a:r>
+              <a:rPr lang="en-US" sz="1600" dirty="0" err="1" smtClean="0"/>
+              <a:t>ngModel</a:t>
+            </a:r>
+            <a:r>
+              <a:rPr lang="en-US" sz="1600" dirty="0" smtClean="0"/>
+              <a:t> overridden when any other applied to same element</a:t>
+            </a:r>
+          </a:p>
+          <a:p>
+            <a:pPr marL="914400" lvl="1" indent="-457200" algn="l">
+              <a:buFont typeface="Arial"/>
+              <a:buChar char="•"/>
+            </a:pPr>
+            <a:r>
+              <a:rPr lang="en-US" sz="1900" dirty="0" err="1" smtClean="0"/>
+              <a:t>ngControl</a:t>
+            </a:r>
+            <a:r>
+              <a:rPr lang="en-US" sz="1900" dirty="0" smtClean="0"/>
+              <a:t> </a:t>
+            </a:r>
+            <a:r>
+              <a:rPr lang="en-US" sz="1900" dirty="0"/>
+              <a:t>attribute =&gt; directive </a:t>
+            </a:r>
+            <a:r>
+              <a:rPr lang="en-US" sz="1900" dirty="0" err="1"/>
+              <a:t>ngControlName</a:t>
+            </a:r>
+            <a:r>
+              <a:rPr lang="en-US" sz="1900" dirty="0"/>
+              <a:t> (</a:t>
+            </a:r>
+            <a:r>
+              <a:rPr lang="en-US" sz="1900" dirty="0" err="1"/>
+              <a:t>ngControl</a:t>
+            </a:r>
+            <a:r>
+              <a:rPr lang="en-US" sz="1900" dirty="0"/>
+              <a:t> is abstract)</a:t>
+            </a:r>
+          </a:p>
+        </p:txBody>
+      </p:sp>
+    </p:spTree>
+    <p:extLst>
+      <p:ext uri="{BB962C8B-B14F-4D97-AF65-F5344CB8AC3E}">
+        <p14:creationId xmlns:p14="http://schemas.microsoft.com/office/powerpoint/2010/main" val="1484393367"/>
+      </p:ext>
+    </p:extLst>
+  </p:cSld>
+  <p:clrMapOvr>
+    <a:masterClrMapping/>
+  </p:clrMapOvr>
+  <p:timing>
+    <p:tnLst>
+      <p:par>
+        <p:cTn xmlns:p14="http://schemas.microsoft.com/office/powerpoint/2010/main" id="1" dur="indefinite" restart="never" nodeType="tmRoot"/>
+      </p:par>
+    </p:tnLst>
+  </p:timing>
+</p:sld>
+</file>
+
+<file path=ppt/slides/slide26.xml><?xml version="1.0" encoding="utf-8"?>
+<p:sld xmlns:a="http://schemas.openxmlformats.org/drawingml/2006/main" xmlns:r="http://schemas.openxmlformats.org/officeDocument/2006/relationships" xmlns:p="http://schemas.openxmlformats.org/presentationml/2006/main">
+  <p:cSld>
+    <p:spTree>
+      <p:nvGrpSpPr>
+        <p:cNvPr id="1" name=""/>
+        <p:cNvGrpSpPr/>
+        <p:nvPr/>
+      </p:nvGrpSpPr>
+      <p:grpSpPr>
+        <a:xfrm>
+          <a:off x="0" y="0"/>
+          <a:ext cx="0" cy="0"/>
+          <a:chOff x="0" y="0"/>
+          <a:chExt cx="0" cy="0"/>
+        </a:xfrm>
+      </p:grpSpPr>
+      <p:sp>
+        <p:nvSpPr>
+          <p:cNvPr id="2" name="Title 1"/>
+          <p:cNvSpPr>
+            <a:spLocks noGrp="1"/>
+          </p:cNvSpPr>
+          <p:nvPr>
+            <p:ph type="ctrTitle"/>
+          </p:nvPr>
+        </p:nvSpPr>
+        <p:spPr>
+          <a:xfrm>
+            <a:off x="685800" y="160685"/>
+            <a:ext cx="7772400" cy="1470025"/>
+          </a:xfrm>
+        </p:spPr>
+        <p:txBody>
+          <a:bodyPr/>
+          <a:lstStyle/>
+          <a:p>
+            <a:pPr marL="342900" indent="-342900"/>
+            <a:r>
+              <a:rPr lang="en-US" dirty="0"/>
+              <a:t>Template reference variables</a:t>
+            </a:r>
+          </a:p>
+        </p:txBody>
+      </p:sp>
+      <p:sp>
+        <p:nvSpPr>
+          <p:cNvPr id="3" name="Subtitle 2"/>
+          <p:cNvSpPr>
+            <a:spLocks noGrp="1"/>
+          </p:cNvSpPr>
+          <p:nvPr>
+            <p:ph type="subTitle" idx="1"/>
+          </p:nvPr>
+        </p:nvSpPr>
+        <p:spPr>
+          <a:xfrm>
+            <a:off x="454651" y="1630710"/>
+            <a:ext cx="8371875" cy="4609893"/>
+          </a:xfrm>
+        </p:spPr>
+        <p:txBody>
+          <a:bodyPr>
+            <a:normAutofit/>
+          </a:bodyPr>
+          <a:lstStyle/>
+          <a:p>
+            <a:pPr marL="342900" indent="-342900" algn="l">
+              <a:buFont typeface="Arial"/>
+              <a:buChar char="•"/>
+            </a:pPr>
+            <a:r>
+              <a:rPr lang="en-US" sz="2000" dirty="0" smtClean="0"/>
+              <a:t>Add </a:t>
+            </a:r>
+            <a:r>
+              <a:rPr lang="en-US" sz="2000" dirty="0"/>
+              <a:t>#</a:t>
+            </a:r>
+            <a:r>
+              <a:rPr lang="en-US" sz="2000" dirty="0" err="1"/>
+              <a:t>varname</a:t>
+            </a:r>
+            <a:r>
+              <a:rPr lang="en-US" sz="2000" dirty="0"/>
+              <a:t> as an </a:t>
+            </a:r>
+            <a:r>
+              <a:rPr lang="en-US" sz="2000" dirty="0" smtClean="0"/>
+              <a:t>attribute</a:t>
+            </a:r>
+            <a:endParaRPr lang="en-US" sz="2000" dirty="0"/>
+          </a:p>
+          <a:p>
+            <a:pPr marL="342900" indent="-342900" algn="l">
+              <a:buFont typeface="Arial"/>
+              <a:buChar char="•"/>
+            </a:pPr>
+            <a:r>
+              <a:rPr lang="en-US" sz="2000" dirty="0" smtClean="0"/>
+              <a:t>References </a:t>
+            </a:r>
+            <a:r>
+              <a:rPr lang="en-US" sz="2000" dirty="0"/>
+              <a:t>element by default</a:t>
+            </a:r>
+          </a:p>
+          <a:p>
+            <a:pPr marL="800100" lvl="1" indent="-342900" algn="l">
+              <a:buFont typeface="Arial"/>
+              <a:buChar char="•"/>
+            </a:pPr>
+            <a:r>
+              <a:rPr lang="en-US" sz="1600" dirty="0" smtClean="0"/>
+              <a:t>&lt;</a:t>
+            </a:r>
+            <a:r>
+              <a:rPr lang="en-US" sz="1600" dirty="0"/>
+              <a:t>input #phone placeholder="phone number"&gt;</a:t>
+            </a:r>
+          </a:p>
+          <a:p>
+            <a:pPr marL="800100" lvl="1" indent="-342900" algn="l">
+              <a:buFont typeface="Arial"/>
+              <a:buChar char="•"/>
+            </a:pPr>
+            <a:r>
+              <a:rPr lang="en-US" sz="1600" dirty="0" smtClean="0"/>
+              <a:t>&lt;</a:t>
+            </a:r>
+            <a:r>
+              <a:rPr lang="en-US" sz="1600" dirty="0"/>
+              <a:t>button (click)="</a:t>
+            </a:r>
+            <a:r>
+              <a:rPr lang="en-US" sz="1600" dirty="0" err="1"/>
+              <a:t>callPhone</a:t>
+            </a:r>
+            <a:r>
+              <a:rPr lang="en-US" sz="1600" dirty="0"/>
+              <a:t>(</a:t>
+            </a:r>
+            <a:r>
+              <a:rPr lang="en-US" sz="1600" dirty="0" err="1"/>
+              <a:t>phone.value</a:t>
+            </a:r>
+            <a:r>
+              <a:rPr lang="en-US" sz="1600" dirty="0"/>
+              <a:t>)"&gt;Call&lt;/button&gt;</a:t>
+            </a:r>
+          </a:p>
+          <a:p>
+            <a:pPr marL="342900" indent="-342900" algn="l">
+              <a:buFont typeface="Arial"/>
+              <a:buChar char="•"/>
+            </a:pPr>
+            <a:r>
+              <a:rPr lang="en-US" sz="2000" dirty="0"/>
+              <a:t>  </a:t>
+            </a:r>
+            <a:r>
+              <a:rPr lang="en-US" sz="2000" dirty="0" smtClean="0"/>
+              <a:t>Or</a:t>
+            </a:r>
+            <a:r>
+              <a:rPr lang="en-US" sz="2000" dirty="0"/>
+              <a:t>, assign </a:t>
+            </a:r>
+            <a:r>
+              <a:rPr lang="en-US" sz="2000" dirty="0" err="1"/>
+              <a:t>var</a:t>
+            </a:r>
+            <a:r>
+              <a:rPr lang="en-US" sz="2000" dirty="0"/>
+              <a:t> to form data</a:t>
+            </a:r>
+          </a:p>
+          <a:p>
+            <a:pPr marL="800100" lvl="1" indent="-342900" algn="l">
+              <a:buFont typeface="Arial"/>
+              <a:buChar char="•"/>
+            </a:pPr>
+            <a:r>
+              <a:rPr lang="en-US" sz="1600" dirty="0" smtClean="0"/>
+              <a:t>&lt;</a:t>
+            </a:r>
+            <a:r>
+              <a:rPr lang="en-US" sz="1600" dirty="0"/>
+              <a:t>input </a:t>
+            </a:r>
+            <a:r>
+              <a:rPr lang="en-US" sz="1600" dirty="0" err="1"/>
+              <a:t>ngControl</a:t>
+            </a:r>
+            <a:r>
+              <a:rPr lang="en-US" sz="1600" dirty="0"/>
+              <a:t>="username"  #name="</a:t>
+            </a:r>
+            <a:r>
+              <a:rPr lang="en-US" sz="1600" dirty="0" err="1"/>
+              <a:t>ngForm</a:t>
+            </a:r>
+            <a:r>
+              <a:rPr lang="en-US" sz="1600" dirty="0"/>
+              <a:t>" &gt;</a:t>
+            </a:r>
+          </a:p>
+          <a:p>
+            <a:pPr marL="800100" lvl="1" indent="-342900" algn="l">
+              <a:buFont typeface="Arial"/>
+              <a:buChar char="•"/>
+            </a:pPr>
+            <a:r>
+              <a:rPr lang="en-US" sz="1600" dirty="0" smtClean="0"/>
+              <a:t>&lt;</a:t>
+            </a:r>
+            <a:r>
+              <a:rPr lang="en-US" sz="1600" dirty="0"/>
+              <a:t>div [hidden]="</a:t>
+            </a:r>
+            <a:r>
+              <a:rPr lang="en-US" sz="1600" dirty="0" err="1"/>
+              <a:t>name.valid</a:t>
+            </a:r>
+            <a:r>
+              <a:rPr lang="en-US" sz="1600" dirty="0"/>
+              <a:t> || </a:t>
+            </a:r>
+            <a:r>
+              <a:rPr lang="en-US" sz="1600" dirty="0" err="1"/>
+              <a:t>name.pristine</a:t>
+            </a:r>
+            <a:r>
+              <a:rPr lang="en-US" sz="1600" dirty="0"/>
+              <a:t>" class="alert alert-</a:t>
+            </a:r>
+            <a:r>
+              <a:rPr lang="en-US" sz="1600" dirty="0" smtClean="0"/>
+              <a:t>danger”&gt;</a:t>
+            </a:r>
+            <a:endParaRPr lang="en-US" sz="1600" dirty="0"/>
+          </a:p>
+        </p:txBody>
+      </p:sp>
+    </p:spTree>
+    <p:extLst>
+      <p:ext uri="{BB962C8B-B14F-4D97-AF65-F5344CB8AC3E}">
+        <p14:creationId xmlns:p14="http://schemas.microsoft.com/office/powerpoint/2010/main" val="3880746114"/>
+      </p:ext>
+    </p:extLst>
+  </p:cSld>
+  <p:clrMapOvr>
+    <a:masterClrMapping/>
+  </p:clrMapOvr>
+  <p:timing>
+    <p:tnLst>
+      <p:par>
+        <p:cTn xmlns:p14="http://schemas.microsoft.com/office/powerpoint/2010/main" id="1" dur="indefinite" restart="never" nodeType="tmRoot"/>
+      </p:par>
+    </p:tnLst>
+  </p:timing>
 </p:sld>
 </file>
 
@@ -5850,21 +7704,10 @@
           <a:lstStyle/>
           <a:p>
             <a:r>
-              <a:rPr lang="en-US" dirty="0"/>
-              <a:t>Components </a:t>
-            </a:r>
-            <a:r>
-              <a:rPr lang="en-US" dirty="0"/>
-              <a:t>(</a:t>
-            </a:r>
-            <a:r>
               <a:rPr lang="en-US" dirty="0" smtClean="0"/>
-              <a:t>1.5</a:t>
-            </a:r>
-            <a:r>
-              <a:rPr lang="en-US" dirty="0"/>
-              <a:t>)</a:t>
-            </a:r>
+              <a:t>New in 1.3</a:t>
+            </a:r>
+            <a:endParaRPr lang="en-US" dirty="0"/>
           </a:p>
         </p:txBody>
       </p:sp>
@@ -5880,8 +7723,8 @@
         </p:nvSpPr>
         <p:spPr>
           <a:xfrm>
-            <a:off x="454651" y="1630710"/>
-            <a:ext cx="8371875" cy="4609893"/>
+            <a:off x="1371600" y="1630710"/>
+            <a:ext cx="6400800" cy="4609893"/>
           </a:xfrm>
         </p:spPr>
         <p:txBody>
@@ -5890,445 +7733,92 @@
           </a:bodyPr>
           <a:lstStyle/>
           <a:p>
-            <a:pPr marL="342900" indent="-342900" algn="l">
-              <a:buFont typeface="Arial"/>
-              <a:buChar char="•"/>
-            </a:pPr>
-            <a:r>
-              <a:rPr lang="en-US" sz="2000" dirty="0" smtClean="0"/>
-              <a:t>Transitional </a:t>
-            </a:r>
-            <a:r>
-              <a:rPr lang="en-US" sz="2000" dirty="0"/>
-              <a:t>step towards </a:t>
-            </a:r>
-            <a:r>
-              <a:rPr lang="en-US" sz="2000" dirty="0" err="1"/>
-              <a:t>nG</a:t>
-            </a:r>
-            <a:r>
-              <a:rPr lang="en-US" sz="2000" dirty="0"/>
-              <a:t> 2</a:t>
-            </a:r>
-          </a:p>
-          <a:p>
-            <a:pPr marL="342900" indent="-342900" algn="l">
-              <a:buFont typeface="Arial"/>
-              <a:buChar char="•"/>
-            </a:pPr>
-            <a:r>
-              <a:rPr lang="en-US" sz="2000" dirty="0" smtClean="0"/>
-              <a:t>Components </a:t>
-            </a:r>
-            <a:r>
-              <a:rPr lang="en-US" sz="2000" dirty="0"/>
-              <a:t>are a subtype of directive representing a complete UI element</a:t>
-            </a:r>
-          </a:p>
-          <a:p>
-            <a:pPr marL="800100" lvl="1" indent="-342900" algn="l">
-              <a:buFont typeface="Arial"/>
-              <a:buChar char="•"/>
-            </a:pPr>
-            <a:r>
-              <a:rPr lang="en-US" sz="1600" dirty="0" smtClean="0"/>
-              <a:t>Bundles </a:t>
-            </a:r>
-            <a:r>
-              <a:rPr lang="en-US" sz="1600" dirty="0" smtClean="0"/>
-              <a:t>a </a:t>
-            </a:r>
-            <a:r>
-              <a:rPr lang="en-US" sz="1600" dirty="0"/>
-              <a:t>view, a controller, and bindings in simpler recipe</a:t>
-            </a:r>
-          </a:p>
-          <a:p>
-            <a:pPr marL="800100" lvl="1" indent="-342900" algn="l">
-              <a:buFont typeface="Arial"/>
-              <a:buChar char="•"/>
-            </a:pPr>
-            <a:r>
-              <a:rPr lang="en-US" sz="1600" dirty="0" smtClean="0"/>
-              <a:t>Default Component options:</a:t>
-            </a:r>
-            <a:endParaRPr lang="en-US" sz="1600" dirty="0"/>
-          </a:p>
-          <a:p>
-            <a:pPr marL="1257300" lvl="2" indent="-342900" algn="l">
-              <a:buFont typeface="Arial"/>
-              <a:buChar char="•"/>
-            </a:pPr>
-            <a:r>
-              <a:rPr lang="en-US" sz="1500" dirty="0" smtClean="0"/>
-              <a:t>restricted </a:t>
-            </a:r>
-            <a:r>
-              <a:rPr lang="en-US" sz="1500" dirty="0"/>
-              <a:t>to elements</a:t>
-            </a:r>
-          </a:p>
-          <a:p>
-            <a:pPr marL="1257300" lvl="2" indent="-342900" algn="l">
-              <a:buFont typeface="Arial"/>
-              <a:buChar char="•"/>
-            </a:pPr>
-            <a:r>
-              <a:rPr lang="en-US" sz="1500" dirty="0" err="1" smtClean="0"/>
-              <a:t>transclude</a:t>
-            </a:r>
-            <a:r>
-              <a:rPr lang="en-US" sz="1500" dirty="0" smtClean="0"/>
-              <a:t> </a:t>
-            </a:r>
-            <a:r>
-              <a:rPr lang="en-US" sz="1500" dirty="0"/>
-              <a:t>false</a:t>
-            </a:r>
-          </a:p>
-          <a:p>
-            <a:pPr marL="1257300" lvl="2" indent="-342900" algn="l">
-              <a:buFont typeface="Arial"/>
-              <a:buChar char="•"/>
-            </a:pPr>
-            <a:r>
-              <a:rPr lang="en-US" sz="1500" dirty="0" smtClean="0"/>
-              <a:t>I</a:t>
-            </a:r>
-            <a:r>
-              <a:rPr lang="it-IT" sz="1500" dirty="0"/>
-              <a:t>solate </a:t>
-            </a:r>
-            <a:r>
-              <a:rPr lang="it-IT" sz="1500" dirty="0" smtClean="0"/>
-              <a:t>scope</a:t>
-            </a:r>
-            <a:endParaRPr lang="it-IT" sz="1500" dirty="0"/>
-          </a:p>
-          <a:p>
-            <a:pPr marL="1257300" lvl="2" indent="-342900" algn="l">
-              <a:buFont typeface="Arial"/>
-              <a:buChar char="•"/>
-            </a:pPr>
-            <a:r>
-              <a:rPr lang="it-IT" sz="1500" dirty="0" err="1" smtClean="0"/>
-              <a:t>controllerAs</a:t>
-            </a:r>
-            <a:r>
-              <a:rPr lang="it-IT" sz="1500" dirty="0" smtClean="0"/>
-              <a:t> </a:t>
-            </a:r>
-            <a:r>
-              <a:rPr lang="it-IT" sz="1500" dirty="0"/>
-              <a:t>$</a:t>
-            </a:r>
-            <a:r>
-              <a:rPr lang="it-IT" sz="1500" dirty="0" err="1"/>
-              <a:t>ctrl</a:t>
-            </a:r>
-            <a:endParaRPr lang="it-IT" sz="1500" dirty="0"/>
-          </a:p>
-          <a:p>
-            <a:pPr marL="800100" lvl="1" indent="-342900" algn="l">
-              <a:buFont typeface="Arial"/>
-              <a:buChar char="•"/>
-            </a:pPr>
-            <a:r>
-              <a:rPr lang="it-IT" sz="1600" dirty="0" smtClean="0"/>
-              <a:t>Continue </a:t>
-            </a:r>
-            <a:r>
-              <a:rPr lang="it-IT" sz="1600" dirty="0"/>
-              <a:t>to use </a:t>
-            </a:r>
-            <a:r>
-              <a:rPr lang="it-IT" sz="1600" dirty="0" err="1"/>
-              <a:t>Directives</a:t>
-            </a:r>
-            <a:r>
-              <a:rPr lang="it-IT" sz="1600" dirty="0"/>
-              <a:t> to </a:t>
-            </a:r>
-            <a:r>
-              <a:rPr lang="it-IT" sz="1600" dirty="0" err="1"/>
-              <a:t>add</a:t>
-            </a:r>
-            <a:r>
-              <a:rPr lang="it-IT" sz="1600" dirty="0"/>
-              <a:t> custom </a:t>
-            </a:r>
-            <a:r>
-              <a:rPr lang="it-IT" sz="1600" dirty="0" err="1" smtClean="0"/>
-              <a:t>behavior</a:t>
-            </a:r>
-            <a:r>
-              <a:rPr lang="it-IT" sz="1600" dirty="0" smtClean="0"/>
-              <a:t> </a:t>
-            </a:r>
-            <a:r>
-              <a:rPr lang="it-IT" sz="1600" dirty="0"/>
-              <a:t>to </a:t>
-            </a:r>
-            <a:r>
-              <a:rPr lang="it-IT" sz="1600" dirty="0" err="1"/>
-              <a:t>existing</a:t>
-            </a:r>
-            <a:r>
-              <a:rPr lang="it-IT" sz="1600" dirty="0"/>
-              <a:t> </a:t>
-            </a:r>
-            <a:r>
-              <a:rPr lang="it-IT" sz="1600" dirty="0" err="1"/>
-              <a:t>elements</a:t>
-            </a:r>
-            <a:endParaRPr lang="it-IT" sz="1600" dirty="0"/>
-          </a:p>
-          <a:p>
-            <a:pPr marL="342900" indent="-342900" algn="l">
-              <a:buFont typeface="Arial"/>
-              <a:buChar char="•"/>
-            </a:pPr>
-            <a:r>
-              <a:rPr lang="it-IT" sz="2000" dirty="0" err="1" smtClean="0"/>
-              <a:t>Two</a:t>
-            </a:r>
-            <a:r>
-              <a:rPr lang="it-IT" sz="2000" dirty="0" smtClean="0"/>
-              <a:t> </a:t>
-            </a:r>
-            <a:r>
-              <a:rPr lang="it-IT" sz="2000" dirty="0"/>
-              <a:t>way </a:t>
-            </a:r>
-            <a:r>
-              <a:rPr lang="it-IT" sz="2000" dirty="0" err="1"/>
+            <a:pPr marL="457200" indent="-457200" algn="l">
+              <a:buFont typeface="Arial"/>
+              <a:buChar char="•"/>
+            </a:pPr>
+            <a:r>
+              <a:rPr lang="en-US" dirty="0" smtClean="0"/>
+              <a:t>one</a:t>
+            </a:r>
+            <a:r>
+              <a:rPr lang="en-US" dirty="0"/>
+              <a:t>-time </a:t>
+            </a:r>
+            <a:r>
+              <a:rPr lang="en-US" dirty="0" smtClean="0"/>
               <a:t>bindings</a:t>
             </a:r>
-            <a:r>
-              <a:rPr lang="it-IT" sz="2000" dirty="0"/>
-              <a:t> are </a:t>
-            </a:r>
-            <a:r>
-              <a:rPr lang="it-IT" sz="2000" dirty="0" err="1"/>
-              <a:t>deprecated</a:t>
-            </a:r>
-            <a:r>
-              <a:rPr lang="it-IT" sz="2000" dirty="0"/>
-              <a:t> in 1.5 Components</a:t>
-            </a:r>
-          </a:p>
-          <a:p>
-            <a:pPr marL="800100" lvl="1" indent="-342900" algn="l">
-              <a:buFont typeface="Arial"/>
-              <a:buChar char="•"/>
-            </a:pPr>
-            <a:r>
-              <a:rPr lang="it-IT" sz="1600" dirty="0" err="1" smtClean="0"/>
-              <a:t>nG</a:t>
-            </a:r>
-            <a:r>
-              <a:rPr lang="it-IT" sz="1600" dirty="0" smtClean="0"/>
-              <a:t> </a:t>
-            </a:r>
-            <a:r>
-              <a:rPr lang="it-IT" sz="1600" dirty="0"/>
-              <a:t>2 </a:t>
-            </a:r>
-            <a:r>
-              <a:rPr lang="it-IT" sz="1600" dirty="0" err="1"/>
-              <a:t>moves</a:t>
-            </a:r>
-            <a:r>
-              <a:rPr lang="it-IT" sz="1600" dirty="0"/>
-              <a:t> </a:t>
-            </a:r>
-            <a:r>
-              <a:rPr lang="it-IT" sz="1600" dirty="0" err="1"/>
-              <a:t>away</a:t>
-            </a:r>
-            <a:r>
-              <a:rPr lang="it-IT" sz="1600" dirty="0"/>
-              <a:t> from </a:t>
-            </a:r>
-            <a:r>
-              <a:rPr lang="it-IT" sz="1600" dirty="0" err="1"/>
-              <a:t>two</a:t>
-            </a:r>
-            <a:r>
-              <a:rPr lang="it-IT" sz="1600" dirty="0"/>
-              <a:t> way </a:t>
-            </a:r>
-            <a:r>
-              <a:rPr lang="it-IT" sz="1600" dirty="0" err="1"/>
-              <a:t>binding</a:t>
-            </a:r>
-            <a:endParaRPr lang="it-IT" sz="1600" dirty="0"/>
-          </a:p>
-          <a:p>
-            <a:pPr marL="800100" lvl="1" indent="-342900" algn="l">
-              <a:buFont typeface="Arial"/>
-              <a:buChar char="•"/>
-            </a:pPr>
-            <a:r>
-              <a:rPr lang="it-IT" sz="1600" dirty="0" err="1" smtClean="0"/>
-              <a:t>They</a:t>
-            </a:r>
-            <a:r>
-              <a:rPr lang="it-IT" sz="1600" dirty="0" smtClean="0"/>
-              <a:t> </a:t>
-            </a:r>
-            <a:r>
-              <a:rPr lang="it-IT" sz="1600" dirty="0"/>
-              <a:t>cause </a:t>
-            </a:r>
-            <a:r>
-              <a:rPr lang="it-IT" sz="1600" dirty="0" err="1"/>
-              <a:t>too</a:t>
-            </a:r>
-            <a:r>
-              <a:rPr lang="it-IT" sz="1600" dirty="0"/>
-              <a:t> </a:t>
-            </a:r>
-            <a:r>
-              <a:rPr lang="it-IT" sz="1600" dirty="0" err="1"/>
-              <a:t>many</a:t>
-            </a:r>
-            <a:r>
-              <a:rPr lang="it-IT" sz="1600" dirty="0"/>
-              <a:t> </a:t>
-            </a:r>
-            <a:r>
-              <a:rPr lang="it-IT" sz="1600" dirty="0" err="1"/>
-              <a:t>issues</a:t>
-            </a:r>
-            <a:r>
-              <a:rPr lang="it-IT" sz="1600" dirty="0"/>
-              <a:t> with </a:t>
-            </a:r>
-            <a:r>
-              <a:rPr lang="it-IT" sz="1600" dirty="0" err="1"/>
-              <a:t>parent</a:t>
-            </a:r>
-            <a:r>
-              <a:rPr lang="it-IT" sz="1600" dirty="0"/>
-              <a:t> scope and </a:t>
-            </a:r>
-            <a:r>
-              <a:rPr lang="it-IT" sz="1600" dirty="0" err="1"/>
-              <a:t>prevent</a:t>
-            </a:r>
-            <a:r>
-              <a:rPr lang="it-IT" sz="1600" dirty="0"/>
-              <a:t> full </a:t>
-            </a:r>
-            <a:r>
-              <a:rPr lang="it-IT" sz="1600" dirty="0" err="1"/>
-              <a:t>separation</a:t>
-            </a:r>
-            <a:r>
-              <a:rPr lang="it-IT" sz="1600" dirty="0"/>
-              <a:t> from DOM</a:t>
-            </a:r>
-          </a:p>
-          <a:p>
-            <a:pPr marL="800100" lvl="1" indent="-342900" algn="l">
-              <a:buFont typeface="Arial"/>
-              <a:buChar char="•"/>
-            </a:pPr>
-            <a:r>
-              <a:rPr lang="it-IT" sz="1600" dirty="0" err="1" smtClean="0"/>
-              <a:t>Instead</a:t>
-            </a:r>
-            <a:r>
-              <a:rPr lang="it-IT" sz="1600" dirty="0"/>
-              <a:t>, </a:t>
-            </a:r>
-            <a:r>
-              <a:rPr lang="it-IT" sz="1600" dirty="0" err="1"/>
-              <a:t>specify</a:t>
-            </a:r>
-            <a:r>
-              <a:rPr lang="it-IT" sz="1600" dirty="0"/>
-              <a:t> </a:t>
-            </a:r>
-            <a:r>
-              <a:rPr lang="it-IT" sz="1600" dirty="0" err="1"/>
-              <a:t>one</a:t>
-            </a:r>
-            <a:r>
-              <a:rPr lang="it-IT" sz="1600" dirty="0"/>
-              <a:t>-way </a:t>
-            </a:r>
-            <a:r>
-              <a:rPr lang="it-IT" sz="1600" dirty="0" err="1"/>
-              <a:t>bind</a:t>
-            </a:r>
-            <a:r>
-              <a:rPr lang="it-IT" sz="1600" dirty="0"/>
-              <a:t> for display info</a:t>
-            </a:r>
-          </a:p>
-          <a:p>
-            <a:pPr marL="800100" lvl="1" indent="-342900" algn="l">
-              <a:buFont typeface="Arial"/>
-              <a:buChar char="•"/>
-            </a:pPr>
-            <a:r>
-              <a:rPr lang="it-IT" sz="1600" dirty="0" err="1" smtClean="0"/>
-              <a:t>Then</a:t>
-            </a:r>
-            <a:r>
-              <a:rPr lang="it-IT" sz="1600" dirty="0" smtClean="0"/>
-              <a:t> </a:t>
-            </a:r>
-            <a:r>
-              <a:rPr lang="it-IT" sz="1600" dirty="0" err="1"/>
-              <a:t>register</a:t>
-            </a:r>
-            <a:r>
-              <a:rPr lang="it-IT" sz="1600" dirty="0"/>
-              <a:t> an </a:t>
-            </a:r>
-            <a:r>
-              <a:rPr lang="it-IT" sz="1600" dirty="0" err="1"/>
-              <a:t>event</a:t>
-            </a:r>
-            <a:r>
-              <a:rPr lang="it-IT" sz="1600" dirty="0"/>
-              <a:t> </a:t>
-            </a:r>
-            <a:r>
-              <a:rPr lang="it-IT" sz="1600" dirty="0" err="1"/>
-              <a:t>handler</a:t>
-            </a:r>
-            <a:r>
-              <a:rPr lang="it-IT" sz="1600" dirty="0"/>
-              <a:t> (</a:t>
-            </a:r>
-            <a:r>
-              <a:rPr lang="it-IT" sz="1600" dirty="0" err="1"/>
-              <a:t>onChange</a:t>
-            </a:r>
-            <a:r>
-              <a:rPr lang="it-IT" sz="1600" dirty="0"/>
-              <a:t>, </a:t>
-            </a:r>
-            <a:r>
-              <a:rPr lang="it-IT" sz="1600" dirty="0" err="1"/>
-              <a:t>onDelete</a:t>
-            </a:r>
-            <a:r>
-              <a:rPr lang="it-IT" sz="1600" dirty="0"/>
-              <a:t>)</a:t>
-            </a:r>
-            <a:endParaRPr lang="en-US" sz="500" dirty="0"/>
+            <a:endParaRPr lang="en-US" dirty="0"/>
+          </a:p>
+          <a:p>
+            <a:pPr marL="457200" indent="-457200" algn="l">
+              <a:buFont typeface="Arial"/>
+              <a:buChar char="•"/>
+            </a:pPr>
+            <a:r>
+              <a:rPr lang="en-US" dirty="0" err="1" smtClean="0"/>
+              <a:t>ngAria</a:t>
+            </a:r>
+            <a:endParaRPr lang="en-US" dirty="0" smtClean="0"/>
+          </a:p>
+          <a:p>
+            <a:pPr marL="457200" indent="-457200" algn="l">
+              <a:buFont typeface="Arial"/>
+              <a:buChar char="•"/>
+            </a:pPr>
+            <a:r>
+              <a:rPr lang="en-US" dirty="0" err="1" smtClean="0"/>
+              <a:t>ngMessages</a:t>
+            </a:r>
+            <a:endParaRPr lang="en-US" dirty="0"/>
+          </a:p>
+          <a:p>
+            <a:pPr marL="457200" indent="-457200" algn="l">
+              <a:buFont typeface="Arial"/>
+              <a:buChar char="•"/>
+            </a:pPr>
+            <a:r>
+              <a:rPr lang="en-US" dirty="0" err="1" smtClean="0"/>
+              <a:t>ngModelOptions</a:t>
+            </a:r>
+            <a:endParaRPr lang="en-US" dirty="0" smtClean="0"/>
+          </a:p>
+          <a:p>
+            <a:pPr marL="457200" indent="-457200" algn="l">
+              <a:buFont typeface="Arial"/>
+              <a:buChar char="•"/>
+            </a:pPr>
+            <a:r>
+              <a:rPr lang="en-US" dirty="0" err="1" smtClean="0"/>
+              <a:t>ng</a:t>
+            </a:r>
+            <a:r>
+              <a:rPr lang="en-US" dirty="0"/>
+              <a:t>-</a:t>
+            </a:r>
+            <a:r>
+              <a:rPr lang="en-US" dirty="0" smtClean="0"/>
+              <a:t>hint</a:t>
+            </a:r>
+          </a:p>
+          <a:p>
+            <a:pPr marL="457200" indent="-457200" algn="l">
+              <a:buFont typeface="Arial"/>
+              <a:buChar char="•"/>
+            </a:pPr>
+            <a:r>
+              <a:rPr lang="en-US" dirty="0" err="1"/>
+              <a:t>bindToController</a:t>
+            </a:r>
+            <a:endParaRPr lang="en-US" dirty="0"/>
           </a:p>
         </p:txBody>
       </p:sp>
     </p:spTree>
     <p:extLst>
       <p:ext uri="{BB962C8B-B14F-4D97-AF65-F5344CB8AC3E}">
-        <p14:creationId xmlns:p14="http://schemas.microsoft.com/office/powerpoint/2010/main" val="2762821877"/>
+        <p14:creationId xmlns:p14="http://schemas.microsoft.com/office/powerpoint/2010/main" val="4067453043"/>
       </p:ext>
     </p:extLst>
   </p:cSld>
@@ -6377,12 +7867,9 @@
           <a:p>
             <a:r>
               <a:rPr lang="en-US" dirty="0" smtClean="0"/>
-              <a:t>Angular </a:t>
-            </a:r>
-            <a:r>
-              <a:rPr lang="en-US" dirty="0"/>
-              <a:t>2</a:t>
-            </a:r>
+              <a:t>New in 1.3</a:t>
+            </a:r>
+            <a:endParaRPr lang="en-US" dirty="0"/>
           </a:p>
         </p:txBody>
       </p:sp>
@@ -6398,8 +7885,8 @@
         </p:nvSpPr>
         <p:spPr>
           <a:xfrm>
-            <a:off x="454651" y="1630710"/>
-            <a:ext cx="8371875" cy="4609893"/>
+            <a:off x="1371600" y="1630710"/>
+            <a:ext cx="6400800" cy="4609893"/>
           </a:xfrm>
         </p:spPr>
         <p:txBody>
@@ -6408,173 +7895,58 @@
           </a:bodyPr>
           <a:lstStyle/>
           <a:p>
-            <a:pPr marL="342900" indent="-342900" algn="l">
-              <a:buFont typeface="Arial"/>
-              <a:buChar char="•"/>
-            </a:pPr>
-            <a:r>
-              <a:rPr lang="en-US" sz="2000" dirty="0" smtClean="0"/>
-              <a:t>Emphasis </a:t>
-            </a:r>
-          </a:p>
-          <a:p>
-            <a:pPr marL="800100" lvl="1" indent="-342900" algn="l">
-              <a:buFont typeface="Arial"/>
-              <a:buChar char="•"/>
-            </a:pPr>
-            <a:r>
-              <a:rPr lang="en-US" sz="2000" dirty="0" smtClean="0"/>
-              <a:t>Aligning with </a:t>
-            </a:r>
-            <a:r>
-              <a:rPr lang="en-US" sz="2000" dirty="0"/>
-              <a:t>HTML5 web </a:t>
-            </a:r>
-            <a:r>
-              <a:rPr lang="en-US" sz="2000" dirty="0" smtClean="0"/>
-              <a:t>components</a:t>
-            </a:r>
-          </a:p>
-          <a:p>
-            <a:pPr marL="800100" lvl="1" indent="-342900" algn="l">
-              <a:buFont typeface="Arial"/>
-              <a:buChar char="•"/>
-            </a:pPr>
-            <a:r>
-              <a:rPr lang="en-US" sz="2000" dirty="0" err="1" smtClean="0"/>
-              <a:t>Simplifyling</a:t>
-            </a:r>
-            <a:r>
-              <a:rPr lang="en-US" sz="2000" dirty="0" smtClean="0"/>
-              <a:t> API – many removals</a:t>
-            </a:r>
-            <a:endParaRPr lang="en-US" sz="2000" dirty="0" smtClean="0"/>
-          </a:p>
-          <a:p>
-            <a:pPr marL="342900" indent="-342900" algn="l">
-              <a:buFont typeface="Arial"/>
-              <a:buChar char="•"/>
-            </a:pPr>
-            <a:r>
-              <a:rPr lang="en-US" sz="2000" dirty="0" smtClean="0"/>
-              <a:t>Browser support</a:t>
-            </a:r>
-            <a:endParaRPr lang="en-US" sz="2000" dirty="0" smtClean="0"/>
-          </a:p>
-          <a:p>
-            <a:pPr marL="800100" lvl="1" indent="-342900" algn="l">
-              <a:buFont typeface="Arial"/>
-              <a:buChar char="•"/>
-            </a:pPr>
-            <a:r>
-              <a:rPr lang="en-US" sz="2000" dirty="0"/>
-              <a:t>Targets "evergreen" </a:t>
-            </a:r>
-            <a:r>
-              <a:rPr lang="en-US" sz="2000" dirty="0" smtClean="0"/>
-              <a:t>browsers</a:t>
-            </a:r>
-          </a:p>
-          <a:p>
-            <a:pPr marL="800100" lvl="1" indent="-342900" algn="l">
-              <a:buFont typeface="Arial"/>
-              <a:buChar char="•"/>
-            </a:pPr>
-            <a:r>
-              <a:rPr lang="en-US" sz="2000" dirty="0" smtClean="0"/>
-              <a:t>Some conflicting info online, but looks like support goes back as far as IE9</a:t>
-            </a:r>
-          </a:p>
-          <a:p>
-            <a:pPr marL="800100" lvl="1" indent="-342900" algn="l">
-              <a:buFont typeface="Arial"/>
-              <a:buChar char="•"/>
-            </a:pPr>
-            <a:r>
-              <a:rPr lang="en-US" sz="2000" dirty="0"/>
-              <a:t>https://</a:t>
-            </a:r>
-            <a:r>
-              <a:rPr lang="en-US" sz="2000" dirty="0" err="1"/>
-              <a:t>angular.io</a:t>
-            </a:r>
-            <a:r>
-              <a:rPr lang="en-US" sz="2000" dirty="0"/>
-              <a:t>/docs/</a:t>
-            </a:r>
-            <a:r>
-              <a:rPr lang="en-US" sz="2000" dirty="0" err="1"/>
-              <a:t>ts</a:t>
-            </a:r>
-            <a:r>
-              <a:rPr lang="en-US" sz="2000" dirty="0"/>
-              <a:t>/latest/guide/browser-</a:t>
-            </a:r>
-            <a:r>
-              <a:rPr lang="en-US" sz="2000" dirty="0" err="1"/>
-              <a:t>support.html</a:t>
-            </a:r>
-            <a:endParaRPr lang="en-US" sz="2000" dirty="0"/>
-          </a:p>
-          <a:p>
-            <a:pPr marL="342900" indent="-342900" algn="l">
-              <a:buFont typeface="Arial"/>
-              <a:buChar char="•"/>
-            </a:pPr>
-            <a:r>
-              <a:rPr lang="en-US" sz="2000" dirty="0" err="1" smtClean="0"/>
-              <a:t>TypeScript</a:t>
-            </a:r>
-            <a:r>
-              <a:rPr lang="en-US" sz="2000" dirty="0" smtClean="0"/>
-              <a:t> </a:t>
-            </a:r>
-            <a:endParaRPr lang="en-US" sz="2000" dirty="0" smtClean="0"/>
-          </a:p>
-          <a:p>
-            <a:pPr marL="800100" lvl="1" indent="-342900" algn="l">
-              <a:buFont typeface="Arial"/>
-              <a:buChar char="•"/>
-            </a:pPr>
-            <a:r>
-              <a:rPr lang="en-US" sz="2000" dirty="0" smtClean="0"/>
-              <a:t>Officially </a:t>
-            </a:r>
-            <a:r>
-              <a:rPr lang="en-US" sz="2000" dirty="0" smtClean="0"/>
-              <a:t>recommended</a:t>
-            </a:r>
-          </a:p>
-          <a:p>
-            <a:pPr marL="800100" lvl="1" indent="-342900" algn="l">
-              <a:buFont typeface="Arial"/>
-              <a:buChar char="•"/>
-            </a:pPr>
-            <a:r>
-              <a:rPr lang="en-US" sz="2000" dirty="0" smtClean="0"/>
-              <a:t>Documentation is written in TS</a:t>
-            </a:r>
-            <a:endParaRPr lang="is-IS" sz="2000" dirty="0"/>
+            <a:pPr algn="l"/>
+            <a:r>
+              <a:rPr lang="en-US" dirty="0" smtClean="0"/>
+              <a:t>One</a:t>
+            </a:r>
+            <a:r>
+              <a:rPr lang="en-US" dirty="0"/>
+              <a:t>-time </a:t>
+            </a:r>
+            <a:r>
+              <a:rPr lang="en-US" dirty="0" smtClean="0"/>
+              <a:t>bindings</a:t>
+            </a:r>
+          </a:p>
+          <a:p>
+            <a:pPr algn="l"/>
+            <a:endParaRPr lang="en-US" dirty="0"/>
+          </a:p>
+          <a:p>
+            <a:pPr algn="l"/>
+            <a:r>
+              <a:rPr lang="en-US" sz="2400" dirty="0"/>
+              <a:t>&lt;!-- </a:t>
+            </a:r>
+            <a:r>
+              <a:rPr lang="en-US" sz="2400" dirty="0" smtClean="0"/>
+              <a:t>expression </a:t>
+            </a:r>
+            <a:r>
+              <a:rPr lang="en-US" sz="2400" dirty="0"/>
+              <a:t>will not change once set --&gt;</a:t>
+            </a:r>
+          </a:p>
+          <a:p>
+            <a:pPr algn="l"/>
+            <a:r>
+              <a:rPr lang="en-US" sz="2400" dirty="0"/>
+              <a:t>&lt;h1&gt;{{::title | uppercase}}&lt;h1&gt;</a:t>
+            </a:r>
           </a:p>
         </p:txBody>
       </p:sp>
     </p:spTree>
     <p:extLst>
       <p:ext uri="{BB962C8B-B14F-4D97-AF65-F5344CB8AC3E}">
-        <p14:creationId xmlns:p14="http://schemas.microsoft.com/office/powerpoint/2010/main" val="2614652572"/>
+        <p14:creationId xmlns:p14="http://schemas.microsoft.com/office/powerpoint/2010/main" val="2084703975"/>
       </p:ext>
     </p:extLst>
   </p:cSld>
   <p:clrMapOvr>
     <a:masterClrMapping/>
   </p:clrMapOvr>
-  <p:timing>
-    <p:tnLst>
-      <p:par>
-        <p:cTn xmlns:p14="http://schemas.microsoft.com/office/powerpoint/2010/main" id="1" dur="indefinite" restart="never" nodeType="tmRoot"/>
-      </p:par>
-    </p:tnLst>
-  </p:timing>
 </p:sld>
 </file>
 
@@ -6616,12 +7988,8 @@
           <a:lstStyle/>
           <a:p>
             <a:r>
-              <a:rPr lang="en-US" dirty="0"/>
-              <a:t>Angular </a:t>
-            </a:r>
-            <a:r>
               <a:rPr lang="en-US" dirty="0" smtClean="0"/>
-              <a:t>2</a:t>
+              <a:t>New in 1.3</a:t>
             </a:r>
             <a:endParaRPr lang="en-US" dirty="0"/>
           </a:p>
@@ -6639,8 +8007,8 @@
         </p:nvSpPr>
         <p:spPr>
           <a:xfrm>
-            <a:off x="454651" y="1630710"/>
-            <a:ext cx="8371875" cy="4609893"/>
+            <a:off x="1371600" y="1630710"/>
+            <a:ext cx="6400800" cy="4609893"/>
           </a:xfrm>
         </p:spPr>
         <p:txBody>
@@ -6651,181 +8019,42 @@
           <a:p>
             <a:pPr algn="l"/>
             <a:r>
+              <a:rPr lang="en-US" dirty="0" err="1" smtClean="0"/>
+              <a:t>ngAria</a:t>
+            </a:r>
+            <a:r>
+              <a:rPr lang="en-US" dirty="0" smtClean="0"/>
+              <a:t> (module)</a:t>
+            </a:r>
+            <a:endParaRPr lang="en-US" dirty="0"/>
+          </a:p>
+          <a:p>
+            <a:pPr algn="l"/>
+            <a:endParaRPr lang="en-US" dirty="0" smtClean="0"/>
+          </a:p>
+          <a:p>
+            <a:pPr algn="l"/>
+            <a:r>
+              <a:rPr lang="en-US" sz="2400" dirty="0" smtClean="0"/>
+              <a:t>Support </a:t>
+            </a:r>
+            <a:r>
               <a:rPr lang="en-US" sz="2400" dirty="0"/>
-              <a:t>Major changes</a:t>
-            </a:r>
-          </a:p>
-          <a:p>
-            <a:pPr marL="342900" indent="-342900" algn="l">
-              <a:buFont typeface="Arial"/>
-              <a:buChar char="•"/>
-            </a:pPr>
-            <a:r>
-              <a:rPr lang="en-US" sz="2000" dirty="0" smtClean="0"/>
-              <a:t>The </a:t>
-            </a:r>
-            <a:r>
-              <a:rPr lang="en-US" sz="2000" dirty="0"/>
-              <a:t>central API is now Components</a:t>
-            </a:r>
-          </a:p>
-          <a:p>
-            <a:pPr marL="342900" indent="-342900" algn="l">
-              <a:buFont typeface="Arial"/>
-              <a:buChar char="•"/>
-            </a:pPr>
-            <a:r>
-              <a:rPr lang="en-US" sz="2000" dirty="0" smtClean="0"/>
-              <a:t>Components are a type of Directive, those are still around</a:t>
-            </a:r>
-          </a:p>
-          <a:p>
-            <a:pPr marL="342900" indent="-342900" algn="l">
-              <a:buFont typeface="Arial"/>
-              <a:buChar char="•"/>
-            </a:pPr>
-            <a:r>
-              <a:rPr lang="en-US" sz="2000" dirty="0" smtClean="0"/>
-              <a:t>Providers are still around, but their sugar/subtypes have been removed</a:t>
-            </a:r>
-          </a:p>
-          <a:p>
-            <a:pPr marL="342900" indent="-342900" algn="l">
-              <a:buFont typeface="Arial"/>
-              <a:buChar char="•"/>
-            </a:pPr>
-            <a:r>
-              <a:rPr lang="en-US" sz="2000" dirty="0" smtClean="0"/>
-              <a:t>Large </a:t>
-            </a:r>
-            <a:r>
-              <a:rPr lang="en-US" sz="2000" dirty="0"/>
-              <a:t>portions of the API have been removed:</a:t>
-            </a:r>
-          </a:p>
-          <a:p>
-            <a:pPr marL="800100" lvl="1" indent="-342900" algn="l">
-              <a:buFont typeface="Arial"/>
-              <a:buChar char="•"/>
-            </a:pPr>
-            <a:r>
-              <a:rPr lang="en-US" sz="1600" dirty="0" err="1" smtClean="0"/>
-              <a:t>angular.module</a:t>
-            </a:r>
-            <a:r>
-              <a:rPr lang="en-US" sz="1600" dirty="0"/>
-              <a:t>, scope, controllers, filters, </a:t>
-            </a:r>
-            <a:r>
-              <a:rPr lang="en-US" sz="1600" dirty="0" err="1"/>
-              <a:t>ng</a:t>
-            </a:r>
-            <a:r>
-              <a:rPr lang="en-US" sz="1600" dirty="0"/>
-              <a:t>-app</a:t>
-            </a:r>
-          </a:p>
-          <a:p>
-            <a:pPr marL="342900" indent="-342900" algn="l">
-              <a:buFont typeface="Arial"/>
-              <a:buChar char="•"/>
-            </a:pPr>
-            <a:r>
-              <a:rPr lang="en-US" sz="2000" dirty="0" smtClean="0"/>
-              <a:t>Greater </a:t>
-            </a:r>
-            <a:r>
-              <a:rPr lang="en-US" sz="2000" dirty="0"/>
-              <a:t>reliance on dependency injection</a:t>
-            </a:r>
-          </a:p>
-          <a:p>
-            <a:pPr marL="800100" lvl="1" indent="-342900" algn="l">
-              <a:buFont typeface="Arial"/>
-              <a:buChar char="•"/>
-            </a:pPr>
-            <a:r>
-              <a:rPr lang="en-US" sz="1600" dirty="0" smtClean="0"/>
-              <a:t>nG2 </a:t>
-            </a:r>
-            <a:r>
-              <a:rPr lang="en-US" sz="1600" dirty="0"/>
-              <a:t>only includes minimum functionality by default</a:t>
-            </a:r>
-          </a:p>
-          <a:p>
-            <a:pPr marL="800100" lvl="1" indent="-342900" algn="l">
-              <a:buFont typeface="Arial"/>
-              <a:buChar char="•"/>
-            </a:pPr>
-            <a:r>
-              <a:rPr lang="en-US" sz="1600" dirty="0" smtClean="0"/>
-              <a:t>Gotcha</a:t>
-            </a:r>
-            <a:r>
-              <a:rPr lang="en-US" sz="1600" dirty="0"/>
-              <a:t>: common "undefined" or "not a function" errors when you forget an </a:t>
-            </a:r>
-            <a:r>
-              <a:rPr lang="en-US" sz="1600" dirty="0" smtClean="0"/>
-              <a:t>import</a:t>
-            </a:r>
-          </a:p>
-          <a:p>
-            <a:pPr algn="l"/>
-            <a:r>
-              <a:rPr lang="en-US" sz="2400" dirty="0" smtClean="0"/>
-              <a:t>Relatively unchanged</a:t>
-            </a:r>
-            <a:endParaRPr lang="en-US" sz="2400" dirty="0"/>
-          </a:p>
-          <a:p>
-            <a:pPr marL="342900" indent="-342900" algn="l">
-              <a:buFont typeface="Arial"/>
-              <a:buChar char="•"/>
-            </a:pPr>
-            <a:r>
-              <a:rPr lang="en-US" sz="2000" dirty="0" smtClean="0"/>
-              <a:t>Directives</a:t>
-            </a:r>
-            <a:endParaRPr lang="en-US" sz="2000" dirty="0"/>
-          </a:p>
-          <a:p>
-            <a:pPr marL="342900" indent="-342900" algn="l">
-              <a:buFont typeface="Arial"/>
-              <a:buChar char="•"/>
-            </a:pPr>
-            <a:r>
-              <a:rPr lang="en-US" sz="2000" dirty="0"/>
-              <a:t>Providers are still around, but their sugar/subtypes have been removed</a:t>
-            </a:r>
-          </a:p>
-          <a:p>
-            <a:pPr marL="800100" lvl="1" indent="-342900" algn="l">
-              <a:buFont typeface="Arial"/>
-              <a:buChar char="•"/>
-            </a:pPr>
-            <a:endParaRPr lang="is-IS" sz="800" dirty="0"/>
+              <a:t>common ARIA attributes for users using assistive technologies like screen readers. </a:t>
+            </a:r>
           </a:p>
         </p:txBody>
       </p:sp>
     </p:spTree>
     <p:extLst>
       <p:ext uri="{BB962C8B-B14F-4D97-AF65-F5344CB8AC3E}">
-        <p14:creationId xmlns:p14="http://schemas.microsoft.com/office/powerpoint/2010/main" val="2565676434"/>
+        <p14:creationId xmlns:p14="http://schemas.microsoft.com/office/powerpoint/2010/main" val="180837679"/>
       </p:ext>
     </p:extLst>
   </p:cSld>
   <p:clrMapOvr>
     <a:masterClrMapping/>
   </p:clrMapOvr>
-  <p:timing>
-    <p:tnLst>
-      <p:par>
-        <p:cTn xmlns:p14="http://schemas.microsoft.com/office/powerpoint/2010/main" id="1" dur="indefinite" restart="never" nodeType="tmRoot"/>
-      </p:par>
-    </p:tnLst>
-  </p:timing>
 </p:sld>
 </file>
 
@@ -6867,12 +8096,8 @@
           <a:lstStyle/>
           <a:p>
             <a:r>
-              <a:rPr lang="en-US" dirty="0"/>
-              <a:t>Angular </a:t>
-            </a:r>
-            <a:r>
               <a:rPr lang="en-US" dirty="0" smtClean="0"/>
-              <a:t>2</a:t>
+              <a:t>New in 1.3</a:t>
             </a:r>
             <a:endParaRPr lang="en-US" dirty="0"/>
           </a:p>
@@ -6890,112 +8115,233 @@
         </p:nvSpPr>
         <p:spPr>
           <a:xfrm>
-            <a:off x="454651" y="1630710"/>
-            <a:ext cx="8371875" cy="4609893"/>
+            <a:off x="1371600" y="1630710"/>
+            <a:ext cx="6400800" cy="4609893"/>
           </a:xfrm>
         </p:spPr>
         <p:txBody>
           <a:bodyPr>
-            <a:normAutofit/>
+            <a:normAutofit fontScale="92500" lnSpcReduction="20000"/>
           </a:bodyPr>
           <a:lstStyle/>
           <a:p>
             <a:pPr algn="l"/>
             <a:r>
+              <a:rPr lang="en-US" dirty="0" err="1" smtClean="0"/>
+              <a:t>ngMessages</a:t>
+            </a:r>
+            <a:r>
+              <a:rPr lang="en-US" dirty="0" smtClean="0"/>
+              <a:t> (module)</a:t>
+            </a:r>
+          </a:p>
+          <a:p>
+            <a:pPr algn="l"/>
+            <a:endParaRPr lang="en-US" sz="2400" dirty="0"/>
+          </a:p>
+          <a:p>
+            <a:pPr algn="l"/>
+            <a:r>
+              <a:rPr lang="en-US" sz="2400" dirty="0" smtClean="0"/>
+              <a:t>Improves form validation feedback </a:t>
+            </a:r>
+          </a:p>
+          <a:p>
+            <a:pPr algn="l"/>
+            <a:endParaRPr lang="en-US" sz="2400" dirty="0"/>
+          </a:p>
+          <a:p>
+            <a:pPr algn="l"/>
+            <a:r>
+              <a:rPr lang="en-US" sz="2400" dirty="0" err="1" smtClean="0"/>
+              <a:t>angular.module</a:t>
+            </a:r>
+            <a:r>
               <a:rPr lang="en-US" sz="2400" dirty="0"/>
-              <a:t>Advantages gained</a:t>
-            </a:r>
-          </a:p>
-          <a:p>
-            <a:pPr marL="342900" indent="-342900" algn="l">
-              <a:buFont typeface="Arial"/>
-              <a:buChar char="•"/>
-            </a:pPr>
-            <a:r>
-              <a:rPr lang="en-US" sz="2000" dirty="0" smtClean="0"/>
-              <a:t>Smaller</a:t>
-            </a:r>
-            <a:r>
-              <a:rPr lang="en-US" sz="2000" dirty="0"/>
-              <a:t>, more consistent API</a:t>
-            </a:r>
-          </a:p>
-          <a:p>
-            <a:pPr marL="342900" indent="-342900" algn="l">
-              <a:buFont typeface="Arial"/>
-              <a:buChar char="•"/>
-            </a:pPr>
-            <a:r>
-              <a:rPr lang="en-US" sz="2000" dirty="0" smtClean="0"/>
-              <a:t>Greater </a:t>
-            </a:r>
-            <a:r>
-              <a:rPr lang="en-US" sz="2000" dirty="0"/>
-              <a:t>modularity/DI - import only what you need means smaller downloads</a:t>
-            </a:r>
-          </a:p>
-          <a:p>
-            <a:pPr marL="342900" indent="-342900" algn="l">
-              <a:buFont typeface="Arial"/>
-              <a:buChar char="•"/>
-            </a:pPr>
-            <a:r>
-              <a:rPr lang="en-US" sz="2000" dirty="0" smtClean="0"/>
-              <a:t>Greater </a:t>
-            </a:r>
-            <a:r>
-              <a:rPr lang="en-US" sz="2000" dirty="0"/>
-              <a:t>separation from DOM - testing, IDE support</a:t>
-            </a:r>
-          </a:p>
-          <a:p>
-            <a:pPr marL="342900" indent="-342900" algn="l">
-              <a:buFont typeface="Arial"/>
-              <a:buChar char="•"/>
-            </a:pPr>
-            <a:r>
-              <a:rPr lang="en-US" sz="2000" dirty="0" smtClean="0"/>
-              <a:t>Performance </a:t>
-            </a:r>
-            <a:r>
-              <a:rPr lang="en-US" sz="2000" dirty="0"/>
-              <a:t>speedups primarily due to jettisoning digest checking</a:t>
-            </a:r>
-          </a:p>
-          <a:p>
-            <a:pPr marL="342900" indent="-342900" algn="l">
-              <a:buFont typeface="Arial"/>
-              <a:buChar char="•"/>
-            </a:pPr>
-            <a:r>
-              <a:rPr lang="en-US" sz="2000" dirty="0" smtClean="0"/>
-              <a:t>Aligns </a:t>
-            </a:r>
-            <a:r>
-              <a:rPr lang="en-US" sz="2000" dirty="0"/>
-              <a:t>closer with the future of web components</a:t>
-            </a:r>
-            <a:endParaRPr lang="is-IS" sz="800" dirty="0"/>
+              <a:t>("App", ['</a:t>
+            </a:r>
+            <a:r>
+              <a:rPr lang="en-US" sz="2400" dirty="0" err="1"/>
+              <a:t>ngMessages</a:t>
+            </a:r>
+            <a:r>
+              <a:rPr lang="en-US" sz="2400" dirty="0"/>
+              <a:t>']</a:t>
+            </a:r>
+            <a:r>
+              <a:rPr lang="en-US" sz="2400" dirty="0" smtClean="0"/>
+              <a:t>)</a:t>
+            </a:r>
+          </a:p>
+          <a:p>
+            <a:pPr algn="l"/>
+            <a:endParaRPr lang="en-US" sz="2400" dirty="0"/>
+          </a:p>
+          <a:p>
+            <a:pPr algn="l"/>
+            <a:r>
+              <a:rPr lang="en-US" sz="2400" dirty="0" smtClean="0"/>
+              <a:t>&lt;</a:t>
+            </a:r>
+            <a:r>
+              <a:rPr lang="en-US" sz="2400" dirty="0"/>
+              <a:t>div </a:t>
+            </a:r>
+            <a:r>
+              <a:rPr lang="en-US" sz="2400" dirty="0" err="1"/>
+              <a:t>ng</a:t>
+            </a:r>
+            <a:r>
+              <a:rPr lang="en-US" sz="2400" dirty="0"/>
+              <a:t>-messages="myForm.</a:t>
+            </a:r>
+            <a:r>
+              <a:rPr lang="en-US" sz="2400" dirty="0" err="1"/>
+              <a:t>myField</a:t>
+            </a:r>
+            <a:r>
+              <a:rPr lang="en-US" sz="2400" dirty="0"/>
+              <a:t>.$error"&gt;</a:t>
+            </a:r>
+          </a:p>
+          <a:p>
+            <a:pPr algn="l"/>
+            <a:r>
+              <a:rPr lang="en-US" sz="2400" dirty="0" smtClean="0"/>
+              <a:t>  &lt;</a:t>
+            </a:r>
+            <a:r>
+              <a:rPr lang="en-US" sz="2400" dirty="0"/>
+              <a:t>div </a:t>
+            </a:r>
+            <a:r>
+              <a:rPr lang="en-US" sz="2400" dirty="0" err="1"/>
+              <a:t>ng</a:t>
+            </a:r>
+            <a:r>
+              <a:rPr lang="en-US" sz="2400" dirty="0"/>
+              <a:t>-message="required"</a:t>
+            </a:r>
+            <a:r>
+              <a:rPr lang="en-US" sz="2400" dirty="0" smtClean="0"/>
+              <a:t>&gt;</a:t>
+            </a:r>
+          </a:p>
+          <a:p>
+            <a:pPr algn="l"/>
+            <a:r>
+              <a:rPr lang="en-US" sz="2400" dirty="0"/>
+              <a:t> </a:t>
+            </a:r>
+            <a:r>
+              <a:rPr lang="en-US" sz="2400" dirty="0" smtClean="0"/>
+              <a:t>   You </a:t>
+            </a:r>
+            <a:r>
+              <a:rPr lang="en-US" sz="2400" dirty="0"/>
+              <a:t>did not enter a </a:t>
+            </a:r>
+            <a:r>
+              <a:rPr lang="en-US" sz="2400" dirty="0" smtClean="0"/>
+              <a:t>field</a:t>
+            </a:r>
+          </a:p>
+          <a:p>
+            <a:pPr algn="l"/>
+            <a:r>
+              <a:rPr lang="en-US" sz="2400" dirty="0"/>
+              <a:t> </a:t>
+            </a:r>
+            <a:r>
+              <a:rPr lang="en-US" sz="2400" dirty="0" smtClean="0"/>
+              <a:t> &lt;</a:t>
+            </a:r>
+            <a:r>
+              <a:rPr lang="en-US" sz="2400" dirty="0"/>
+              <a:t>/div&gt;</a:t>
+            </a:r>
+          </a:p>
+          <a:p>
+            <a:pPr algn="l"/>
+            <a:r>
+              <a:rPr lang="en-US" sz="2400" dirty="0"/>
+              <a:t>  </a:t>
+            </a:r>
+            <a:r>
+              <a:rPr lang="en-US" sz="2400" dirty="0" smtClean="0"/>
+              <a:t>&lt;</a:t>
+            </a:r>
+            <a:r>
+              <a:rPr lang="en-US" sz="2400" dirty="0"/>
+              <a:t>div </a:t>
+            </a:r>
+            <a:r>
+              <a:rPr lang="en-US" sz="2400" dirty="0" err="1"/>
+              <a:t>ng</a:t>
+            </a:r>
+            <a:r>
+              <a:rPr lang="en-US" sz="2400" dirty="0"/>
+              <a:t>-message="</a:t>
+            </a:r>
+            <a:r>
+              <a:rPr lang="en-US" sz="2400" dirty="0" err="1"/>
+              <a:t>minlength</a:t>
+            </a:r>
+            <a:r>
+              <a:rPr lang="en-US" sz="2400" dirty="0"/>
+              <a:t>"</a:t>
+            </a:r>
+            <a:r>
+              <a:rPr lang="en-US" sz="2400" dirty="0" smtClean="0"/>
+              <a:t>&gt;</a:t>
+            </a:r>
+          </a:p>
+          <a:p>
+            <a:pPr algn="l"/>
+            <a:r>
+              <a:rPr lang="en-US" sz="2400" dirty="0"/>
+              <a:t> </a:t>
+            </a:r>
+            <a:r>
+              <a:rPr lang="en-US" sz="2400" dirty="0" smtClean="0"/>
+              <a:t>   The </a:t>
+            </a:r>
+            <a:r>
+              <a:rPr lang="en-US" sz="2400" dirty="0"/>
+              <a:t>value entered is too </a:t>
+            </a:r>
+            <a:r>
+              <a:rPr lang="en-US" sz="2400" dirty="0" smtClean="0"/>
+              <a:t>short</a:t>
+            </a:r>
+          </a:p>
+          <a:p>
+            <a:pPr algn="l"/>
+            <a:r>
+              <a:rPr lang="en-US" sz="2400" dirty="0"/>
+              <a:t> </a:t>
+            </a:r>
+            <a:r>
+              <a:rPr lang="en-US" sz="2400" dirty="0" smtClean="0"/>
+              <a:t> &lt;</a:t>
+            </a:r>
+            <a:r>
+              <a:rPr lang="en-US" sz="2400" dirty="0"/>
+              <a:t>/div&gt;</a:t>
+            </a:r>
           </a:p>
         </p:txBody>
       </p:sp>
     </p:spTree>
     <p:extLst>
       <p:ext uri="{BB962C8B-B14F-4D97-AF65-F5344CB8AC3E}">
-        <p14:creationId xmlns:p14="http://schemas.microsoft.com/office/powerpoint/2010/main" val="2035884072"/>
+        <p14:creationId xmlns:p14="http://schemas.microsoft.com/office/powerpoint/2010/main" val="1761361382"/>
       </p:ext>
     </p:extLst>
   </p:cSld>
   <p:clrMapOvr>
     <a:masterClrMapping/>
   </p:clrMapOvr>
-  <p:timing>
-    <p:tnLst>
-      <p:par>
-        <p:cTn xmlns:p14="http://schemas.microsoft.com/office/powerpoint/2010/main" id="1" dur="indefinite" restart="never" nodeType="tmRoot"/>
-      </p:par>
-    </p:tnLst>
-  </p:timing>
 </p:sld>
 </file>
 
@@ -7037,12 +8383,8 @@
           <a:lstStyle/>
           <a:p>
             <a:r>
-              <a:rPr lang="en-US" dirty="0"/>
-              <a:t>Angular </a:t>
-            </a:r>
-            <a:r>
               <a:rPr lang="en-US" dirty="0" smtClean="0"/>
-              <a:t>2</a:t>
+              <a:t>New in 1.3</a:t>
             </a:r>
             <a:endParaRPr lang="en-US" dirty="0"/>
           </a:p>
@@ -7060,8 +8402,8 @@
         </p:nvSpPr>
         <p:spPr>
           <a:xfrm>
-            <a:off x="454651" y="1630710"/>
-            <a:ext cx="8371875" cy="4609893"/>
+            <a:off x="1371600" y="1630710"/>
+            <a:ext cx="6400800" cy="4609893"/>
           </a:xfrm>
         </p:spPr>
         <p:txBody>
@@ -7072,223 +8414,165 @@
           <a:p>
             <a:pPr algn="l"/>
             <a:r>
+              <a:rPr lang="en-US" dirty="0" err="1"/>
+              <a:t>ngModelOptions</a:t>
+            </a:r>
+            <a:endParaRPr lang="en-US" dirty="0"/>
+          </a:p>
+          <a:p>
+            <a:pPr algn="l"/>
+            <a:r>
+              <a:rPr lang="en-US" sz="2400" dirty="0" smtClean="0"/>
+              <a:t>Specify how </a:t>
+            </a:r>
+            <a:r>
               <a:rPr lang="en-US" sz="2400" dirty="0"/>
-              <a:t>A word of caution</a:t>
-            </a:r>
-          </a:p>
-          <a:p>
-            <a:pPr marL="342900" indent="-342900" algn="l">
-              <a:buFont typeface="Arial"/>
-              <a:buChar char="•"/>
-            </a:pPr>
-            <a:r>
-              <a:rPr lang="en-US" sz="2000" dirty="0" err="1" smtClean="0"/>
-              <a:t>nG</a:t>
-            </a:r>
-            <a:r>
-              <a:rPr lang="en-US" sz="2000" dirty="0" smtClean="0"/>
+              <a:t>model updates are </a:t>
+            </a:r>
+            <a:r>
+              <a:rPr lang="en-US" sz="2400" dirty="0" smtClean="0"/>
+              <a:t>done</a:t>
+            </a:r>
+          </a:p>
+          <a:p>
+            <a:pPr algn="l"/>
+            <a:endParaRPr lang="en-US" sz="2400" dirty="0"/>
+          </a:p>
+          <a:p>
+            <a:pPr algn="l"/>
+            <a:r>
+              <a:rPr lang="en-US" sz="2400" dirty="0"/>
+              <a:t>&lt;input </a:t>
+            </a:r>
+            <a:endParaRPr lang="en-US" sz="2400" dirty="0" smtClean="0"/>
+          </a:p>
+          <a:p>
+            <a:pPr algn="l"/>
+            <a:r>
+              <a:rPr lang="en-US" sz="2400" dirty="0"/>
               <a:t> </a:t>
             </a:r>
             <a:r>
-              <a:rPr lang="en-US" sz="2000" dirty="0"/>
-              <a:t>2 </a:t>
-            </a:r>
-            <a:r>
-              <a:rPr lang="en-US" sz="2000" dirty="0" smtClean="0"/>
-              <a:t>is officially in beta. </a:t>
-            </a:r>
-            <a:r>
-              <a:rPr lang="en-US" sz="2000" dirty="0"/>
-              <a:t>What does beta mean?</a:t>
-            </a:r>
-          </a:p>
-          <a:p>
-            <a:pPr marL="342900" indent="-342900" algn="l">
-              <a:buFont typeface="Arial"/>
-              <a:buChar char="•"/>
-            </a:pPr>
-            <a:r>
-              <a:rPr lang="en-US" sz="2000" dirty="0" smtClean="0"/>
-              <a:t>"</a:t>
-            </a:r>
-            <a:r>
-              <a:rPr lang="en-US" sz="2000" dirty="0"/>
-              <a:t>we're now confident that most developers can be successful building large applications"</a:t>
-            </a:r>
-          </a:p>
-          <a:p>
-            <a:pPr marL="342900" indent="-342900" algn="l">
-              <a:buFont typeface="Arial"/>
-              <a:buChar char="•"/>
-            </a:pPr>
-            <a:r>
-              <a:rPr lang="en-US" sz="2000" dirty="0" smtClean="0"/>
-              <a:t>A </a:t>
-            </a:r>
-            <a:r>
-              <a:rPr lang="en-US" sz="2000" dirty="0"/>
-              <a:t>platform is not just its code though, also its ecosystem</a:t>
-            </a:r>
-          </a:p>
-          <a:p>
-            <a:pPr marL="342900" indent="-342900" algn="l">
-              <a:buFont typeface="Arial"/>
-              <a:buChar char="•"/>
-            </a:pPr>
-            <a:r>
-              <a:rPr lang="en-US" sz="2000" dirty="0"/>
-              <a:t>  </a:t>
-            </a:r>
-            <a:r>
-              <a:rPr lang="en-US" sz="2000" dirty="0" smtClean="0"/>
-              <a:t>Tooling </a:t>
-            </a:r>
-            <a:r>
-              <a:rPr lang="en-US" sz="2000" dirty="0"/>
-              <a:t>&amp; 3rd party library support</a:t>
-            </a:r>
-          </a:p>
-          <a:p>
-            <a:pPr marL="342900" indent="-342900" algn="l">
-              <a:buFont typeface="Arial"/>
-              <a:buChar char="•"/>
-            </a:pPr>
-            <a:r>
-              <a:rPr lang="en-US" sz="2000" dirty="0"/>
-              <a:t>  </a:t>
-            </a:r>
-            <a:r>
-              <a:rPr lang="en-US" sz="2000" dirty="0" smtClean="0"/>
-              <a:t>Documentation</a:t>
-            </a:r>
-            <a:endParaRPr lang="en-US" sz="2000" dirty="0"/>
-          </a:p>
-          <a:p>
-            <a:pPr marL="342900" indent="-342900" algn="l">
-              <a:buFont typeface="Arial"/>
-              <a:buChar char="•"/>
-            </a:pPr>
-            <a:r>
-              <a:rPr lang="en-US" sz="2000" dirty="0"/>
-              <a:t>  </a:t>
-            </a:r>
-            <a:r>
-              <a:rPr lang="en-US" sz="2000" dirty="0" smtClean="0"/>
-              <a:t>Error </a:t>
-            </a:r>
-            <a:r>
-              <a:rPr lang="en-US" sz="2000" dirty="0"/>
-              <a:t>handling messages</a:t>
-            </a:r>
-          </a:p>
-          <a:p>
-            <a:pPr marL="342900" indent="-342900" algn="l">
-              <a:buFont typeface="Arial"/>
-              <a:buChar char="•"/>
-            </a:pPr>
-            <a:r>
-              <a:rPr lang="en-US" sz="2000" dirty="0"/>
-              <a:t>  </a:t>
-            </a:r>
-            <a:r>
-              <a:rPr lang="en-US" sz="2000" dirty="0" smtClean="0"/>
-              <a:t>Community </a:t>
-            </a:r>
-            <a:r>
-              <a:rPr lang="en-US" sz="2000" dirty="0"/>
-              <a:t>support</a:t>
-            </a:r>
-          </a:p>
-          <a:p>
-            <a:pPr marL="342900" indent="-342900" algn="l">
-              <a:buFont typeface="Arial"/>
-              <a:buChar char="•"/>
-            </a:pPr>
-            <a:r>
-              <a:rPr lang="en-US" sz="2000" dirty="0" smtClean="0"/>
-              <a:t>IMO, nG2 ecosystem is not mature yet</a:t>
-            </a:r>
-          </a:p>
-          <a:p>
-            <a:pPr marL="800100" lvl="1" indent="-342900" algn="l">
-              <a:buFont typeface="Arial"/>
-              <a:buChar char="•"/>
-            </a:pPr>
-            <a:r>
-              <a:rPr lang="en-US" sz="1600" dirty="0" smtClean="0"/>
-              <a:t>Official </a:t>
-            </a:r>
-            <a:r>
-              <a:rPr lang="en-US" sz="1600" dirty="0"/>
-              <a:t>documentation is </a:t>
-            </a:r>
-            <a:r>
-              <a:rPr lang="en-US" sz="1600" dirty="0" smtClean="0"/>
-              <a:t>intentionally complete</a:t>
-            </a:r>
-            <a:endParaRPr lang="is-IS" sz="400" dirty="0"/>
-          </a:p>
-          <a:p>
-            <a:pPr marL="800100" lvl="1" indent="-342900" algn="l">
-              <a:buFont typeface="Arial"/>
-              <a:buChar char="•"/>
-            </a:pPr>
-            <a:r>
-              <a:rPr lang="en-US" sz="1600" dirty="0" smtClean="0"/>
-              <a:t>Many syntax changes make older articles unreliable</a:t>
-            </a:r>
-          </a:p>
-          <a:p>
-            <a:pPr marL="800100" lvl="1" indent="-342900" algn="l">
-              <a:buFont typeface="Arial"/>
-              <a:buChar char="•"/>
-            </a:pPr>
-            <a:r>
-              <a:rPr lang="en-US" sz="1600" dirty="0" smtClean="0"/>
-              <a:t>TSC compilation issues</a:t>
-            </a:r>
-          </a:p>
-          <a:p>
-            <a:pPr marL="342900" indent="-342900" algn="l">
-              <a:buFont typeface="Arial"/>
-              <a:buChar char="•"/>
-            </a:pPr>
-            <a:r>
-              <a:rPr lang="en-US" sz="2000" dirty="0" smtClean="0"/>
-              <a:t>Proceed </a:t>
-            </a:r>
-            <a:r>
-              <a:rPr lang="en-US" sz="2000" dirty="0"/>
-              <a:t>with </a:t>
-            </a:r>
-            <a:r>
-              <a:rPr lang="en-US" sz="2000" dirty="0" smtClean="0"/>
-              <a:t>caution</a:t>
-            </a:r>
-          </a:p>
-          <a:p>
-            <a:pPr lvl="1" algn="l"/>
-            <a:endParaRPr lang="is-IS" sz="400" dirty="0"/>
+              <a:rPr lang="en-US" sz="2400" dirty="0" smtClean="0"/>
+              <a:t> type</a:t>
+            </a:r>
+            <a:r>
+              <a:rPr lang="en-US" sz="2400" dirty="0"/>
+              <a:t>="text" </a:t>
+            </a:r>
+            <a:endParaRPr lang="en-US" sz="2400" dirty="0" smtClean="0"/>
+          </a:p>
+          <a:p>
+            <a:pPr algn="l"/>
+            <a:r>
+              <a:rPr lang="en-US" sz="2400" dirty="0"/>
+              <a:t> </a:t>
+            </a:r>
+            <a:r>
+              <a:rPr lang="en-US" sz="2400" dirty="0" smtClean="0"/>
+              <a:t> </a:t>
+            </a:r>
+            <a:r>
+              <a:rPr lang="en-US" sz="2400" dirty="0" err="1" smtClean="0"/>
+              <a:t>ng</a:t>
+            </a:r>
+            <a:r>
+              <a:rPr lang="en-US" sz="2400" dirty="0"/>
+              <a:t>-model="search" </a:t>
+            </a:r>
+            <a:endParaRPr lang="en-US" sz="2400" dirty="0" smtClean="0"/>
+          </a:p>
+          <a:p>
+            <a:pPr algn="l"/>
+            <a:r>
+              <a:rPr lang="en-US" sz="2400" dirty="0"/>
+              <a:t> </a:t>
+            </a:r>
+            <a:r>
+              <a:rPr lang="en-US" sz="2400" dirty="0" smtClean="0"/>
+              <a:t> </a:t>
+            </a:r>
+            <a:r>
+              <a:rPr lang="en-US" sz="2400" dirty="0" err="1" smtClean="0"/>
+              <a:t>ng</a:t>
+            </a:r>
+            <a:r>
+              <a:rPr lang="en-US" sz="2400" dirty="0"/>
+              <a:t>-model-options="{ </a:t>
+            </a:r>
+            <a:endParaRPr lang="en-US" sz="2400" dirty="0" smtClean="0"/>
+          </a:p>
+          <a:p>
+            <a:pPr algn="l"/>
+            <a:r>
+              <a:rPr lang="en-US" sz="2400" dirty="0"/>
+              <a:t> </a:t>
+            </a:r>
+            <a:r>
+              <a:rPr lang="en-US" sz="2400" dirty="0" smtClean="0"/>
+              <a:t>   </a:t>
+            </a:r>
+            <a:r>
+              <a:rPr lang="en-US" sz="2400" dirty="0" err="1" smtClean="0"/>
+              <a:t>updateOn</a:t>
+            </a:r>
+            <a:r>
+              <a:rPr lang="en-US" sz="2400" dirty="0"/>
+              <a:t>: 'default blur', </a:t>
+            </a:r>
+            <a:endParaRPr lang="en-US" sz="2400" dirty="0" smtClean="0"/>
+          </a:p>
+          <a:p>
+            <a:pPr algn="l"/>
+            <a:r>
+              <a:rPr lang="en-US" sz="2400" dirty="0"/>
+              <a:t> </a:t>
+            </a:r>
+            <a:r>
+              <a:rPr lang="en-US" sz="2400" dirty="0" smtClean="0"/>
+              <a:t>   </a:t>
+            </a:r>
+            <a:r>
+              <a:rPr lang="en-US" sz="2400" dirty="0" err="1" smtClean="0"/>
+              <a:t>debounce</a:t>
+            </a:r>
+            <a:r>
+              <a:rPr lang="en-US" sz="2400" dirty="0"/>
+              <a:t>: {'default': 500, 'blur': 0} </a:t>
+            </a:r>
+            <a:endParaRPr lang="en-US" sz="2400" dirty="0" smtClean="0"/>
+          </a:p>
+          <a:p>
+            <a:pPr algn="l"/>
+            <a:r>
+              <a:rPr lang="en-US" sz="2400" dirty="0" smtClean="0"/>
+              <a:t>  }"</a:t>
+            </a:r>
+          </a:p>
+          <a:p>
+            <a:pPr algn="l"/>
+            <a:r>
+              <a:rPr lang="en-US" sz="2400" dirty="0" smtClean="0"/>
+              <a:t>&gt;</a:t>
+            </a:r>
+            <a:endParaRPr lang="en-US" sz="2400" dirty="0"/>
+          </a:p>
+          <a:p>
+            <a:pPr algn="l"/>
+            <a:endParaRPr lang="en-US" sz="2400" dirty="0"/>
           </a:p>
         </p:txBody>
       </p:sp>
     </p:spTree>
     <p:extLst>
       <p:ext uri="{BB962C8B-B14F-4D97-AF65-F5344CB8AC3E}">
-        <p14:creationId xmlns:p14="http://schemas.microsoft.com/office/powerpoint/2010/main" val="1792213489"/>
+        <p14:creationId xmlns:p14="http://schemas.microsoft.com/office/powerpoint/2010/main" val="246896724"/>
       </p:ext>
     </p:extLst>
   </p:cSld>
   <p:clrMapOvr>
     <a:masterClrMapping/>
   </p:clrMapOvr>
-  <p:timing>
-    <p:tnLst>
-      <p:par>
-        <p:cTn xmlns:p14="http://schemas.microsoft.com/office/powerpoint/2010/main" id="1" dur="indefinite" restart="never" nodeType="tmRoot"/>
-      </p:par>
-    </p:tnLst>
-  </p:timing>
 </p:sld>
 </file>
 
@@ -7330,8 +8614,8 @@
           <a:lstStyle/>
           <a:p>
             <a:r>
-              <a:rPr lang="en-US" dirty="0" err="1"/>
-              <a:t>TypeScript</a:t>
+              <a:rPr lang="en-US" dirty="0" smtClean="0"/>
+              <a:t>New in 1.3</a:t>
             </a:r>
             <a:endParaRPr lang="en-US" dirty="0"/>
           </a:p>
@@ -7349,267 +8633,105 @@
         </p:nvSpPr>
         <p:spPr>
           <a:xfrm>
-            <a:off x="454651" y="1630710"/>
-            <a:ext cx="8371875" cy="4609893"/>
+            <a:off x="1371600" y="1630710"/>
+            <a:ext cx="6400800" cy="4609893"/>
           </a:xfrm>
         </p:spPr>
         <p:txBody>
           <a:bodyPr>
-            <a:normAutofit lnSpcReduction="10000"/>
+            <a:normAutofit/>
           </a:bodyPr>
           <a:lstStyle/>
           <a:p>
-            <a:pPr marL="342900" indent="-342900" algn="l">
-              <a:buFont typeface="Arial"/>
-              <a:buChar char="•"/>
-            </a:pPr>
-            <a:r>
-              <a:rPr lang="en-US" sz="2000" dirty="0" smtClean="0"/>
-              <a:t>From </a:t>
-            </a:r>
-            <a:r>
-              <a:rPr lang="en-US" sz="2000" dirty="0"/>
-              <a:t>Microsoft, a compiled superset of </a:t>
-            </a:r>
-            <a:r>
-              <a:rPr lang="en-US" sz="2000" dirty="0" err="1"/>
-              <a:t>Javascript</a:t>
-            </a:r>
-            <a:endParaRPr lang="en-US" sz="2000" dirty="0"/>
-          </a:p>
-          <a:p>
-            <a:pPr marL="342900" indent="-342900" algn="l">
-              <a:buFont typeface="Arial"/>
-              <a:buChar char="•"/>
-            </a:pPr>
-            <a:r>
-              <a:rPr lang="en-US" sz="2000" dirty="0" smtClean="0"/>
-              <a:t>All </a:t>
-            </a:r>
-            <a:r>
-              <a:rPr lang="en-US" sz="2000" dirty="0"/>
-              <a:t>valid JS is valid TS (theoretically - in practice often requires tweaking)</a:t>
-            </a:r>
-          </a:p>
-          <a:p>
-            <a:pPr marL="342900" indent="-342900" algn="l">
-              <a:buFont typeface="Arial"/>
-              <a:buChar char="•"/>
-            </a:pPr>
-            <a:r>
-              <a:rPr lang="en-US" sz="2000" dirty="0" smtClean="0"/>
-              <a:t>Adds </a:t>
-            </a:r>
-            <a:r>
-              <a:rPr lang="en-US" sz="2000" dirty="0"/>
-              <a:t>support for static typing</a:t>
-            </a:r>
-          </a:p>
-          <a:p>
-            <a:pPr marL="800100" lvl="1" indent="-342900" algn="l">
-              <a:buFont typeface="Arial"/>
-              <a:buChar char="•"/>
-            </a:pPr>
-            <a:r>
-              <a:rPr lang="en-US" sz="1600" dirty="0" smtClean="0"/>
-              <a:t>Specify </a:t>
-            </a:r>
-            <a:r>
-              <a:rPr lang="en-US" sz="1600" dirty="0"/>
-              <a:t>type when declaring </a:t>
-            </a:r>
-            <a:r>
-              <a:rPr lang="en-US" sz="1600" dirty="0" err="1"/>
-              <a:t>vars</a:t>
-            </a:r>
-            <a:r>
-              <a:rPr lang="en-US" sz="1600" dirty="0"/>
-              <a:t>, function arguments and return values, </a:t>
-            </a:r>
-            <a:r>
-              <a:rPr lang="en-US" sz="1600" dirty="0" err="1"/>
-              <a:t>etc</a:t>
-            </a:r>
-            <a:endParaRPr lang="en-US" sz="1600" dirty="0"/>
-          </a:p>
-          <a:p>
-            <a:pPr marL="800100" lvl="1" indent="-342900" algn="l">
-              <a:buFont typeface="Arial"/>
-              <a:buChar char="•"/>
-            </a:pPr>
-            <a:r>
-              <a:rPr lang="en-US" sz="1600" dirty="0" smtClean="0"/>
-              <a:t>Describe </a:t>
-            </a:r>
-            <a:r>
-              <a:rPr lang="en-US" sz="1600" dirty="0"/>
-              <a:t>custom types with a "declaration" file - describe interface</a:t>
-            </a:r>
-          </a:p>
-          <a:p>
-            <a:pPr marL="342900" indent="-342900" algn="l">
-              <a:buFont typeface="Arial"/>
-              <a:buChar char="•"/>
-            </a:pPr>
-            <a:r>
-              <a:rPr lang="en-US" sz="2000" dirty="0" smtClean="0"/>
-              <a:t>Adds </a:t>
-            </a:r>
-            <a:r>
-              <a:rPr lang="en-US" sz="2000" dirty="0"/>
-              <a:t>the common ES6 features</a:t>
-            </a:r>
-          </a:p>
-          <a:p>
-            <a:pPr marL="800100" lvl="1" indent="-342900" algn="l">
-              <a:buFont typeface="Arial"/>
-              <a:buChar char="•"/>
-            </a:pPr>
-            <a:r>
-              <a:rPr lang="en-US" sz="1600" dirty="0" smtClean="0"/>
-              <a:t>arrow </a:t>
-            </a:r>
-            <a:r>
-              <a:rPr lang="en-US" sz="1600" dirty="0"/>
-              <a:t>functions, classes, modules, let keyword, Map, Promise</a:t>
-            </a:r>
-          </a:p>
-          <a:p>
-            <a:pPr marL="800100" lvl="1" indent="-342900" algn="l">
-              <a:buFont typeface="Arial"/>
-              <a:buChar char="•"/>
-            </a:pPr>
-            <a:r>
-              <a:rPr lang="en-US" sz="1600" dirty="0" smtClean="0"/>
-              <a:t>Compatibility </a:t>
-            </a:r>
-            <a:r>
-              <a:rPr lang="en-US" sz="1600" dirty="0"/>
-              <a:t>table: http://</a:t>
-            </a:r>
-            <a:r>
-              <a:rPr lang="en-US" sz="1600" dirty="0" err="1"/>
-              <a:t>kangax.github.io</a:t>
-            </a:r>
-            <a:r>
-              <a:rPr lang="en-US" sz="1600" dirty="0"/>
-              <a:t>/</a:t>
-            </a:r>
-            <a:r>
-              <a:rPr lang="en-US" sz="1600" dirty="0" err="1"/>
-              <a:t>compat</a:t>
-            </a:r>
-            <a:r>
-              <a:rPr lang="en-US" sz="1600" dirty="0"/>
-              <a:t>-table/es6/</a:t>
-            </a:r>
-          </a:p>
-          <a:p>
-            <a:pPr marL="342900" indent="-342900" algn="l">
-              <a:buFont typeface="Arial"/>
-              <a:buChar char="•"/>
-            </a:pPr>
-            <a:r>
-              <a:rPr lang="en-US" sz="2000" dirty="0" smtClean="0"/>
-              <a:t>And </a:t>
-            </a:r>
-            <a:r>
-              <a:rPr lang="en-US" sz="2000" dirty="0"/>
-              <a:t>some unique features</a:t>
-            </a:r>
-          </a:p>
-          <a:p>
-            <a:pPr marL="800100" lvl="1" indent="-342900" algn="l">
-              <a:buFont typeface="Arial"/>
-              <a:buChar char="•"/>
-            </a:pPr>
-            <a:r>
-              <a:rPr lang="en-US" sz="1600" dirty="0" smtClean="0"/>
-              <a:t>@ </a:t>
-            </a:r>
-            <a:r>
-              <a:rPr lang="en-US" sz="1600" dirty="0"/>
-              <a:t>Decorator syntax (often referred to as annotation)</a:t>
-            </a:r>
-          </a:p>
-          <a:p>
-            <a:pPr marL="800100" lvl="1" indent="-342900" algn="l">
-              <a:buFont typeface="Arial"/>
-              <a:buChar char="•"/>
-            </a:pPr>
-            <a:r>
-              <a:rPr lang="en-US" sz="1600" dirty="0" smtClean="0"/>
-              <a:t>inline </a:t>
-            </a:r>
-            <a:r>
-              <a:rPr lang="en-US" sz="1600" dirty="0"/>
-              <a:t>variable type specification</a:t>
-            </a:r>
-          </a:p>
-          <a:p>
-            <a:pPr marL="342900" indent="-342900" algn="l">
-              <a:buFont typeface="Arial"/>
-              <a:buChar char="•"/>
-            </a:pPr>
-            <a:r>
-              <a:rPr lang="en-US" sz="2000" dirty="0" smtClean="0"/>
-              <a:t>Tutorial</a:t>
-            </a:r>
-            <a:r>
-              <a:rPr lang="en-US" sz="2000" dirty="0"/>
-              <a:t>: https://</a:t>
-            </a:r>
-            <a:r>
-              <a:rPr lang="en-US" sz="2000" dirty="0" err="1"/>
-              <a:t>johnpapa.net</a:t>
-            </a:r>
-            <a:r>
-              <a:rPr lang="en-US" sz="2000" dirty="0"/>
-              <a:t>/typescriptpost1/</a:t>
-            </a:r>
-          </a:p>
-          <a:p>
-            <a:pPr marL="342900" indent="-342900" algn="l">
-              <a:buFont typeface="Arial"/>
-              <a:buChar char="•"/>
-            </a:pPr>
-            <a:r>
-              <a:rPr lang="en-US" sz="2000" dirty="0" smtClean="0"/>
-              <a:t>Quick </a:t>
-            </a:r>
-            <a:r>
-              <a:rPr lang="en-US" sz="2000" dirty="0"/>
-              <a:t>syntax reference: https://</a:t>
-            </a:r>
-            <a:r>
-              <a:rPr lang="en-US" sz="2000" dirty="0" err="1"/>
-              <a:t>quizlet.com</a:t>
-            </a:r>
-            <a:r>
-              <a:rPr lang="en-US" sz="2000" dirty="0"/>
-              <a:t>/134674527/typescript-syntax-flash-cards/</a:t>
-            </a:r>
-            <a:endParaRPr lang="is-IS" sz="400" dirty="0"/>
-          </a:p>
-        </p:txBody>
-      </p:sp>
+            <a:pPr algn="l"/>
+            <a:r>
+              <a:rPr lang="en-US" dirty="0" err="1" smtClean="0"/>
+              <a:t>ngHint</a:t>
+            </a:r>
+            <a:endParaRPr lang="en-US" dirty="0"/>
+          </a:p>
+          <a:p>
+            <a:pPr algn="l"/>
+            <a:r>
+              <a:rPr lang="en-US" sz="2400" dirty="0" smtClean="0"/>
+              <a:t>Improve debugging experience</a:t>
+            </a:r>
+          </a:p>
+          <a:p>
+            <a:pPr algn="l"/>
+            <a:endParaRPr lang="en-US" sz="2400" dirty="0" smtClean="0"/>
+          </a:p>
+          <a:p>
+            <a:pPr algn="l"/>
+            <a:r>
+              <a:rPr lang="en-US" sz="2400" dirty="0"/>
+              <a:t>&lt;body </a:t>
+            </a:r>
+            <a:r>
+              <a:rPr lang="en-US" sz="2400" dirty="0" err="1"/>
+              <a:t>ng</a:t>
+            </a:r>
+            <a:r>
+              <a:rPr lang="en-US" sz="2400" dirty="0"/>
+              <a:t>-app="</a:t>
+            </a:r>
+            <a:r>
+              <a:rPr lang="en-US" sz="2400" dirty="0" err="1"/>
+              <a:t>myApp</a:t>
+            </a:r>
+            <a:r>
+              <a:rPr lang="en-US" sz="2400" dirty="0"/>
+              <a:t>" </a:t>
+            </a:r>
+            <a:r>
+              <a:rPr lang="en-US" sz="2400" dirty="0" err="1"/>
+              <a:t>ng</a:t>
+            </a:r>
+            <a:r>
+              <a:rPr lang="en-US" sz="2400" dirty="0"/>
+              <a:t>-hint&gt;</a:t>
+            </a:r>
+          </a:p>
+          <a:p>
+            <a:pPr algn="l"/>
+            <a:endParaRPr lang="en-US" sz="2400" dirty="0"/>
+          </a:p>
+        </p:txBody>
+      </p:sp>
+      <p:pic>
+        <p:nvPicPr>
+          <p:cNvPr id="4" name="Picture 3"/>
+          <p:cNvPicPr>
+            <a:picLocks noChangeAspect="1"/>
+          </p:cNvPicPr>
+          <p:nvPr/>
+        </p:nvPicPr>
+        <p:blipFill>
+          <a:blip r:embed="rId2"/>
+          <a:stretch>
+            <a:fillRect/>
+          </a:stretch>
+        </p:blipFill>
+        <p:spPr>
+          <a:xfrm>
+            <a:off x="1181100" y="3598332"/>
+            <a:ext cx="6781374" cy="6858000"/>
+          </a:xfrm>
+          <a:prstGeom prst="rect">
+            <a:avLst/>
+          </a:prstGeom>
+        </p:spPr>
+      </p:pic>
     </p:spTree>
     <p:extLst>
       <p:ext uri="{BB962C8B-B14F-4D97-AF65-F5344CB8AC3E}">
-        <p14:creationId xmlns:p14="http://schemas.microsoft.com/office/powerpoint/2010/main" val="3428431741"/>
+        <p14:creationId xmlns:p14="http://schemas.microsoft.com/office/powerpoint/2010/main" val="1920538347"/>
       </p:ext>
     </p:extLst>
   </p:cSld>
   <p:clrMapOvr>
     <a:masterClrMapping/>
   </p:clrMapOvr>
-  <p:timing>
-    <p:tnLst>
-      <p:par>
-        <p:cTn xmlns:p14="http://schemas.microsoft.com/office/powerpoint/2010/main" id="1" dur="indefinite" restart="never" nodeType="tmRoot"/>
-      </p:par>
-    </p:tnLst>
-  </p:timing>
 </p:sld>
 </file>
 
@@ -7651,9 +8773,10 @@
           <a:lstStyle/>
           <a:p>
             <a:r>
-              <a:rPr lang="en-US" dirty="0"/>
-              <a:t>Lab: Get started with Angular 2</a:t>
-            </a:r>
+              <a:rPr lang="en-US" dirty="0" smtClean="0"/>
+              <a:t>New in 1.3</a:t>
+            </a:r>
+            <a:endParaRPr lang="en-US" dirty="0"/>
           </a:p>
         </p:txBody>
       </p:sp>
@@ -7669,183 +8792,196 @@
         </p:nvSpPr>
         <p:spPr>
           <a:xfrm>
-            <a:off x="454651" y="1630710"/>
-            <a:ext cx="8371875" cy="4609893"/>
+            <a:off x="1371600" y="1630710"/>
+            <a:ext cx="6400800" cy="4609893"/>
           </a:xfrm>
         </p:spPr>
         <p:txBody>
           <a:bodyPr>
-            <a:normAutofit/>
+            <a:normAutofit fontScale="77500" lnSpcReduction="20000"/>
           </a:bodyPr>
           <a:lstStyle/>
           <a:p>
-            <a:pPr marL="342900" indent="-342900" algn="l">
-              <a:buFont typeface="Arial"/>
-              <a:buChar char="•"/>
-            </a:pPr>
-            <a:r>
-              <a:rPr lang="en-US" sz="2000" dirty="0" smtClean="0"/>
-              <a:t>Component </a:t>
-            </a:r>
-            <a:r>
-              <a:rPr lang="en-US" sz="2000" dirty="0"/>
-              <a:t>always specifies at least one template (</a:t>
-            </a:r>
-            <a:r>
-              <a:rPr lang="en-US" sz="2000" dirty="0" err="1"/>
-              <a:t>mulitple</a:t>
-            </a:r>
-            <a:r>
-              <a:rPr lang="en-US" sz="2000" dirty="0"/>
-              <a:t> based on media query)</a:t>
-            </a:r>
-          </a:p>
-          <a:p>
-            <a:pPr marL="342900" indent="-342900" algn="l">
-              <a:buFont typeface="Arial"/>
-              <a:buChar char="•"/>
-            </a:pPr>
-            <a:r>
-              <a:rPr lang="en-US" sz="2000" dirty="0"/>
-              <a:t>  </a:t>
-            </a:r>
-            <a:r>
-              <a:rPr lang="en-US" sz="2000" dirty="0" smtClean="0"/>
-              <a:t>New </a:t>
-            </a:r>
-            <a:r>
-              <a:rPr lang="en-US" sz="2000" dirty="0"/>
-              <a:t>template syntax</a:t>
-            </a:r>
-          </a:p>
-          <a:p>
-            <a:pPr marL="342900" indent="-342900" algn="l">
-              <a:buFont typeface="Arial"/>
-              <a:buChar char="•"/>
-            </a:pPr>
-            <a:r>
-              <a:rPr lang="en-US" sz="2000" dirty="0"/>
-              <a:t>  </a:t>
-            </a:r>
-            <a:r>
-              <a:rPr lang="en-US" sz="2000" dirty="0" smtClean="0"/>
-              <a:t>ES6 </a:t>
-            </a:r>
-            <a:r>
-              <a:rPr lang="en-US" sz="2000" dirty="0"/>
-              <a:t>Class with constructor replaces Controller</a:t>
-            </a:r>
-          </a:p>
-          <a:p>
-            <a:pPr marL="342900" indent="-342900" algn="l">
-              <a:buFont typeface="Arial"/>
-              <a:buChar char="•"/>
-            </a:pPr>
-            <a:r>
-              <a:rPr lang="en-US" sz="2000" dirty="0"/>
-              <a:t>  </a:t>
-            </a:r>
-            <a:r>
-              <a:rPr lang="en-US" sz="2000" dirty="0" smtClean="0"/>
-              <a:t>Scope </a:t>
-            </a:r>
-            <a:r>
-              <a:rPr lang="en-US" sz="2000" dirty="0"/>
-              <a:t>is gone - properties of the ES6 Class now represent Component data</a:t>
-            </a:r>
-          </a:p>
-          <a:p>
-            <a:pPr marL="342900" indent="-342900" algn="l">
-              <a:buFont typeface="Arial"/>
-              <a:buChar char="•"/>
-            </a:pPr>
-            <a:r>
-              <a:rPr lang="en-US" sz="2000" dirty="0"/>
-              <a:t>  </a:t>
-            </a:r>
-            <a:r>
-              <a:rPr lang="en-US" sz="2000" dirty="0" smtClean="0"/>
-              <a:t>Input </a:t>
-            </a:r>
-            <a:r>
-              <a:rPr lang="en-US" sz="2000" dirty="0"/>
-              <a:t>and Output properties</a:t>
-            </a:r>
-          </a:p>
-          <a:p>
-            <a:pPr marL="342900" indent="-342900" algn="l">
-              <a:buFont typeface="Arial"/>
-              <a:buChar char="•"/>
-            </a:pPr>
-            <a:r>
-              <a:rPr lang="en-US" sz="2000" dirty="0"/>
-              <a:t>    </a:t>
-            </a:r>
-            <a:r>
-              <a:rPr lang="en-US" sz="2000" dirty="0" smtClean="0"/>
-              <a:t>Public </a:t>
-            </a:r>
-            <a:r>
-              <a:rPr lang="en-US" sz="2000" dirty="0"/>
-              <a:t>API of the Component</a:t>
-            </a:r>
-          </a:p>
-          <a:p>
-            <a:pPr marL="342900" indent="-342900" algn="l">
-              <a:buFont typeface="Arial"/>
-              <a:buChar char="•"/>
-            </a:pPr>
-            <a:r>
-              <a:rPr lang="en-US" sz="2000" dirty="0"/>
-              <a:t>    </a:t>
-            </a:r>
-            <a:r>
-              <a:rPr lang="en-US" sz="2000" dirty="0" smtClean="0"/>
-              <a:t>Binding </a:t>
-            </a:r>
-            <a:r>
-              <a:rPr lang="en-US" sz="2000" dirty="0"/>
-              <a:t>to Inputs remains familiar</a:t>
-            </a:r>
-          </a:p>
-          <a:p>
-            <a:pPr marL="342900" indent="-342900" algn="l">
-              <a:buFont typeface="Arial"/>
-              <a:buChar char="•"/>
-            </a:pPr>
-            <a:r>
-              <a:rPr lang="en-US" sz="2000" dirty="0"/>
-              <a:t>    </a:t>
-            </a:r>
-            <a:r>
-              <a:rPr lang="en-US" sz="2000" dirty="0" smtClean="0"/>
-              <a:t>Subscribe </a:t>
-            </a:r>
-            <a:r>
-              <a:rPr lang="en-US" sz="2000" dirty="0"/>
-              <a:t>to events for Output</a:t>
-            </a:r>
-            <a:endParaRPr lang="is-IS" sz="1600" dirty="0"/>
+            <a:pPr algn="l"/>
+            <a:r>
+              <a:rPr lang="en-US" dirty="0" err="1"/>
+              <a:t>bindToController</a:t>
+            </a:r>
+            <a:endParaRPr lang="en-US" dirty="0"/>
+          </a:p>
+          <a:p>
+            <a:pPr algn="l"/>
+            <a:r>
+              <a:rPr lang="en-US" sz="2400" dirty="0" smtClean="0"/>
+              <a:t>Boolean flag which solves some gnarly problems when using </a:t>
+            </a:r>
+            <a:r>
+              <a:rPr lang="en-US" sz="2400" dirty="0" err="1" smtClean="0"/>
+              <a:t>controllerAs</a:t>
+            </a:r>
+            <a:r>
+              <a:rPr lang="en-US" sz="2400" dirty="0" smtClean="0"/>
+              <a:t> in a directive with isolate scope.</a:t>
+            </a:r>
+          </a:p>
+          <a:p>
+            <a:pPr algn="l"/>
+            <a:r>
+              <a:rPr lang="en-US" sz="2400" dirty="0" smtClean="0"/>
+              <a:t>This:</a:t>
+            </a:r>
+            <a:endParaRPr lang="en-US" sz="2400" dirty="0"/>
+          </a:p>
+          <a:p>
+            <a:pPr algn="l"/>
+            <a:r>
+              <a:rPr lang="en-US" sz="2400" dirty="0"/>
+              <a:t> controller: function ($scope) {</a:t>
+            </a:r>
+          </a:p>
+          <a:p>
+            <a:pPr algn="l"/>
+            <a:r>
+              <a:rPr lang="en-US" sz="2400" dirty="0"/>
+              <a:t>      </a:t>
+            </a:r>
+            <a:r>
+              <a:rPr lang="en-US" sz="2400" dirty="0" err="1"/>
+              <a:t>this.name</a:t>
+            </a:r>
+            <a:r>
+              <a:rPr lang="en-US" sz="2400" dirty="0"/>
+              <a:t> = 'Pascal'</a:t>
+            </a:r>
+            <a:r>
+              <a:rPr lang="en-US" sz="2400" dirty="0" smtClean="0"/>
+              <a:t>;</a:t>
+            </a:r>
+            <a:endParaRPr lang="en-US" sz="2400" dirty="0"/>
+          </a:p>
+          <a:p>
+            <a:pPr algn="l"/>
+            <a:r>
+              <a:rPr lang="en-US" sz="2400" dirty="0"/>
+              <a:t>      $</a:t>
+            </a:r>
+            <a:r>
+              <a:rPr lang="en-US" sz="2400" dirty="0" err="1"/>
+              <a:t>scope.$watch</a:t>
+            </a:r>
+            <a:r>
+              <a:rPr lang="en-US" sz="2400" dirty="0"/>
+              <a:t>('name', function (</a:t>
+            </a:r>
+            <a:r>
+              <a:rPr lang="en-US" sz="2400" dirty="0" err="1"/>
+              <a:t>newValue</a:t>
+            </a:r>
+            <a:r>
+              <a:rPr lang="en-US" sz="2400" dirty="0"/>
+              <a:t>) {</a:t>
+            </a:r>
+          </a:p>
+          <a:p>
+            <a:pPr algn="l"/>
+            <a:r>
+              <a:rPr lang="en-US" sz="2400" dirty="0"/>
+              <a:t>        </a:t>
+            </a:r>
+            <a:r>
+              <a:rPr lang="en-US" sz="2400" dirty="0" err="1"/>
+              <a:t>this.name</a:t>
+            </a:r>
+            <a:r>
+              <a:rPr lang="en-US" sz="2400" dirty="0"/>
+              <a:t> = </a:t>
+            </a:r>
+            <a:r>
+              <a:rPr lang="en-US" sz="2400" dirty="0" err="1"/>
+              <a:t>newValue</a:t>
+            </a:r>
+            <a:r>
+              <a:rPr lang="en-US" sz="2400" dirty="0"/>
+              <a:t>;</a:t>
+            </a:r>
+          </a:p>
+          <a:p>
+            <a:pPr algn="l"/>
+            <a:r>
+              <a:rPr lang="en-US" sz="2400" dirty="0"/>
+              <a:t>      }.bind(this));</a:t>
+            </a:r>
+          </a:p>
+          <a:p>
+            <a:pPr algn="l"/>
+            <a:r>
+              <a:rPr lang="en-US" sz="2400" dirty="0" smtClean="0"/>
+              <a:t>}</a:t>
+            </a:r>
+          </a:p>
+          <a:p>
+            <a:pPr algn="l"/>
+            <a:r>
+              <a:rPr lang="en-US" sz="2400" dirty="0" smtClean="0"/>
+              <a:t>Becomes this:</a:t>
+            </a:r>
+          </a:p>
+          <a:p>
+            <a:pPr algn="l"/>
+            <a:r>
+              <a:rPr lang="en-US" sz="2400" dirty="0"/>
+              <a:t> controller: function () {</a:t>
+            </a:r>
+          </a:p>
+          <a:p>
+            <a:pPr algn="l"/>
+            <a:r>
+              <a:rPr lang="en-US" sz="2400" dirty="0"/>
+              <a:t>      </a:t>
+            </a:r>
+            <a:r>
+              <a:rPr lang="en-US" sz="2400" dirty="0" err="1"/>
+              <a:t>this.name</a:t>
+            </a:r>
+            <a:r>
+              <a:rPr lang="en-US" sz="2400" dirty="0"/>
+              <a:t> = 'Pascal';</a:t>
+            </a:r>
+          </a:p>
+          <a:p>
+            <a:pPr algn="l"/>
+            <a:r>
+              <a:rPr lang="en-US" sz="2400" dirty="0" smtClean="0"/>
+              <a:t>}</a:t>
+            </a:r>
+            <a:r>
+              <a:rPr lang="en-US" sz="2400" dirty="0"/>
+              <a:t>,</a:t>
+            </a:r>
+          </a:p>
+          <a:p>
+            <a:pPr algn="l"/>
+            <a:r>
+              <a:rPr lang="en-US" sz="2400" dirty="0" err="1" smtClean="0"/>
+              <a:t>bindToController</a:t>
+            </a:r>
+            <a:r>
+              <a:rPr lang="en-US" sz="2400" dirty="0"/>
+              <a:t>: true,</a:t>
+            </a:r>
           </a:p>
         </p:txBody>
       </p:sp>
     </p:spTree>
     <p:extLst>
       <p:ext uri="{BB962C8B-B14F-4D97-AF65-F5344CB8AC3E}">
-        <p14:creationId xmlns:p14="http://schemas.microsoft.com/office/powerpoint/2010/main" val="627062176"/>
+        <p14:creationId xmlns:p14="http://schemas.microsoft.com/office/powerpoint/2010/main" val="772153521"/>
       </p:ext>
     </p:extLst>
   </p:cSld>
   <p:clrMapOvr>
     <a:masterClrMapping/>
   </p:clrMapOvr>
-  <p:timing>
-    <p:tnLst>
-      <p:par>
-        <p:cTn xmlns:p14="http://schemas.microsoft.com/office/powerpoint/2010/main" id="1" dur="indefinite" restart="never" nodeType="tmRoot"/>
-      </p:par>
-    </p:tnLst>
-  </p:timing>
 </p:sld>
 </file>
 
